--- a/Tree Based Models.pptx
+++ b/Tree Based Models.pptx
@@ -138,7 +138,7 @@
           <p:cNvPr id="2" name="Title 1">
             <a:extLst>
               <a:ext uri="{FF2B5EF4-FFF2-40B4-BE49-F238E27FC236}">
-                <a16:creationId xmlns:a16="http://schemas.microsoft.com/office/drawing/2014/main" id="{6353C291-55BA-4CB0-BEC5-E7628B938DB5}"/>
+                <a16:creationId xmlns:a16="http://schemas.microsoft.com/office/drawing/2014/main" xmlns="" id="{6353C291-55BA-4CB0-BEC5-E7628B938DB5}"/>
               </a:ext>
             </a:extLst>
           </p:cNvPr>
@@ -175,7 +175,7 @@
           <p:cNvPr id="3" name="Subtitle 2">
             <a:extLst>
               <a:ext uri="{FF2B5EF4-FFF2-40B4-BE49-F238E27FC236}">
-                <a16:creationId xmlns:a16="http://schemas.microsoft.com/office/drawing/2014/main" id="{93E0AE75-F21D-40D7-91FD-6EF0476E7995}"/>
+                <a16:creationId xmlns:a16="http://schemas.microsoft.com/office/drawing/2014/main" xmlns="" id="{93E0AE75-F21D-40D7-91FD-6EF0476E7995}"/>
               </a:ext>
             </a:extLst>
           </p:cNvPr>
@@ -245,7 +245,7 @@
           <p:cNvPr id="4" name="Date Placeholder 3">
             <a:extLst>
               <a:ext uri="{FF2B5EF4-FFF2-40B4-BE49-F238E27FC236}">
-                <a16:creationId xmlns:a16="http://schemas.microsoft.com/office/drawing/2014/main" id="{87B6F42A-018B-43F4-80AD-1F875507F2E4}"/>
+                <a16:creationId xmlns:a16="http://schemas.microsoft.com/office/drawing/2014/main" xmlns="" id="{87B6F42A-018B-43F4-80AD-1F875507F2E4}"/>
               </a:ext>
             </a:extLst>
           </p:cNvPr>
@@ -263,7 +263,7 @@
           <a:p>
             <a:fld id="{0C3A4601-547C-4AC4-AFF2-72BD4B93D0DE}" type="datetimeFigureOut">
               <a:rPr lang="en-US" smtClean="0"/>
-              <a:t>3/8/2018</a:t>
+              <a:t>3/10/2018</a:t>
             </a:fld>
             <a:endParaRPr lang="en-US"/>
           </a:p>
@@ -274,7 +274,7 @@
           <p:cNvPr id="5" name="Footer Placeholder 4">
             <a:extLst>
               <a:ext uri="{FF2B5EF4-FFF2-40B4-BE49-F238E27FC236}">
-                <a16:creationId xmlns:a16="http://schemas.microsoft.com/office/drawing/2014/main" id="{9093A0D3-1765-4108-A94E-07B0FF3A370A}"/>
+                <a16:creationId xmlns:a16="http://schemas.microsoft.com/office/drawing/2014/main" xmlns="" id="{9093A0D3-1765-4108-A94E-07B0FF3A370A}"/>
               </a:ext>
             </a:extLst>
           </p:cNvPr>
@@ -299,7 +299,7 @@
           <p:cNvPr id="6" name="Slide Number Placeholder 5">
             <a:extLst>
               <a:ext uri="{FF2B5EF4-FFF2-40B4-BE49-F238E27FC236}">
-                <a16:creationId xmlns:a16="http://schemas.microsoft.com/office/drawing/2014/main" id="{BBEE6466-E14E-40C1-8D6D-FB55A4D1E6CC}"/>
+                <a16:creationId xmlns:a16="http://schemas.microsoft.com/office/drawing/2014/main" xmlns="" id="{BBEE6466-E14E-40C1-8D6D-FB55A4D1E6CC}"/>
               </a:ext>
             </a:extLst>
           </p:cNvPr>
@@ -358,7 +358,7 @@
           <p:cNvPr id="2" name="Title 1">
             <a:extLst>
               <a:ext uri="{FF2B5EF4-FFF2-40B4-BE49-F238E27FC236}">
-                <a16:creationId xmlns:a16="http://schemas.microsoft.com/office/drawing/2014/main" id="{3441B9A0-CD69-455F-8486-E3C12794F21B}"/>
+                <a16:creationId xmlns:a16="http://schemas.microsoft.com/office/drawing/2014/main" xmlns="" id="{3441B9A0-CD69-455F-8486-E3C12794F21B}"/>
               </a:ext>
             </a:extLst>
           </p:cNvPr>
@@ -386,7 +386,7 @@
           <p:cNvPr id="3" name="Vertical Text Placeholder 2">
             <a:extLst>
               <a:ext uri="{FF2B5EF4-FFF2-40B4-BE49-F238E27FC236}">
-                <a16:creationId xmlns:a16="http://schemas.microsoft.com/office/drawing/2014/main" id="{0F1CBFAC-1874-4173-A8EA-3D7C51176813}"/>
+                <a16:creationId xmlns:a16="http://schemas.microsoft.com/office/drawing/2014/main" xmlns="" id="{0F1CBFAC-1874-4173-A8EA-3D7C51176813}"/>
               </a:ext>
             </a:extLst>
           </p:cNvPr>
@@ -443,7 +443,7 @@
           <p:cNvPr id="4" name="Date Placeholder 3">
             <a:extLst>
               <a:ext uri="{FF2B5EF4-FFF2-40B4-BE49-F238E27FC236}">
-                <a16:creationId xmlns:a16="http://schemas.microsoft.com/office/drawing/2014/main" id="{41B43BDF-7D54-464C-A607-5D559490D219}"/>
+                <a16:creationId xmlns:a16="http://schemas.microsoft.com/office/drawing/2014/main" xmlns="" id="{41B43BDF-7D54-464C-A607-5D559490D219}"/>
               </a:ext>
             </a:extLst>
           </p:cNvPr>
@@ -461,7 +461,7 @@
           <a:p>
             <a:fld id="{0C3A4601-547C-4AC4-AFF2-72BD4B93D0DE}" type="datetimeFigureOut">
               <a:rPr lang="en-US" smtClean="0"/>
-              <a:t>3/8/2018</a:t>
+              <a:t>3/10/2018</a:t>
             </a:fld>
             <a:endParaRPr lang="en-US"/>
           </a:p>
@@ -472,7 +472,7 @@
           <p:cNvPr id="5" name="Footer Placeholder 4">
             <a:extLst>
               <a:ext uri="{FF2B5EF4-FFF2-40B4-BE49-F238E27FC236}">
-                <a16:creationId xmlns:a16="http://schemas.microsoft.com/office/drawing/2014/main" id="{815C0A64-BD3C-41F7-A078-7BF787C9519B}"/>
+                <a16:creationId xmlns:a16="http://schemas.microsoft.com/office/drawing/2014/main" xmlns="" id="{815C0A64-BD3C-41F7-A078-7BF787C9519B}"/>
               </a:ext>
             </a:extLst>
           </p:cNvPr>
@@ -497,7 +497,7 @@
           <p:cNvPr id="6" name="Slide Number Placeholder 5">
             <a:extLst>
               <a:ext uri="{FF2B5EF4-FFF2-40B4-BE49-F238E27FC236}">
-                <a16:creationId xmlns:a16="http://schemas.microsoft.com/office/drawing/2014/main" id="{31BAC790-D052-4932-93D2-F70625E45F16}"/>
+                <a16:creationId xmlns:a16="http://schemas.microsoft.com/office/drawing/2014/main" xmlns="" id="{31BAC790-D052-4932-93D2-F70625E45F16}"/>
               </a:ext>
             </a:extLst>
           </p:cNvPr>
@@ -556,7 +556,7 @@
           <p:cNvPr id="2" name="Vertical Title 1">
             <a:extLst>
               <a:ext uri="{FF2B5EF4-FFF2-40B4-BE49-F238E27FC236}">
-                <a16:creationId xmlns:a16="http://schemas.microsoft.com/office/drawing/2014/main" id="{7D6D5398-9D42-45EE-B30C-48662918C5EB}"/>
+                <a16:creationId xmlns:a16="http://schemas.microsoft.com/office/drawing/2014/main" xmlns="" id="{7D6D5398-9D42-45EE-B30C-48662918C5EB}"/>
               </a:ext>
             </a:extLst>
           </p:cNvPr>
@@ -589,7 +589,7 @@
           <p:cNvPr id="3" name="Vertical Text Placeholder 2">
             <a:extLst>
               <a:ext uri="{FF2B5EF4-FFF2-40B4-BE49-F238E27FC236}">
-                <a16:creationId xmlns:a16="http://schemas.microsoft.com/office/drawing/2014/main" id="{53F5FE00-83BF-468E-8A5D-85CB08447ADD}"/>
+                <a16:creationId xmlns:a16="http://schemas.microsoft.com/office/drawing/2014/main" xmlns="" id="{53F5FE00-83BF-468E-8A5D-85CB08447ADD}"/>
               </a:ext>
             </a:extLst>
           </p:cNvPr>
@@ -651,7 +651,7 @@
           <p:cNvPr id="4" name="Date Placeholder 3">
             <a:extLst>
               <a:ext uri="{FF2B5EF4-FFF2-40B4-BE49-F238E27FC236}">
-                <a16:creationId xmlns:a16="http://schemas.microsoft.com/office/drawing/2014/main" id="{78B46900-C337-492F-B9A1-A2466EC01C66}"/>
+                <a16:creationId xmlns:a16="http://schemas.microsoft.com/office/drawing/2014/main" xmlns="" id="{78B46900-C337-492F-B9A1-A2466EC01C66}"/>
               </a:ext>
             </a:extLst>
           </p:cNvPr>
@@ -669,7 +669,7 @@
           <a:p>
             <a:fld id="{0C3A4601-547C-4AC4-AFF2-72BD4B93D0DE}" type="datetimeFigureOut">
               <a:rPr lang="en-US" smtClean="0"/>
-              <a:t>3/8/2018</a:t>
+              <a:t>3/10/2018</a:t>
             </a:fld>
             <a:endParaRPr lang="en-US"/>
           </a:p>
@@ -680,7 +680,7 @@
           <p:cNvPr id="5" name="Footer Placeholder 4">
             <a:extLst>
               <a:ext uri="{FF2B5EF4-FFF2-40B4-BE49-F238E27FC236}">
-                <a16:creationId xmlns:a16="http://schemas.microsoft.com/office/drawing/2014/main" id="{01829488-2759-4D72-AF11-30700F0B6423}"/>
+                <a16:creationId xmlns:a16="http://schemas.microsoft.com/office/drawing/2014/main" xmlns="" id="{01829488-2759-4D72-AF11-30700F0B6423}"/>
               </a:ext>
             </a:extLst>
           </p:cNvPr>
@@ -705,7 +705,7 @@
           <p:cNvPr id="6" name="Slide Number Placeholder 5">
             <a:extLst>
               <a:ext uri="{FF2B5EF4-FFF2-40B4-BE49-F238E27FC236}">
-                <a16:creationId xmlns:a16="http://schemas.microsoft.com/office/drawing/2014/main" id="{49473AE6-A249-420A-B9A3-73B5794891AA}"/>
+                <a16:creationId xmlns:a16="http://schemas.microsoft.com/office/drawing/2014/main" xmlns="" id="{49473AE6-A249-420A-B9A3-73B5794891AA}"/>
               </a:ext>
             </a:extLst>
           </p:cNvPr>
@@ -764,7 +764,7 @@
           <p:cNvPr id="2" name="Title 1">
             <a:extLst>
               <a:ext uri="{FF2B5EF4-FFF2-40B4-BE49-F238E27FC236}">
-                <a16:creationId xmlns:a16="http://schemas.microsoft.com/office/drawing/2014/main" id="{636EBBA3-0858-4170-B5F1-96F7A871B6AC}"/>
+                <a16:creationId xmlns:a16="http://schemas.microsoft.com/office/drawing/2014/main" xmlns="" id="{636EBBA3-0858-4170-B5F1-96F7A871B6AC}"/>
               </a:ext>
             </a:extLst>
           </p:cNvPr>
@@ -792,7 +792,7 @@
           <p:cNvPr id="3" name="Content Placeholder 2">
             <a:extLst>
               <a:ext uri="{FF2B5EF4-FFF2-40B4-BE49-F238E27FC236}">
-                <a16:creationId xmlns:a16="http://schemas.microsoft.com/office/drawing/2014/main" id="{E8AF0339-19D7-4CB1-987C-723AA5F58D1C}"/>
+                <a16:creationId xmlns:a16="http://schemas.microsoft.com/office/drawing/2014/main" xmlns="" id="{E8AF0339-19D7-4CB1-987C-723AA5F58D1C}"/>
               </a:ext>
             </a:extLst>
           </p:cNvPr>
@@ -849,7 +849,7 @@
           <p:cNvPr id="4" name="Date Placeholder 3">
             <a:extLst>
               <a:ext uri="{FF2B5EF4-FFF2-40B4-BE49-F238E27FC236}">
-                <a16:creationId xmlns:a16="http://schemas.microsoft.com/office/drawing/2014/main" id="{105C7BDF-0320-4E46-92CE-20A0B751C8E5}"/>
+                <a16:creationId xmlns:a16="http://schemas.microsoft.com/office/drawing/2014/main" xmlns="" id="{105C7BDF-0320-4E46-92CE-20A0B751C8E5}"/>
               </a:ext>
             </a:extLst>
           </p:cNvPr>
@@ -867,7 +867,7 @@
           <a:p>
             <a:fld id="{0C3A4601-547C-4AC4-AFF2-72BD4B93D0DE}" type="datetimeFigureOut">
               <a:rPr lang="en-US" smtClean="0"/>
-              <a:t>3/8/2018</a:t>
+              <a:t>3/10/2018</a:t>
             </a:fld>
             <a:endParaRPr lang="en-US"/>
           </a:p>
@@ -878,7 +878,7 @@
           <p:cNvPr id="5" name="Footer Placeholder 4">
             <a:extLst>
               <a:ext uri="{FF2B5EF4-FFF2-40B4-BE49-F238E27FC236}">
-                <a16:creationId xmlns:a16="http://schemas.microsoft.com/office/drawing/2014/main" id="{49E6C298-9099-4C1C-9AE2-0C6970A3B116}"/>
+                <a16:creationId xmlns:a16="http://schemas.microsoft.com/office/drawing/2014/main" xmlns="" id="{49E6C298-9099-4C1C-9AE2-0C6970A3B116}"/>
               </a:ext>
             </a:extLst>
           </p:cNvPr>
@@ -903,7 +903,7 @@
           <p:cNvPr id="6" name="Slide Number Placeholder 5">
             <a:extLst>
               <a:ext uri="{FF2B5EF4-FFF2-40B4-BE49-F238E27FC236}">
-                <a16:creationId xmlns:a16="http://schemas.microsoft.com/office/drawing/2014/main" id="{DEED56BA-1147-433A-A78F-E2EF277FD1BF}"/>
+                <a16:creationId xmlns:a16="http://schemas.microsoft.com/office/drawing/2014/main" xmlns="" id="{DEED56BA-1147-433A-A78F-E2EF277FD1BF}"/>
               </a:ext>
             </a:extLst>
           </p:cNvPr>
@@ -962,7 +962,7 @@
           <p:cNvPr id="2" name="Title 1">
             <a:extLst>
               <a:ext uri="{FF2B5EF4-FFF2-40B4-BE49-F238E27FC236}">
-                <a16:creationId xmlns:a16="http://schemas.microsoft.com/office/drawing/2014/main" id="{5870C7C9-FE25-432A-8B65-892C086A3D52}"/>
+                <a16:creationId xmlns:a16="http://schemas.microsoft.com/office/drawing/2014/main" xmlns="" id="{5870C7C9-FE25-432A-8B65-892C086A3D52}"/>
               </a:ext>
             </a:extLst>
           </p:cNvPr>
@@ -999,7 +999,7 @@
           <p:cNvPr id="3" name="Text Placeholder 2">
             <a:extLst>
               <a:ext uri="{FF2B5EF4-FFF2-40B4-BE49-F238E27FC236}">
-                <a16:creationId xmlns:a16="http://schemas.microsoft.com/office/drawing/2014/main" id="{39E16436-83E5-4041-85E3-91B8EB42B7F9}"/>
+                <a16:creationId xmlns:a16="http://schemas.microsoft.com/office/drawing/2014/main" xmlns="" id="{39E16436-83E5-4041-85E3-91B8EB42B7F9}"/>
               </a:ext>
             </a:extLst>
           </p:cNvPr>
@@ -1124,7 +1124,7 @@
           <p:cNvPr id="4" name="Date Placeholder 3">
             <a:extLst>
               <a:ext uri="{FF2B5EF4-FFF2-40B4-BE49-F238E27FC236}">
-                <a16:creationId xmlns:a16="http://schemas.microsoft.com/office/drawing/2014/main" id="{58F12D70-0E0E-469A-A274-38C4E51F6898}"/>
+                <a16:creationId xmlns:a16="http://schemas.microsoft.com/office/drawing/2014/main" xmlns="" id="{58F12D70-0E0E-469A-A274-38C4E51F6898}"/>
               </a:ext>
             </a:extLst>
           </p:cNvPr>
@@ -1142,7 +1142,7 @@
           <a:p>
             <a:fld id="{0C3A4601-547C-4AC4-AFF2-72BD4B93D0DE}" type="datetimeFigureOut">
               <a:rPr lang="en-US" smtClean="0"/>
-              <a:t>3/8/2018</a:t>
+              <a:t>3/10/2018</a:t>
             </a:fld>
             <a:endParaRPr lang="en-US"/>
           </a:p>
@@ -1153,7 +1153,7 @@
           <p:cNvPr id="5" name="Footer Placeholder 4">
             <a:extLst>
               <a:ext uri="{FF2B5EF4-FFF2-40B4-BE49-F238E27FC236}">
-                <a16:creationId xmlns:a16="http://schemas.microsoft.com/office/drawing/2014/main" id="{965F2E3F-33DC-40BC-ADD9-4A09A2E53B1F}"/>
+                <a16:creationId xmlns:a16="http://schemas.microsoft.com/office/drawing/2014/main" xmlns="" id="{965F2E3F-33DC-40BC-ADD9-4A09A2E53B1F}"/>
               </a:ext>
             </a:extLst>
           </p:cNvPr>
@@ -1178,7 +1178,7 @@
           <p:cNvPr id="6" name="Slide Number Placeholder 5">
             <a:extLst>
               <a:ext uri="{FF2B5EF4-FFF2-40B4-BE49-F238E27FC236}">
-                <a16:creationId xmlns:a16="http://schemas.microsoft.com/office/drawing/2014/main" id="{4CC0ED01-5633-4451-A785-6F9C3EDBBE5A}"/>
+                <a16:creationId xmlns:a16="http://schemas.microsoft.com/office/drawing/2014/main" xmlns="" id="{4CC0ED01-5633-4451-A785-6F9C3EDBBE5A}"/>
               </a:ext>
             </a:extLst>
           </p:cNvPr>
@@ -1237,7 +1237,7 @@
           <p:cNvPr id="2" name="Title 1">
             <a:extLst>
               <a:ext uri="{FF2B5EF4-FFF2-40B4-BE49-F238E27FC236}">
-                <a16:creationId xmlns:a16="http://schemas.microsoft.com/office/drawing/2014/main" id="{1D7590EE-8993-4CF2-9EE1-766CB726A437}"/>
+                <a16:creationId xmlns:a16="http://schemas.microsoft.com/office/drawing/2014/main" xmlns="" id="{1D7590EE-8993-4CF2-9EE1-766CB726A437}"/>
               </a:ext>
             </a:extLst>
           </p:cNvPr>
@@ -1265,7 +1265,7 @@
           <p:cNvPr id="3" name="Content Placeholder 2">
             <a:extLst>
               <a:ext uri="{FF2B5EF4-FFF2-40B4-BE49-F238E27FC236}">
-                <a16:creationId xmlns:a16="http://schemas.microsoft.com/office/drawing/2014/main" id="{A9D1B92D-B9B0-495E-8421-8699364BEA5E}"/>
+                <a16:creationId xmlns:a16="http://schemas.microsoft.com/office/drawing/2014/main" xmlns="" id="{A9D1B92D-B9B0-495E-8421-8699364BEA5E}"/>
               </a:ext>
             </a:extLst>
           </p:cNvPr>
@@ -1327,7 +1327,7 @@
           <p:cNvPr id="4" name="Content Placeholder 3">
             <a:extLst>
               <a:ext uri="{FF2B5EF4-FFF2-40B4-BE49-F238E27FC236}">
-                <a16:creationId xmlns:a16="http://schemas.microsoft.com/office/drawing/2014/main" id="{2CB49FF5-1C04-4913-9299-5009BE1375B9}"/>
+                <a16:creationId xmlns:a16="http://schemas.microsoft.com/office/drawing/2014/main" xmlns="" id="{2CB49FF5-1C04-4913-9299-5009BE1375B9}"/>
               </a:ext>
             </a:extLst>
           </p:cNvPr>
@@ -1389,7 +1389,7 @@
           <p:cNvPr id="5" name="Date Placeholder 4">
             <a:extLst>
               <a:ext uri="{FF2B5EF4-FFF2-40B4-BE49-F238E27FC236}">
-                <a16:creationId xmlns:a16="http://schemas.microsoft.com/office/drawing/2014/main" id="{4A879E94-9B41-49FF-8370-B6F75DA0E7B7}"/>
+                <a16:creationId xmlns:a16="http://schemas.microsoft.com/office/drawing/2014/main" xmlns="" id="{4A879E94-9B41-49FF-8370-B6F75DA0E7B7}"/>
               </a:ext>
             </a:extLst>
           </p:cNvPr>
@@ -1407,7 +1407,7 @@
           <a:p>
             <a:fld id="{0C3A4601-547C-4AC4-AFF2-72BD4B93D0DE}" type="datetimeFigureOut">
               <a:rPr lang="en-US" smtClean="0"/>
-              <a:t>3/8/2018</a:t>
+              <a:t>3/10/2018</a:t>
             </a:fld>
             <a:endParaRPr lang="en-US"/>
           </a:p>
@@ -1418,7 +1418,7 @@
           <p:cNvPr id="6" name="Footer Placeholder 5">
             <a:extLst>
               <a:ext uri="{FF2B5EF4-FFF2-40B4-BE49-F238E27FC236}">
-                <a16:creationId xmlns:a16="http://schemas.microsoft.com/office/drawing/2014/main" id="{6C7042AD-81CF-4B38-983A-38AD85A09111}"/>
+                <a16:creationId xmlns:a16="http://schemas.microsoft.com/office/drawing/2014/main" xmlns="" id="{6C7042AD-81CF-4B38-983A-38AD85A09111}"/>
               </a:ext>
             </a:extLst>
           </p:cNvPr>
@@ -1443,7 +1443,7 @@
           <p:cNvPr id="7" name="Slide Number Placeholder 6">
             <a:extLst>
               <a:ext uri="{FF2B5EF4-FFF2-40B4-BE49-F238E27FC236}">
-                <a16:creationId xmlns:a16="http://schemas.microsoft.com/office/drawing/2014/main" id="{BFF959D2-9EAE-48F1-9AA5-609D2975D6E5}"/>
+                <a16:creationId xmlns:a16="http://schemas.microsoft.com/office/drawing/2014/main" xmlns="" id="{BFF959D2-9EAE-48F1-9AA5-609D2975D6E5}"/>
               </a:ext>
             </a:extLst>
           </p:cNvPr>
@@ -1502,7 +1502,7 @@
           <p:cNvPr id="2" name="Title 1">
             <a:extLst>
               <a:ext uri="{FF2B5EF4-FFF2-40B4-BE49-F238E27FC236}">
-                <a16:creationId xmlns:a16="http://schemas.microsoft.com/office/drawing/2014/main" id="{AA7AEB2D-7CA8-4B2B-90B0-B81D5A10EF99}"/>
+                <a16:creationId xmlns:a16="http://schemas.microsoft.com/office/drawing/2014/main" xmlns="" id="{AA7AEB2D-7CA8-4B2B-90B0-B81D5A10EF99}"/>
               </a:ext>
             </a:extLst>
           </p:cNvPr>
@@ -1535,7 +1535,7 @@
           <p:cNvPr id="3" name="Text Placeholder 2">
             <a:extLst>
               <a:ext uri="{FF2B5EF4-FFF2-40B4-BE49-F238E27FC236}">
-                <a16:creationId xmlns:a16="http://schemas.microsoft.com/office/drawing/2014/main" id="{9B9729B8-35A8-42AA-B025-BCE988F94FD4}"/>
+                <a16:creationId xmlns:a16="http://schemas.microsoft.com/office/drawing/2014/main" xmlns="" id="{9B9729B8-35A8-42AA-B025-BCE988F94FD4}"/>
               </a:ext>
             </a:extLst>
           </p:cNvPr>
@@ -1606,7 +1606,7 @@
           <p:cNvPr id="4" name="Content Placeholder 3">
             <a:extLst>
               <a:ext uri="{FF2B5EF4-FFF2-40B4-BE49-F238E27FC236}">
-                <a16:creationId xmlns:a16="http://schemas.microsoft.com/office/drawing/2014/main" id="{71F550A3-98DB-40E5-A5C2-7EF79187C6CA}"/>
+                <a16:creationId xmlns:a16="http://schemas.microsoft.com/office/drawing/2014/main" xmlns="" id="{71F550A3-98DB-40E5-A5C2-7EF79187C6CA}"/>
               </a:ext>
             </a:extLst>
           </p:cNvPr>
@@ -1668,7 +1668,7 @@
           <p:cNvPr id="5" name="Text Placeholder 4">
             <a:extLst>
               <a:ext uri="{FF2B5EF4-FFF2-40B4-BE49-F238E27FC236}">
-                <a16:creationId xmlns:a16="http://schemas.microsoft.com/office/drawing/2014/main" id="{81CBD858-6E5F-415C-B90E-4FA66E7A55CD}"/>
+                <a16:creationId xmlns:a16="http://schemas.microsoft.com/office/drawing/2014/main" xmlns="" id="{81CBD858-6E5F-415C-B90E-4FA66E7A55CD}"/>
               </a:ext>
             </a:extLst>
           </p:cNvPr>
@@ -1739,7 +1739,7 @@
           <p:cNvPr id="6" name="Content Placeholder 5">
             <a:extLst>
               <a:ext uri="{FF2B5EF4-FFF2-40B4-BE49-F238E27FC236}">
-                <a16:creationId xmlns:a16="http://schemas.microsoft.com/office/drawing/2014/main" id="{E9269F83-DA45-46E9-A437-E813C2C8C387}"/>
+                <a16:creationId xmlns:a16="http://schemas.microsoft.com/office/drawing/2014/main" xmlns="" id="{E9269F83-DA45-46E9-A437-E813C2C8C387}"/>
               </a:ext>
             </a:extLst>
           </p:cNvPr>
@@ -1801,7 +1801,7 @@
           <p:cNvPr id="7" name="Date Placeholder 6">
             <a:extLst>
               <a:ext uri="{FF2B5EF4-FFF2-40B4-BE49-F238E27FC236}">
-                <a16:creationId xmlns:a16="http://schemas.microsoft.com/office/drawing/2014/main" id="{C7F23E19-2379-42B1-9432-0356FAA7A5B5}"/>
+                <a16:creationId xmlns:a16="http://schemas.microsoft.com/office/drawing/2014/main" xmlns="" id="{C7F23E19-2379-42B1-9432-0356FAA7A5B5}"/>
               </a:ext>
             </a:extLst>
           </p:cNvPr>
@@ -1819,7 +1819,7 @@
           <a:p>
             <a:fld id="{0C3A4601-547C-4AC4-AFF2-72BD4B93D0DE}" type="datetimeFigureOut">
               <a:rPr lang="en-US" smtClean="0"/>
-              <a:t>3/8/2018</a:t>
+              <a:t>3/10/2018</a:t>
             </a:fld>
             <a:endParaRPr lang="en-US"/>
           </a:p>
@@ -1830,7 +1830,7 @@
           <p:cNvPr id="8" name="Footer Placeholder 7">
             <a:extLst>
               <a:ext uri="{FF2B5EF4-FFF2-40B4-BE49-F238E27FC236}">
-                <a16:creationId xmlns:a16="http://schemas.microsoft.com/office/drawing/2014/main" id="{E8A47602-5B06-4D94-9FFA-E96CB70561AE}"/>
+                <a16:creationId xmlns:a16="http://schemas.microsoft.com/office/drawing/2014/main" xmlns="" id="{E8A47602-5B06-4D94-9FFA-E96CB70561AE}"/>
               </a:ext>
             </a:extLst>
           </p:cNvPr>
@@ -1855,7 +1855,7 @@
           <p:cNvPr id="9" name="Slide Number Placeholder 8">
             <a:extLst>
               <a:ext uri="{FF2B5EF4-FFF2-40B4-BE49-F238E27FC236}">
-                <a16:creationId xmlns:a16="http://schemas.microsoft.com/office/drawing/2014/main" id="{B2C6EFE3-7759-4652-A3EE-6F3E784EE17B}"/>
+                <a16:creationId xmlns:a16="http://schemas.microsoft.com/office/drawing/2014/main" xmlns="" id="{B2C6EFE3-7759-4652-A3EE-6F3E784EE17B}"/>
               </a:ext>
             </a:extLst>
           </p:cNvPr>
@@ -1914,7 +1914,7 @@
           <p:cNvPr id="2" name="Title 1">
             <a:extLst>
               <a:ext uri="{FF2B5EF4-FFF2-40B4-BE49-F238E27FC236}">
-                <a16:creationId xmlns:a16="http://schemas.microsoft.com/office/drawing/2014/main" id="{4BB8BCD7-7607-4567-B2A3-5F1A1A229357}"/>
+                <a16:creationId xmlns:a16="http://schemas.microsoft.com/office/drawing/2014/main" xmlns="" id="{4BB8BCD7-7607-4567-B2A3-5F1A1A229357}"/>
               </a:ext>
             </a:extLst>
           </p:cNvPr>
@@ -1942,7 +1942,7 @@
           <p:cNvPr id="3" name="Date Placeholder 2">
             <a:extLst>
               <a:ext uri="{FF2B5EF4-FFF2-40B4-BE49-F238E27FC236}">
-                <a16:creationId xmlns:a16="http://schemas.microsoft.com/office/drawing/2014/main" id="{E1DE417B-4B18-4838-AC31-998ACFCBCAA7}"/>
+                <a16:creationId xmlns:a16="http://schemas.microsoft.com/office/drawing/2014/main" xmlns="" id="{E1DE417B-4B18-4838-AC31-998ACFCBCAA7}"/>
               </a:ext>
             </a:extLst>
           </p:cNvPr>
@@ -1960,7 +1960,7 @@
           <a:p>
             <a:fld id="{0C3A4601-547C-4AC4-AFF2-72BD4B93D0DE}" type="datetimeFigureOut">
               <a:rPr lang="en-US" smtClean="0"/>
-              <a:t>3/8/2018</a:t>
+              <a:t>3/10/2018</a:t>
             </a:fld>
             <a:endParaRPr lang="en-US"/>
           </a:p>
@@ -1971,7 +1971,7 @@
           <p:cNvPr id="4" name="Footer Placeholder 3">
             <a:extLst>
               <a:ext uri="{FF2B5EF4-FFF2-40B4-BE49-F238E27FC236}">
-                <a16:creationId xmlns:a16="http://schemas.microsoft.com/office/drawing/2014/main" id="{BE50AB40-62F0-4B90-8E3D-4B822DCC784B}"/>
+                <a16:creationId xmlns:a16="http://schemas.microsoft.com/office/drawing/2014/main" xmlns="" id="{BE50AB40-62F0-4B90-8E3D-4B822DCC784B}"/>
               </a:ext>
             </a:extLst>
           </p:cNvPr>
@@ -1996,7 +1996,7 @@
           <p:cNvPr id="5" name="Slide Number Placeholder 4">
             <a:extLst>
               <a:ext uri="{FF2B5EF4-FFF2-40B4-BE49-F238E27FC236}">
-                <a16:creationId xmlns:a16="http://schemas.microsoft.com/office/drawing/2014/main" id="{62927E35-F295-43DB-98C9-05D560F2AD15}"/>
+                <a16:creationId xmlns:a16="http://schemas.microsoft.com/office/drawing/2014/main" xmlns="" id="{62927E35-F295-43DB-98C9-05D560F2AD15}"/>
               </a:ext>
             </a:extLst>
           </p:cNvPr>
@@ -2055,7 +2055,7 @@
           <p:cNvPr id="2" name="Date Placeholder 1">
             <a:extLst>
               <a:ext uri="{FF2B5EF4-FFF2-40B4-BE49-F238E27FC236}">
-                <a16:creationId xmlns:a16="http://schemas.microsoft.com/office/drawing/2014/main" id="{449C00D3-3D8E-4948-A7AA-1B8664730671}"/>
+                <a16:creationId xmlns:a16="http://schemas.microsoft.com/office/drawing/2014/main" xmlns="" id="{449C00D3-3D8E-4948-A7AA-1B8664730671}"/>
               </a:ext>
             </a:extLst>
           </p:cNvPr>
@@ -2073,7 +2073,7 @@
           <a:p>
             <a:fld id="{0C3A4601-547C-4AC4-AFF2-72BD4B93D0DE}" type="datetimeFigureOut">
               <a:rPr lang="en-US" smtClean="0"/>
-              <a:t>3/8/2018</a:t>
+              <a:t>3/10/2018</a:t>
             </a:fld>
             <a:endParaRPr lang="en-US"/>
           </a:p>
@@ -2084,7 +2084,7 @@
           <p:cNvPr id="3" name="Footer Placeholder 2">
             <a:extLst>
               <a:ext uri="{FF2B5EF4-FFF2-40B4-BE49-F238E27FC236}">
-                <a16:creationId xmlns:a16="http://schemas.microsoft.com/office/drawing/2014/main" id="{2CF29D71-F1D2-4D10-A5E6-49BAFAE1F1BE}"/>
+                <a16:creationId xmlns:a16="http://schemas.microsoft.com/office/drawing/2014/main" xmlns="" id="{2CF29D71-F1D2-4D10-A5E6-49BAFAE1F1BE}"/>
               </a:ext>
             </a:extLst>
           </p:cNvPr>
@@ -2109,7 +2109,7 @@
           <p:cNvPr id="4" name="Slide Number Placeholder 3">
             <a:extLst>
               <a:ext uri="{FF2B5EF4-FFF2-40B4-BE49-F238E27FC236}">
-                <a16:creationId xmlns:a16="http://schemas.microsoft.com/office/drawing/2014/main" id="{FF2AF9ED-276F-49A9-A29D-7C8808CDE4B8}"/>
+                <a16:creationId xmlns:a16="http://schemas.microsoft.com/office/drawing/2014/main" xmlns="" id="{FF2AF9ED-276F-49A9-A29D-7C8808CDE4B8}"/>
               </a:ext>
             </a:extLst>
           </p:cNvPr>
@@ -2168,7 +2168,7 @@
           <p:cNvPr id="2" name="Title 1">
             <a:extLst>
               <a:ext uri="{FF2B5EF4-FFF2-40B4-BE49-F238E27FC236}">
-                <a16:creationId xmlns:a16="http://schemas.microsoft.com/office/drawing/2014/main" id="{89DDD25C-E8F2-44FD-A989-6187190993D4}"/>
+                <a16:creationId xmlns:a16="http://schemas.microsoft.com/office/drawing/2014/main" xmlns="" id="{89DDD25C-E8F2-44FD-A989-6187190993D4}"/>
               </a:ext>
             </a:extLst>
           </p:cNvPr>
@@ -2205,7 +2205,7 @@
           <p:cNvPr id="3" name="Content Placeholder 2">
             <a:extLst>
               <a:ext uri="{FF2B5EF4-FFF2-40B4-BE49-F238E27FC236}">
-                <a16:creationId xmlns:a16="http://schemas.microsoft.com/office/drawing/2014/main" id="{12AC9D67-11FE-4C31-9D75-EC3FBFB4E022}"/>
+                <a16:creationId xmlns:a16="http://schemas.microsoft.com/office/drawing/2014/main" xmlns="" id="{12AC9D67-11FE-4C31-9D75-EC3FBFB4E022}"/>
               </a:ext>
             </a:extLst>
           </p:cNvPr>
@@ -2295,7 +2295,7 @@
           <p:cNvPr id="4" name="Text Placeholder 3">
             <a:extLst>
               <a:ext uri="{FF2B5EF4-FFF2-40B4-BE49-F238E27FC236}">
-                <a16:creationId xmlns:a16="http://schemas.microsoft.com/office/drawing/2014/main" id="{8F66CCBE-981E-4829-AEAA-E4D7B51D74EB}"/>
+                <a16:creationId xmlns:a16="http://schemas.microsoft.com/office/drawing/2014/main" xmlns="" id="{8F66CCBE-981E-4829-AEAA-E4D7B51D74EB}"/>
               </a:ext>
             </a:extLst>
           </p:cNvPr>
@@ -2366,7 +2366,7 @@
           <p:cNvPr id="5" name="Date Placeholder 4">
             <a:extLst>
               <a:ext uri="{FF2B5EF4-FFF2-40B4-BE49-F238E27FC236}">
-                <a16:creationId xmlns:a16="http://schemas.microsoft.com/office/drawing/2014/main" id="{59871372-F285-474A-9B7F-10D59B9B8681}"/>
+                <a16:creationId xmlns:a16="http://schemas.microsoft.com/office/drawing/2014/main" xmlns="" id="{59871372-F285-474A-9B7F-10D59B9B8681}"/>
               </a:ext>
             </a:extLst>
           </p:cNvPr>
@@ -2384,7 +2384,7 @@
           <a:p>
             <a:fld id="{0C3A4601-547C-4AC4-AFF2-72BD4B93D0DE}" type="datetimeFigureOut">
               <a:rPr lang="en-US" smtClean="0"/>
-              <a:t>3/8/2018</a:t>
+              <a:t>3/10/2018</a:t>
             </a:fld>
             <a:endParaRPr lang="en-US"/>
           </a:p>
@@ -2395,7 +2395,7 @@
           <p:cNvPr id="6" name="Footer Placeholder 5">
             <a:extLst>
               <a:ext uri="{FF2B5EF4-FFF2-40B4-BE49-F238E27FC236}">
-                <a16:creationId xmlns:a16="http://schemas.microsoft.com/office/drawing/2014/main" id="{BD895AE8-C1D1-4F73-8515-60AB8D70B8A5}"/>
+                <a16:creationId xmlns:a16="http://schemas.microsoft.com/office/drawing/2014/main" xmlns="" id="{BD895AE8-C1D1-4F73-8515-60AB8D70B8A5}"/>
               </a:ext>
             </a:extLst>
           </p:cNvPr>
@@ -2420,7 +2420,7 @@
           <p:cNvPr id="7" name="Slide Number Placeholder 6">
             <a:extLst>
               <a:ext uri="{FF2B5EF4-FFF2-40B4-BE49-F238E27FC236}">
-                <a16:creationId xmlns:a16="http://schemas.microsoft.com/office/drawing/2014/main" id="{2742109D-6C94-4F3D-9716-F403010F114C}"/>
+                <a16:creationId xmlns:a16="http://schemas.microsoft.com/office/drawing/2014/main" xmlns="" id="{2742109D-6C94-4F3D-9716-F403010F114C}"/>
               </a:ext>
             </a:extLst>
           </p:cNvPr>
@@ -2479,7 +2479,7 @@
           <p:cNvPr id="2" name="Title 1">
             <a:extLst>
               <a:ext uri="{FF2B5EF4-FFF2-40B4-BE49-F238E27FC236}">
-                <a16:creationId xmlns:a16="http://schemas.microsoft.com/office/drawing/2014/main" id="{23BC5458-39D5-4D3C-B96C-7A8C19B1D7DA}"/>
+                <a16:creationId xmlns:a16="http://schemas.microsoft.com/office/drawing/2014/main" xmlns="" id="{23BC5458-39D5-4D3C-B96C-7A8C19B1D7DA}"/>
               </a:ext>
             </a:extLst>
           </p:cNvPr>
@@ -2516,7 +2516,7 @@
           <p:cNvPr id="3" name="Picture Placeholder 2">
             <a:extLst>
               <a:ext uri="{FF2B5EF4-FFF2-40B4-BE49-F238E27FC236}">
-                <a16:creationId xmlns:a16="http://schemas.microsoft.com/office/drawing/2014/main" id="{F860CD2F-477F-4DA2-B167-3259B479F407}"/>
+                <a16:creationId xmlns:a16="http://schemas.microsoft.com/office/drawing/2014/main" xmlns="" id="{F860CD2F-477F-4DA2-B167-3259B479F407}"/>
               </a:ext>
             </a:extLst>
           </p:cNvPr>
@@ -2583,7 +2583,7 @@
           <p:cNvPr id="4" name="Text Placeholder 3">
             <a:extLst>
               <a:ext uri="{FF2B5EF4-FFF2-40B4-BE49-F238E27FC236}">
-                <a16:creationId xmlns:a16="http://schemas.microsoft.com/office/drawing/2014/main" id="{B597A9C1-9B20-45BB-8BEE-6B139FCA1EC7}"/>
+                <a16:creationId xmlns:a16="http://schemas.microsoft.com/office/drawing/2014/main" xmlns="" id="{B597A9C1-9B20-45BB-8BEE-6B139FCA1EC7}"/>
               </a:ext>
             </a:extLst>
           </p:cNvPr>
@@ -2654,7 +2654,7 @@
           <p:cNvPr id="5" name="Date Placeholder 4">
             <a:extLst>
               <a:ext uri="{FF2B5EF4-FFF2-40B4-BE49-F238E27FC236}">
-                <a16:creationId xmlns:a16="http://schemas.microsoft.com/office/drawing/2014/main" id="{38F225AB-5CB6-435D-BB3C-92DC057B7F34}"/>
+                <a16:creationId xmlns:a16="http://schemas.microsoft.com/office/drawing/2014/main" xmlns="" id="{38F225AB-5CB6-435D-BB3C-92DC057B7F34}"/>
               </a:ext>
             </a:extLst>
           </p:cNvPr>
@@ -2672,7 +2672,7 @@
           <a:p>
             <a:fld id="{0C3A4601-547C-4AC4-AFF2-72BD4B93D0DE}" type="datetimeFigureOut">
               <a:rPr lang="en-US" smtClean="0"/>
-              <a:t>3/8/2018</a:t>
+              <a:t>3/10/2018</a:t>
             </a:fld>
             <a:endParaRPr lang="en-US"/>
           </a:p>
@@ -2683,7 +2683,7 @@
           <p:cNvPr id="6" name="Footer Placeholder 5">
             <a:extLst>
               <a:ext uri="{FF2B5EF4-FFF2-40B4-BE49-F238E27FC236}">
-                <a16:creationId xmlns:a16="http://schemas.microsoft.com/office/drawing/2014/main" id="{111A3D1A-1A14-47DF-A1CA-73B419A4A82B}"/>
+                <a16:creationId xmlns:a16="http://schemas.microsoft.com/office/drawing/2014/main" xmlns="" id="{111A3D1A-1A14-47DF-A1CA-73B419A4A82B}"/>
               </a:ext>
             </a:extLst>
           </p:cNvPr>
@@ -2708,7 +2708,7 @@
           <p:cNvPr id="7" name="Slide Number Placeholder 6">
             <a:extLst>
               <a:ext uri="{FF2B5EF4-FFF2-40B4-BE49-F238E27FC236}">
-                <a16:creationId xmlns:a16="http://schemas.microsoft.com/office/drawing/2014/main" id="{6CDC4581-00F3-4136-B393-B0E5A27EB3CF}"/>
+                <a16:creationId xmlns:a16="http://schemas.microsoft.com/office/drawing/2014/main" xmlns="" id="{6CDC4581-00F3-4136-B393-B0E5A27EB3CF}"/>
               </a:ext>
             </a:extLst>
           </p:cNvPr>
@@ -2772,7 +2772,7 @@
           <p:cNvPr id="2" name="Title Placeholder 1">
             <a:extLst>
               <a:ext uri="{FF2B5EF4-FFF2-40B4-BE49-F238E27FC236}">
-                <a16:creationId xmlns:a16="http://schemas.microsoft.com/office/drawing/2014/main" id="{F10FF845-D5A0-4888-89F1-5DADED7861EE}"/>
+                <a16:creationId xmlns:a16="http://schemas.microsoft.com/office/drawing/2014/main" xmlns="" id="{F10FF845-D5A0-4888-89F1-5DADED7861EE}"/>
               </a:ext>
             </a:extLst>
           </p:cNvPr>
@@ -2810,7 +2810,7 @@
           <p:cNvPr id="3" name="Text Placeholder 2">
             <a:extLst>
               <a:ext uri="{FF2B5EF4-FFF2-40B4-BE49-F238E27FC236}">
-                <a16:creationId xmlns:a16="http://schemas.microsoft.com/office/drawing/2014/main" id="{47620348-8076-4488-9383-169BF0597795}"/>
+                <a16:creationId xmlns:a16="http://schemas.microsoft.com/office/drawing/2014/main" xmlns="" id="{47620348-8076-4488-9383-169BF0597795}"/>
               </a:ext>
             </a:extLst>
           </p:cNvPr>
@@ -2877,7 +2877,7 @@
           <p:cNvPr id="4" name="Date Placeholder 3">
             <a:extLst>
               <a:ext uri="{FF2B5EF4-FFF2-40B4-BE49-F238E27FC236}">
-                <a16:creationId xmlns:a16="http://schemas.microsoft.com/office/drawing/2014/main" id="{C59FA5E2-2F7E-4924-A94D-30B9154828D0}"/>
+                <a16:creationId xmlns:a16="http://schemas.microsoft.com/office/drawing/2014/main" xmlns="" id="{C59FA5E2-2F7E-4924-A94D-30B9154828D0}"/>
               </a:ext>
             </a:extLst>
           </p:cNvPr>
@@ -2913,7 +2913,7 @@
           <a:p>
             <a:fld id="{0C3A4601-547C-4AC4-AFF2-72BD4B93D0DE}" type="datetimeFigureOut">
               <a:rPr lang="en-US" smtClean="0"/>
-              <a:t>3/8/2018</a:t>
+              <a:t>3/10/2018</a:t>
             </a:fld>
             <a:endParaRPr lang="en-US"/>
           </a:p>
@@ -2924,7 +2924,7 @@
           <p:cNvPr id="5" name="Footer Placeholder 4">
             <a:extLst>
               <a:ext uri="{FF2B5EF4-FFF2-40B4-BE49-F238E27FC236}">
-                <a16:creationId xmlns:a16="http://schemas.microsoft.com/office/drawing/2014/main" id="{16462D0F-0B77-4835-83B3-E95E02E30118}"/>
+                <a16:creationId xmlns:a16="http://schemas.microsoft.com/office/drawing/2014/main" xmlns="" id="{16462D0F-0B77-4835-83B3-E95E02E30118}"/>
               </a:ext>
             </a:extLst>
           </p:cNvPr>
@@ -2967,7 +2967,7 @@
           <p:cNvPr id="6" name="Slide Number Placeholder 5">
             <a:extLst>
               <a:ext uri="{FF2B5EF4-FFF2-40B4-BE49-F238E27FC236}">
-                <a16:creationId xmlns:a16="http://schemas.microsoft.com/office/drawing/2014/main" id="{F98223AF-3DB5-4F77-8223-E04E52B35EF8}"/>
+                <a16:creationId xmlns:a16="http://schemas.microsoft.com/office/drawing/2014/main" xmlns="" id="{F98223AF-3DB5-4F77-8223-E04E52B35EF8}"/>
               </a:ext>
             </a:extLst>
           </p:cNvPr>
@@ -3335,7 +3335,7 @@
           <p:cNvPr id="2" name="Title 1">
             <a:extLst>
               <a:ext uri="{FF2B5EF4-FFF2-40B4-BE49-F238E27FC236}">
-                <a16:creationId xmlns:a16="http://schemas.microsoft.com/office/drawing/2014/main" id="{0C0C91F7-C9D7-4E28-9A91-4923DC77BDC4}"/>
+                <a16:creationId xmlns:a16="http://schemas.microsoft.com/office/drawing/2014/main" xmlns="" id="{0C0C91F7-C9D7-4E28-9A91-4923DC77BDC4}"/>
               </a:ext>
             </a:extLst>
           </p:cNvPr>
@@ -3363,7 +3363,7 @@
           <p:cNvPr id="3" name="Subtitle 2">
             <a:extLst>
               <a:ext uri="{FF2B5EF4-FFF2-40B4-BE49-F238E27FC236}">
-                <a16:creationId xmlns:a16="http://schemas.microsoft.com/office/drawing/2014/main" id="{D762260D-D469-469F-B53B-A7BC30BCE9F3}"/>
+                <a16:creationId xmlns:a16="http://schemas.microsoft.com/office/drawing/2014/main" xmlns="" id="{D762260D-D469-469F-B53B-A7BC30BCE9F3}"/>
               </a:ext>
             </a:extLst>
           </p:cNvPr>
@@ -3418,7 +3418,7 @@
           <p:cNvPr id="6" name="Picture 5">
             <a:extLst>
               <a:ext uri="{FF2B5EF4-FFF2-40B4-BE49-F238E27FC236}">
-                <a16:creationId xmlns:a16="http://schemas.microsoft.com/office/drawing/2014/main" id="{566A6B6E-4244-456E-8CE2-D5728C475B8C}"/>
+                <a16:creationId xmlns:a16="http://schemas.microsoft.com/office/drawing/2014/main" xmlns="" id="{566A6B6E-4244-456E-8CE2-D5728C475B8C}"/>
               </a:ext>
             </a:extLst>
           </p:cNvPr>
@@ -3434,7 +3434,7 @@
         </p:blipFill>
         <p:spPr>
           <a:xfrm>
-            <a:off x="8716162" y="1803423"/>
+            <a:off x="9440062" y="1587175"/>
             <a:ext cx="2130804" cy="2759182"/>
           </a:xfrm>
           <a:prstGeom prst="rect">
@@ -3447,7 +3447,7 @@
           <p:cNvPr id="2" name="Title 1">
             <a:extLst>
               <a:ext uri="{FF2B5EF4-FFF2-40B4-BE49-F238E27FC236}">
-                <a16:creationId xmlns:a16="http://schemas.microsoft.com/office/drawing/2014/main" id="{311A6BE9-6C17-4897-9D97-E942C4BACE8E}"/>
+                <a16:creationId xmlns:a16="http://schemas.microsoft.com/office/drawing/2014/main" xmlns="" id="{311A6BE9-6C17-4897-9D97-E942C4BACE8E}"/>
               </a:ext>
             </a:extLst>
           </p:cNvPr>
@@ -3485,7 +3485,7 @@
           <p:cNvPr id="3" name="Content Placeholder 2">
             <a:extLst>
               <a:ext uri="{FF2B5EF4-FFF2-40B4-BE49-F238E27FC236}">
-                <a16:creationId xmlns:a16="http://schemas.microsoft.com/office/drawing/2014/main" id="{2A04DB55-EDC7-4FA2-90CF-E5F236F69ACE}"/>
+                <a16:creationId xmlns:a16="http://schemas.microsoft.com/office/drawing/2014/main" xmlns="" id="{2A04DB55-EDC7-4FA2-90CF-E5F236F69ACE}"/>
               </a:ext>
             </a:extLst>
           </p:cNvPr>
@@ -3498,8 +3498,8 @@
         </p:nvSpPr>
         <p:spPr>
           <a:xfrm>
-            <a:off x="838200" y="1825625"/>
-            <a:ext cx="5495488" cy="3367159"/>
+            <a:off x="478972" y="1803423"/>
+            <a:ext cx="3004457" cy="3367159"/>
           </a:xfrm>
         </p:spPr>
         <p:txBody>
@@ -3586,7 +3586,7 @@
           <p:cNvPr id="4" name="Picture 3">
             <a:extLst>
               <a:ext uri="{FF2B5EF4-FFF2-40B4-BE49-F238E27FC236}">
-                <a16:creationId xmlns:a16="http://schemas.microsoft.com/office/drawing/2014/main" id="{4CCE2B17-C66B-4A03-A63C-F0B2DDACC664}"/>
+                <a16:creationId xmlns:a16="http://schemas.microsoft.com/office/drawing/2014/main" xmlns="" id="{4CCE2B17-C66B-4A03-A63C-F0B2DDACC664}"/>
               </a:ext>
             </a:extLst>
           </p:cNvPr>
@@ -3602,8 +3602,8 @@
         </p:blipFill>
         <p:spPr>
           <a:xfrm>
-            <a:off x="8931219" y="4562605"/>
-            <a:ext cx="1667359" cy="1556013"/>
+            <a:off x="9440062" y="4346357"/>
+            <a:ext cx="2130804" cy="1988510"/>
           </a:xfrm>
           <a:prstGeom prst="rect">
             <a:avLst/>
@@ -3615,7 +3615,7 @@
           <p:cNvPr id="5" name="Content Placeholder 2">
             <a:extLst>
               <a:ext uri="{FF2B5EF4-FFF2-40B4-BE49-F238E27FC236}">
-                <a16:creationId xmlns:a16="http://schemas.microsoft.com/office/drawing/2014/main" id="{D9A464F3-D21B-4B8F-8651-40EF6D9DAAE5}"/>
+                <a16:creationId xmlns:a16="http://schemas.microsoft.com/office/drawing/2014/main" xmlns="" id="{D9A464F3-D21B-4B8F-8651-40EF6D9DAAE5}"/>
               </a:ext>
             </a:extLst>
           </p:cNvPr>
@@ -3810,6 +3810,100 @@
               <a:t>THOUGHTS: Is this right…</a:t>
             </a:r>
             <a:endParaRPr lang="en-US" sz="2000" baseline="30000" dirty="0"/>
+          </a:p>
+        </p:txBody>
+      </p:sp>
+      <p:pic>
+        <p:nvPicPr>
+          <p:cNvPr id="7170" name="Picture 2"/>
+          <p:cNvPicPr>
+            <a:picLocks noChangeAspect="1" noChangeArrowheads="1"/>
+          </p:cNvPicPr>
+          <p:nvPr/>
+        </p:nvPicPr>
+        <p:blipFill>
+          <a:blip r:embed="rId4">
+            <a:extLst>
+              <a:ext uri="{28A0092B-C50C-407E-A947-70E740481C1C}">
+                <a14:useLocalDpi xmlns:a14="http://schemas.microsoft.com/office/drawing/2010/main" val="0"/>
+              </a:ext>
+            </a:extLst>
+          </a:blip>
+          <a:srcRect/>
+          <a:stretch>
+            <a:fillRect/>
+          </a:stretch>
+        </p:blipFill>
+        <p:spPr bwMode="auto">
+          <a:xfrm>
+            <a:off x="4014105" y="2680369"/>
+            <a:ext cx="4699908" cy="2822141"/>
+          </a:xfrm>
+          <a:prstGeom prst="rect">
+            <a:avLst/>
+          </a:prstGeom>
+          <a:noFill/>
+          <a:ln>
+            <a:noFill/>
+          </a:ln>
+          <a:effectLst/>
+          <a:extLst>
+            <a:ext uri="{909E8E84-426E-40DD-AFC4-6F175D3DCCD1}">
+              <a14:hiddenFill xmlns:a14="http://schemas.microsoft.com/office/drawing/2010/main">
+                <a:solidFill>
+                  <a:schemeClr val="accent1"/>
+                </a:solidFill>
+              </a14:hiddenFill>
+            </a:ext>
+            <a:ext uri="{91240B29-F687-4F45-9708-019B960494DF}">
+              <a14:hiddenLine xmlns:a14="http://schemas.microsoft.com/office/drawing/2010/main" w="9525">
+                <a:solidFill>
+                  <a:schemeClr val="tx1"/>
+                </a:solidFill>
+                <a:miter lim="800000"/>
+                <a:headEnd/>
+                <a:tailEnd/>
+              </a14:hiddenLine>
+            </a:ext>
+            <a:ext uri="{AF507438-7753-43E0-B8FC-AC1667EBCBE1}">
+              <a14:hiddenEffects xmlns:a14="http://schemas.microsoft.com/office/drawing/2010/main">
+                <a:effectLst>
+                  <a:outerShdw dist="35921" dir="2700000" algn="ctr" rotWithShape="0">
+                    <a:schemeClr val="bg2"/>
+                  </a:outerShdw>
+                </a:effectLst>
+              </a14:hiddenEffects>
+            </a:ext>
+          </a:extLst>
+        </p:spPr>
+      </p:pic>
+      <p:sp>
+        <p:nvSpPr>
+          <p:cNvPr id="8" name="TextBox 7"/>
+          <p:cNvSpPr txBox="1"/>
+          <p:nvPr/>
+        </p:nvSpPr>
+        <p:spPr>
+          <a:xfrm>
+            <a:off x="4831768" y="2311037"/>
+            <a:ext cx="3271858" cy="369332"/>
+          </a:xfrm>
+          <a:prstGeom prst="rect">
+            <a:avLst/>
+          </a:prstGeom>
+          <a:noFill/>
+        </p:spPr>
+        <p:txBody>
+          <a:bodyPr wrap="none" rtlCol="0">
+            <a:spAutoFit/>
+          </a:bodyPr>
+          <a:lstStyle/>
+          <a:p>
+            <a:r>
+              <a:rPr lang="en-US" b="1" dirty="0" smtClean="0"/>
+              <a:t>Final Top 10 Important Variables</a:t>
+            </a:r>
+            <a:endParaRPr lang="en-US" b="1" dirty="0"/>
           </a:p>
         </p:txBody>
       </p:sp>
@@ -3848,7 +3942,7 @@
           <p:cNvPr id="2" name="Title 1">
             <a:extLst>
               <a:ext uri="{FF2B5EF4-FFF2-40B4-BE49-F238E27FC236}">
-                <a16:creationId xmlns:a16="http://schemas.microsoft.com/office/drawing/2014/main" id="{E1EF5380-4D6A-4775-B30E-AD4CA88996DA}"/>
+                <a16:creationId xmlns:a16="http://schemas.microsoft.com/office/drawing/2014/main" xmlns="" id="{E1EF5380-4D6A-4775-B30E-AD4CA88996DA}"/>
               </a:ext>
             </a:extLst>
           </p:cNvPr>
@@ -3876,7 +3970,7 @@
           <p:cNvPr id="3" name="Content Placeholder 2">
             <a:extLst>
               <a:ext uri="{FF2B5EF4-FFF2-40B4-BE49-F238E27FC236}">
-                <a16:creationId xmlns:a16="http://schemas.microsoft.com/office/drawing/2014/main" id="{6FC291FB-4CE6-4C39-B577-A60F850CDF7F}"/>
+                <a16:creationId xmlns:a16="http://schemas.microsoft.com/office/drawing/2014/main" xmlns="" id="{6FC291FB-4CE6-4C39-B577-A60F850CDF7F}"/>
               </a:ext>
             </a:extLst>
           </p:cNvPr>
@@ -3961,7 +4055,7 @@
           <p:cNvPr id="4" name="Picture 3">
             <a:extLst>
               <a:ext uri="{FF2B5EF4-FFF2-40B4-BE49-F238E27FC236}">
-                <a16:creationId xmlns:a16="http://schemas.microsoft.com/office/drawing/2014/main" id="{6BEA8B71-373B-4B6B-9CA2-9535357F5B90}"/>
+                <a16:creationId xmlns:a16="http://schemas.microsoft.com/office/drawing/2014/main" xmlns="" id="{6BEA8B71-373B-4B6B-9CA2-9535357F5B90}"/>
               </a:ext>
             </a:extLst>
           </p:cNvPr>
@@ -4021,7 +4115,7 @@
           <p:cNvPr id="2" name="Title 1">
             <a:extLst>
               <a:ext uri="{FF2B5EF4-FFF2-40B4-BE49-F238E27FC236}">
-                <a16:creationId xmlns:a16="http://schemas.microsoft.com/office/drawing/2014/main" id="{48115FCA-76B0-494C-B02A-7497852A41EB}"/>
+                <a16:creationId xmlns:a16="http://schemas.microsoft.com/office/drawing/2014/main" xmlns="" id="{48115FCA-76B0-494C-B02A-7497852A41EB}"/>
               </a:ext>
             </a:extLst>
           </p:cNvPr>
@@ -4049,7 +4143,7 @@
           <p:cNvPr id="3" name="Content Placeholder 2">
             <a:extLst>
               <a:ext uri="{FF2B5EF4-FFF2-40B4-BE49-F238E27FC236}">
-                <a16:creationId xmlns:a16="http://schemas.microsoft.com/office/drawing/2014/main" id="{9EC73638-2385-4A08-BAD1-84D676692E3B}"/>
+                <a16:creationId xmlns:a16="http://schemas.microsoft.com/office/drawing/2014/main" xmlns="" id="{9EC73638-2385-4A08-BAD1-84D676692E3B}"/>
               </a:ext>
             </a:extLst>
           </p:cNvPr>
@@ -4080,16 +4174,10 @@
           <a:p>
             <a:pPr lvl="1"/>
             <a:r>
-              <a:rPr lang="en-US" sz="1600" dirty="0"/>
-              <a:t>Max Depth = 5</a:t>
-            </a:r>
-          </a:p>
-          <a:p>
-            <a:pPr lvl="1"/>
-            <a:r>
-              <a:rPr lang="en-US" sz="1600" dirty="0"/>
-              <a:t>All else default</a:t>
-            </a:r>
+              <a:rPr lang="en-US" sz="1600" dirty="0" smtClean="0"/>
+              <a:t>EVERYTHING defaulted</a:t>
+            </a:r>
+            <a:endParaRPr lang="en-US" sz="1600" dirty="0"/>
           </a:p>
           <a:p>
             <a:r>
@@ -4105,15 +4193,33 @@
             <a:pPr lvl="1"/>
             <a:r>
               <a:rPr lang="en-US" sz="1600" dirty="0"/>
-              <a:t>Training: 84%</a:t>
-            </a:r>
+              <a:t>Training: </a:t>
+            </a:r>
+            <a:r>
+              <a:rPr lang="en-US" sz="1600" dirty="0" smtClean="0"/>
+              <a:t>99</a:t>
+            </a:r>
+            <a:r>
+              <a:rPr lang="en-US" sz="1600" dirty="0" smtClean="0"/>
+              <a:t>%</a:t>
+            </a:r>
+            <a:endParaRPr lang="en-US" sz="1600" dirty="0"/>
           </a:p>
           <a:p>
             <a:pPr lvl="1"/>
             <a:r>
               <a:rPr lang="en-US" sz="1600" dirty="0"/>
-              <a:t>Test: 75%</a:t>
-            </a:r>
+              <a:t>Test: </a:t>
+            </a:r>
+            <a:r>
+              <a:rPr lang="en-US" sz="1600" dirty="0" smtClean="0"/>
+              <a:t>68</a:t>
+            </a:r>
+            <a:r>
+              <a:rPr lang="en-US" sz="1600" dirty="0" smtClean="0"/>
+              <a:t>%</a:t>
+            </a:r>
+            <a:endParaRPr lang="en-US" sz="1600" dirty="0"/>
           </a:p>
           <a:p>
             <a:r>
@@ -4125,15 +4231,32 @@
             <a:pPr lvl="1"/>
             <a:r>
               <a:rPr lang="en-US" sz="1600" dirty="0"/>
-              <a:t>Training: .1582</a:t>
+              <a:t>Training: </a:t>
+            </a:r>
+            <a:r>
+              <a:rPr lang="en-US" sz="1600" dirty="0" smtClean="0"/>
+              <a:t>~ </a:t>
+            </a:r>
+            <a:r>
+              <a:rPr lang="en-US" sz="1600" dirty="0" smtClean="0"/>
+              <a:t>0</a:t>
             </a:r>
           </a:p>
           <a:p>
             <a:pPr lvl="1"/>
             <a:r>
+              <a:rPr lang="en-US" sz="1600" dirty="0" smtClean="0"/>
+              <a:t> Test</a:t>
+            </a:r>
+            <a:r>
               <a:rPr lang="en-US" sz="1600" dirty="0"/>
-              <a:t>Test: .1938</a:t>
-            </a:r>
+              <a:t>: </a:t>
+            </a:r>
+            <a:r>
+              <a:rPr lang="en-US" sz="1600" dirty="0" smtClean="0"/>
+              <a:t>.2195</a:t>
+            </a:r>
+            <a:endParaRPr lang="en-US" sz="1600" dirty="0"/>
           </a:p>
         </p:txBody>
       </p:sp>
@@ -4142,7 +4265,7 @@
           <p:cNvPr id="6" name="Picture 5">
             <a:extLst>
               <a:ext uri="{FF2B5EF4-FFF2-40B4-BE49-F238E27FC236}">
-                <a16:creationId xmlns:a16="http://schemas.microsoft.com/office/drawing/2014/main" id="{63043197-CE9E-445C-85AA-600771E93BBD}"/>
+                <a16:creationId xmlns:a16="http://schemas.microsoft.com/office/drawing/2014/main" xmlns="" id="{63043197-CE9E-445C-85AA-600771E93BBD}"/>
               </a:ext>
             </a:extLst>
           </p:cNvPr>
@@ -4159,7 +4282,7 @@
         </p:blipFill>
         <p:spPr>
           <a:xfrm>
-            <a:off x="7566870" y="1690688"/>
+            <a:off x="5776170" y="1609045"/>
             <a:ext cx="3942315" cy="4486275"/>
           </a:xfrm>
           <a:prstGeom prst="rect">
@@ -4202,7 +4325,7 @@
           <p:cNvPr id="2" name="Title 1">
             <a:extLst>
               <a:ext uri="{FF2B5EF4-FFF2-40B4-BE49-F238E27FC236}">
-                <a16:creationId xmlns:a16="http://schemas.microsoft.com/office/drawing/2014/main" id="{989AF9EF-9093-4DC8-9EA8-8A9381C014A9}"/>
+                <a16:creationId xmlns:a16="http://schemas.microsoft.com/office/drawing/2014/main" xmlns="" id="{989AF9EF-9093-4DC8-9EA8-8A9381C014A9}"/>
               </a:ext>
             </a:extLst>
           </p:cNvPr>
@@ -4220,16 +4343,13 @@
           <a:p>
             <a:r>
               <a:rPr lang="en-US" dirty="0"/>
-              <a:t>Tuned Decision Tree ( using </a:t>
-            </a:r>
-            <a:r>
-              <a:rPr lang="en-US" dirty="0" err="1"/>
-              <a:t>GridSearchCV</a:t>
-            </a:r>
-            <a:r>
-              <a:rPr lang="en-US" dirty="0"/>
-              <a:t>)</a:t>
-            </a:r>
+              <a:t>Tuned Decision </a:t>
+            </a:r>
+            <a:r>
+              <a:rPr lang="en-US" dirty="0" smtClean="0"/>
+              <a:t>Tree</a:t>
+            </a:r>
+            <a:endParaRPr lang="en-US" dirty="0"/>
           </a:p>
         </p:txBody>
       </p:sp>
@@ -4238,7 +4358,7 @@
           <p:cNvPr id="3" name="Content Placeholder 2">
             <a:extLst>
               <a:ext uri="{FF2B5EF4-FFF2-40B4-BE49-F238E27FC236}">
-                <a16:creationId xmlns:a16="http://schemas.microsoft.com/office/drawing/2014/main" id="{AC828E46-5962-4FB3-AE41-E65476C2DF5E}"/>
+                <a16:creationId xmlns:a16="http://schemas.microsoft.com/office/drawing/2014/main" xmlns="" id="{AC828E46-5962-4FB3-AE41-E65476C2DF5E}"/>
               </a:ext>
             </a:extLst>
           </p:cNvPr>
@@ -4337,7 +4457,7 @@
           <p:cNvPr id="4" name="Picture 3">
             <a:extLst>
               <a:ext uri="{FF2B5EF4-FFF2-40B4-BE49-F238E27FC236}">
-                <a16:creationId xmlns:a16="http://schemas.microsoft.com/office/drawing/2014/main" id="{D4AC7208-E2E6-449B-AA44-A8654FB6E046}"/>
+                <a16:creationId xmlns:a16="http://schemas.microsoft.com/office/drawing/2014/main" xmlns="" id="{D4AC7208-E2E6-449B-AA44-A8654FB6E046}"/>
               </a:ext>
             </a:extLst>
           </p:cNvPr>
@@ -4354,8 +4474,8 @@
         </p:blipFill>
         <p:spPr>
           <a:xfrm>
-            <a:off x="6479099" y="1825625"/>
-            <a:ext cx="3697920" cy="3081600"/>
+            <a:off x="8351786" y="2147425"/>
+            <a:ext cx="3315495" cy="2762912"/>
           </a:xfrm>
           <a:prstGeom prst="rect">
             <a:avLst/>
@@ -4367,7 +4487,7 @@
           <p:cNvPr id="5" name="Content Placeholder 2">
             <a:extLst>
               <a:ext uri="{FF2B5EF4-FFF2-40B4-BE49-F238E27FC236}">
-                <a16:creationId xmlns:a16="http://schemas.microsoft.com/office/drawing/2014/main" id="{E53A9AFD-FF1F-4B43-94F1-7AF9B734F5B0}"/>
+                <a16:creationId xmlns:a16="http://schemas.microsoft.com/office/drawing/2014/main" xmlns="" id="{E53A9AFD-FF1F-4B43-94F1-7AF9B734F5B0}"/>
               </a:ext>
             </a:extLst>
           </p:cNvPr>
@@ -4561,6 +4681,141 @@
               <a:rPr lang="en-US" sz="2000" dirty="0"/>
               <a:t>THOUGHTS: We have only fit the tree on one set of observations. Lower the variance by fitting the tree on MULTIPLE sets of observations using a Bagged Decision Tree. </a:t>
             </a:r>
+          </a:p>
+        </p:txBody>
+      </p:sp>
+      <p:pic>
+        <p:nvPicPr>
+          <p:cNvPr id="3075" name="Picture 3"/>
+          <p:cNvPicPr>
+            <a:picLocks noChangeAspect="1" noChangeArrowheads="1"/>
+          </p:cNvPicPr>
+          <p:nvPr/>
+        </p:nvPicPr>
+        <p:blipFill>
+          <a:blip r:embed="rId3">
+            <a:extLst>
+              <a:ext uri="{28A0092B-C50C-407E-A947-70E740481C1C}">
+                <a14:useLocalDpi xmlns:a14="http://schemas.microsoft.com/office/drawing/2010/main" val="0"/>
+              </a:ext>
+            </a:extLst>
+          </a:blip>
+          <a:srcRect/>
+          <a:stretch>
+            <a:fillRect/>
+          </a:stretch>
+        </p:blipFill>
+        <p:spPr bwMode="auto">
+          <a:xfrm>
+            <a:off x="3657602" y="2288059"/>
+            <a:ext cx="4369934" cy="2917073"/>
+          </a:xfrm>
+          <a:prstGeom prst="rect">
+            <a:avLst/>
+          </a:prstGeom>
+          <a:noFill/>
+          <a:ln>
+            <a:noFill/>
+          </a:ln>
+          <a:effectLst/>
+          <a:extLst>
+            <a:ext uri="{909E8E84-426E-40DD-AFC4-6F175D3DCCD1}">
+              <a14:hiddenFill xmlns:a14="http://schemas.microsoft.com/office/drawing/2010/main">
+                <a:solidFill>
+                  <a:schemeClr val="accent1"/>
+                </a:solidFill>
+              </a14:hiddenFill>
+            </a:ext>
+            <a:ext uri="{91240B29-F687-4F45-9708-019B960494DF}">
+              <a14:hiddenLine xmlns:a14="http://schemas.microsoft.com/office/drawing/2010/main" w="9525">
+                <a:solidFill>
+                  <a:schemeClr val="tx1"/>
+                </a:solidFill>
+                <a:miter lim="800000"/>
+                <a:headEnd/>
+                <a:tailEnd/>
+              </a14:hiddenLine>
+            </a:ext>
+            <a:ext uri="{AF507438-7753-43E0-B8FC-AC1667EBCBE1}">
+              <a14:hiddenEffects xmlns:a14="http://schemas.microsoft.com/office/drawing/2010/main">
+                <a:effectLst>
+                  <a:outerShdw dist="35921" dir="2700000" algn="ctr" rotWithShape="0">
+                    <a:schemeClr val="bg2"/>
+                  </a:outerShdw>
+                </a:effectLst>
+              </a14:hiddenEffects>
+            </a:ext>
+          </a:extLst>
+        </p:spPr>
+      </p:pic>
+      <p:sp>
+        <p:nvSpPr>
+          <p:cNvPr id="8" name="TextBox 7"/>
+          <p:cNvSpPr txBox="1"/>
+          <p:nvPr/>
+        </p:nvSpPr>
+        <p:spPr>
+          <a:xfrm>
+            <a:off x="4359728" y="1918727"/>
+            <a:ext cx="3475952" cy="369332"/>
+          </a:xfrm>
+          <a:prstGeom prst="rect">
+            <a:avLst/>
+          </a:prstGeom>
+          <a:noFill/>
+        </p:spPr>
+        <p:txBody>
+          <a:bodyPr wrap="none" rtlCol="0">
+            <a:spAutoFit/>
+          </a:bodyPr>
+          <a:lstStyle/>
+          <a:p>
+            <a:r>
+              <a:rPr lang="en-US" b="1" dirty="0" smtClean="0"/>
+              <a:t>Grid Search Samples in Leaf Nodes</a:t>
+            </a:r>
+            <a:endParaRPr lang="en-US" b="1" dirty="0"/>
+          </a:p>
+        </p:txBody>
+      </p:sp>
+      <p:sp>
+        <p:nvSpPr>
+          <p:cNvPr id="6" name="Oval 5"/>
+          <p:cNvSpPr/>
+          <p:nvPr/>
+        </p:nvSpPr>
+        <p:spPr>
+          <a:xfrm>
+            <a:off x="5449698" y="2895600"/>
+            <a:ext cx="221759" cy="152400"/>
+          </a:xfrm>
+          <a:prstGeom prst="ellipse">
+            <a:avLst/>
+          </a:prstGeom>
+          <a:noFill/>
+        </p:spPr>
+        <p:style>
+          <a:lnRef idx="2">
+            <a:schemeClr val="accent1">
+              <a:shade val="50000"/>
+            </a:schemeClr>
+          </a:lnRef>
+          <a:fillRef idx="1">
+            <a:schemeClr val="accent1"/>
+          </a:fillRef>
+          <a:effectRef idx="0">
+            <a:schemeClr val="accent1"/>
+          </a:effectRef>
+          <a:fontRef idx="minor">
+            <a:schemeClr val="lt1"/>
+          </a:fontRef>
+        </p:style>
+        <p:txBody>
+          <a:bodyPr rtlCol="0" anchor="ctr"/>
+          <a:lstStyle/>
+          <a:p>
+            <a:pPr algn="ctr"/>
+            <a:endParaRPr lang="en-US"/>
           </a:p>
         </p:txBody>
       </p:sp>
@@ -4599,7 +4854,7 @@
           <p:cNvPr id="2" name="Title 1">
             <a:extLst>
               <a:ext uri="{FF2B5EF4-FFF2-40B4-BE49-F238E27FC236}">
-                <a16:creationId xmlns:a16="http://schemas.microsoft.com/office/drawing/2014/main" id="{D63F14FD-A9F2-424D-991B-D9BA18E538EE}"/>
+                <a16:creationId xmlns:a16="http://schemas.microsoft.com/office/drawing/2014/main" xmlns="" id="{D63F14FD-A9F2-424D-991B-D9BA18E538EE}"/>
               </a:ext>
             </a:extLst>
           </p:cNvPr>
@@ -4627,7 +4882,7 @@
           <p:cNvPr id="3" name="Content Placeholder 2">
             <a:extLst>
               <a:ext uri="{FF2B5EF4-FFF2-40B4-BE49-F238E27FC236}">
-                <a16:creationId xmlns:a16="http://schemas.microsoft.com/office/drawing/2014/main" id="{3BE76EA3-E471-457F-9F69-641B20CE66F9}"/>
+                <a16:creationId xmlns:a16="http://schemas.microsoft.com/office/drawing/2014/main" xmlns="" id="{3BE76EA3-E471-457F-9F69-641B20CE66F9}"/>
               </a:ext>
             </a:extLst>
           </p:cNvPr>
@@ -4641,11 +4896,13 @@
         <p:spPr>
           <a:xfrm>
             <a:off x="838200" y="1825625"/>
-            <a:ext cx="5327708" cy="3249714"/>
+            <a:ext cx="4533900" cy="3249714"/>
           </a:xfrm>
         </p:spPr>
         <p:txBody>
-          <a:bodyPr/>
+          <a:bodyPr>
+            <a:normAutofit lnSpcReduction="10000"/>
+          </a:bodyPr>
           <a:lstStyle/>
           <a:p>
             <a:r>
@@ -4664,7 +4921,19 @@
             <a:pPr lvl="1"/>
             <a:r>
               <a:rPr lang="en-US" sz="1600" dirty="0"/>
-              <a:t>Max Samples: 783 (2/3rds of training set)</a:t>
+              <a:t>Max Samples: 783 </a:t>
+            </a:r>
+            <a:endParaRPr lang="en-US" sz="1600" dirty="0" smtClean="0"/>
+          </a:p>
+          <a:p>
+            <a:pPr lvl="2"/>
+            <a:r>
+              <a:rPr lang="en-US" sz="1200" dirty="0" smtClean="0"/>
+              <a:t>(</a:t>
+            </a:r>
+            <a:r>
+              <a:rPr lang="en-US" sz="1200" dirty="0"/>
+              <a:t>2/3rds of training set)</a:t>
             </a:r>
           </a:p>
           <a:p>
@@ -4681,8 +4950,20 @@
             <a:pPr lvl="1"/>
             <a:r>
               <a:rPr lang="en-US" sz="1600" dirty="0"/>
-              <a:t>Training: 97%</a:t>
-            </a:r>
+              <a:t>Training: 97</a:t>
+            </a:r>
+            <a:r>
+              <a:rPr lang="en-US" sz="1600" dirty="0" smtClean="0"/>
+              <a:t>%</a:t>
+            </a:r>
+          </a:p>
+          <a:p>
+            <a:pPr lvl="1"/>
+            <a:r>
+              <a:rPr lang="en-US" sz="1600" dirty="0" smtClean="0"/>
+              <a:t>OOB: 86%</a:t>
+            </a:r>
+            <a:endParaRPr lang="en-US" sz="1600" dirty="0"/>
           </a:p>
           <a:p>
             <a:pPr lvl="1"/>
@@ -4721,7 +5002,7 @@
           <p:cNvPr id="4" name="Picture 3">
             <a:extLst>
               <a:ext uri="{FF2B5EF4-FFF2-40B4-BE49-F238E27FC236}">
-                <a16:creationId xmlns:a16="http://schemas.microsoft.com/office/drawing/2014/main" id="{4DD6E933-B64E-4FF8-949E-E708E219215D}"/>
+                <a16:creationId xmlns:a16="http://schemas.microsoft.com/office/drawing/2014/main" xmlns="" id="{4DD6E933-B64E-4FF8-949E-E708E219215D}"/>
               </a:ext>
             </a:extLst>
           </p:cNvPr>
@@ -4737,8 +5018,8 @@
         </p:blipFill>
         <p:spPr>
           <a:xfrm>
-            <a:off x="7013196" y="968492"/>
-            <a:ext cx="3246540" cy="3971983"/>
+            <a:off x="9005062" y="1474679"/>
+            <a:ext cx="2887529" cy="3532750"/>
           </a:xfrm>
           <a:prstGeom prst="rect">
             <a:avLst/>
@@ -4750,7 +5031,7 @@
           <p:cNvPr id="5" name="Content Placeholder 2">
             <a:extLst>
               <a:ext uri="{FF2B5EF4-FFF2-40B4-BE49-F238E27FC236}">
-                <a16:creationId xmlns:a16="http://schemas.microsoft.com/office/drawing/2014/main" id="{82C040E9-0E28-48FD-92E4-D24BF4223083}"/>
+                <a16:creationId xmlns:a16="http://schemas.microsoft.com/office/drawing/2014/main" xmlns="" id="{82C040E9-0E28-48FD-92E4-D24BF4223083}"/>
               </a:ext>
             </a:extLst>
           </p:cNvPr>
@@ -4947,6 +5228,178 @@
           </a:p>
         </p:txBody>
       </p:sp>
+      <p:sp>
+        <p:nvSpPr>
+          <p:cNvPr id="6" name="TextBox 5"/>
+          <p:cNvSpPr txBox="1"/>
+          <p:nvPr/>
+        </p:nvSpPr>
+        <p:spPr>
+          <a:xfrm>
+            <a:off x="4914899" y="1594757"/>
+            <a:ext cx="3186770" cy="369332"/>
+          </a:xfrm>
+          <a:prstGeom prst="rect">
+            <a:avLst/>
+          </a:prstGeom>
+          <a:noFill/>
+        </p:spPr>
+        <p:txBody>
+          <a:bodyPr wrap="none" rtlCol="0">
+            <a:spAutoFit/>
+          </a:bodyPr>
+          <a:lstStyle/>
+          <a:p>
+            <a:r>
+              <a:rPr lang="en-US" b="1" dirty="0" smtClean="0"/>
+              <a:t>Improvement with Bagged Tree</a:t>
+            </a:r>
+            <a:endParaRPr lang="en-US" b="1" dirty="0"/>
+          </a:p>
+        </p:txBody>
+      </p:sp>
+      <p:sp>
+        <p:nvSpPr>
+          <p:cNvPr id="7" name="AutoShape 5" descr="data:image/png;base64,iVBORw0KGgoAAAANSUhEUgAAAYgAAAEECAYAAAAyMaOFAAAABHNCSVQICAgIfAhkiAAAAAlwSFlz%0AAAALEgAACxIB0t1+/AAAADl0RVh0U29mdHdhcmUAbWF0cGxvdGxpYiB2ZXJzaW9uIDIuMS4wLCBo%0AdHRwOi8vbWF0cGxvdGxpYi5vcmcvpW3flQAAIABJREFUeJzt3Xl8FPX9x/HX7uaAJORCkENCIRgI%0AUB8QChYREsCQcmjBKAnYUERBTbFQwqVV1EghIGiLiBc0UeTyqnJ6IEcwUrApgYYuoOKP2xAIRxJy%0AkOz8/qAuTTM5RDYL8f18PHw8dmfm+93PfNR9Z2ZnZy2GYRiIiIj8D6u7CxARkWuTAkJEREwpIERE%0AxJQCQkRETCkgRETElAJCRERMebhiUofDwdNPP83+/fvx8vJi5syZtG7d2rk+LS2NdevWARAZGcn4%0A8eMpLi5mypQpnD59Gl9fX+bMmUNwcLAryhMRkVpwyRHExo0bKS0tZdWqVSQlJZGSkuJcd+TIEVav%0AXs3KlStZtWoVn3/+Ofv27WPFihWEhYWxfPlyhg4dyqJFi1xRmoiI1JJLAiIzM5PevXsD0KVLF7Kz%0As53rmjVrxuLFi7HZbFitVsrKyvD29q4wpk+fPmzfvt0VpYmISC255BRTQUEBfn5+zuc2m42ysjI8%0APDzw9PQkODgYwzCYO3cuHTt2pE2bNhQUFNCoUSMAfH19yc/PrzRvZmamK8oVEan3unXr9oPHuCQg%0A/Pz8KCwsdD53OBx4eFx+qZKSEh5//HF8fX156qmnKo0pLCzE39/fdO4r2cn6yG63Ex4e7u4yrgnq%0AxWXqxWXqxWVX+se1S04xRUREkJ6eDkBWVhZhYWHOdYZhkJiYSPv27UlOTsZmsznHbN26FYD09HQF%0AgYiIm7nkCCI6OpqMjAzi4+MxDINZs2aRmppKSEgIDoeDnTt3UlpayrZt2wCYNGkSI0aMYNq0aYwY%0AMQJPT0/mz5/vitJERKSWXBIQVquV5OTkCstCQ0Odj//1r3+ZjluwYIEryhERkSugL8qJiIgpBYSI%0AiJhSQIiIiCkFhIiImFJAiIiIKQWEiIiYUkCIiIgpBYSIiJhSQIiIiCkFhIiImFJAiIiIKQWEiIiY%0AUkCIiIgpBYSIiJhSQIiIiCkFhIiImFJAiIiIKQWEiIiYUkCIiIgpBYSIiJhSQIjUQ1u2bMFisbBv%0A3z7nMovFwiuvvFLlmJrWu1pxcTEWi4W0tDS31SAVKSBERMSUAkLkJ8ZisfDQQw/xs5/9jBYtWrB+%0A/XrnurVr19K8eXNCQ0PZsmULADNnzqRx48Z4e3sTFRXF+fPnKSoqYvjw4fj7+zNs2DDCwsKYPn06%0AhmGQmJhIYGAgkZGR3HbbbcTHxwPw4osv0qxZM5o1a8a8efMAOHnyJP3798ff35+xY8fWeS+keh7u%0ALkBErj6LxVLt8iNHjvDZZ5/x61//mhdffJFBgwYB4HA42LlzJ+PHj2fcuHHY7XaKi4tZunQpHh4e%0AxMTE8MUXX3DgwAHWrl3L5s2bOX36NEOGDAFgzZo1vPzyy6xZs4Ybb7yRvn37EhISwr///W8mTJjA%0AihUrCA0N5fbbb6dfv3688cYb7N+/nx07dpCens5bb71VNw2SWlFAiNRDDRo0AKCsrAyAixcvVlg+%0AePBgQkND6dSpEzk5Oc5xMTExtGrVikGDBrFu3ToADMNg9uzZtGjRArj0WYHdbicsLIxbb70VgCZN%0AmgBgt9sJCAhwBkanTp0AyM7OxjAMxo0bh8ViobS0lC+++IKvvvqK7t27Ex4eTvPmzXn44Yer3a8t%0A+07yavpBjpy5QKsgHx7q05aoDk1/fMPElE4xidRDN998Mw0aNGDhwoUcPnzY+Zf5LbfcAoDNZgMq%0AH2l8+OGHHD58mI8//pj27duTnZ3NrFmzmDBhAvfeey9wKTA6dOjAgQMH+PLLL1m7di25ubkAdOjQ%0AgXPnzrF+/Xr+/ve/s3fvXudyuHS66o033mD48OHcfvvtdOzYkR07drB3715WrFhR7T5t2XeSGav3%0AcjK/mMCGnpzML2bG6r1s2XfyKnVN/peOIETqoeDgYJYuXcqUKVNYsmQJwcHBzJ07l65du1Y77mc/%0A+xk9e/akYcOGvPHGG4SFhdGvXz8SEhKIiIigadOmHDx4kEceeYSMjAzuuOMOBg4cSFBQEFarlTvv%0AvJNHHnmEkSNH0r17d2666SasViu33HILL7zwAnPmzOHMmTMMHTqU8PBwHnvsMfbs2UPPnj2Ji4uj%0AUaNGVdb2avpBPG0WfLwuvW35eHlwobSMV9MP6ijCRRQQIvXUPffcwz333FNpuWEYzscrV640Xf7f%0APvvss0rLPv30UwICAli/fj0+Pj58+OGHtGzZkj179lBUVMSyZcu4+eab6devHy1btgRg4sSJTJw4%0AscI83t7efPLJJ87nr7/+epX7c+TMBQIbelZY1tDTxtEzF6ocIz+OAkJEfrCuXbsyb948YmJisNls%0AxMTEMHr0aGw2G0VFRYwcOZLy8nK6d+/OpEmTrsprtgry4WR+sfMIAqDoYjk3BflclfmlMgWEiPxg%0AN9xwAx9//LHpuv8+KrmaHurTlhmr93KhtIyGnjaKLpZzsdzgoT5tXfJ6og+pReQ6EdWhKcl3daJp%0AowacK7pI00YNSL6rkz5/cCEdQYjIdSOqQ1MFQh3SEYSIiJhSQIiIiCkFhIiImFJAiIiIKZcEhMPh%0AYMaMGcTFxZGQkMChQ4cqbZOXl8eAAQMoKSkBID8/nwcffJD77ruP0aNHO7+6LyIi7uGSgNi4cSOl%0ApaWsWrWKpKQkUlJSKqzftm0bY8aM4dSpU85l77//PmFhYSxbtoxBgwaxZMkSV5QmIiK15JLLXDMz%0AM+nduzcAXbp0ITs7u8J6q9VKamoqsbGxzmVhYWEcPHgQgIKCAjw8zEuz2+2uKPm68/0dNUW9+G/q%0AxWXqxY/nkoAoKCjAz8/P+dxms1FWVuZ80+/Vq1elMUFBQWRkZDBo0CDOnTvHsmXLTOcODw93RcnX%0AHbvdrl78h3pxmXpxmXpxWWZm5hWNc8kpJj8/PwoLC53PHQ5HlUcE31u4cCEPPvgg69evZ8mSJTz6%0A6KOuKE1ERGrJJQERERFBeno6AFlZWYSFhdU4xt/f33mr38aNG1cIGBERqXsuOcUUHR1NRkYG8fHx%0AGIbBrFmzSE1NJSQkhP79+5uOmTBhAk888QTLly+nrKyMZ5991hWliYhILbkkIKxWK8nJyRWWhYaG%0AVtpu06ZNzsc33nhjtfeCFxGRuqUvyomIiCkFhIiImFJAiIiIKQWEiIiYUkCIiIgpBYSIiJhSQIiI%0AiCkFhIiImFJAiIiIKQWEiIiYUkCIiIgpBYSIiJhSQIiIiCkFhIiImFJAiIiIKQWEiIiYUkCIiIgp%0ABYSIiJhSQIiIiCkFhIiImFJAiIiIKQWEiIiYUkCIiIgpBYSIiJhSQIiIiCkFhIiImFJAiIiIKQWE%0AiIiYUkCIiIgpBYSIiJhSQIiIiCkFhIiImFJAiIiIKQWEiIiYUkCIiIgplwSEw+FgxowZxMXFkZCQ%0AwKFDhyptk5eXx4ABAygpKQGgvLycmTNnEh8fz913383mzZtdUZqIiNRSlQHx+eefOx+fP3/e+fid%0Ad96pcdKNGzdSWlrKqlWrSEpKIiUlpcL6bdu2MWbMGE6dOuVc9uGHH1JWVsbKlSt5+eWXTUNFRETq%0ATpUB8dprrzkfjx8/3vl4zZo1NU6amZlJ7969AejSpQvZ2dkVX9RqJTU1lcDAQOeyzz//nGbNmjFu%0A3DieeOIJ+vXrV/u9EBGRq86jqhWGYdT4uCoFBQX4+fk5n9tsNsrKyvDwuPRyvXr1qjTmzJkzHDp0%0AiFdffZUvv/ySxx57jGXLllXazm631/j6PwXFxcXqxX+oF5epF5epFz9elQFhsVhqfFwVPz8/CgsL%0Anc8dDoczHKoSGBhIVFQUFouFHj168H//93+m24WHh9f4+j8FdrtdvfgP9eIy9eIy9eKyzMzMKxpX%0A5SmmkpISjhw5wuHDhys9rklERATp6ekAZGVlERYWVuOYbt26sXXrVgD27dtH8+bNa7sPIiLiAlX+%0AWW+z2Zg2bZrp45pER0eTkZFBfHw8hmEwa9YsUlNTCQkJoX///qZjhg8fzlNPPcXw4cMxDINnnnnm%0ASvZHRESukioDYvny5Vc8qdVqJTk5ucKy0NDQSttt2rTJ+djLy4vZs2df8WuKiMjVVeUppuPHj/P7%0A3/+e8vJyMjMzuf3224mJiWHPnj11WZ+IiLhJlQExc+ZMhgwZgs1mIyUlhdmzZ5OWlsZzzz1Xl/WJ%0AiIibVHmKqaSkhAEDBnD27FmOHz/u/F5DeXl5nRUnIiLuU+OtNrZv306PHj2AS9+BKCgocHlRIiLi%0AflUeQYSGhjJ16lT27NnD008/zalTp3j++eedYSEiIvVblQExffp0tmzZwv333094eDj79u2jbdu2%0AjB49ug7LExERd6nyFFNubi6dOnUiODiYnJwcgoKCuPPOOzl9+nRd1iciIm5S5RFEZGQkLVq0IDg4%0AGLh8DyaLxcK7775bN9WJiIjbVBkQzz//PB999BEOh4OBAwdyxx134O3tXZe1iYiIG1UZEIMGDWLQ%0AoEGcO3eODRs28Oijj9K4cWPuuusuevbsWZc1ioiIG9R4mWtAQADx8fGMHz+eCxcuMGnSpLqoS0RE%0A3Kzae3B//fXXrFmzhq1bt9KuXTuGDRvG/Pnz66o2ERFxoyoD4q677qK8vJzBgwczZ84cfHx8ADhx%0A4gStWrWqswJFRMQ9qgwIX19fLBYLn3/+ORkZGcClK5ksFovpL72JiEj9UmVArFixwnS5vgchIvLT%0AUOWH1Ha7nfHjx/P4449z5swZAFatWsXQoUPrrDgREXGfKo8g/vjHPzJhwgSOHTvGCy+84PzZ0Tff%0AfLMu6xMRETepMiAaNmxIZGQkAFFRUdx5552kpKRgsVjqrDgREXGfan+T+ntNmjQhKSmpTgoSEZFr%0AQ5UBYRgGhmHgcDho0KCB8zlc+s1pERGp36oMiMOHD9O3b1/gUlj07dvXeZnrli1b6qo+ERFxkyoD%0AYuvWrXVZh4iIXGN0rkhEREwpIERExFSNAfG/p5o+/vhjlxUjIiLXjio/g9iyZQtZWVmsXr2aX//6%0A1wA4HA4++eQTYmJi6qxAERFxjyoD4uabbyY3NxcvLy9atGgBXLq89bnnnquz4kRExH2qDIiWLVty%0A7733MnToUDw8PHA4HOzZs4f27dvXZX0iIuIm1f5gEMCLL75I8+bN+e6779i9ezfNmzdn9uzZdVGb%0AiIi4UY0fUu/cuZMRI0bwz3/+k7S0NI4fP14XdYmIiJvVGBAOh4O9e/fSsmVLLl68SF5eXl3UJSIi%0AblZjQAwZMoQnn3ySMWPGMGfOHO677766qEtERNysxs8gRo0aRWxsLCdOnGDy5Mk0aNCgLuoSERE3%0Aq/EIYuPGjYwYMYKJEyeyePFiXn311bqoS0TqsS1btmCxWJz/+Pr68tvf/paLFy/WWQ379u3TzUdr%0AUGNALF68mHfeeYegoCASExP1TWoRuWp27tzJmTNneO+993jzzTfZsGGDu0uS/1JjQNhsNry9vbFY%0ALFitVho2bFgXdYnIT0CjRo0IDAwkODgYAD8/PxITE/H398fHx4e7776b8vJycnNzGTBgAAEBAYwd%0AOxZ/f39eeeUVioqKGD58OP7+/gwbNoywsDCmT58OwPPPP09wcDCtW7dm2bJlABw4cIDu3bsTGBjI%0AM88847b9vl7UGBBdunRhypQp5OTkkJycTMeOHWuc1OFwMGPGDOLi4khISODQoUOVtsnLy2PAgAGU%0AlJRUWP7NN9/QrVu3SstFpP7p0aMHAQEB/PKXv6R379507twZX19fPvnkExYsWMDf/vY3vvrqK2bP%0Ank12djbbt2+nR48e5OfnA/D666+zdu1aPv30U8aOHcvXX38NwEcffcSSJUtYs2YNixYt4oEHHuDE%0AiRNMmTKFixcvsmvXLtq1a+fOXb8u1Pgh9ZQpU9i8eTPt2rWjbdu2REdH1zjpxo0bKS0tZdWqVWRl%0AZZGSksLLL7/sXL9t2zbmz5/PqVOnKowrKChgzpw5eHl5XcGuiMj15m9/+xtt27bl2LFjDBs2jD/+%0A8Y94eHgwbdo0AgMDASguLsZut9OjRw86duxImzZtGDduHAB2u52wsDBuvfVW4NLPIwPs2bMHwzAY%0APHgwACUlJWRmZvLVV18RExNDmzZtiI2NZebMmT+45i37TvJq+kGOnLlAqyAfHurTlqgOTa9GO645%0AVQbExIkT+fOf/wxA3759nb8uVxuZmZn07t0buHQEkp2dXWG91WolNTWV2NhY5zLDMHjyySeZNGkS%0AiYmJVc5tt9trXUd99v3/NKJe/LfrpRffn1U4ffo0fn5+5OfnY7FYePvttzl//jwrVqxw3iz0m2++%0AoWnTpmzYsIF169bx5ZdfAnDixAmCgoLYv38/b7/9NqdPnyY3N5fTp0/TqlUrPDw8ePLJJyktLWX7%0A9u00bNiQVq1asW7dOgYOHMh7773nrKW2PfvyaCGLdpzG0wYNbBaOnj7H9Hd3kXhrY7rf5OuaZrlR%0AlQHxY74QV1BQgJ+fn/O5zWajrKwMD49LL9erV69KYxYuXEhkZCQdOnSodu7w8PArrqs+sdvt6sV/%0AqBeXXS+9yMnJASAuLg649B7xi1/8gr/85S8kJiZy//33ExkZ6TybMG/ePI4fP87IkSOJj48HLt0v%0A7je/+Q1ff/01Y8eOZeDAgQQFBdGkSRMSExPZtWsXc+fOpbi4mPvvv59+/frRpk0bRowY4Tz9DdC6%0Adeta9yx529/xbeiNj9el97KGwIXSMjZ8W8ao6Gu375mZmVc0rsqAOHLkCM8//7zpukmTJlU7qZ+f%0AH4WFhc7nDofDGQ5VWb16Nc2aNeO9994jNzeXMWPGOD9YEpH6JSoqCsMwTNeZvZktX76c0NBQXnjh%0ABY4fP85rr71Gy5YtycjIICAggPXr1+Pj48OHH35Iy5YtsVgsJCUlsXjx4grztG3blh07djifL1iw%0A4AfVfeTMBQIbelZY1tDTxtEzF37QPNeLKt+1GzRoQJs2ba5o0oiICDZv3sygQYPIysoiLCysxjGf%0Afvqp83G/fv3461//ekWvLSL1T48ePVi4cCE9evSgQYMGjBkzhoEDB5KXl8e8efOIiYnBZrMRExPD%0A6NGjXVZHqyAfTuYXO48gAIoulnNTkI/LXtOdqgyIG264gWHDhl3RpNHR0WRkZBAfH49hGMyaNYvU%0A1FRCQkLo37//FRcrIj9N7dq144svvqi0/IYbbqjT72Y91KctM1bv5UJpGQ09bRRdLOdiucFDfdrW%0AWQ11qcqA6Ny58xVParVaSU5OrrAsNDS00nabNm0yHV/VchERd4rq0JRk4NX0gxw9c4GbfqpXMU2b%0ANq0u6xARuS5EdWhabwPhf9X4RTkREflpUkCIiIgpBYSIiJhSQIiIiCkFhIiImFJAiIiIKQWEiIiY%0AUkCIiIgpBYSIiJhSQIiIiCkFhIiImFJAiIiIKQWEiIiYUkCIiIgpBYSIiJhSQIiIiCkFhIiImFJA%0AiIiIKQWEiIiYUkCIiIgpBYSIiJhSQIiIiCkFhIiImFJAiIiIKQWEiIiYUkCIiIgpBYSIiJhSQIiI%0AiCkFhIiImFJAiIiIKQWEiIiYUkCIiIgpBYSIiJhSQIiIiCmXBITD4WDGjBnExcWRkJDAoUOHKm2T%0Al5fHgAEDKCkpASA/P5+HH36Y3/zmN8TFxbFr1y5XlCYiIrXkkoDYuHEjpaWlrFq1iqSkJFJSUiqs%0A37ZtG2PGjOHUqVPOZampqfzyl7/krbfeYvbs2SQnJ7uiNBERqSUPV0yamZlJ7969AejSpQvZ2dkV%0A1lutVlJTU4mNjXUuGz16NF5eXgCUl5fj7e3titJERKSWXBIQBQUF+Pn5OZ/bbDbKysrw8Lj0cr16%0A9ao0xt/fH4Dc3FymTJnC448/bjq33W53QcXXn+LiYvXiP9SLy9SLy9SLH88lAeHn50dhYaHzucPh%0AcIZDdfbv38+kSZOYOnUqPXr0MN0mPDz8qtV5PbPb7erFf6gXl6kXl6kXl2VmZl7ROJd8BhEREUF6%0AejoAWVlZhIWF1Tjm66+/ZsKECcyfP5/IyEhXlCUiIj+AS44goqOjycjIID4+HsMwmDVrFqmpqYSE%0AhNC/f3/TMfPnz6e0tJQ//elPwKWjkJdfftkV5YmISC24JCCsVmulq5BCQ0Mrbbdp0ybnY4WBiMi1%0ARV+UExERUwoIERExpYAQERFTCggRETGlgBAREVMKCBERMaWAEBERUwoIERExpYAQERFTCggRETGl%0AgBAREVMKCBERMaWAEBERUwoIERExpYAQERFTCggRETGlgBAREVMKCBERMaWAEBERUwoIERExpYAQ%0AERFTCggRETGlgBAREVMKCBERMaWAEBERUwoIERExpYAQERFTCggRETGlgBAREVMKCBERMaWAEBER%0AUwoIERExpYAQERFTCggRETGlgBAREVMKCBERMeWSgHA4HMyYMYO4uDgSEhI4dOhQpW3y8vIYMGAA%0AJSUlABQXF/Poo48ycuRIxo4dS15enitKExGRWnJJQGzcuJHS0lJWrVpFUlISKSkpFdZv27aNMWPG%0AcOrUKeeyFStWEBYWxvLlyxk6dCiLFi1yRWkiIlJLHq6YNDMzk969ewPQpUsXsrOzK6y3Wq2kpqYS%0AGxtbYcyDDz4IQJ8+faoMiMzMTFeUfF1SLy5TLy5TLy5TL34clwREQUEBfn5+zuc2m42ysjI8PC69%0AXK9evUzHNGrUCABfX1/y8/MrbdOtWzdXlCsiIiZccorJz8+PwsJC53OHw+EMh9qMKSwsxN/f3xWl%0AiYhILbkkICIiIkhPTwcgKyuLsLCwWo3ZunUrAOnp6TpaEBFxM4thGMbVntThcPD0009z4MABDMNg%0A1qxZpKenExISQv/+/Z3b9evXjw0bNuDt7U1RURHTpk0jNzcXT09P5s+fT5MmTa52aSIiUksuCYgf%0A6/uA2b9/P15eXsycOZPWrVs717/99tusXLkSDw8PHnnkEfr27evGal2rpl6kpaWxbt06ACIjIxk/%0Afry7SnW5mnrx/Tbjxo2jf//+jBgxwk2Vul5Nvdi6dSsvvfQSAB07duSpp57CYrG4q1yXqakPS5Ys%0AYd26dVgsFh5++GGio6PdWG3d2L17N/PmzWPp0qUVlm/atImXXnoJDw8PYmNjGT58eM2TGdegjz/+%0A2Jg2bZphGIaxa9cu4+GHH3auO3nypDFkyBCjpKTEOH/+vPNxfVVdLw4fPmwMGzbMKCsrM8rLy424%0AuDjDbre7q1SXq64X35s/f75xzz33GMuXL6/r8upUdb3Iz883Bg8ebJw+fdowDMN47bXXnI/rm+r6%0AcO7cOSMyMtIoKSkxzp49a0RFRbmrzDrz2muvGUOGDDHuvffeCstLS0uNO+64wzh79qxRUlJi3H33%0A3cbJkydrnO+a/CZ1dZfJ7tmzh65du+Ll5UWjRo0ICQlh37597irV5arrRbNmzVi8eDE2mw2r1UpZ%0AWRne3t7uKtXlarp8+qOPPsJisdCnTx93lFenquvFrl27CAsLY86cOYwcOZIbbriB4OBgd5XqUtX1%0AoWHDhrRo0YKioiKKiorq5RHU/woJCeHFF1+stPybb74hJCSEgIAAvLy86NatG//4xz9qnM8ll7n+%0AWNVdJvvfl8PCpUtiCwoK3FFmnaiuF56engQHB2MYBnPnzqVjx460adPGjdW6VnW9OHDgAGvXrmXB%0AggXOUyv1WXW9OHPmDDt27OCDDz7Ax8eH++67jy5dutTL/zZquqS+efPmDB48mPLych566CF3lVln%0AYmJiOHr0aKXlV/q+eU0GRHWXyf7vusLCwgo7Xt/UdMlwSUkJjz/+OL6+vjz11FPuKLHOVNeLDz74%0AgJycHH77299y7NgxPD09admyZb09mqiuF4GBgfz85z93XuTxi1/8ArvdXi8Doro+pKenc/LkST77%0A7DMAHnjgASIiIrjlllvcUqs7Xen75jV5iqm6y2RvueUWMjMzKSkpIT8/n2+++aZWl9Fer6rrhWEY%0AJCYm0r59e5KTk7HZbO4qs05U14upU6fyzjvvsHTpUoYNG8bo0aPrbThA9b3o3LkzBw4cIC8vj7Ky%0AMnbv3k27du3cVapLVdeHgIAAGjRogJeXF97e3jRq1Ijz58+7q1S3Cg0N5dChQ5w9e5bS0lL+8Y9/%0A0LVr1xrHXZNHENHR0WRkZBAfH++8TDY1NdV5mWxCQgIjR47EMAz+8Ic/1Ovz7tX1wuFwsHPnTkpL%0AS9m2bRsAkyZNqtW/+OtRTf9d/JTU1IukpCTnrWt+9atf1ds/omrqwxdffMHw4cOxWq1ERESY3sWh%0APluzZg0XLlwgLi6O6dOn88ADD2AYBrGxsdx44401jr8mL3MVERH3uyZPMYmIiPspIERExJQCQkRE%0ATCkgRETElAJCRERMXZOXuYrURkpKCnv37iU3N5fi4mJatWpFUFAQCxYsqPUcR48e5auvvqp0w8c+%0AffoQEhKCxWKhvLycoqIiZs6cSadOnSpst3nzZtLS0rBarZSXlxMXF8fgwYOvyv79UG+99Rbnz58n%0AMTHRLa8v9Y8CQq5b06dPB+D999/n4MGDTJ48+QfPsX37do4ePWp6R+C0tDTnt3K3bNnCSy+9VOmn%0AcJ955hnWrFlDo0aNKCgo4K677uK2224jKCjoCvZI5NqigJB6ae7cuezatQuHw8EDDzzAgAEDePPN%0AN1mzZg1Wq5Xu3bvz+9//nsWLF1NaWkrXrl2Jioqqcr5jx44REBBQaXlQUBBvvvkmMTExtGvXjo8+%0A+ggvLy9ycnKcgdWuXTu+/fZb0tLS6NOnD5s2bcLDw4M5c+bQoUMHBg8ezJNPPklOTg7nzp0jKiqK%0ARx99lMmTJ1NQUMDZs2dZvHgxixYtqrRPO3fuJCUlhYCAAKxWq35oS64qBYTUO5s2bSInJ4cVK1ZQ%0AXFzMvffey2233cb777/Ps88+S+fOnVm+fDk2m40HH3yQo0ePmobD6NGjKS4uJjc3l969ezNlypRK%0A27zyyiu88cYb/OEPf+DMmTPUy/maAAACbUlEQVSMGDGCxMREFi5cyNChQ4mNjeWDDz7g22+/rbLe%0AEydO0K1bN+655x6Ki4udAQGXfr89ISGhyn2aPXs2f/7zn2ndujVPPPHEVeuhCCggpB46cOAA2dnZ%0AJCQkAFBeXs7x48eZM2cOf/3rXzl27BgRERHUdBOBtLQ0bDYb8+bN4+TJk5VumX327FlycnKYOnUq%0AU6dO5bvvvuN3v/sdnTt35ujRo4waNQqAW2+9lQ8++KDS/N+/fmBgIFlZWWzfvp1GjRpx8eJF5zbf%0A32Cvqn3Kzc11/kBOREQE33333ZW0TMSUrmKSeqdt27b07NmTpUuXkpaWxq9+9Stuuukm3nnnHZ59%0A9lneeustdu/eze7du7FYLNUGhcViISkpiaNHj7Jy5coK60pKSpg4cSI5OTkANG3alCZNmuDl5UX7%0A9u355z//CVDhNwq8vb3Jzc3FMAzsdjsA7777Lo0bN2b+/PmMGjWKoqIi5/ZWq7XafQoODnYenfzr%0AX/+6Ct0TuUxHEFLvREdHs3PnTkaOHMmFCxeIiYnBx8eH0NBQYmNjCQoKonnz5vz85z/Hy8uL119/%0AnfDwcAYOHGg6n9Vq5U9/+hOjRo2if//+ztto33jjjTz22GM88sgjeHp64nA46NevHz179iQ8PJzp%0A06ezbt06/P39nXONHTuWMWPGcNNNNxEYGAhAz549mTx5Mjt27MDHx4dWrVpx6tSpWu3Tc889x+TJ%0Ak/Hz88PHx0e/4y5XlW7WJ+JiBw4cYNasWaSlpbm7FJEfRKeYRETElI4gRETElI4gRETElAJCRERM%0AKSBERMSUAkJEREwpIERExNT/AxE4i8DSEQGsAAAAAElFTkSuQmCC"/>
+          <p:cNvSpPr>
+            <a:spLocks noChangeAspect="1" noChangeArrowheads="1"/>
+          </p:cNvSpPr>
+          <p:nvPr/>
+        </p:nvSpPr>
+        <p:spPr bwMode="auto">
+          <a:xfrm>
+            <a:off x="155575" y="-144463"/>
+            <a:ext cx="304800" cy="304801"/>
+          </a:xfrm>
+          <a:prstGeom prst="rect">
+            <a:avLst/>
+          </a:prstGeom>
+          <a:noFill/>
+          <a:extLst>
+            <a:ext uri="{909E8E84-426E-40DD-AFC4-6F175D3DCCD1}">
+              <a14:hiddenFill xmlns:a14="http://schemas.microsoft.com/office/drawing/2010/main">
+                <a:solidFill>
+                  <a:srgbClr val="FFFFFF"/>
+                </a:solidFill>
+              </a14:hiddenFill>
+            </a:ext>
+          </a:extLst>
+        </p:spPr>
+        <p:txBody>
+          <a:bodyPr vert="horz" wrap="square" lIns="91440" tIns="45720" rIns="91440" bIns="45720" numCol="1" anchor="t" anchorCtr="0" compatLnSpc="1">
+            <a:prstTxWarp prst="textNoShape">
+              <a:avLst/>
+            </a:prstTxWarp>
+          </a:bodyPr>
+          <a:lstStyle/>
+          <a:p>
+            <a:endParaRPr lang="en-US"/>
+          </a:p>
+        </p:txBody>
+      </p:sp>
+      <p:sp>
+        <p:nvSpPr>
+          <p:cNvPr id="8" name="AutoShape 7" descr="data:image/png;base64,iVBORw0KGgoAAAANSUhEUgAAAYgAAAEECAYAAAAyMaOFAAAABHNCSVQICAgIfAhkiAAAAAlwSFlz%0AAAALEgAACxIB0t1+/AAAADl0RVh0U29mdHdhcmUAbWF0cGxvdGxpYiB2ZXJzaW9uIDIuMS4wLCBo%0AdHRwOi8vbWF0cGxvdGxpYi5vcmcvpW3flQAAIABJREFUeJzt3Xl8FPX9x/HX7uaAJORCkENCIRgI%0AUB8QChYREsCQcmjBKAnYUERBTbFQwqVV1EghIGiLiBc0UeTyqnJ6IEcwUrApgYYuoOKP2xAIRxJy%0AkOz8/qAuTTM5RDYL8f18PHw8dmfm+93PfNR9Z2ZnZy2GYRiIiIj8D6u7CxARkWuTAkJEREwpIERE%0AxJQCQkRETCkgRETElAJCRERMebhiUofDwdNPP83+/fvx8vJi5syZtG7d2rk+LS2NdevWARAZGcn4%0A8eMpLi5mypQpnD59Gl9fX+bMmUNwcLAryhMRkVpwyRHExo0bKS0tZdWqVSQlJZGSkuJcd+TIEVav%0AXs3KlStZtWoVn3/+Ofv27WPFihWEhYWxfPlyhg4dyqJFi1xRmoiI1JJLAiIzM5PevXsD0KVLF7Kz%0As53rmjVrxuLFi7HZbFitVsrKyvD29q4wpk+fPmzfvt0VpYmISC255BRTQUEBfn5+zuc2m42ysjI8%0APDzw9PQkODgYwzCYO3cuHTt2pE2bNhQUFNCoUSMAfH19yc/PrzRvZmamK8oVEan3unXr9oPHuCQg%0A/Pz8KCwsdD53OBx4eFx+qZKSEh5//HF8fX156qmnKo0pLCzE39/fdO4r2cn6yG63Ex4e7u4yrgnq%0AxWXqxWXqxWVX+se1S04xRUREkJ6eDkBWVhZhYWHOdYZhkJiYSPv27UlOTsZmsznHbN26FYD09HQF%0AgYiIm7nkCCI6OpqMjAzi4+MxDINZs2aRmppKSEgIDoeDnTt3UlpayrZt2wCYNGkSI0aMYNq0aYwY%0AMQJPT0/mz5/vitJERKSWXBIQVquV5OTkCstCQ0Odj//1r3+ZjluwYIEryhERkSugL8qJiIgpBYSI%0AiJhSQIiIiCkFhIiImFJAiIiIKQWEiIiYUkCIiIgpBYSIiJhSQIiIiCkFhIiImFJAiIiIKQWEiIiY%0AUkCIiIgpBYSIiJhSQIiIiCkFhIiImFJAiIiIKQWEiIiYUkCIiIgpBYSIiJhSQIjUQ1u2bMFisbBv%0A3z7nMovFwiuvvFLlmJrWu1pxcTEWi4W0tDS31SAVKSBERMSUAkLkJ8ZisfDQQw/xs5/9jBYtWrB+%0A/XrnurVr19K8eXNCQ0PZsmULADNnzqRx48Z4e3sTFRXF+fPnKSoqYvjw4fj7+zNs2DDCwsKYPn06%0AhmGQmJhIYGAgkZGR3HbbbcTHxwPw4osv0qxZM5o1a8a8efMAOHnyJP3798ff35+xY8fWeS+keh7u%0ALkBErj6LxVLt8iNHjvDZZ5/x61//mhdffJFBgwYB4HA42LlzJ+PHj2fcuHHY7XaKi4tZunQpHh4e%0AxMTE8MUXX3DgwAHWrl3L5s2bOX36NEOGDAFgzZo1vPzyy6xZs4Ybb7yRvn37EhISwr///W8mTJjA%0AihUrCA0N5fbbb6dfv3688cYb7N+/nx07dpCens5bb71VNw2SWlFAiNRDDRo0AKCsrAyAixcvVlg+%0AePBgQkND6dSpEzk5Oc5xMTExtGrVikGDBrFu3ToADMNg9uzZtGjRArj0WYHdbicsLIxbb70VgCZN%0AmgBgt9sJCAhwBkanTp0AyM7OxjAMxo0bh8ViobS0lC+++IKvvvqK7t27Ex4eTvPmzXn44Yer3a8t%0A+07yavpBjpy5QKsgHx7q05aoDk1/fMPElE4xidRDN998Mw0aNGDhwoUcPnzY+Zf5LbfcAoDNZgMq%0AH2l8+OGHHD58mI8//pj27duTnZ3NrFmzmDBhAvfeey9wKTA6dOjAgQMH+PLLL1m7di25ubkAdOjQ%0AgXPnzrF+/Xr+/ve/s3fvXudyuHS66o033mD48OHcfvvtdOzYkR07drB3715WrFhR7T5t2XeSGav3%0AcjK/mMCGnpzML2bG6r1s2XfyKnVN/peOIETqoeDgYJYuXcqUKVNYsmQJwcHBzJ07l65du1Y77mc/%0A+xk9e/akYcOGvPHGG4SFhdGvXz8SEhKIiIigadOmHDx4kEceeYSMjAzuuOMOBg4cSFBQEFarlTvv%0AvJNHHnmEkSNH0r17d2666SasViu33HILL7zwAnPmzOHMmTMMHTqU8PBwHnvsMfbs2UPPnj2Ji4uj%0AUaNGVdb2avpBPG0WfLwuvW35eHlwobSMV9MP6ijCRRQQIvXUPffcwz333FNpuWEYzscrV640Xf7f%0APvvss0rLPv30UwICAli/fj0+Pj58+OGHtGzZkj179lBUVMSyZcu4+eab6devHy1btgRg4sSJTJw4%0AscI83t7efPLJJ87nr7/+epX7c+TMBQIbelZY1tDTxtEzF6ocIz+OAkJEfrCuXbsyb948YmJisNls%0AxMTEMHr0aGw2G0VFRYwcOZLy8nK6d+/OpEmTrsprtgry4WR+sfMIAqDoYjk3BflclfmlMgWEiPxg%0AN9xwAx9//LHpuv8+KrmaHurTlhmr93KhtIyGnjaKLpZzsdzgoT5tXfJ6og+pReQ6EdWhKcl3daJp%0AowacK7pI00YNSL6rkz5/cCEdQYjIdSOqQ1MFQh3SEYSIiJhSQIiIiCkFhIiImFJAiIiIKZcEhMPh%0AYMaMGcTFxZGQkMChQ4cqbZOXl8eAAQMoKSkBID8/nwcffJD77ruP0aNHO7+6LyIi7uGSgNi4cSOl%0ApaWsWrWKpKQkUlJSKqzftm0bY8aM4dSpU85l77//PmFhYSxbtoxBgwaxZMkSV5QmIiK15JLLXDMz%0AM+nduzcAXbp0ITs7u8J6q9VKamoqsbGxzmVhYWEcPHgQgIKCAjw8zEuz2+2uKPm68/0dNUW9+G/q%0AxWXqxY/nkoAoKCjAz8/P+dxms1FWVuZ80+/Vq1elMUFBQWRkZDBo0CDOnTvHsmXLTOcODw93RcnX%0AHbvdrl78h3pxmXpxmXpxWWZm5hWNc8kpJj8/PwoLC53PHQ5HlUcE31u4cCEPPvgg69evZ8mSJTz6%0A6KOuKE1ERGrJJQERERFBeno6AFlZWYSFhdU4xt/f33mr38aNG1cIGBERqXsuOcUUHR1NRkYG8fHx%0AGIbBrFmzSE1NJSQkhP79+5uOmTBhAk888QTLly+nrKyMZ5991hWliYhILbkkIKxWK8nJyRWWhYaG%0AVtpu06ZNzsc33nhjtfeCFxGRuqUvyomIiCkFhIiImFJAiIiIKQWEiIiYUkCIiIgpBYSIiJhSQIiI%0AiCkFhIiImFJAiIiIKQWEiIiYUkCIiIgpBYSIiJhSQIiIiCkFhIiImFJAiIiIKQWEiIiYUkCIiIgp%0ABYSIiJhSQIiIiCkFhIiImFJAiIiIKQWEiIiYUkCIiIgpBYSIiJhSQIiIiCkFhIiImFJAiIiIKQWE%0AiIiYUkCIiIgpBYSIiJhSQIiIiCkFhIiImFJAiIiIKQWEiIiYUkCIiIgplwSEw+FgxowZxMXFkZCQ%0AwKFDhyptk5eXx4ABAygpKQGgvLycmTNnEh8fz913383mzZtdUZqIiNRSlQHx+eefOx+fP3/e+fid%0Ad96pcdKNGzdSWlrKqlWrSEpKIiUlpcL6bdu2MWbMGE6dOuVc9uGHH1JWVsbKlSt5+eWXTUNFRETq%0ATpUB8dprrzkfjx8/3vl4zZo1NU6amZlJ7969AejSpQvZ2dkVX9RqJTU1lcDAQOeyzz//nGbNmjFu%0A3DieeOIJ+vXrV/u9EBGRq86jqhWGYdT4uCoFBQX4+fk5n9tsNsrKyvDwuPRyvXr1qjTmzJkzHDp0%0AiFdffZUvv/ySxx57jGXLllXazm631/j6PwXFxcXqxX+oF5epF5epFz9elQFhsVhqfFwVPz8/CgsL%0Anc8dDoczHKoSGBhIVFQUFouFHj168H//93+m24WHh9f4+j8FdrtdvfgP9eIy9eIy9eKyzMzMKxpX%0A5SmmkpISjhw5wuHDhys9rklERATp6ekAZGVlERYWVuOYbt26sXXrVgD27dtH8+bNa7sPIiLiAlX+%0AWW+z2Zg2bZrp45pER0eTkZFBfHw8hmEwa9YsUlNTCQkJoX///qZjhg8fzlNPPcXw4cMxDINnnnnm%0ASvZHRESukioDYvny5Vc8qdVqJTk5ucKy0NDQSttt2rTJ+djLy4vZs2df8WuKiMjVVeUppuPHj/P7%0A3/+e8vJyMjMzuf3224mJiWHPnj11WZ+IiLhJlQExc+ZMhgwZgs1mIyUlhdmzZ5OWlsZzzz1Xl/WJ%0AiIibVHmKqaSkhAEDBnD27FmOHz/u/F5DeXl5nRUnIiLuU+OtNrZv306PHj2AS9+BKCgocHlRIiLi%0AflUeQYSGhjJ16lT27NnD008/zalTp3j++eedYSEiIvVblQExffp0tmzZwv333094eDj79u2jbdu2%0AjB49ug7LExERd6nyFFNubi6dOnUiODiYnJwcgoKCuPPOOzl9+nRd1iciIm5S5RFEZGQkLVq0IDg4%0AGLh8DyaLxcK7775bN9WJiIjbVBkQzz//PB999BEOh4OBAwdyxx134O3tXZe1iYiIG1UZEIMGDWLQ%0AoEGcO3eODRs28Oijj9K4cWPuuusuevbsWZc1ioiIG9R4mWtAQADx8fGMHz+eCxcuMGnSpLqoS0RE%0A3Kzae3B//fXXrFmzhq1bt9KuXTuGDRvG/Pnz66o2ERFxoyoD4q677qK8vJzBgwczZ84cfHx8ADhx%0A4gStWrWqswJFRMQ9qgwIX19fLBYLn3/+ORkZGcClK5ksFovpL72JiEj9UmVArFixwnS5vgchIvLT%0AUOWH1Ha7nfHjx/P4449z5swZAFatWsXQoUPrrDgREXGfKo8g/vjHPzJhwgSOHTvGCy+84PzZ0Tff%0AfLMu6xMRETepMiAaNmxIZGQkAFFRUdx5552kpKRgsVjqrDgREXGfan+T+ntNmjQhKSmpTgoSEZFr%0AQ5UBYRgGhmHgcDho0KCB8zlc+s1pERGp36oMiMOHD9O3b1/gUlj07dvXeZnrli1b6qo+ERFxkyoD%0AYuvWrXVZh4iIXGN0rkhEREwpIERExFSNAfG/p5o+/vhjlxUjIiLXjio/g9iyZQtZWVmsXr2aX//6%0A1wA4HA4++eQTYmJi6qxAERFxjyoD4uabbyY3NxcvLy9atGgBXLq89bnnnquz4kRExH2qDIiWLVty%0A7733MnToUDw8PHA4HOzZs4f27dvXZX0iIuIm1f5gEMCLL75I8+bN+e6779i9ezfNmzdn9uzZdVGb%0AiIi4UY0fUu/cuZMRI0bwz3/+k7S0NI4fP14XdYmIiJvVGBAOh4O9e/fSsmVLLl68SF5eXl3UJSIi%0AblZjQAwZMoQnn3ySMWPGMGfOHO677766qEtERNysxs8gRo0aRWxsLCdOnGDy5Mk0aNCgLuoSERE3%0Aq/EIYuPGjYwYMYKJEyeyePFiXn311bqoS0TqsS1btmCxWJz/+Pr68tvf/paLFy/WWQ379u3TzUdr%0AUGNALF68mHfeeYegoCASExP1TWoRuWp27tzJmTNneO+993jzzTfZsGGDu0uS/1JjQNhsNry9vbFY%0ALFitVho2bFgXdYnIT0CjRo0IDAwkODgYAD8/PxITE/H398fHx4e7776b8vJycnNzGTBgAAEBAYwd%0AOxZ/f39eeeUVioqKGD58OP7+/gwbNoywsDCmT58OwPPPP09wcDCtW7dm2bJlABw4cIDu3bsTGBjI%0AM88847b9vl7UGBBdunRhypQp5OTkkJycTMeOHWuc1OFwMGPGDOLi4khISODQoUOVtsnLy2PAgAGU%0AlJRUWP7NN9/QrVu3SstFpP7p0aMHAQEB/PKXv6R379507twZX19fPvnkExYsWMDf/vY3vvrqK2bP%0Ank12djbbt2+nR48e5OfnA/D666+zdu1aPv30U8aOHcvXX38NwEcffcSSJUtYs2YNixYt4oEHHuDE%0AiRNMmTKFixcvsmvXLtq1a+fOXb8u1Pgh9ZQpU9i8eTPt2rWjbdu2REdH1zjpxo0bKS0tZdWqVWRl%0AZZGSksLLL7/sXL9t2zbmz5/PqVOnKowrKChgzpw5eHl5XcGuiMj15m9/+xtt27bl2LFjDBs2jD/+%0A8Y94eHgwbdo0AgMDASguLsZut9OjRw86duxImzZtGDduHAB2u52wsDBuvfVW4NLPIwPs2bMHwzAY%0APHgwACUlJWRmZvLVV18RExNDmzZtiI2NZebMmT+45i37TvJq+kGOnLlAqyAfHurTlqgOTa9GO645%0AVQbExIkT+fOf/wxA3759nb8uVxuZmZn07t0buHQEkp2dXWG91WolNTWV2NhY5zLDMHjyySeZNGkS%0AiYmJVc5tt9trXUd99v3/NKJe/LfrpRffn1U4ffo0fn5+5OfnY7FYePvttzl//jwrVqxw3iz0m2++%0AoWnTpmzYsIF169bx5ZdfAnDixAmCgoLYv38/b7/9NqdPnyY3N5fTp0/TqlUrPDw8ePLJJyktLWX7%0A9u00bNiQVq1asW7dOgYOHMh7773nrKW2PfvyaCGLdpzG0wYNbBaOnj7H9Hd3kXhrY7rf5OuaZrlR%0AlQHxY74QV1BQgJ+fn/O5zWajrKwMD49LL9erV69KYxYuXEhkZCQdOnSodu7w8PArrqs+sdvt6sV/%0AqBeXXS+9yMnJASAuLg649B7xi1/8gr/85S8kJiZy//33ExkZ6TybMG/ePI4fP87IkSOJj48HLt0v%0A7je/+Q1ff/01Y8eOZeDAgQQFBdGkSRMSExPZtWsXc+fOpbi4mPvvv59+/frRpk0bRowY4Tz9DdC6%0Adeta9yx529/xbeiNj9el97KGwIXSMjZ8W8ao6Gu375mZmVc0rsqAOHLkCM8//7zpukmTJlU7qZ+f%0AH4WFhc7nDofDGQ5VWb16Nc2aNeO9994jNzeXMWPGOD9YEpH6JSoqCsMwTNeZvZktX76c0NBQXnjh%0ABY4fP85rr71Gy5YtycjIICAggPXr1+Pj48OHH35Iy5YtsVgsJCUlsXjx4grztG3blh07djifL1iw%0A4AfVfeTMBQIbelZY1tDTxtEzF37QPNeLKt+1GzRoQJs2ba5o0oiICDZv3sygQYPIysoiLCysxjGf%0Afvqp83G/fv3461//ekWvLSL1T48ePVi4cCE9evSgQYMGjBkzhoEDB5KXl8e8efOIiYnBZrMRExPD%0A6NGjXVZHqyAfTuYXO48gAIoulnNTkI/LXtOdqgyIG264gWHDhl3RpNHR0WRkZBAfH49hGMyaNYvU%0A1FRCQkLo37//FRcrIj9N7dq144svvqi0/IYbbqjT72Y91KctM1bv5UJpGQ09bRRdLOdiucFDfdrW%0AWQ11qcqA6Ny58xVParVaSU5OrrAsNDS00nabNm0yHV/VchERd4rq0JRk4NX0gxw9c4GbfqpXMU2b%0ANq0u6xARuS5EdWhabwPhf9X4RTkREflpUkCIiIgpBYSIiJhSQIiIiCkFhIiImFJAiIiIKQWEiIiY%0AUkCIiIgpBYSIiJhSQIiIiCkFhIiImFJAiIiIKQWEiIiYUkCIiIgpBYSIiJhSQIiIiCkFhIiImFJA%0AiIiIKQWEiIiYUkCIiIgpBYSIiJhSQIiIiCkFhIiImFJAiIiIKQWEiIiYUkCIiIgpBYSIiJhSQIiI%0AiCkFhIiImFJAiIiIKQWEiIiYUkCIiIgpBYSIiJhSQIiIiCmXBITD4WDGjBnExcWRkJDAoUOHKm2T%0Al5fHgAEDKCkpASA/P5+HH36Y3/zmN8TFxbFr1y5XlCYiIrXkkoDYuHEjpaWlrFq1iqSkJFJSUiqs%0A37ZtG2PGjOHUqVPOZampqfzyl7/krbfeYvbs2SQnJ7uiNBERqSUPV0yamZlJ7969AejSpQvZ2dkV%0A1lutVlJTU4mNjXUuGz16NF5eXgCUl5fj7e3titJERKSWXBIQBQUF+Pn5OZ/bbDbKysrw8Lj0cr16%0A9ao0xt/fH4Dc3FymTJnC448/bjq33W53QcXXn+LiYvXiP9SLy9SLy9SLH88lAeHn50dhYaHzucPh%0AcIZDdfbv38+kSZOYOnUqPXr0MN0mPDz8qtV5PbPb7erFf6gXl6kXl6kXl2VmZl7ROJd8BhEREUF6%0AejoAWVlZhIWF1Tjm66+/ZsKECcyfP5/IyEhXlCUiIj+AS44goqOjycjIID4+HsMwmDVrFqmpqYSE%0AhNC/f3/TMfPnz6e0tJQ//elPwKWjkJdfftkV5YmISC24JCCsVmulq5BCQ0Mrbbdp0ybnY4WBiMi1%0ARV+UExERUwoIERExpYAQERFTCggRETGlgBAREVMKCBERMaWAEBERUwoIERExpYAQERFTCggRETGl%0AgBAREVMKCBERMaWAEBERUwoIERExpYAQERFTCggRETGlgBAREVMKCBERMaWAEBERUwoIERExpYAQ%0AERFTCggRETGlgBAREVMKCBERMaWAEBERUwoIERExpYAQERFTCggRETGlgBAREVMKCBERMaWAEBER%0AUwoIERExpYAQERFTCggRETGlgBAREVMKCBERMeWSgHA4HMyYMYO4uDgSEhI4dOhQpW3y8vIYMGAA%0AJSUlABQXF/Poo48ycuRIxo4dS15enitKExGRWnJJQGzcuJHS0lJWrVpFUlISKSkpFdZv27aNMWPG%0AcOrUKeeyFStWEBYWxvLlyxk6dCiLFi1yRWkiIlJLHq6YNDMzk969ewPQpUsXsrOzK6y3Wq2kpqYS%0AGxtbYcyDDz4IQJ8+faoMiMzMTFeUfF1SLy5TLy5TLy5TL34clwREQUEBfn5+zuc2m42ysjI8PC69%0AXK9evUzHNGrUCABfX1/y8/MrbdOtWzdXlCsiIiZccorJz8+PwsJC53OHw+EMh9qMKSwsxN/f3xWl%0AiYhILbkkICIiIkhPTwcgKyuLsLCwWo3ZunUrAOnp6TpaEBFxM4thGMbVntThcPD0009z4MABDMNg%0A1qxZpKenExISQv/+/Z3b9evXjw0bNuDt7U1RURHTpk0jNzcXT09P5s+fT5MmTa52aSIiUksuCYgf%0A6/uA2b9/P15eXsycOZPWrVs717/99tusXLkSDw8PHnnkEfr27evGal2rpl6kpaWxbt06ACIjIxk/%0Afry7SnW5mnrx/Tbjxo2jf//+jBgxwk2Vul5Nvdi6dSsvvfQSAB07duSpp57CYrG4q1yXqakPS5Ys%0AYd26dVgsFh5++GGio6PdWG3d2L17N/PmzWPp0qUVlm/atImXXnoJDw8PYmNjGT58eM2TGdegjz/+%0A2Jg2bZphGIaxa9cu4+GHH3auO3nypDFkyBCjpKTEOH/+vPNxfVVdLw4fPmwMGzbMKCsrM8rLy424%0AuDjDbre7q1SXq64X35s/f75xzz33GMuXL6/r8upUdb3Iz883Bg8ebJw+fdowDMN47bXXnI/rm+r6%0AcO7cOSMyMtIoKSkxzp49a0RFRbmrzDrz2muvGUOGDDHuvffeCstLS0uNO+64wzh79qxRUlJi3H33%0A3cbJkydrnO+a/CZ1dZfJ7tmzh65du+Ll5UWjRo0ICQlh37597irV5arrRbNmzVi8eDE2mw2r1UpZ%0AWRne3t7uKtXlarp8+qOPPsJisdCnTx93lFenquvFrl27CAsLY86cOYwcOZIbbriB4OBgd5XqUtX1%0AoWHDhrRo0YKioiKKiorq5RHU/woJCeHFF1+stPybb74hJCSEgIAAvLy86NatG//4xz9qnM8ll7n+%0AWNVdJvvfl8PCpUtiCwoK3FFmnaiuF56engQHB2MYBnPnzqVjx460adPGjdW6VnW9OHDgAGvXrmXB%0AggXOUyv1WXW9OHPmDDt27OCDDz7Ax8eH++67jy5dutTL/zZquqS+efPmDB48mPLych566CF3lVln%0AYmJiOHr0aKXlV/q+eU0GRHWXyf7vusLCwgo7Xt/UdMlwSUkJjz/+OL6+vjz11FPuKLHOVNeLDz74%0AgJycHH77299y7NgxPD09admyZb09mqiuF4GBgfz85z93XuTxi1/8ArvdXi8Doro+pKenc/LkST77%0A7DMAHnjgASIiIrjlllvcUqs7Xen75jV5iqm6y2RvueUWMjMzKSkpIT8/n2+++aZWl9Fer6rrhWEY%0AJCYm0r59e5KTk7HZbO4qs05U14upU6fyzjvvsHTpUoYNG8bo0aPrbThA9b3o3LkzBw4cIC8vj7Ky%0AMnbv3k27du3cVapLVdeHgIAAGjRogJeXF97e3jRq1Ijz58+7q1S3Cg0N5dChQ5w9e5bS0lL+8Y9/%0A0LVr1xrHXZNHENHR0WRkZBAfH++8TDY1NdV5mWxCQgIjR47EMAz+8Ic/1Ovz7tX1wuFwsHPnTkpL%0AS9m2bRsAkyZNqtW/+OtRTf9d/JTU1IukpCTnrWt+9atf1ds/omrqwxdffMHw4cOxWq1ERESY3sWh%0APluzZg0XLlwgLi6O6dOn88ADD2AYBrGxsdx44401jr8mL3MVERH3uyZPMYmIiPspIERExJQCQkRE%0ATCkgRETElAJCRERMXZOXuYrURkpKCnv37iU3N5fi4mJatWpFUFAQCxYsqPUcR48e5auvvqp0w8c+%0AffoQEhKCxWKhvLycoqIiZs6cSadOnSpst3nzZtLS0rBarZSXlxMXF8fgwYOvyv79UG+99Rbnz58n%0AMTHRLa8v9Y8CQq5b06dPB+D999/n4MGDTJ48+QfPsX37do4ePWp6R+C0tDTnt3K3bNnCSy+9VOmn%0AcJ955hnWrFlDo0aNKCgo4K677uK2224jKCjoCvZI5NqigJB6ae7cuezatQuHw8EDDzzAgAEDePPN%0AN1mzZg1Wq5Xu3bvz+9//nsWLF1NaWkrXrl2Jioqqcr5jx44REBBQaXlQUBBvvvkmMTExtGvXjo8+%0A+ggvLy9ycnKcgdWuXTu+/fZb0tLS6NOnD5s2bcLDw4M5c+bQoUMHBg8ezJNPPklOTg7nzp0jKiqK%0ARx99lMmTJ1NQUMDZs2dZvHgxixYtqrRPO3fuJCUlhYCAAKxWq35oS64qBYTUO5s2bSInJ4cVK1ZQ%0AXFzMvffey2233cb777/Ps88+S+fOnVm+fDk2m40HH3yQo0ePmobD6NGjKS4uJjc3l969ezNlypRK%0A27zyyiu88cYb/OEPf+DMmTPUy/maAAACbUlEQVSMGDGCxMREFi5cyNChQ4mNjeWDDz7g22+/rbLe%0AEydO0K1bN+655x6Ki4udAQGXfr89ISGhyn2aPXs2f/7zn2ndujVPPPHEVeuhCCggpB46cOAA2dnZ%0AJCQkAFBeXs7x48eZM2cOf/3rXzl27BgRERHUdBOBtLQ0bDYb8+bN4+TJk5VumX327FlycnKYOnUq%0AU6dO5bvvvuN3v/sdnTt35ujRo4waNQqAW2+9lQ8++KDS/N+/fmBgIFlZWWzfvp1GjRpx8eJF5zbf%0A32Cvqn3Kzc11/kBOREQE33333ZW0TMSUrmKSeqdt27b07NmTpUuXkpaWxq9+9Stuuukm3nnnHZ59%0A9lneeustdu/eze7du7FYLNUGhcViISkpiaNHj7Jy5coK60pKSpg4cSI5OTkANG3alCZNmuDl5UX7%0A9u355z//CVDhNwq8vb3Jzc3FMAzsdjsA7777Lo0bN2b+/PmMGjWKoqIi5/ZWq7XafQoODnYenfzr%0AX/+6Ct0TuUxHEFLvREdHs3PnTkaOHMmFCxeIiYnBx8eH0NBQYmNjCQoKonnz5vz85z/Hy8uL119/%0AnfDwcAYOHGg6n9Vq5U9/+hOjRo2if//+ztto33jjjTz22GM88sgjeHp64nA46NevHz179iQ8PJzp%0A06ezbt06/P39nXONHTuWMWPGcNNNNxEYGAhAz549mTx5Mjt27MDHx4dWrVpx6tSpWu3Tc889x+TJ%0Ak/Hz88PHx0e/4y5XlW7WJ+JiBw4cYNasWaSlpbm7FJEfRKeYRETElI4gRETElI4gRETElAJCRERM%0AKSBERMSUAkJEREwpIERExNT/AxE4i8DSEQGsAAAAAElFTkSuQmCC"/>
+          <p:cNvSpPr>
+            <a:spLocks noChangeAspect="1" noChangeArrowheads="1"/>
+          </p:cNvSpPr>
+          <p:nvPr/>
+        </p:nvSpPr>
+        <p:spPr bwMode="auto">
+          <a:xfrm>
+            <a:off x="307975" y="7937"/>
+            <a:ext cx="304800" cy="304801"/>
+          </a:xfrm>
+          <a:prstGeom prst="rect">
+            <a:avLst/>
+          </a:prstGeom>
+          <a:noFill/>
+          <a:extLst>
+            <a:ext uri="{909E8E84-426E-40DD-AFC4-6F175D3DCCD1}">
+              <a14:hiddenFill xmlns:a14="http://schemas.microsoft.com/office/drawing/2010/main">
+                <a:solidFill>
+                  <a:srgbClr val="FFFFFF"/>
+                </a:solidFill>
+              </a14:hiddenFill>
+            </a:ext>
+          </a:extLst>
+        </p:spPr>
+        <p:txBody>
+          <a:bodyPr vert="horz" wrap="square" lIns="91440" tIns="45720" rIns="91440" bIns="45720" numCol="1" anchor="t" anchorCtr="0" compatLnSpc="1">
+            <a:prstTxWarp prst="textNoShape">
+              <a:avLst/>
+            </a:prstTxWarp>
+          </a:bodyPr>
+          <a:lstStyle/>
+          <a:p>
+            <a:endParaRPr lang="en-US"/>
+          </a:p>
+        </p:txBody>
+      </p:sp>
+      <p:pic>
+        <p:nvPicPr>
+          <p:cNvPr id="4104" name="Picture 8"/>
+          <p:cNvPicPr>
+            <a:picLocks noChangeAspect="1" noChangeArrowheads="1"/>
+          </p:cNvPicPr>
+          <p:nvPr/>
+        </p:nvPicPr>
+        <p:blipFill>
+          <a:blip r:embed="rId3">
+            <a:extLst>
+              <a:ext uri="{28A0092B-C50C-407E-A947-70E740481C1C}">
+                <a14:useLocalDpi xmlns:a14="http://schemas.microsoft.com/office/drawing/2010/main" val="0"/>
+              </a:ext>
+            </a:extLst>
+          </a:blip>
+          <a:srcRect/>
+          <a:stretch>
+            <a:fillRect/>
+          </a:stretch>
+        </p:blipFill>
+        <p:spPr bwMode="auto">
+          <a:xfrm>
+            <a:off x="4065814" y="1931660"/>
+            <a:ext cx="4637314" cy="3075769"/>
+          </a:xfrm>
+          <a:prstGeom prst="rect">
+            <a:avLst/>
+          </a:prstGeom>
+          <a:noFill/>
+          <a:ln>
+            <a:noFill/>
+          </a:ln>
+          <a:effectLst/>
+          <a:extLst>
+            <a:ext uri="{909E8E84-426E-40DD-AFC4-6F175D3DCCD1}">
+              <a14:hiddenFill xmlns:a14="http://schemas.microsoft.com/office/drawing/2010/main">
+                <a:solidFill>
+                  <a:schemeClr val="accent1"/>
+                </a:solidFill>
+              </a14:hiddenFill>
+            </a:ext>
+            <a:ext uri="{91240B29-F687-4F45-9708-019B960494DF}">
+              <a14:hiddenLine xmlns:a14="http://schemas.microsoft.com/office/drawing/2010/main" w="9525">
+                <a:solidFill>
+                  <a:schemeClr val="tx1"/>
+                </a:solidFill>
+                <a:miter lim="800000"/>
+                <a:headEnd/>
+                <a:tailEnd/>
+              </a14:hiddenLine>
+            </a:ext>
+            <a:ext uri="{AF507438-7753-43E0-B8FC-AC1667EBCBE1}">
+              <a14:hiddenEffects xmlns:a14="http://schemas.microsoft.com/office/drawing/2010/main">
+                <a:effectLst>
+                  <a:outerShdw dist="35921" dir="2700000" algn="ctr" rotWithShape="0">
+                    <a:schemeClr val="bg2"/>
+                  </a:outerShdw>
+                </a:effectLst>
+              </a14:hiddenEffects>
+            </a:ext>
+          </a:extLst>
+        </p:spPr>
+      </p:pic>
     </p:spTree>
     <p:extLst>
       <p:ext uri="{BB962C8B-B14F-4D97-AF65-F5344CB8AC3E}">
@@ -4982,7 +5435,7 @@
           <p:cNvPr id="2" name="Title 1">
             <a:extLst>
               <a:ext uri="{FF2B5EF4-FFF2-40B4-BE49-F238E27FC236}">
-                <a16:creationId xmlns:a16="http://schemas.microsoft.com/office/drawing/2014/main" id="{EF5CCF55-42B2-43D5-BDF7-588BCF176369}"/>
+                <a16:creationId xmlns:a16="http://schemas.microsoft.com/office/drawing/2014/main" xmlns="" id="{EF5CCF55-42B2-43D5-BDF7-588BCF176369}"/>
               </a:ext>
             </a:extLst>
           </p:cNvPr>
@@ -5010,7 +5463,7 @@
           <p:cNvPr id="3" name="Content Placeholder 2">
             <a:extLst>
               <a:ext uri="{FF2B5EF4-FFF2-40B4-BE49-F238E27FC236}">
-                <a16:creationId xmlns:a16="http://schemas.microsoft.com/office/drawing/2014/main" id="{776F7041-413C-4BCA-81F9-365D83E05FE6}"/>
+                <a16:creationId xmlns:a16="http://schemas.microsoft.com/office/drawing/2014/main" xmlns="" id="{776F7041-413C-4BCA-81F9-365D83E05FE6}"/>
               </a:ext>
             </a:extLst>
           </p:cNvPr>
@@ -5064,8 +5517,20 @@
             <a:pPr lvl="1"/>
             <a:r>
               <a:rPr lang="en-US" sz="1600" dirty="0"/>
-              <a:t>Training: 98%</a:t>
-            </a:r>
+              <a:t>Training: 98</a:t>
+            </a:r>
+            <a:r>
+              <a:rPr lang="en-US" sz="1600" dirty="0" smtClean="0"/>
+              <a:t>%</a:t>
+            </a:r>
+          </a:p>
+          <a:p>
+            <a:pPr lvl="1"/>
+            <a:r>
+              <a:rPr lang="en-US" sz="1600" dirty="0" smtClean="0"/>
+              <a:t>OOB: 86%</a:t>
+            </a:r>
+            <a:endParaRPr lang="en-US" sz="1600" dirty="0"/>
           </a:p>
           <a:p>
             <a:pPr lvl="1"/>
@@ -5104,7 +5569,7 @@
           <p:cNvPr id="4" name="Picture 3">
             <a:extLst>
               <a:ext uri="{FF2B5EF4-FFF2-40B4-BE49-F238E27FC236}">
-                <a16:creationId xmlns:a16="http://schemas.microsoft.com/office/drawing/2014/main" id="{D2DE96E7-4A28-46C9-A6A4-535096F7E645}"/>
+                <a16:creationId xmlns:a16="http://schemas.microsoft.com/office/drawing/2014/main" xmlns="" id="{D2DE96E7-4A28-46C9-A6A4-535096F7E645}"/>
               </a:ext>
             </a:extLst>
           </p:cNvPr>
@@ -5134,7 +5599,7 @@
           <p:cNvPr id="5" name="Content Placeholder 2">
             <a:extLst>
               <a:ext uri="{FF2B5EF4-FFF2-40B4-BE49-F238E27FC236}">
-                <a16:creationId xmlns:a16="http://schemas.microsoft.com/office/drawing/2014/main" id="{8FBA144D-5088-494F-9C0D-8510E5C3FF66}"/>
+                <a16:creationId xmlns:a16="http://schemas.microsoft.com/office/drawing/2014/main" xmlns="" id="{8FBA144D-5088-494F-9C0D-8510E5C3FF66}"/>
               </a:ext>
             </a:extLst>
           </p:cNvPr>
@@ -5326,7 +5791,23 @@
             </a:pPr>
             <a:r>
               <a:rPr lang="en-US" sz="2000" dirty="0"/>
-              <a:t>THOUGHTS: Things barely changed (slight improvement) in the results between the Bagged Tree and the Random Forest model. But what DID change were the importance to each predictor.</a:t>
+              <a:t>THOUGHTS: Things barely changed </a:t>
+            </a:r>
+            <a:r>
+              <a:rPr lang="en-US" sz="2000" dirty="0" smtClean="0"/>
+              <a:t>(</a:t>
+            </a:r>
+            <a:r>
+              <a:rPr lang="en-US" sz="2000" dirty="0" smtClean="0"/>
+              <a:t>.0004</a:t>
+            </a:r>
+            <a:r>
+              <a:rPr lang="en-US" sz="2000" dirty="0" smtClean="0"/>
+              <a:t> improvement in Test RMSE) </a:t>
+            </a:r>
+            <a:r>
+              <a:rPr lang="en-US" sz="2000" dirty="0"/>
+              <a:t>in the results between the Bagged Tree and the Random Forest model. But what DID change were the importance to each predictor.</a:t>
             </a:r>
           </a:p>
         </p:txBody>
@@ -5366,7 +5847,7 @@
           <p:cNvPr id="2" name="Title 1">
             <a:extLst>
               <a:ext uri="{FF2B5EF4-FFF2-40B4-BE49-F238E27FC236}">
-                <a16:creationId xmlns:a16="http://schemas.microsoft.com/office/drawing/2014/main" id="{315FBDDD-97CB-489F-880C-A0DE0CD19F45}"/>
+                <a16:creationId xmlns:a16="http://schemas.microsoft.com/office/drawing/2014/main" xmlns="" id="{315FBDDD-97CB-489F-880C-A0DE0CD19F45}"/>
               </a:ext>
             </a:extLst>
           </p:cNvPr>
@@ -5394,7 +5875,7 @@
           <p:cNvPr id="3" name="Text Placeholder 2">
             <a:extLst>
               <a:ext uri="{FF2B5EF4-FFF2-40B4-BE49-F238E27FC236}">
-                <a16:creationId xmlns:a16="http://schemas.microsoft.com/office/drawing/2014/main" id="{92D062F4-181C-4755-BEF6-57DFA4532A43}"/>
+                <a16:creationId xmlns:a16="http://schemas.microsoft.com/office/drawing/2014/main" xmlns="" id="{92D062F4-181C-4755-BEF6-57DFA4532A43}"/>
               </a:ext>
             </a:extLst>
           </p:cNvPr>
@@ -5422,7 +5903,7 @@
           <p:cNvPr id="7" name="Content Placeholder 6">
             <a:extLst>
               <a:ext uri="{FF2B5EF4-FFF2-40B4-BE49-F238E27FC236}">
-                <a16:creationId xmlns:a16="http://schemas.microsoft.com/office/drawing/2014/main" id="{1055C9A4-A56B-4EE4-8355-0872057299EC}"/>
+                <a16:creationId xmlns:a16="http://schemas.microsoft.com/office/drawing/2014/main" xmlns="" id="{1055C9A4-A56B-4EE4-8355-0872057299EC}"/>
               </a:ext>
             </a:extLst>
           </p:cNvPr>
@@ -5454,7 +5935,7 @@
           <p:cNvPr id="5" name="Text Placeholder 4">
             <a:extLst>
               <a:ext uri="{FF2B5EF4-FFF2-40B4-BE49-F238E27FC236}">
-                <a16:creationId xmlns:a16="http://schemas.microsoft.com/office/drawing/2014/main" id="{A0F8E968-2600-4CC6-99AB-6E213573BD1B}"/>
+                <a16:creationId xmlns:a16="http://schemas.microsoft.com/office/drawing/2014/main" xmlns="" id="{A0F8E968-2600-4CC6-99AB-6E213573BD1B}"/>
               </a:ext>
             </a:extLst>
           </p:cNvPr>
@@ -5482,7 +5963,7 @@
           <p:cNvPr id="8" name="Picture 7">
             <a:extLst>
               <a:ext uri="{FF2B5EF4-FFF2-40B4-BE49-F238E27FC236}">
-                <a16:creationId xmlns:a16="http://schemas.microsoft.com/office/drawing/2014/main" id="{5E74B1EE-F066-48EA-9627-3DDDAABD54ED}"/>
+                <a16:creationId xmlns:a16="http://schemas.microsoft.com/office/drawing/2014/main" xmlns="" id="{5E74B1EE-F066-48EA-9627-3DDDAABD54ED}"/>
               </a:ext>
             </a:extLst>
           </p:cNvPr>
@@ -5542,7 +6023,7 @@
           <p:cNvPr id="2" name="Title 1">
             <a:extLst>
               <a:ext uri="{FF2B5EF4-FFF2-40B4-BE49-F238E27FC236}">
-                <a16:creationId xmlns:a16="http://schemas.microsoft.com/office/drawing/2014/main" id="{7D0810BF-2F18-45FE-B8A0-37BD6C9D83D6}"/>
+                <a16:creationId xmlns:a16="http://schemas.microsoft.com/office/drawing/2014/main" xmlns="" id="{7D0810BF-2F18-45FE-B8A0-37BD6C9D83D6}"/>
               </a:ext>
             </a:extLst>
           </p:cNvPr>
@@ -5578,7 +6059,7 @@
           <p:cNvPr id="3" name="Content Placeholder 2">
             <a:extLst>
               <a:ext uri="{FF2B5EF4-FFF2-40B4-BE49-F238E27FC236}">
-                <a16:creationId xmlns:a16="http://schemas.microsoft.com/office/drawing/2014/main" id="{DD905849-336E-4F8F-9FE1-D3E34C32A415}"/>
+                <a16:creationId xmlns:a16="http://schemas.microsoft.com/office/drawing/2014/main" xmlns="" id="{DD905849-336E-4F8F-9FE1-D3E34C32A415}"/>
               </a:ext>
             </a:extLst>
           </p:cNvPr>
@@ -5591,8 +6072,8 @@
         </p:nvSpPr>
         <p:spPr>
           <a:xfrm>
-            <a:off x="838200" y="1825625"/>
-            <a:ext cx="5352875" cy="3207769"/>
+            <a:off x="506185" y="1897631"/>
+            <a:ext cx="2852057" cy="3207769"/>
           </a:xfrm>
         </p:spPr>
         <p:txBody>
@@ -5607,8 +6088,16 @@
           <a:p>
             <a:pPr lvl="1"/>
             <a:r>
+              <a:rPr lang="en-US" sz="1600" dirty="0" smtClean="0"/>
+              <a:t>Trees</a:t>
+            </a:r>
+            <a:r>
+              <a:rPr lang="en-US" sz="1600" dirty="0" smtClean="0"/>
+              <a:t>: </a:t>
+            </a:r>
+            <a:r>
               <a:rPr lang="en-US" sz="1600" dirty="0"/>
-              <a:t>Max Features: 500</a:t>
+              <a:t>500</a:t>
             </a:r>
           </a:p>
           <a:p>
@@ -5632,8 +6121,20 @@
             <a:pPr lvl="1"/>
             <a:r>
               <a:rPr lang="en-US" sz="1600" dirty="0"/>
-              <a:t>Training: 98%</a:t>
-            </a:r>
+              <a:t>Training: 98</a:t>
+            </a:r>
+            <a:r>
+              <a:rPr lang="en-US" sz="1600" dirty="0" smtClean="0"/>
+              <a:t>%</a:t>
+            </a:r>
+          </a:p>
+          <a:p>
+            <a:pPr lvl="1"/>
+            <a:r>
+              <a:rPr lang="en-US" sz="1600" dirty="0" smtClean="0"/>
+              <a:t>OOB: 87%</a:t>
+            </a:r>
+            <a:endParaRPr lang="en-US" sz="1600" dirty="0"/>
           </a:p>
           <a:p>
             <a:pPr lvl="1"/>
@@ -5669,7 +6170,7 @@
           <p:cNvPr id="4" name="Picture 3">
             <a:extLst>
               <a:ext uri="{FF2B5EF4-FFF2-40B4-BE49-F238E27FC236}">
-                <a16:creationId xmlns:a16="http://schemas.microsoft.com/office/drawing/2014/main" id="{4F233AF7-A554-4C99-ACCD-24567332999B}"/>
+                <a16:creationId xmlns:a16="http://schemas.microsoft.com/office/drawing/2014/main" xmlns="" id="{4F233AF7-A554-4C99-ACCD-24567332999B}"/>
               </a:ext>
             </a:extLst>
           </p:cNvPr>
@@ -5686,8 +6187,8 @@
         </p:blipFill>
         <p:spPr>
           <a:xfrm>
-            <a:off x="5894664" y="1537952"/>
-            <a:ext cx="5011024" cy="3735191"/>
+            <a:off x="7523162" y="1572268"/>
+            <a:ext cx="4491680" cy="3348075"/>
           </a:xfrm>
           <a:prstGeom prst="rect">
             <a:avLst/>
@@ -5699,7 +6200,7 @@
           <p:cNvPr id="5" name="Picture 4">
             <a:extLst>
               <a:ext uri="{FF2B5EF4-FFF2-40B4-BE49-F238E27FC236}">
-                <a16:creationId xmlns:a16="http://schemas.microsoft.com/office/drawing/2014/main" id="{3510B83D-9879-46EB-B852-AF96B44AEBA8}"/>
+                <a16:creationId xmlns:a16="http://schemas.microsoft.com/office/drawing/2014/main" xmlns="" id="{3510B83D-9879-46EB-B852-AF96B44AEBA8}"/>
               </a:ext>
             </a:extLst>
           </p:cNvPr>
@@ -5716,8 +6217,8 @@
         </p:blipFill>
         <p:spPr>
           <a:xfrm>
-            <a:off x="5928220" y="4187938"/>
-            <a:ext cx="1239307" cy="1032756"/>
+            <a:off x="7681650" y="3890649"/>
+            <a:ext cx="1124598" cy="937165"/>
           </a:xfrm>
           <a:prstGeom prst="rect">
             <a:avLst/>
@@ -5729,7 +6230,7 @@
           <p:cNvPr id="6" name="Picture 5">
             <a:extLst>
               <a:ext uri="{FF2B5EF4-FFF2-40B4-BE49-F238E27FC236}">
-                <a16:creationId xmlns:a16="http://schemas.microsoft.com/office/drawing/2014/main" id="{85645CFE-3AAE-4C71-8BE2-69C67EAE22BF}"/>
+                <a16:creationId xmlns:a16="http://schemas.microsoft.com/office/drawing/2014/main" xmlns="" id="{85645CFE-3AAE-4C71-8BE2-69C67EAE22BF}"/>
               </a:ext>
             </a:extLst>
           </p:cNvPr>
@@ -5746,8 +6247,8 @@
         </p:blipFill>
         <p:spPr>
           <a:xfrm>
-            <a:off x="9492027" y="3571382"/>
-            <a:ext cx="1330614" cy="1108845"/>
+            <a:off x="10444843" y="3773207"/>
+            <a:ext cx="1212896" cy="1010747"/>
           </a:xfrm>
           <a:prstGeom prst="rect">
             <a:avLst/>
@@ -5759,7 +6260,7 @@
           <p:cNvPr id="7" name="Picture 6">
             <a:extLst>
               <a:ext uri="{FF2B5EF4-FFF2-40B4-BE49-F238E27FC236}">
-                <a16:creationId xmlns:a16="http://schemas.microsoft.com/office/drawing/2014/main" id="{F0F8CFD0-E1F6-4C80-BFEA-4A6ED76E3922}"/>
+                <a16:creationId xmlns:a16="http://schemas.microsoft.com/office/drawing/2014/main" xmlns="" id="{F0F8CFD0-E1F6-4C80-BFEA-4A6ED76E3922}"/>
               </a:ext>
             </a:extLst>
           </p:cNvPr>
@@ -5776,8 +6277,8 @@
         </p:blipFill>
         <p:spPr>
           <a:xfrm>
-            <a:off x="6085781" y="1695205"/>
-            <a:ext cx="1239307" cy="1032756"/>
+            <a:off x="7681650" y="1812161"/>
+            <a:ext cx="1092056" cy="910047"/>
           </a:xfrm>
           <a:prstGeom prst="rect">
             <a:avLst/>
@@ -5789,7 +6290,7 @@
           <p:cNvPr id="8" name="Picture 7">
             <a:extLst>
               <a:ext uri="{FF2B5EF4-FFF2-40B4-BE49-F238E27FC236}">
-                <a16:creationId xmlns:a16="http://schemas.microsoft.com/office/drawing/2014/main" id="{3C5DD31E-B52B-4A1D-9373-1C6A9B057960}"/>
+                <a16:creationId xmlns:a16="http://schemas.microsoft.com/office/drawing/2014/main" xmlns="" id="{3C5DD31E-B52B-4A1D-9373-1C6A9B057960}"/>
               </a:ext>
             </a:extLst>
           </p:cNvPr>
@@ -5806,8 +6307,8 @@
         </p:blipFill>
         <p:spPr>
           <a:xfrm>
-            <a:off x="9033155" y="1869622"/>
-            <a:ext cx="1330614" cy="1108844"/>
+            <a:off x="10157812" y="1997528"/>
+            <a:ext cx="1177125" cy="980937"/>
           </a:xfrm>
           <a:prstGeom prst="rect">
             <a:avLst/>
@@ -5819,7 +6320,7 @@
           <p:cNvPr id="9" name="Picture 8">
             <a:extLst>
               <a:ext uri="{FF2B5EF4-FFF2-40B4-BE49-F238E27FC236}">
-                <a16:creationId xmlns:a16="http://schemas.microsoft.com/office/drawing/2014/main" id="{6A2DF326-A88D-4DA8-95C5-90FCFE11D1B8}"/>
+                <a16:creationId xmlns:a16="http://schemas.microsoft.com/office/drawing/2014/main" xmlns="" id="{6A2DF326-A88D-4DA8-95C5-90FCFE11D1B8}"/>
               </a:ext>
             </a:extLst>
           </p:cNvPr>
@@ -5836,7 +6337,7 @@
         </p:blipFill>
         <p:spPr>
           <a:xfrm>
-            <a:off x="6865833" y="3103531"/>
+            <a:off x="8300298" y="2929956"/>
             <a:ext cx="1011901" cy="843251"/>
           </a:xfrm>
           <a:prstGeom prst="rect">
@@ -5849,7 +6350,7 @@
           <p:cNvPr id="10" name="Content Placeholder 2">
             <a:extLst>
               <a:ext uri="{FF2B5EF4-FFF2-40B4-BE49-F238E27FC236}">
-                <a16:creationId xmlns:a16="http://schemas.microsoft.com/office/drawing/2014/main" id="{FA9E3FB7-F65C-4387-A7F5-B6C058857968}"/>
+                <a16:creationId xmlns:a16="http://schemas.microsoft.com/office/drawing/2014/main" xmlns="" id="{FA9E3FB7-F65C-4387-A7F5-B6C058857968}"/>
               </a:ext>
             </a:extLst>
           </p:cNvPr>
@@ -6040,8 +6541,12 @@
               <a:buNone/>
             </a:pPr>
             <a:r>
+              <a:rPr lang="en-US" sz="2000" b="1" dirty="0"/>
+              <a:t>THOUGHTS</a:t>
+            </a:r>
+            <a:r>
               <a:rPr lang="en-US" sz="2000" dirty="0"/>
-              <a:t>THOUGHTS: Again, not much changed for the Training and Test R</a:t>
+              <a:t>: Again, not much changed for the Training and Test R</a:t>
             </a:r>
             <a:r>
               <a:rPr lang="en-US" sz="2000" baseline="30000" dirty="0"/>
@@ -6055,6 +6560,139 @@
           </a:p>
         </p:txBody>
       </p:sp>
+      <p:sp>
+        <p:nvSpPr>
+          <p:cNvPr id="12" name="TextBox 11"/>
+          <p:cNvSpPr txBox="1"/>
+          <p:nvPr/>
+        </p:nvSpPr>
+        <p:spPr>
+          <a:xfrm>
+            <a:off x="3298064" y="1628674"/>
+            <a:ext cx="4106894" cy="369332"/>
+          </a:xfrm>
+          <a:prstGeom prst="rect">
+            <a:avLst/>
+          </a:prstGeom>
+          <a:noFill/>
+        </p:spPr>
+        <p:txBody>
+          <a:bodyPr wrap="none" rtlCol="0">
+            <a:spAutoFit/>
+          </a:bodyPr>
+          <a:lstStyle/>
+          <a:p>
+            <a:r>
+              <a:rPr lang="en-US" b="1" dirty="0" smtClean="0"/>
+              <a:t>Improvement with Tuned Random Forest</a:t>
+            </a:r>
+            <a:endParaRPr lang="en-US" b="1" dirty="0"/>
+          </a:p>
+        </p:txBody>
+      </p:sp>
+      <p:sp>
+        <p:nvSpPr>
+          <p:cNvPr id="11" name="AutoShape 4" descr="data:image/png;base64,iVBORw0KGgoAAAANSUhEUgAAAYgAAAEECAYAAAAyMaOFAAAABHNCSVQICAgIfAhkiAAAAAlwSFlz%0AAAALEgAACxIB0t1+/AAAADl0RVh0U29mdHdhcmUAbWF0cGxvdGxpYiB2ZXJzaW9uIDIuMS4wLCBo%0AdHRwOi8vbWF0cGxvdGxpYi5vcmcvpW3flQAAIABJREFUeJzt3XlcVXX+x/HXvSwiiyyWuSSmOBRq%0AZVqoYwrqILnUaJSgpSlqi2k64lZTmmQKmVaOmpkKY6mRZY7mVDOOC4aONuSS/VDSzH1BgRQVEO75%0A/eF0HeKwZF4u2vv5ePjw3rN8z+d+0PvmnHvuORbDMAxERER+xursAkREpHpSQIiIiCkFhIiImFJA%0AiIiIKQWEiIiYUkCIiIgpV0cMarPZePnll9m7dy/u7u5MmTKFRo0a2ecnJyezZs0aAMLCwhg+fDj5%0A+fmMHTuWM2fO4OXlRWJiIgEBAY4oT0REKsEhexBr166lsLCQlJQU4uLiSEhIsM87fPgwq1at4oMP%0APiAlJYUvv/ySPXv2sGzZMoKDg1m6dCm9evVi7ty5jihNREQqySEBkZ6eTocOHQBo2bIlu3fvts+r%0AW7cuCxYswMXFBavVSlFRETVq1CixTseOHdmyZYsjShMRkUpyyCGmvLw8vL297c9dXFwoKirC1dUV%0ANzc3AgICMAyD1157jWbNmtG4cWPy8vLw8fEBwMvLi3PnzpUaNz093RHliojc8Fq3bv2L13FIQHh7%0Ae3P+/Hn7c5vNhqvrlU0VFBTwwgsv4OXlxaRJk0qtc/78eWrVqmU69tW8yBtRRkYGISEhzi6jWlAv%0ArlAvrlAvrrjaX64dcoipVatWpKamArBjxw6Cg4Pt8wzDYNiwYdx+++3Ex8fj4uJiX2fjxo0ApKam%0AKghERJzMIXsQERERpKWlERMTg2EYTJ06laSkJAIDA7HZbGzbto3CwkI2bdoEwOjRo+nbty/jx4+n%0Ab9++uLm5MWPGDEeUJiIileSQgLBarcTHx5eYFhQUZH/8zTffmK43a9YsR5QjIiJXQV+UExERUwoI%0AERExpYAQERFTCggRETGlgBAREVMKCBERMaWAEBERUwoIERExpYAQERFTCggRETGlgBAREVMKCBER%0AMaWAEBERUwoIERExpYAQERFTCggRETGlgBAREVMKCBERMaWAEBERUwoIERExpYAQERFTCggRETGl%0AgBAREVMKCBERMaWAEBERUwoIERExpYAQERFTCggRETGlgBAREVMKCBERMaWAEBERUwoIERExpYAQ%0AERFTCggRETGlgBAREVMKCBERMeWQgLDZbEycOJHo6Gj69+/PwYMHSy2TnZ1N165dKSgoAODcuXMM%0AGTKExx57jIEDB5KVleWI0kREpJIcEhBr166lsLCQlJQU4uLiSEhIKDF/06ZNxMbGcvr0afu0FStW%0AEBwczJIlS+jevTsLFy50RGkiIlJJro4YND09nQ4dOgDQsmVLdu/eXWK+1WolKSmJqKgo+7Tg4GC+%0A//57APLy8nB1NS8tIyPDESVfd/Lz89WL/1IvrlAvrlAvfj2HBEReXh7e3t725y4uLhQVFdnf9Nu3%0Ab19qHX9/f9LS0ujevTs//vgjS5YsMR07JCTEESVfdzIyMtSL/1IvrlAvrlAvrkhPT7+q9RxyiMnb%0A25vz58/bn9tstjL3CH4ye/ZshgwZwt///ncWLlzIiBEjHFGaiIhUkkMColWrVqSmpgKwY8cOgoOD%0AK1ynVq1a+Pj4AFC7du0SASMiIlXPIYeYIiIiSEtLIyYmBsMwmDp1KklJSQQGBtKlSxfTdUaOHMmL%0AL77I0qVLKSoq4pVXXnFEaSIiUkkOCQir1Up8fHyJaUFBQaWWW7dunf3xLbfcwrvvvuuIckRE5Cro%0Ai3IiImJKASEiIqYUECIiYkoBISIiphQQIiJiSgEhIiKmFBAiImJKASEiIqYUECIiYkoBISIiphQQ%0AIiJiSgEhIiKmFBAiImJKASEiIqYUECIiYkoBISIiphQQIiJiSgEhIiKmFBAiImJKASEiIqYUECIi%0AYkoBISIiphQQIiJiSgEhIiKmFBAiImJKASEiIqYUECIiYkoBISIiphQQIiJiSgEhIiKmFBAiImJK%0AASEiIqYUECIiYkoBISIiphQQIiJiyiEBYbPZmDhxItHR0fTv35+DBw+WWiY7O5uuXbtSUFAAQHFx%0AMVOmTCEmJoaHH36Y9evXO6I0ERGppDID4ssvv7Q/Pnv2rP3x8uXLKxx07dq1FBYWkpKSQlxcHAkJ%0ACSXmb9q0idjYWE6fPm2f9re//Y2ioiI++OAD3n77bdNQERGRqlNmQMyfP9/+ePjw4fbHq1evrnDQ%0A9PR0OnToAEDLli3ZvXt3yY1arSQlJeHn52ef9uWXX1K3bl2efPJJXnzxRTp37lz5VyEiIteca1kz%0ADMOo8HFZ8vLy8Pb2tj93cXGhqKgIV9fLm2vfvn2pdXJycjh48CDvvPMOX331Fc8//zxLliwptVxG%0ARkaF2/8tyM/PVy/+S724Qr24Qr349coMCIvFUuHjsnh7e3P+/Hn7c5vNZg+Hsvj5+REeHo7FYiE0%0ANJQffvjBdLmQkJAKt/9bkJGRoV78l3pxhXpxhXpxRXp6+lWtV+YhpoKCAg4fPsyhQ4dKPa5Iq1at%0ASE1NBWDHjh0EBwdXuE7r1q3ZuHEjAHv27KFevXqVfQ0iIuIAZf5a7+Liwvjx400fVyQiIoK0tDRi%0AYmIwDIOpU6eSlJREYGAgXbp0MV2nT58+TJo0iT59+mAYBpMnT76a1yMiItdImQGxdOnSqx7UarUS%0AHx9fYlpQUFCp5datW2d/7O7uzrRp0656myIicm2VeYjp2LFjPPfccxQXF5Oens79999PZGQku3bt%0Aqsr6RETEScoMiClTptCzZ09cXFxISEhg2rRpJCcnM3369KqsT0REnKTMQ0wFBQV07dqV3Nxcjh07%0AZv9eQ3FxcZUVJyIizlPhpTa2bNlCaGgocPk7EHl5eQ4vSkREnK/MPYigoCDGjRvHrl27ePnllzl9%0A+jQzZ860h4WIiNzYygyICRMmsGHDBgYNGkRISAh79uyhSZMmDBw4sArLExERZynzEFNWVhbNmzcn%0AICCAkydP4u/vz4MPPsiZM2eqsj4REXGSMvcgwsLCqF+/PgEBAcCVazBZLBY++uijqqlOREScpsyA%0AmDlzJp9//jk2m41u3brxhz/8gRo1alRlbSIi4kRlBkT37t3p3r07P/74I5999hkjRoygdu3aPPTQ%0AQ7Rr164qaxQRESeo8DRXX19fYmJiGD58OBcuXGD06NFVUZeIiDhZudfg3rdvH6tXr2bjxo00bdqU%0A3r17M2PGjKqqTUREnKjMgHjooYcoLi6mR48eJCYm4unpCcDx48dp2LBhlRUoIiLOUWZAeHl5YbFY%0A+PLLL0lLSwMun8lksVhM7/QmIiI3ljIDYtmyZabT9T0IEZHfhjI/pM7IyGD48OG88MIL5OTkAJCS%0AkkKvXr2qrDgREXGeMvcg/vznPzNy5EiOHj3KG2+8Yb/t6OLFi6uyPhERcZIyA6JmzZqEhYUBEB4e%0AzoMPPkhCQgIWi6XKihMREecp957UP7n55puJi4urkoJERKR6KDMgDMPAMAxsNhseHh7253D5ntMi%0AInJjKzMgDh06RKdOnYDLYdGpUyf7aa4bNmyoqvpERMRJygyIjRs3VmUdIiJSzehYkYiImFJAiIiI%0AqQoD4ueHmr744guHFSMiItVHmZ9BbNiwgR07drBq1Sr++Mc/AmCz2fjHP/5BZGRklRUoIiLOUWZA%0A/O53vyMrKwt3d3fq168PXD69dfr06VVWnIiIOE+ZAdGgQQMeffRRevXqhaurKzabjV27dnH77bdX%0AZX0iIuIk5d4wCOAvf/kL9erV48SJE+zcuZN69eoxbdq0qqhNREScqMIPqbdt20bfvn35+uuvSU5O%0A5tixY1VRl4iIOFmFAWGz2fj2229p0KABly5dIjs7uyrqEhERJ6swIHr27MlLL71EbGwsiYmJPPbY%0AY1VRl4iIOFmFn0EMGDCAqKgojh8/zpgxY/Dw8KiKukRExMkq3INYu3Ytffv2ZdSoUSxYsIB33nmn%0AKuoSkWpiw4YNWCwW+x8vLy+eeOIJLl26VKV17Nmzp9TFQn/44YcStf30Z+DAgVVa242qwoBYsGAB%0Ay5cvx9/fn2HDhumb1CK/Udu2bSMnJ4ePP/6YxYsX89lnnzm7JAIDA8nJybHfFnnmzJnk5OQwd+5c%0AJ1d2Y6gwIFxcXKhRowYWiwWr1UrNmjWroi4RqWZ8fHzw8/MjICAAAG9vbwCGDRtGrVq18PT05OGH%0AH6a4uJisrCy6du2Kr68vQ4cOpVatWsybN4+LFy/Sp08fatWqRe/evQkODmbChAkAPP/88wQEBNCo%0AUSOWLFkCQGZmJvfddx9+fn5Mnjy5VE1WqxU/Pz/8/PyAy3fC9PPzw9PTk9mzZ9OwYUNCQkLo1asX%0Ahw8fpnPnznh7exMWFsaBAwcAWL58OY0aNaJ27drExcXZ73sjlQiIli1bMnbsWE6ePEl8fDzNmjWr%0AcFCbzcbEiROJjo6mf//+HDx4sNQy2dnZdO3alYKCghLT9+/fT+vWrUtNFxHnCg0NxdfXl7Zt29Kh%0AQwfuv/9+cnNz8fLy4h//+AezZs3ik08+4bvvvmPatGns3r2bLVu2EBoayrlz5wB49913+fTTT/nn%0AP//J0KFD2bdvHwCff/45iYmJrF69mrlz5zJ48GCOHz/O2LFjuXTpEtu3b6dp06a/uOYjR44wf/58%0AZs+ezdixY8nPz2fPnj3cdtttjBo1iuzsbJ544glGjBjB5s2bWbJkCStXrrymfbueVfgh9dixY1m/%0Afj1NmzalSZMmREREVDjo2rVrKSwsJCUlhR07dpCQkMDbb79tn79p0yZmzJjB6dOnS6yXl5dHYmIi%0A7u7uV/FSRMSRPvnkE5o0acLRo0fp3bs3Y8aMITExkby8PMaPH2//LT4/P5+MjAxCQ0Np1qwZjRs3%0A5sknnwQgIyOD4OBg2rRpA1y+nTHArl27MAyDHj16AFBQUEB6ejrfffcdkZGRNG7cmKioKKZMmfKL%0Aavb19aVDhw72bezfv58WLVpQWFiIp6cn+/bt4+LFi0yePJkpU6aQl5dHWloavXv3LnPMDXtO8U7q%0A9xzOuUBDf0+e6tiE8Dvq/LJmXifKDIhRo0bx5ptvAtCpUyf73eUqIz093f5DadmyJbt37y4x32q1%0AkpSURFRUlH2aYRi89NJLjB49mmHDhpU5dkZGRqXruJH99J9Q1Iv/5Yhe/HQE4MyZM3h7e3Pu3Dks%0AFgsHDhxg4cKFzJs3j2XLltkv7rl//37q1KnDZ599xpo1a/jqq68AOH78OP7+/uzdu5cPP/yQM2fO%0AkJWVxZkzZ2jYsCGurq689NJLFBYWsmXLFmrWrEnDhg1Zs2YN3bp14+OPP7bXU9ZrPH78uH1eUVER%0Arq6u9ucNGjTAzc2N0aNHs2HDBjw9Pbl06RJubm7069ePNm3a8NFHH9GsWbMyx//qyHnmbj2Dmwt4%0AuFg4cuZHJny0nWFtanPfrV7XtO/VQZkB8Wu+EJeXl2c/PgmXP8f46YcF0L59+1LrzJ49m7CwMO64%0A445yxw4JCbnqum4kGRkZ6sV/qRdXOKIXJ0+eBCA6Ohq4/P/53nvv5c0338THx4ekpCQGDRpEWFiY%0Afe//9ddf59ixY/Tr14+YmBjg8hv0448/zr59+xg6dCjdunXD39+fm2++mWHDhnHo0CFee+018vPz%0AGTRoEJ07d6Zx48b07dvXfrgaoFGjRmW+xnr16tnnubq64urqan++YMECYmNjGTZsGPXq1WP27Nm0%0Ab9+exYsX8+c//5nFixcTHh5Or1697J+z/Fz8pn/jVbMGnu6X38tqAhcKi/jsQBEDIqrvv8H09PSr%0AWq/MgDh8+DAzZ840nTd69OhyB/X29ub8+fP25zabzR4OZVm1ahV169bl448/Jisri9jYWPsHVSLi%0APOHh4eV+cGv25rN06VKCgoJ44403OHbsGPPnz6dBgwakpaXh6+vL3//+dzw9Pfnb3/5GgwYNsFgs%0AJCYmkpiYWGKcJk2asHXrVvvzWbNmlVnHz2scPnw4c+bMsT9v1KgR//rXv0qtFxMTYw+xihzOuYBf%0ATbcS02q6uXAk50Kl1r/elPmu7eHhQePGja9q0FatWrF+/Xq6d+/Ojh07CA4OrnCdf/7zn/bHnTt3%0AZtGiRVe1bRFxvtDQUGbPnk1oaCgeHh7ExsbSrVs3srOzef3114mMjMTFxYXIyMjr6jsLDf09OXUu%0A374HAXDxUjG3+ns6sSrHKTMgbrrppnI/qClPREQEaWlpxMTEYBgGU6dOJSkpicDAQLp06XLVxYrI%0A9aFp06Zs3ry51PSbbrrpuv4u1VMdmzBx1bdcKCyippsLFy8Vc6nY4KmOTZxdmkOUGRAtWrS46kGt%0AVivx8fElpgUFBZVabt26dabrlzVdRMSZwu+oQzzwTur3HMm5wK2/1bOYxo8fX5V1iIhcF8LvqHPD%0ABsLPVfhFORER+W1SQIiIiCkFhIiImFJAiIiIKQWEiIiYUkCIiIgpBYSIiJhSQIiIiCkFhIiImFJA%0AiIiIKQWEiIiYUkCIiIgpBYSIiJhSQIiIiCkFhIiImFJAiDhZeHg4Foul1B9HiYmJITw8vMS0H374%0AocS2PTw8aN26Nd9+++2v3l7btm2v6W1FN2zYUKpXjrxt6YYNG1i/fr3Dxq/OFBAiTvbpp5+Sk5ND%0A3759uffee8nJySEnJ8cptXz00Ufk5OSwa9cuDh8+XOrOkNXJtm3b7L2aO3euw7bTqVMn9u7d67Dx%0AqzMFhIiTeXt74+fnh7u7Oy4uLvj5+eHn5weAxWJh3rx5QMnf/MPDw3nwwQdp06YNfn5+9jfyzMxM%0A7r33Xnx8fHjooYc4c+YMAJMnT8bf35+WLVuyf//+Mmvx8vLCz8+PevXq4eHhgavr5ZtOTpkyhdq1%0Aa1OjRg3Cw8M5e/as/Tf5MWPGULt2be6++25++OEHDMPgqaeewtfXl7CwMHsNAH/9619p0qQJ3t7e%0AdOvWjUOHDtlf5xNPPEG9evVo1qwZs2fPpmHDhjRu3JitW7ea1urj42PvlaenJwCJiYnUr18fX19f%0A4uLiyMnJse8dde7cmVq1anH8+HGef/55AgICaNSoEUuWLAEgOTmZBg0a4OHhQdu2bTl48KB9z+SZ%0AZ54hOTn5l/5or3sKCJHr1I4dO1i0aBG9e/dm2rRpAEycOJHbbruNjIwMLl68SHx8PNu3b+fll18m%0AMTGRZcuWcfTo0TLHfOSRR/D19aV27doEBgYSHx9PcXEx+fn5vPfee6xevZqNGzeyefNm+zpeXl6s%0AXbuW//u//yMlJYWVK1fy7rvvsmzZMqZPn27fXkZGBrGxsTz77LPs3r2bvLw8Bg0aZB8nNzeXjRs3%0AcvjwYZKTk+0B9Pbbb5vWGhoaag+IAwcO8MUXXzBhwgTeeOMNtm3bRkZGBmPGjLEv37x5c77++mt2%0A7txJYmIiq1evZu7cuQwePJjjx4/z1ltvcf/99/PVV1/RvXt3Tpw4Yd8zmTlzJv369avUz2XDnlP0%0Anf9v7k9cR9/5/2bDnlOVWq86KvOe1CJSPRiGAUBxcXGJ6W3btqV58+aEhobaf7vNzMwkMzOTtWvX%0Akp+fT05ODu3btwcgOjoaX19fQkNDyc3NNd3W7NmzsVqtDBkyhE6dOhEUFITNZsMwDKZNm0b9+vUB%0AyM/Px8PDA4A+ffrQvHlzAgICuHjxIt999x2+vr50794dgODgYAB27tyJzWYjNjYWf39/evfuzaRJ%0Ak+zbjoyMJDg4mNq1a9u3HRgYSH5+vmmtn3zyCUFBQQDceuutpKSkUKtWLaKjowFo374927Ztsy/f%0ApUsXmjZtyooVKzAMgx49egBQUFBAeno6b731FpMnT6Zdu3Y0a9aMDh062PdMatasibu7e4U/qw17%0ATjFx1be4uVjwq+nGqXP5TFz1LfFwXd7HWnsQItWYp6cne/fu5fTp02zfvr3EPBcXF4ASH2g3btyY%0AiIgIVq1axcCBAxk0aBAhISEALFmyhIyMjDIP2QDUrVuXAQMGMHnyZKZMmcLy5cv55ptvmDp1KiNH%0AjuTRRx8FroSWWR3NmjUjNzeXVatWsXXrVjIzMwG46667sFgsLFq0iIMHD/LJJ5/Qpk0b+zhWq7XU%0AmOVp0KABt912G7fddhuurq7cfffdnD17lg8//JDMzEzS0tJKjP9ToN1xxx24uroyb9483nrrLR5/%0A/HHuvPNOli5dSmRkJBkZGRiGwVtvvWWv6/Tp05w9e7bCmt5J/R43Fwue7q5YLJf/dnOx8E7q9xWu%0AWx0pIESqsUmTJrF48WK6detm/028PK+++ionTpzggQceYPPmzbRt25Y777yTqVOn8uKLL9KvXz/u%0AueeeCscZP348YWFhPPvsswQEBNC5c2f69+/PG2+8QZ06dfj++7Lf8Hr27Mmzzz5L//79GT9+PHff%0AfTdwOTgWLlzInDlzaN68Od7e3ixatKjyzahAt27dmDZtGqNGjeK+++4jJCSE6dOnl1ruwQcfZPTo%0A0YwcOZLnnnvOfjgtLCyMefPm0bRpUwoKChg/fjwAf/zjH0lISGDFihUV1nA45wI13UqGW003F47k%0AXLg2L7KKWYz//VWgmktPT6d169bOLqNayMjIsP9m+FunXlyhXlzhjF70nf9vTp3Lx9P9ytH7C4VF%0A1PHxYNmTbau0lv91te+d2oMQEblGnurYhEvFBhcKizCMy39fKjZ4qmMTZ5d2VRQQIiLXSPgddYh/%0AqDl1fDz48eIl6vh4EP9Q8+vyA2rQWUwiItdU+B11rttA+DntQYiIiCkFhIiImFJAiIiIKQWEiIiY%0AUkCIiIgpBYSIiJhSQIiIiCkFhIiImHJIQNhsNiZOnEh0dDT9+/fn4MGDpZbJzs6ma9euFBQUAHDu%0A3DmefvppHn/8caKjo0tduVJERKqWQwJi7dq1FBYWkpKSQlxcHAkJCSXmb9q0idjYWE6fPm2flpSU%0ARNu2bXn//feZNm1atb7VoYjIb4FDLrWRnp5Ohw4dAGjZsiW7d+8uMd9qtZKUlERUVJR92sCBA+03%0A5CguLqZGjRqOKE1ERCrJIQGRl5eHt7e3/bmLiwtFRUX2+9v+dIer/1WrVi0AsrKyGDt2LC+88ILp%0A2BkZGQ6o+PqTn5+vXvyXenGFenGFevHrOSQgvL29OX/+vP25zWazh0N59u7dy+jRoxk3bhyhoaGm%0Ay+ha95fpuv9XqBdXqBdXqBdXpKenX9V6DvkMolWrVqSmpgKXb6xemTth7du3j5EjRzJjxgzCwsIc%0AUZaIiPwCDtmDiIiIIC0tjZiYGAzDYOrUqSQlJREYGEiXLl1M15kxYwaFhYW8+uqrwOW9kLffftsR%0A5YmISCU4JCCsVmups5CCgoJKLbdu3Tr7Y4WBiEj1oi/KiYiIKQWEiIiYUkCIiIgpBYSIiJhSQIiI%0AiCkFhIiImFJAiIiIKQWEiIiYUkCIiIgpBYSIiJhSQIiIiCkFhIiImFJAiIiIKQWEiIiYUkCIiIgp%0ABYSIiJhSQIiIiCkFhIiImFJAiIiIKQWEiIiYUkCIiIgpBYSIiJhSQIiIiCkFhIiImFJAiIiIKQWE%0AiIiYUkCIiIgpBYSIiJhSQIiIiCkFhIiImFJAiIiIKQWEiIiYUkCIiIgpBYSIiJhSQIiIiCkFhIiI%0AmHJIQNhsNiZOnEh0dDT9+/fn4MGDpZbJzs6ma9euFBQUAJCfn8+IESPo168fQ4cOJTs72xGliYhI%0AJTkkINauXUthYSEpKSnExcWRkJBQYv6mTZuIjY3l9OnT9mnLli0jODiYpUuX0qtXL+bOneuI0kRE%0ApJJcHTFoeno6HTp0AKBly5bs3r27xHyr1UpSUhJRUVEl1hkyZAgAHTt2LDMg0tPTHVHydUm9uEK9%0AuEK9uEK9+HUcEhB5eXl4e3vbn7u4uFBUVISr6+XNtW/f3nQdHx8fALy8vDh37lypZVq3bu2IckVE%0AxIRDDjF5e3tz/vx5+3ObzWYPh8qsc/78eWrVquWI0kREpJIcEhCtWrUiNTUVgB07dhAcHFypdTZu%0A3AhAamqq9hZERJzMYhiGca0HtdlsvPzyy2RmZmIYBlOnTiU1NZXAwEC6dOliX65z58589tln1KhR%0Ag4sXLzJ+/HiysrJwc3NjxowZ3Hzzzde6NBERqSSHBMSv9VPA7N27F3d3d6ZMmUKjRo3s8z/88EM+%0A+OADXF1deeaZZ+jUqZMTq3WsinqRnJzMmjVrAAgLC2P48OHOKtXhKurFT8s8+eSTdOnShb59+zqp%0AUserqBcbN25kzpw5ADRr1oxJkyZhsVicVa7DVNSHhQsXsmbNGiwWC08//TQRERFOrLZq7Ny5k9df%0Af5333nuvxPR169YxZ84cXF1diYqKok+fPhUPZlRDX3zxhTF+/HjDMAxj+/btxtNPP22fd+rUKaNn%0Az55GQUGBcfbsWfvjG1V5vTh06JDRu3dvo6ioyCguLjaio6ONjIwMZ5XqcOX14iczZswwHnnkEWPp%0A0qVVXV6VKq8X586dM3r06GGcOXPGMAzDmD9/vv3xjaa8Pvz4449GWFiYUVBQYOTm5hrh4eHOKrPK%0AzJ8/3+jZs6fx6KOPlpheWFho/OEPfzByc3ONgoIC4+GHHzZOnTpV4XjV8pvU5Z0mu2vXLu655x7c%0A3d3x8fEhMDCQPXv2OKtUhyuvF3Xr1mXBggW4uLhgtVopKiqiRo0azirV4So6ffrzzz/HYrHQsWNH%0AZ5RXpcrrxfbt2wkODiYxMZF+/fpx0003ERAQ4KxSHaq8PtSsWZP69etz8eJFLl68eEPuQf1cYGAg%0Af/nLX0pN379/P4GBgfj6+uLu7k7r1q35z3/+U+F4DjnN9dcq7zTZ/z0dFi6fEpuXl+eMMqtEeb1w%0Ac3MjICAAwzB47bXXaNasGY0bN3ZitY5VXi8yMzP59NNPmTVrlv3Qyo2svF7k5OSwdetWVq5ciaen%0AJ4899hgtW7a8If9tVHRKfb169ejRowfFxcU89dRTziqzykRGRnLkyJFS06/2fbNaBkR5p8n+fN75%0A8+dLvPAbTUWnDBcUFPDCCy+0y2nfAAAF5ElEQVTg5eXFpEmTnFFilSmvFytXruTkyZM88cQTHD16%0AFDc3Nxo0aHDD7k2U1ws/Pz/uvPNO+0ke9957LxkZGTdkQJTXh9TUVE6dOsW//vUvAAYPHkyrVq24%0A6667nFKrM13t+2a1PMRU3mmyd911F+np6RQUFHDu3Dn2799fqdNor1fl9cIwDIYNG8btt99OfHw8%0ALi4uziqzSpTXi3HjxrF8+XLee+89evfuzcCBA2/YcIDye9GiRQsyMzPJzs6mqKiInTt30rRpU2eV%0A6lDl9cHX1xcPDw/c3d2pUaMGPj4+nD171lmlOlVQUBAHDx4kNzeXwsJC/vOf/3DPPfdUuF613IOI%0AiIggLS2NmJgY+2mySUlJ9tNk+/fvT79+/TAMgz/96U839HH38nphs9nYtm0bhYWFbNq0CYDRo0dX%0A6gd/Paro38VvSUW9iIuLs1+65oEHHrhhf4mqqA+bN2+mT58+WK1WWrVqZXoVhxvZ6tWruXDhAtHR%0A0UyYMIHBgwdjGAZRUVHccsstFa5fLU9zFRER56uWh5hERMT5FBAiImJKASEiIqYUECIiYkoBISIi%0Apqrlaa4ilZGQkMC3335LVlYW+fn5NGzYEH9/f2bNmlXpMY4cOcJ3331X6oKPHTt2JDAwEIvFQnFx%0AMRcvXmTKlCk0b968xHLr168nOTkZq9VKcXEx0dHR9OjR45q8vl/q/fff5+zZswwbNswp25cbjwJC%0ArlsTJkwAYMWKFXz//feMGTPmF4+xZcsWjhw5YnpF4OTkZPu3cjds2MCcOXNK3Qp38uTJrF69Gh8f%0AH/Ly8njooYf4/e9/j7+//1W8IpHqRQEhN6TXXnuN7du3Y7PZGDx4MF27dmXx4sWsXr0aq9XKfffd%0Ax3PPPceCBQsoLCzknnvuITw8vMzxjh49iq+vb6np/v7+LF68mMjISJo2bcrnn3+Ou7s7J0+etAdW%0A06ZNOXDgAMnJyXTs2JF169bh6upKYmIid9xxBz169OCll17i5MmT/Pjjj4SHhzNixAjGjBlDXl4e%0Aubm5LFiwgLlz55Z6Tdu2bSMhIQFfX1+sVqtutCXXlAJCbjjr1q3j5MmTLFu2jPz8fB599FF+//vf%0As2LFCl555RVatGjB0qVLcXFxYciQIRw5csQ0HAYOHEh+fj5ZWVl06NCBsWPHllpm3rx5/PWvf+VP%0Af/oTOTk59O3bl2HDhjF79mx69epFVFQUK1eu5MCBA2XWe/z4cVq3bs0jjzxCfn6+PSDg8v3b+/fv%0AX+ZrmjZtGm+++SaNGjXixRdfvGY9FAEFhNyAMjMz2b17N/379weguLiYY8eOkZiYyKJFizh69Cit%0AWrWioosIJCcn4+Liwuuvv86pU6dKXTI7NzeXkydPMm7cOMaNG8eJEyd49tlnadGiBUeOHGHAgAEA%0AtGnThpUrV5Ya/6ft+/n5sWPHDrZs2YKPjw+XLl2yL/PTBfbKek1ZWVn2G+S0atWKEydOXE3LREzp%0ALCa54TRp0oR27drx3nvvkZyczAMPPMCtt97K8uXLeeWVV3j//ffZuXMnO3fuxGKxlBsUFouFuLg4%0Ajhw5wgcffFBiXkFBAaNGjeLkyZMA1KlTh5tvvhl3d3duv/12vv76a4AS9yioUaMGWVlZGIZBRkYG%0AAB999BG1a9dmxowZDBgwgIsXL9qXt1qt5b6mgIAA+97JN998cw26J3KF9iDkhhMREcG2bdvo168f%0AFy5cIDIyEk9PT4KCgoiKisLf35969epx55134u7uzrvvvktISAjdunUzHc9qtfLqq68yYMAAunTp%0AYr+M9i233MLzzz/PM888g5ubGzabjc6dO9OuXTtCQkKYMGECa9asoVatWvaxhg4dSmxsLLfeeit+%0Afn4AtGvXjjFjxrB161Y8PT1p2LAhp0+frtRrmj59OmPGjMHb2xtPT0/dx12uKV2sT8TBMjMzmTp1%0AKsnJyc4uReQX0SEmERExpT0IERExpT0IERExpYAQERFTCggRETGlgBAREVMKCBERMfX/Zq33PuYx%0Ah50AAAAASUVORK5CYII="/>
+          <p:cNvSpPr>
+            <a:spLocks noChangeAspect="1" noChangeArrowheads="1"/>
+          </p:cNvSpPr>
+          <p:nvPr/>
+        </p:nvSpPr>
+        <p:spPr bwMode="auto">
+          <a:xfrm>
+            <a:off x="155575" y="-144463"/>
+            <a:ext cx="304800" cy="304801"/>
+          </a:xfrm>
+          <a:prstGeom prst="rect">
+            <a:avLst/>
+          </a:prstGeom>
+          <a:noFill/>
+          <a:extLst>
+            <a:ext uri="{909E8E84-426E-40DD-AFC4-6F175D3DCCD1}">
+              <a14:hiddenFill xmlns:a14="http://schemas.microsoft.com/office/drawing/2010/main">
+                <a:solidFill>
+                  <a:srgbClr val="FFFFFF"/>
+                </a:solidFill>
+              </a14:hiddenFill>
+            </a:ext>
+          </a:extLst>
+        </p:spPr>
+        <p:txBody>
+          <a:bodyPr vert="horz" wrap="square" lIns="91440" tIns="45720" rIns="91440" bIns="45720" numCol="1" anchor="t" anchorCtr="0" compatLnSpc="1">
+            <a:prstTxWarp prst="textNoShape">
+              <a:avLst/>
+            </a:prstTxWarp>
+          </a:bodyPr>
+          <a:lstStyle/>
+          <a:p>
+            <a:endParaRPr lang="en-US"/>
+          </a:p>
+        </p:txBody>
+      </p:sp>
+      <p:pic>
+        <p:nvPicPr>
+          <p:cNvPr id="5125" name="Picture 5"/>
+          <p:cNvPicPr>
+            <a:picLocks noChangeAspect="1" noChangeArrowheads="1"/>
+          </p:cNvPicPr>
+          <p:nvPr/>
+        </p:nvPicPr>
+        <p:blipFill>
+          <a:blip r:embed="rId4">
+            <a:extLst>
+              <a:ext uri="{28A0092B-C50C-407E-A947-70E740481C1C}">
+                <a14:useLocalDpi xmlns:a14="http://schemas.microsoft.com/office/drawing/2010/main" val="0"/>
+              </a:ext>
+            </a:extLst>
+          </a:blip>
+          <a:srcRect/>
+          <a:stretch>
+            <a:fillRect/>
+          </a:stretch>
+        </p:blipFill>
+        <p:spPr bwMode="auto">
+          <a:xfrm>
+            <a:off x="3020784" y="1919944"/>
+            <a:ext cx="4384173" cy="2907870"/>
+          </a:xfrm>
+          <a:prstGeom prst="rect">
+            <a:avLst/>
+          </a:prstGeom>
+          <a:noFill/>
+          <a:ln>
+            <a:noFill/>
+          </a:ln>
+          <a:effectLst/>
+          <a:extLst>
+            <a:ext uri="{909E8E84-426E-40DD-AFC4-6F175D3DCCD1}">
+              <a14:hiddenFill xmlns:a14="http://schemas.microsoft.com/office/drawing/2010/main">
+                <a:solidFill>
+                  <a:schemeClr val="accent1"/>
+                </a:solidFill>
+              </a14:hiddenFill>
+            </a:ext>
+            <a:ext uri="{91240B29-F687-4F45-9708-019B960494DF}">
+              <a14:hiddenLine xmlns:a14="http://schemas.microsoft.com/office/drawing/2010/main" w="9525">
+                <a:solidFill>
+                  <a:schemeClr val="tx1"/>
+                </a:solidFill>
+                <a:miter lim="800000"/>
+                <a:headEnd/>
+                <a:tailEnd/>
+              </a14:hiddenLine>
+            </a:ext>
+            <a:ext uri="{AF507438-7753-43E0-B8FC-AC1667EBCBE1}">
+              <a14:hiddenEffects xmlns:a14="http://schemas.microsoft.com/office/drawing/2010/main">
+                <a:effectLst>
+                  <a:outerShdw dist="35921" dir="2700000" algn="ctr" rotWithShape="0">
+                    <a:schemeClr val="bg2"/>
+                  </a:outerShdw>
+                </a:effectLst>
+              </a14:hiddenEffects>
+            </a:ext>
+          </a:extLst>
+        </p:spPr>
+      </p:pic>
     </p:spTree>
     <p:extLst>
       <p:ext uri="{BB962C8B-B14F-4D97-AF65-F5344CB8AC3E}">
@@ -6090,7 +6728,7 @@
           <p:cNvPr id="2" name="Title 1">
             <a:extLst>
               <a:ext uri="{FF2B5EF4-FFF2-40B4-BE49-F238E27FC236}">
-                <a16:creationId xmlns:a16="http://schemas.microsoft.com/office/drawing/2014/main" id="{311A6BE9-6C17-4897-9D97-E942C4BACE8E}"/>
+                <a16:creationId xmlns:a16="http://schemas.microsoft.com/office/drawing/2014/main" xmlns="" id="{311A6BE9-6C17-4897-9D97-E942C4BACE8E}"/>
               </a:ext>
             </a:extLst>
           </p:cNvPr>
@@ -6118,7 +6756,7 @@
           <p:cNvPr id="3" name="Content Placeholder 2">
             <a:extLst>
               <a:ext uri="{FF2B5EF4-FFF2-40B4-BE49-F238E27FC236}">
-                <a16:creationId xmlns:a16="http://schemas.microsoft.com/office/drawing/2014/main" id="{2A04DB55-EDC7-4FA2-90CF-E5F236F69ACE}"/>
+                <a16:creationId xmlns:a16="http://schemas.microsoft.com/office/drawing/2014/main" xmlns="" id="{2A04DB55-EDC7-4FA2-90CF-E5F236F69ACE}"/>
               </a:ext>
             </a:extLst>
           </p:cNvPr>
@@ -6131,8 +6769,8 @@
         </p:nvSpPr>
         <p:spPr>
           <a:xfrm>
-            <a:off x="838200" y="1825625"/>
-            <a:ext cx="5495488" cy="3367159"/>
+            <a:off x="544286" y="1799847"/>
+            <a:ext cx="2939143" cy="3367159"/>
           </a:xfrm>
         </p:spPr>
         <p:txBody>
@@ -6154,9 +6792,17 @@
           <a:p>
             <a:pPr lvl="1"/>
             <a:r>
-              <a:rPr lang="en-US" sz="1600" dirty="0"/>
-              <a:t>Subsample = 2/3</a:t>
-            </a:r>
+              <a:rPr lang="en-US" sz="1600" dirty="0" smtClean="0"/>
+              <a:t>Subsample: 2/3</a:t>
+            </a:r>
+          </a:p>
+          <a:p>
+            <a:pPr lvl="1"/>
+            <a:r>
+              <a:rPr lang="en-US" sz="1600" dirty="0" smtClean="0"/>
+              <a:t>Depth: 3</a:t>
+            </a:r>
+            <a:endParaRPr lang="en-US" sz="1600" dirty="0"/>
           </a:p>
           <a:p>
             <a:r>
@@ -6212,7 +6858,7 @@
           <p:cNvPr id="4" name="Picture 3">
             <a:extLst>
               <a:ext uri="{FF2B5EF4-FFF2-40B4-BE49-F238E27FC236}">
-                <a16:creationId xmlns:a16="http://schemas.microsoft.com/office/drawing/2014/main" id="{4CCE2B17-C66B-4A03-A63C-F0B2DDACC664}"/>
+                <a16:creationId xmlns:a16="http://schemas.microsoft.com/office/drawing/2014/main" xmlns="" id="{4CCE2B17-C66B-4A03-A63C-F0B2DDACC664}"/>
               </a:ext>
             </a:extLst>
           </p:cNvPr>
@@ -6229,7 +6875,7 @@
         </p:blipFill>
         <p:spPr>
           <a:xfrm>
-            <a:off x="7309781" y="1921755"/>
+            <a:off x="8093552" y="1976183"/>
             <a:ext cx="3617387" cy="3014489"/>
           </a:xfrm>
           <a:prstGeom prst="rect">
@@ -6242,7 +6888,7 @@
           <p:cNvPr id="5" name="Content Placeholder 2">
             <a:extLst>
               <a:ext uri="{FF2B5EF4-FFF2-40B4-BE49-F238E27FC236}">
-                <a16:creationId xmlns:a16="http://schemas.microsoft.com/office/drawing/2014/main" id="{D9A464F3-D21B-4B8F-8651-40EF6D9DAAE5}"/>
+                <a16:creationId xmlns:a16="http://schemas.microsoft.com/office/drawing/2014/main" xmlns="" id="{D9A464F3-D21B-4B8F-8651-40EF6D9DAAE5}"/>
               </a:ext>
             </a:extLst>
           </p:cNvPr>
@@ -6437,6 +7083,108 @@
               <a:t>THOUGHTS: Woah! Major improvements to the test scores and RMSE.</a:t>
             </a:r>
             <a:endParaRPr lang="en-US" sz="2000" baseline="30000" dirty="0"/>
+          </a:p>
+        </p:txBody>
+      </p:sp>
+      <p:pic>
+        <p:nvPicPr>
+          <p:cNvPr id="6146" name="Picture 2"/>
+          <p:cNvPicPr>
+            <a:picLocks noChangeAspect="1" noChangeArrowheads="1"/>
+          </p:cNvPicPr>
+          <p:nvPr/>
+        </p:nvPicPr>
+        <p:blipFill>
+          <a:blip r:embed="rId3">
+            <a:extLst>
+              <a:ext uri="{28A0092B-C50C-407E-A947-70E740481C1C}">
+                <a14:useLocalDpi xmlns:a14="http://schemas.microsoft.com/office/drawing/2010/main" val="0"/>
+              </a:ext>
+            </a:extLst>
+          </a:blip>
+          <a:srcRect/>
+          <a:stretch>
+            <a:fillRect/>
+          </a:stretch>
+        </p:blipFill>
+        <p:spPr bwMode="auto">
+          <a:xfrm>
+            <a:off x="3238500" y="2068711"/>
+            <a:ext cx="4528457" cy="3003568"/>
+          </a:xfrm>
+          <a:prstGeom prst="rect">
+            <a:avLst/>
+          </a:prstGeom>
+          <a:noFill/>
+          <a:ln>
+            <a:noFill/>
+          </a:ln>
+          <a:effectLst/>
+          <a:extLst>
+            <a:ext uri="{909E8E84-426E-40DD-AFC4-6F175D3DCCD1}">
+              <a14:hiddenFill xmlns:a14="http://schemas.microsoft.com/office/drawing/2010/main">
+                <a:solidFill>
+                  <a:schemeClr val="accent1"/>
+                </a:solidFill>
+              </a14:hiddenFill>
+            </a:ext>
+            <a:ext uri="{91240B29-F687-4F45-9708-019B960494DF}">
+              <a14:hiddenLine xmlns:a14="http://schemas.microsoft.com/office/drawing/2010/main" w="9525">
+                <a:solidFill>
+                  <a:schemeClr val="tx1"/>
+                </a:solidFill>
+                <a:miter lim="800000"/>
+                <a:headEnd/>
+                <a:tailEnd/>
+              </a14:hiddenLine>
+            </a:ext>
+            <a:ext uri="{AF507438-7753-43E0-B8FC-AC1667EBCBE1}">
+              <a14:hiddenEffects xmlns:a14="http://schemas.microsoft.com/office/drawing/2010/main">
+                <a:effectLst>
+                  <a:outerShdw dist="35921" dir="2700000" algn="ctr" rotWithShape="0">
+                    <a:schemeClr val="bg2"/>
+                  </a:outerShdw>
+                </a:effectLst>
+              </a14:hiddenEffects>
+            </a:ext>
+          </a:extLst>
+        </p:spPr>
+      </p:pic>
+      <p:sp>
+        <p:nvSpPr>
+          <p:cNvPr id="8" name="TextBox 7"/>
+          <p:cNvSpPr txBox="1"/>
+          <p:nvPr/>
+        </p:nvSpPr>
+        <p:spPr>
+          <a:xfrm>
+            <a:off x="3792182" y="1723209"/>
+            <a:ext cx="3717941" cy="369332"/>
+          </a:xfrm>
+          <a:prstGeom prst="rect">
+            <a:avLst/>
+          </a:prstGeom>
+          <a:noFill/>
+        </p:spPr>
+        <p:txBody>
+          <a:bodyPr wrap="none" rtlCol="0">
+            <a:spAutoFit/>
+          </a:bodyPr>
+          <a:lstStyle/>
+          <a:p>
+            <a:r>
+              <a:rPr lang="en-US" b="1" dirty="0" smtClean="0"/>
+              <a:t>Improvement with </a:t>
+            </a:r>
+            <a:r>
+              <a:rPr lang="en-US" b="1" dirty="0" err="1" smtClean="0"/>
+              <a:t>Stoch</a:t>
+            </a:r>
+            <a:r>
+              <a:rPr lang="en-US" b="1" dirty="0" smtClean="0"/>
+              <a:t>. G-Boosting</a:t>
+            </a:r>
+            <a:endParaRPr lang="en-US" b="1" dirty="0"/>
           </a:p>
         </p:txBody>
       </p:sp>
@@ -6496,7 +7244,7 @@
     </a:clrScheme>
     <a:fontScheme name="Office">
       <a:majorFont>
-        <a:latin typeface="Calibri Light" panose="020F0302020204030204"/>
+        <a:latin typeface="Calibri Light"/>
         <a:ea typeface=""/>
         <a:cs typeface=""/>
         <a:font script="Jpan" typeface="游ゴシック Light"/>
@@ -6548,7 +7296,7 @@
         <a:font script="Tfng" typeface="Ebrima"/>
       </a:majorFont>
       <a:minorFont>
-        <a:latin typeface="Calibri" panose="020F0502020204030204"/>
+        <a:latin typeface="Calibri"/>
         <a:ea typeface=""/>
         <a:cs typeface=""/>
         <a:font script="Jpan" typeface="游ゴシック"/>
@@ -6742,7 +7490,7 @@
   <a:extraClrSchemeLst/>
   <a:extLst>
     <a:ext uri="{05A4C25C-085E-4340-85A3-A5531E510DB2}">
-      <thm15:themeFamily xmlns:thm15="http://schemas.microsoft.com/office/thememl/2012/main" name="Office Theme" id="{62F939B6-93AF-4DB8-9C6B-D6C7DFDC589F}" vid="{4A3C46E8-61CC-4603-A589-7422A47A8E4A}"/>
+      <thm15:themeFamily xmlns:thm15="http://schemas.microsoft.com/office/thememl/2012/main" xmlns="" name="Office Theme" id="{62F939B6-93AF-4DB8-9C6B-D6C7DFDC589F}" vid="{4A3C46E8-61CC-4603-A589-7422A47A8E4A}"/>
     </a:ext>
   </a:extLst>
 </a:theme>

--- a/Tree Based Models.pptx
+++ b/Tree Based Models.pptx
@@ -138,7 +138,7 @@
           <p:cNvPr id="2" name="Title 1">
             <a:extLst>
               <a:ext uri="{FF2B5EF4-FFF2-40B4-BE49-F238E27FC236}">
-                <a16:creationId xmlns:a16="http://schemas.microsoft.com/office/drawing/2014/main" xmlns="" id="{6353C291-55BA-4CB0-BEC5-E7628B938DB5}"/>
+                <a16:creationId xmlns="" xmlns:a16="http://schemas.microsoft.com/office/drawing/2014/main" id="{6353C291-55BA-4CB0-BEC5-E7628B938DB5}"/>
               </a:ext>
             </a:extLst>
           </p:cNvPr>
@@ -175,7 +175,7 @@
           <p:cNvPr id="3" name="Subtitle 2">
             <a:extLst>
               <a:ext uri="{FF2B5EF4-FFF2-40B4-BE49-F238E27FC236}">
-                <a16:creationId xmlns:a16="http://schemas.microsoft.com/office/drawing/2014/main" xmlns="" id="{93E0AE75-F21D-40D7-91FD-6EF0476E7995}"/>
+                <a16:creationId xmlns="" xmlns:a16="http://schemas.microsoft.com/office/drawing/2014/main" id="{93E0AE75-F21D-40D7-91FD-6EF0476E7995}"/>
               </a:ext>
             </a:extLst>
           </p:cNvPr>
@@ -245,7 +245,7 @@
           <p:cNvPr id="4" name="Date Placeholder 3">
             <a:extLst>
               <a:ext uri="{FF2B5EF4-FFF2-40B4-BE49-F238E27FC236}">
-                <a16:creationId xmlns:a16="http://schemas.microsoft.com/office/drawing/2014/main" xmlns="" id="{87B6F42A-018B-43F4-80AD-1F875507F2E4}"/>
+                <a16:creationId xmlns="" xmlns:a16="http://schemas.microsoft.com/office/drawing/2014/main" id="{87B6F42A-018B-43F4-80AD-1F875507F2E4}"/>
               </a:ext>
             </a:extLst>
           </p:cNvPr>
@@ -263,7 +263,7 @@
           <a:p>
             <a:fld id="{0C3A4601-547C-4AC4-AFF2-72BD4B93D0DE}" type="datetimeFigureOut">
               <a:rPr lang="en-US" smtClean="0"/>
-              <a:t>3/10/2018</a:t>
+              <a:t>3/11/2018</a:t>
             </a:fld>
             <a:endParaRPr lang="en-US"/>
           </a:p>
@@ -274,7 +274,7 @@
           <p:cNvPr id="5" name="Footer Placeholder 4">
             <a:extLst>
               <a:ext uri="{FF2B5EF4-FFF2-40B4-BE49-F238E27FC236}">
-                <a16:creationId xmlns:a16="http://schemas.microsoft.com/office/drawing/2014/main" xmlns="" id="{9093A0D3-1765-4108-A94E-07B0FF3A370A}"/>
+                <a16:creationId xmlns="" xmlns:a16="http://schemas.microsoft.com/office/drawing/2014/main" id="{9093A0D3-1765-4108-A94E-07B0FF3A370A}"/>
               </a:ext>
             </a:extLst>
           </p:cNvPr>
@@ -299,7 +299,7 @@
           <p:cNvPr id="6" name="Slide Number Placeholder 5">
             <a:extLst>
               <a:ext uri="{FF2B5EF4-FFF2-40B4-BE49-F238E27FC236}">
-                <a16:creationId xmlns:a16="http://schemas.microsoft.com/office/drawing/2014/main" xmlns="" id="{BBEE6466-E14E-40C1-8D6D-FB55A4D1E6CC}"/>
+                <a16:creationId xmlns="" xmlns:a16="http://schemas.microsoft.com/office/drawing/2014/main" id="{BBEE6466-E14E-40C1-8D6D-FB55A4D1E6CC}"/>
               </a:ext>
             </a:extLst>
           </p:cNvPr>
@@ -358,7 +358,7 @@
           <p:cNvPr id="2" name="Title 1">
             <a:extLst>
               <a:ext uri="{FF2B5EF4-FFF2-40B4-BE49-F238E27FC236}">
-                <a16:creationId xmlns:a16="http://schemas.microsoft.com/office/drawing/2014/main" xmlns="" id="{3441B9A0-CD69-455F-8486-E3C12794F21B}"/>
+                <a16:creationId xmlns="" xmlns:a16="http://schemas.microsoft.com/office/drawing/2014/main" id="{3441B9A0-CD69-455F-8486-E3C12794F21B}"/>
               </a:ext>
             </a:extLst>
           </p:cNvPr>
@@ -386,7 +386,7 @@
           <p:cNvPr id="3" name="Vertical Text Placeholder 2">
             <a:extLst>
               <a:ext uri="{FF2B5EF4-FFF2-40B4-BE49-F238E27FC236}">
-                <a16:creationId xmlns:a16="http://schemas.microsoft.com/office/drawing/2014/main" xmlns="" id="{0F1CBFAC-1874-4173-A8EA-3D7C51176813}"/>
+                <a16:creationId xmlns="" xmlns:a16="http://schemas.microsoft.com/office/drawing/2014/main" id="{0F1CBFAC-1874-4173-A8EA-3D7C51176813}"/>
               </a:ext>
             </a:extLst>
           </p:cNvPr>
@@ -443,7 +443,7 @@
           <p:cNvPr id="4" name="Date Placeholder 3">
             <a:extLst>
               <a:ext uri="{FF2B5EF4-FFF2-40B4-BE49-F238E27FC236}">
-                <a16:creationId xmlns:a16="http://schemas.microsoft.com/office/drawing/2014/main" xmlns="" id="{41B43BDF-7D54-464C-A607-5D559490D219}"/>
+                <a16:creationId xmlns="" xmlns:a16="http://schemas.microsoft.com/office/drawing/2014/main" id="{41B43BDF-7D54-464C-A607-5D559490D219}"/>
               </a:ext>
             </a:extLst>
           </p:cNvPr>
@@ -461,7 +461,7 @@
           <a:p>
             <a:fld id="{0C3A4601-547C-4AC4-AFF2-72BD4B93D0DE}" type="datetimeFigureOut">
               <a:rPr lang="en-US" smtClean="0"/>
-              <a:t>3/10/2018</a:t>
+              <a:t>3/11/2018</a:t>
             </a:fld>
             <a:endParaRPr lang="en-US"/>
           </a:p>
@@ -472,7 +472,7 @@
           <p:cNvPr id="5" name="Footer Placeholder 4">
             <a:extLst>
               <a:ext uri="{FF2B5EF4-FFF2-40B4-BE49-F238E27FC236}">
-                <a16:creationId xmlns:a16="http://schemas.microsoft.com/office/drawing/2014/main" xmlns="" id="{815C0A64-BD3C-41F7-A078-7BF787C9519B}"/>
+                <a16:creationId xmlns="" xmlns:a16="http://schemas.microsoft.com/office/drawing/2014/main" id="{815C0A64-BD3C-41F7-A078-7BF787C9519B}"/>
               </a:ext>
             </a:extLst>
           </p:cNvPr>
@@ -497,7 +497,7 @@
           <p:cNvPr id="6" name="Slide Number Placeholder 5">
             <a:extLst>
               <a:ext uri="{FF2B5EF4-FFF2-40B4-BE49-F238E27FC236}">
-                <a16:creationId xmlns:a16="http://schemas.microsoft.com/office/drawing/2014/main" xmlns="" id="{31BAC790-D052-4932-93D2-F70625E45F16}"/>
+                <a16:creationId xmlns="" xmlns:a16="http://schemas.microsoft.com/office/drawing/2014/main" id="{31BAC790-D052-4932-93D2-F70625E45F16}"/>
               </a:ext>
             </a:extLst>
           </p:cNvPr>
@@ -556,7 +556,7 @@
           <p:cNvPr id="2" name="Vertical Title 1">
             <a:extLst>
               <a:ext uri="{FF2B5EF4-FFF2-40B4-BE49-F238E27FC236}">
-                <a16:creationId xmlns:a16="http://schemas.microsoft.com/office/drawing/2014/main" xmlns="" id="{7D6D5398-9D42-45EE-B30C-48662918C5EB}"/>
+                <a16:creationId xmlns="" xmlns:a16="http://schemas.microsoft.com/office/drawing/2014/main" id="{7D6D5398-9D42-45EE-B30C-48662918C5EB}"/>
               </a:ext>
             </a:extLst>
           </p:cNvPr>
@@ -589,7 +589,7 @@
           <p:cNvPr id="3" name="Vertical Text Placeholder 2">
             <a:extLst>
               <a:ext uri="{FF2B5EF4-FFF2-40B4-BE49-F238E27FC236}">
-                <a16:creationId xmlns:a16="http://schemas.microsoft.com/office/drawing/2014/main" xmlns="" id="{53F5FE00-83BF-468E-8A5D-85CB08447ADD}"/>
+                <a16:creationId xmlns="" xmlns:a16="http://schemas.microsoft.com/office/drawing/2014/main" id="{53F5FE00-83BF-468E-8A5D-85CB08447ADD}"/>
               </a:ext>
             </a:extLst>
           </p:cNvPr>
@@ -651,7 +651,7 @@
           <p:cNvPr id="4" name="Date Placeholder 3">
             <a:extLst>
               <a:ext uri="{FF2B5EF4-FFF2-40B4-BE49-F238E27FC236}">
-                <a16:creationId xmlns:a16="http://schemas.microsoft.com/office/drawing/2014/main" xmlns="" id="{78B46900-C337-492F-B9A1-A2466EC01C66}"/>
+                <a16:creationId xmlns="" xmlns:a16="http://schemas.microsoft.com/office/drawing/2014/main" id="{78B46900-C337-492F-B9A1-A2466EC01C66}"/>
               </a:ext>
             </a:extLst>
           </p:cNvPr>
@@ -669,7 +669,7 @@
           <a:p>
             <a:fld id="{0C3A4601-547C-4AC4-AFF2-72BD4B93D0DE}" type="datetimeFigureOut">
               <a:rPr lang="en-US" smtClean="0"/>
-              <a:t>3/10/2018</a:t>
+              <a:t>3/11/2018</a:t>
             </a:fld>
             <a:endParaRPr lang="en-US"/>
           </a:p>
@@ -680,7 +680,7 @@
           <p:cNvPr id="5" name="Footer Placeholder 4">
             <a:extLst>
               <a:ext uri="{FF2B5EF4-FFF2-40B4-BE49-F238E27FC236}">
-                <a16:creationId xmlns:a16="http://schemas.microsoft.com/office/drawing/2014/main" xmlns="" id="{01829488-2759-4D72-AF11-30700F0B6423}"/>
+                <a16:creationId xmlns="" xmlns:a16="http://schemas.microsoft.com/office/drawing/2014/main" id="{01829488-2759-4D72-AF11-30700F0B6423}"/>
               </a:ext>
             </a:extLst>
           </p:cNvPr>
@@ -705,7 +705,7 @@
           <p:cNvPr id="6" name="Slide Number Placeholder 5">
             <a:extLst>
               <a:ext uri="{FF2B5EF4-FFF2-40B4-BE49-F238E27FC236}">
-                <a16:creationId xmlns:a16="http://schemas.microsoft.com/office/drawing/2014/main" xmlns="" id="{49473AE6-A249-420A-B9A3-73B5794891AA}"/>
+                <a16:creationId xmlns="" xmlns:a16="http://schemas.microsoft.com/office/drawing/2014/main" id="{49473AE6-A249-420A-B9A3-73B5794891AA}"/>
               </a:ext>
             </a:extLst>
           </p:cNvPr>
@@ -764,7 +764,7 @@
           <p:cNvPr id="2" name="Title 1">
             <a:extLst>
               <a:ext uri="{FF2B5EF4-FFF2-40B4-BE49-F238E27FC236}">
-                <a16:creationId xmlns:a16="http://schemas.microsoft.com/office/drawing/2014/main" xmlns="" id="{636EBBA3-0858-4170-B5F1-96F7A871B6AC}"/>
+                <a16:creationId xmlns="" xmlns:a16="http://schemas.microsoft.com/office/drawing/2014/main" id="{636EBBA3-0858-4170-B5F1-96F7A871B6AC}"/>
               </a:ext>
             </a:extLst>
           </p:cNvPr>
@@ -792,7 +792,7 @@
           <p:cNvPr id="3" name="Content Placeholder 2">
             <a:extLst>
               <a:ext uri="{FF2B5EF4-FFF2-40B4-BE49-F238E27FC236}">
-                <a16:creationId xmlns:a16="http://schemas.microsoft.com/office/drawing/2014/main" xmlns="" id="{E8AF0339-19D7-4CB1-987C-723AA5F58D1C}"/>
+                <a16:creationId xmlns="" xmlns:a16="http://schemas.microsoft.com/office/drawing/2014/main" id="{E8AF0339-19D7-4CB1-987C-723AA5F58D1C}"/>
               </a:ext>
             </a:extLst>
           </p:cNvPr>
@@ -849,7 +849,7 @@
           <p:cNvPr id="4" name="Date Placeholder 3">
             <a:extLst>
               <a:ext uri="{FF2B5EF4-FFF2-40B4-BE49-F238E27FC236}">
-                <a16:creationId xmlns:a16="http://schemas.microsoft.com/office/drawing/2014/main" xmlns="" id="{105C7BDF-0320-4E46-92CE-20A0B751C8E5}"/>
+                <a16:creationId xmlns="" xmlns:a16="http://schemas.microsoft.com/office/drawing/2014/main" id="{105C7BDF-0320-4E46-92CE-20A0B751C8E5}"/>
               </a:ext>
             </a:extLst>
           </p:cNvPr>
@@ -867,7 +867,7 @@
           <a:p>
             <a:fld id="{0C3A4601-547C-4AC4-AFF2-72BD4B93D0DE}" type="datetimeFigureOut">
               <a:rPr lang="en-US" smtClean="0"/>
-              <a:t>3/10/2018</a:t>
+              <a:t>3/11/2018</a:t>
             </a:fld>
             <a:endParaRPr lang="en-US"/>
           </a:p>
@@ -878,7 +878,7 @@
           <p:cNvPr id="5" name="Footer Placeholder 4">
             <a:extLst>
               <a:ext uri="{FF2B5EF4-FFF2-40B4-BE49-F238E27FC236}">
-                <a16:creationId xmlns:a16="http://schemas.microsoft.com/office/drawing/2014/main" xmlns="" id="{49E6C298-9099-4C1C-9AE2-0C6970A3B116}"/>
+                <a16:creationId xmlns="" xmlns:a16="http://schemas.microsoft.com/office/drawing/2014/main" id="{49E6C298-9099-4C1C-9AE2-0C6970A3B116}"/>
               </a:ext>
             </a:extLst>
           </p:cNvPr>
@@ -903,7 +903,7 @@
           <p:cNvPr id="6" name="Slide Number Placeholder 5">
             <a:extLst>
               <a:ext uri="{FF2B5EF4-FFF2-40B4-BE49-F238E27FC236}">
-                <a16:creationId xmlns:a16="http://schemas.microsoft.com/office/drawing/2014/main" xmlns="" id="{DEED56BA-1147-433A-A78F-E2EF277FD1BF}"/>
+                <a16:creationId xmlns="" xmlns:a16="http://schemas.microsoft.com/office/drawing/2014/main" id="{DEED56BA-1147-433A-A78F-E2EF277FD1BF}"/>
               </a:ext>
             </a:extLst>
           </p:cNvPr>
@@ -962,7 +962,7 @@
           <p:cNvPr id="2" name="Title 1">
             <a:extLst>
               <a:ext uri="{FF2B5EF4-FFF2-40B4-BE49-F238E27FC236}">
-                <a16:creationId xmlns:a16="http://schemas.microsoft.com/office/drawing/2014/main" xmlns="" id="{5870C7C9-FE25-432A-8B65-892C086A3D52}"/>
+                <a16:creationId xmlns="" xmlns:a16="http://schemas.microsoft.com/office/drawing/2014/main" id="{5870C7C9-FE25-432A-8B65-892C086A3D52}"/>
               </a:ext>
             </a:extLst>
           </p:cNvPr>
@@ -999,7 +999,7 @@
           <p:cNvPr id="3" name="Text Placeholder 2">
             <a:extLst>
               <a:ext uri="{FF2B5EF4-FFF2-40B4-BE49-F238E27FC236}">
-                <a16:creationId xmlns:a16="http://schemas.microsoft.com/office/drawing/2014/main" xmlns="" id="{39E16436-83E5-4041-85E3-91B8EB42B7F9}"/>
+                <a16:creationId xmlns="" xmlns:a16="http://schemas.microsoft.com/office/drawing/2014/main" id="{39E16436-83E5-4041-85E3-91B8EB42B7F9}"/>
               </a:ext>
             </a:extLst>
           </p:cNvPr>
@@ -1124,7 +1124,7 @@
           <p:cNvPr id="4" name="Date Placeholder 3">
             <a:extLst>
               <a:ext uri="{FF2B5EF4-FFF2-40B4-BE49-F238E27FC236}">
-                <a16:creationId xmlns:a16="http://schemas.microsoft.com/office/drawing/2014/main" xmlns="" id="{58F12D70-0E0E-469A-A274-38C4E51F6898}"/>
+                <a16:creationId xmlns="" xmlns:a16="http://schemas.microsoft.com/office/drawing/2014/main" id="{58F12D70-0E0E-469A-A274-38C4E51F6898}"/>
               </a:ext>
             </a:extLst>
           </p:cNvPr>
@@ -1142,7 +1142,7 @@
           <a:p>
             <a:fld id="{0C3A4601-547C-4AC4-AFF2-72BD4B93D0DE}" type="datetimeFigureOut">
               <a:rPr lang="en-US" smtClean="0"/>
-              <a:t>3/10/2018</a:t>
+              <a:t>3/11/2018</a:t>
             </a:fld>
             <a:endParaRPr lang="en-US"/>
           </a:p>
@@ -1153,7 +1153,7 @@
           <p:cNvPr id="5" name="Footer Placeholder 4">
             <a:extLst>
               <a:ext uri="{FF2B5EF4-FFF2-40B4-BE49-F238E27FC236}">
-                <a16:creationId xmlns:a16="http://schemas.microsoft.com/office/drawing/2014/main" xmlns="" id="{965F2E3F-33DC-40BC-ADD9-4A09A2E53B1F}"/>
+                <a16:creationId xmlns="" xmlns:a16="http://schemas.microsoft.com/office/drawing/2014/main" id="{965F2E3F-33DC-40BC-ADD9-4A09A2E53B1F}"/>
               </a:ext>
             </a:extLst>
           </p:cNvPr>
@@ -1178,7 +1178,7 @@
           <p:cNvPr id="6" name="Slide Number Placeholder 5">
             <a:extLst>
               <a:ext uri="{FF2B5EF4-FFF2-40B4-BE49-F238E27FC236}">
-                <a16:creationId xmlns:a16="http://schemas.microsoft.com/office/drawing/2014/main" xmlns="" id="{4CC0ED01-5633-4451-A785-6F9C3EDBBE5A}"/>
+                <a16:creationId xmlns="" xmlns:a16="http://schemas.microsoft.com/office/drawing/2014/main" id="{4CC0ED01-5633-4451-A785-6F9C3EDBBE5A}"/>
               </a:ext>
             </a:extLst>
           </p:cNvPr>
@@ -1237,7 +1237,7 @@
           <p:cNvPr id="2" name="Title 1">
             <a:extLst>
               <a:ext uri="{FF2B5EF4-FFF2-40B4-BE49-F238E27FC236}">
-                <a16:creationId xmlns:a16="http://schemas.microsoft.com/office/drawing/2014/main" xmlns="" id="{1D7590EE-8993-4CF2-9EE1-766CB726A437}"/>
+                <a16:creationId xmlns="" xmlns:a16="http://schemas.microsoft.com/office/drawing/2014/main" id="{1D7590EE-8993-4CF2-9EE1-766CB726A437}"/>
               </a:ext>
             </a:extLst>
           </p:cNvPr>
@@ -1265,7 +1265,7 @@
           <p:cNvPr id="3" name="Content Placeholder 2">
             <a:extLst>
               <a:ext uri="{FF2B5EF4-FFF2-40B4-BE49-F238E27FC236}">
-                <a16:creationId xmlns:a16="http://schemas.microsoft.com/office/drawing/2014/main" xmlns="" id="{A9D1B92D-B9B0-495E-8421-8699364BEA5E}"/>
+                <a16:creationId xmlns="" xmlns:a16="http://schemas.microsoft.com/office/drawing/2014/main" id="{A9D1B92D-B9B0-495E-8421-8699364BEA5E}"/>
               </a:ext>
             </a:extLst>
           </p:cNvPr>
@@ -1327,7 +1327,7 @@
           <p:cNvPr id="4" name="Content Placeholder 3">
             <a:extLst>
               <a:ext uri="{FF2B5EF4-FFF2-40B4-BE49-F238E27FC236}">
-                <a16:creationId xmlns:a16="http://schemas.microsoft.com/office/drawing/2014/main" xmlns="" id="{2CB49FF5-1C04-4913-9299-5009BE1375B9}"/>
+                <a16:creationId xmlns="" xmlns:a16="http://schemas.microsoft.com/office/drawing/2014/main" id="{2CB49FF5-1C04-4913-9299-5009BE1375B9}"/>
               </a:ext>
             </a:extLst>
           </p:cNvPr>
@@ -1389,7 +1389,7 @@
           <p:cNvPr id="5" name="Date Placeholder 4">
             <a:extLst>
               <a:ext uri="{FF2B5EF4-FFF2-40B4-BE49-F238E27FC236}">
-                <a16:creationId xmlns:a16="http://schemas.microsoft.com/office/drawing/2014/main" xmlns="" id="{4A879E94-9B41-49FF-8370-B6F75DA0E7B7}"/>
+                <a16:creationId xmlns="" xmlns:a16="http://schemas.microsoft.com/office/drawing/2014/main" id="{4A879E94-9B41-49FF-8370-B6F75DA0E7B7}"/>
               </a:ext>
             </a:extLst>
           </p:cNvPr>
@@ -1407,7 +1407,7 @@
           <a:p>
             <a:fld id="{0C3A4601-547C-4AC4-AFF2-72BD4B93D0DE}" type="datetimeFigureOut">
               <a:rPr lang="en-US" smtClean="0"/>
-              <a:t>3/10/2018</a:t>
+              <a:t>3/11/2018</a:t>
             </a:fld>
             <a:endParaRPr lang="en-US"/>
           </a:p>
@@ -1418,7 +1418,7 @@
           <p:cNvPr id="6" name="Footer Placeholder 5">
             <a:extLst>
               <a:ext uri="{FF2B5EF4-FFF2-40B4-BE49-F238E27FC236}">
-                <a16:creationId xmlns:a16="http://schemas.microsoft.com/office/drawing/2014/main" xmlns="" id="{6C7042AD-81CF-4B38-983A-38AD85A09111}"/>
+                <a16:creationId xmlns="" xmlns:a16="http://schemas.microsoft.com/office/drawing/2014/main" id="{6C7042AD-81CF-4B38-983A-38AD85A09111}"/>
               </a:ext>
             </a:extLst>
           </p:cNvPr>
@@ -1443,7 +1443,7 @@
           <p:cNvPr id="7" name="Slide Number Placeholder 6">
             <a:extLst>
               <a:ext uri="{FF2B5EF4-FFF2-40B4-BE49-F238E27FC236}">
-                <a16:creationId xmlns:a16="http://schemas.microsoft.com/office/drawing/2014/main" xmlns="" id="{BFF959D2-9EAE-48F1-9AA5-609D2975D6E5}"/>
+                <a16:creationId xmlns="" xmlns:a16="http://schemas.microsoft.com/office/drawing/2014/main" id="{BFF959D2-9EAE-48F1-9AA5-609D2975D6E5}"/>
               </a:ext>
             </a:extLst>
           </p:cNvPr>
@@ -1502,7 +1502,7 @@
           <p:cNvPr id="2" name="Title 1">
             <a:extLst>
               <a:ext uri="{FF2B5EF4-FFF2-40B4-BE49-F238E27FC236}">
-                <a16:creationId xmlns:a16="http://schemas.microsoft.com/office/drawing/2014/main" xmlns="" id="{AA7AEB2D-7CA8-4B2B-90B0-B81D5A10EF99}"/>
+                <a16:creationId xmlns="" xmlns:a16="http://schemas.microsoft.com/office/drawing/2014/main" id="{AA7AEB2D-7CA8-4B2B-90B0-B81D5A10EF99}"/>
               </a:ext>
             </a:extLst>
           </p:cNvPr>
@@ -1535,7 +1535,7 @@
           <p:cNvPr id="3" name="Text Placeholder 2">
             <a:extLst>
               <a:ext uri="{FF2B5EF4-FFF2-40B4-BE49-F238E27FC236}">
-                <a16:creationId xmlns:a16="http://schemas.microsoft.com/office/drawing/2014/main" xmlns="" id="{9B9729B8-35A8-42AA-B025-BCE988F94FD4}"/>
+                <a16:creationId xmlns="" xmlns:a16="http://schemas.microsoft.com/office/drawing/2014/main" id="{9B9729B8-35A8-42AA-B025-BCE988F94FD4}"/>
               </a:ext>
             </a:extLst>
           </p:cNvPr>
@@ -1606,7 +1606,7 @@
           <p:cNvPr id="4" name="Content Placeholder 3">
             <a:extLst>
               <a:ext uri="{FF2B5EF4-FFF2-40B4-BE49-F238E27FC236}">
-                <a16:creationId xmlns:a16="http://schemas.microsoft.com/office/drawing/2014/main" xmlns="" id="{71F550A3-98DB-40E5-A5C2-7EF79187C6CA}"/>
+                <a16:creationId xmlns="" xmlns:a16="http://schemas.microsoft.com/office/drawing/2014/main" id="{71F550A3-98DB-40E5-A5C2-7EF79187C6CA}"/>
               </a:ext>
             </a:extLst>
           </p:cNvPr>
@@ -1668,7 +1668,7 @@
           <p:cNvPr id="5" name="Text Placeholder 4">
             <a:extLst>
               <a:ext uri="{FF2B5EF4-FFF2-40B4-BE49-F238E27FC236}">
-                <a16:creationId xmlns:a16="http://schemas.microsoft.com/office/drawing/2014/main" xmlns="" id="{81CBD858-6E5F-415C-B90E-4FA66E7A55CD}"/>
+                <a16:creationId xmlns="" xmlns:a16="http://schemas.microsoft.com/office/drawing/2014/main" id="{81CBD858-6E5F-415C-B90E-4FA66E7A55CD}"/>
               </a:ext>
             </a:extLst>
           </p:cNvPr>
@@ -1739,7 +1739,7 @@
           <p:cNvPr id="6" name="Content Placeholder 5">
             <a:extLst>
               <a:ext uri="{FF2B5EF4-FFF2-40B4-BE49-F238E27FC236}">
-                <a16:creationId xmlns:a16="http://schemas.microsoft.com/office/drawing/2014/main" xmlns="" id="{E9269F83-DA45-46E9-A437-E813C2C8C387}"/>
+                <a16:creationId xmlns="" xmlns:a16="http://schemas.microsoft.com/office/drawing/2014/main" id="{E9269F83-DA45-46E9-A437-E813C2C8C387}"/>
               </a:ext>
             </a:extLst>
           </p:cNvPr>
@@ -1801,7 +1801,7 @@
           <p:cNvPr id="7" name="Date Placeholder 6">
             <a:extLst>
               <a:ext uri="{FF2B5EF4-FFF2-40B4-BE49-F238E27FC236}">
-                <a16:creationId xmlns:a16="http://schemas.microsoft.com/office/drawing/2014/main" xmlns="" id="{C7F23E19-2379-42B1-9432-0356FAA7A5B5}"/>
+                <a16:creationId xmlns="" xmlns:a16="http://schemas.microsoft.com/office/drawing/2014/main" id="{C7F23E19-2379-42B1-9432-0356FAA7A5B5}"/>
               </a:ext>
             </a:extLst>
           </p:cNvPr>
@@ -1819,7 +1819,7 @@
           <a:p>
             <a:fld id="{0C3A4601-547C-4AC4-AFF2-72BD4B93D0DE}" type="datetimeFigureOut">
               <a:rPr lang="en-US" smtClean="0"/>
-              <a:t>3/10/2018</a:t>
+              <a:t>3/11/2018</a:t>
             </a:fld>
             <a:endParaRPr lang="en-US"/>
           </a:p>
@@ -1830,7 +1830,7 @@
           <p:cNvPr id="8" name="Footer Placeholder 7">
             <a:extLst>
               <a:ext uri="{FF2B5EF4-FFF2-40B4-BE49-F238E27FC236}">
-                <a16:creationId xmlns:a16="http://schemas.microsoft.com/office/drawing/2014/main" xmlns="" id="{E8A47602-5B06-4D94-9FFA-E96CB70561AE}"/>
+                <a16:creationId xmlns="" xmlns:a16="http://schemas.microsoft.com/office/drawing/2014/main" id="{E8A47602-5B06-4D94-9FFA-E96CB70561AE}"/>
               </a:ext>
             </a:extLst>
           </p:cNvPr>
@@ -1855,7 +1855,7 @@
           <p:cNvPr id="9" name="Slide Number Placeholder 8">
             <a:extLst>
               <a:ext uri="{FF2B5EF4-FFF2-40B4-BE49-F238E27FC236}">
-                <a16:creationId xmlns:a16="http://schemas.microsoft.com/office/drawing/2014/main" xmlns="" id="{B2C6EFE3-7759-4652-A3EE-6F3E784EE17B}"/>
+                <a16:creationId xmlns="" xmlns:a16="http://schemas.microsoft.com/office/drawing/2014/main" id="{B2C6EFE3-7759-4652-A3EE-6F3E784EE17B}"/>
               </a:ext>
             </a:extLst>
           </p:cNvPr>
@@ -1914,7 +1914,7 @@
           <p:cNvPr id="2" name="Title 1">
             <a:extLst>
               <a:ext uri="{FF2B5EF4-FFF2-40B4-BE49-F238E27FC236}">
-                <a16:creationId xmlns:a16="http://schemas.microsoft.com/office/drawing/2014/main" xmlns="" id="{4BB8BCD7-7607-4567-B2A3-5F1A1A229357}"/>
+                <a16:creationId xmlns="" xmlns:a16="http://schemas.microsoft.com/office/drawing/2014/main" id="{4BB8BCD7-7607-4567-B2A3-5F1A1A229357}"/>
               </a:ext>
             </a:extLst>
           </p:cNvPr>
@@ -1942,7 +1942,7 @@
           <p:cNvPr id="3" name="Date Placeholder 2">
             <a:extLst>
               <a:ext uri="{FF2B5EF4-FFF2-40B4-BE49-F238E27FC236}">
-                <a16:creationId xmlns:a16="http://schemas.microsoft.com/office/drawing/2014/main" xmlns="" id="{E1DE417B-4B18-4838-AC31-998ACFCBCAA7}"/>
+                <a16:creationId xmlns="" xmlns:a16="http://schemas.microsoft.com/office/drawing/2014/main" id="{E1DE417B-4B18-4838-AC31-998ACFCBCAA7}"/>
               </a:ext>
             </a:extLst>
           </p:cNvPr>
@@ -1960,7 +1960,7 @@
           <a:p>
             <a:fld id="{0C3A4601-547C-4AC4-AFF2-72BD4B93D0DE}" type="datetimeFigureOut">
               <a:rPr lang="en-US" smtClean="0"/>
-              <a:t>3/10/2018</a:t>
+              <a:t>3/11/2018</a:t>
             </a:fld>
             <a:endParaRPr lang="en-US"/>
           </a:p>
@@ -1971,7 +1971,7 @@
           <p:cNvPr id="4" name="Footer Placeholder 3">
             <a:extLst>
               <a:ext uri="{FF2B5EF4-FFF2-40B4-BE49-F238E27FC236}">
-                <a16:creationId xmlns:a16="http://schemas.microsoft.com/office/drawing/2014/main" xmlns="" id="{BE50AB40-62F0-4B90-8E3D-4B822DCC784B}"/>
+                <a16:creationId xmlns="" xmlns:a16="http://schemas.microsoft.com/office/drawing/2014/main" id="{BE50AB40-62F0-4B90-8E3D-4B822DCC784B}"/>
               </a:ext>
             </a:extLst>
           </p:cNvPr>
@@ -1996,7 +1996,7 @@
           <p:cNvPr id="5" name="Slide Number Placeholder 4">
             <a:extLst>
               <a:ext uri="{FF2B5EF4-FFF2-40B4-BE49-F238E27FC236}">
-                <a16:creationId xmlns:a16="http://schemas.microsoft.com/office/drawing/2014/main" xmlns="" id="{62927E35-F295-43DB-98C9-05D560F2AD15}"/>
+                <a16:creationId xmlns="" xmlns:a16="http://schemas.microsoft.com/office/drawing/2014/main" id="{62927E35-F295-43DB-98C9-05D560F2AD15}"/>
               </a:ext>
             </a:extLst>
           </p:cNvPr>
@@ -2055,7 +2055,7 @@
           <p:cNvPr id="2" name="Date Placeholder 1">
             <a:extLst>
               <a:ext uri="{FF2B5EF4-FFF2-40B4-BE49-F238E27FC236}">
-                <a16:creationId xmlns:a16="http://schemas.microsoft.com/office/drawing/2014/main" xmlns="" id="{449C00D3-3D8E-4948-A7AA-1B8664730671}"/>
+                <a16:creationId xmlns="" xmlns:a16="http://schemas.microsoft.com/office/drawing/2014/main" id="{449C00D3-3D8E-4948-A7AA-1B8664730671}"/>
               </a:ext>
             </a:extLst>
           </p:cNvPr>
@@ -2073,7 +2073,7 @@
           <a:p>
             <a:fld id="{0C3A4601-547C-4AC4-AFF2-72BD4B93D0DE}" type="datetimeFigureOut">
               <a:rPr lang="en-US" smtClean="0"/>
-              <a:t>3/10/2018</a:t>
+              <a:t>3/11/2018</a:t>
             </a:fld>
             <a:endParaRPr lang="en-US"/>
           </a:p>
@@ -2084,7 +2084,7 @@
           <p:cNvPr id="3" name="Footer Placeholder 2">
             <a:extLst>
               <a:ext uri="{FF2B5EF4-FFF2-40B4-BE49-F238E27FC236}">
-                <a16:creationId xmlns:a16="http://schemas.microsoft.com/office/drawing/2014/main" xmlns="" id="{2CF29D71-F1D2-4D10-A5E6-49BAFAE1F1BE}"/>
+                <a16:creationId xmlns="" xmlns:a16="http://schemas.microsoft.com/office/drawing/2014/main" id="{2CF29D71-F1D2-4D10-A5E6-49BAFAE1F1BE}"/>
               </a:ext>
             </a:extLst>
           </p:cNvPr>
@@ -2109,7 +2109,7 @@
           <p:cNvPr id="4" name="Slide Number Placeholder 3">
             <a:extLst>
               <a:ext uri="{FF2B5EF4-FFF2-40B4-BE49-F238E27FC236}">
-                <a16:creationId xmlns:a16="http://schemas.microsoft.com/office/drawing/2014/main" xmlns="" id="{FF2AF9ED-276F-49A9-A29D-7C8808CDE4B8}"/>
+                <a16:creationId xmlns="" xmlns:a16="http://schemas.microsoft.com/office/drawing/2014/main" id="{FF2AF9ED-276F-49A9-A29D-7C8808CDE4B8}"/>
               </a:ext>
             </a:extLst>
           </p:cNvPr>
@@ -2168,7 +2168,7 @@
           <p:cNvPr id="2" name="Title 1">
             <a:extLst>
               <a:ext uri="{FF2B5EF4-FFF2-40B4-BE49-F238E27FC236}">
-                <a16:creationId xmlns:a16="http://schemas.microsoft.com/office/drawing/2014/main" xmlns="" id="{89DDD25C-E8F2-44FD-A989-6187190993D4}"/>
+                <a16:creationId xmlns="" xmlns:a16="http://schemas.microsoft.com/office/drawing/2014/main" id="{89DDD25C-E8F2-44FD-A989-6187190993D4}"/>
               </a:ext>
             </a:extLst>
           </p:cNvPr>
@@ -2205,7 +2205,7 @@
           <p:cNvPr id="3" name="Content Placeholder 2">
             <a:extLst>
               <a:ext uri="{FF2B5EF4-FFF2-40B4-BE49-F238E27FC236}">
-                <a16:creationId xmlns:a16="http://schemas.microsoft.com/office/drawing/2014/main" xmlns="" id="{12AC9D67-11FE-4C31-9D75-EC3FBFB4E022}"/>
+                <a16:creationId xmlns="" xmlns:a16="http://schemas.microsoft.com/office/drawing/2014/main" id="{12AC9D67-11FE-4C31-9D75-EC3FBFB4E022}"/>
               </a:ext>
             </a:extLst>
           </p:cNvPr>
@@ -2295,7 +2295,7 @@
           <p:cNvPr id="4" name="Text Placeholder 3">
             <a:extLst>
               <a:ext uri="{FF2B5EF4-FFF2-40B4-BE49-F238E27FC236}">
-                <a16:creationId xmlns:a16="http://schemas.microsoft.com/office/drawing/2014/main" xmlns="" id="{8F66CCBE-981E-4829-AEAA-E4D7B51D74EB}"/>
+                <a16:creationId xmlns="" xmlns:a16="http://schemas.microsoft.com/office/drawing/2014/main" id="{8F66CCBE-981E-4829-AEAA-E4D7B51D74EB}"/>
               </a:ext>
             </a:extLst>
           </p:cNvPr>
@@ -2366,7 +2366,7 @@
           <p:cNvPr id="5" name="Date Placeholder 4">
             <a:extLst>
               <a:ext uri="{FF2B5EF4-FFF2-40B4-BE49-F238E27FC236}">
-                <a16:creationId xmlns:a16="http://schemas.microsoft.com/office/drawing/2014/main" xmlns="" id="{59871372-F285-474A-9B7F-10D59B9B8681}"/>
+                <a16:creationId xmlns="" xmlns:a16="http://schemas.microsoft.com/office/drawing/2014/main" id="{59871372-F285-474A-9B7F-10D59B9B8681}"/>
               </a:ext>
             </a:extLst>
           </p:cNvPr>
@@ -2384,7 +2384,7 @@
           <a:p>
             <a:fld id="{0C3A4601-547C-4AC4-AFF2-72BD4B93D0DE}" type="datetimeFigureOut">
               <a:rPr lang="en-US" smtClean="0"/>
-              <a:t>3/10/2018</a:t>
+              <a:t>3/11/2018</a:t>
             </a:fld>
             <a:endParaRPr lang="en-US"/>
           </a:p>
@@ -2395,7 +2395,7 @@
           <p:cNvPr id="6" name="Footer Placeholder 5">
             <a:extLst>
               <a:ext uri="{FF2B5EF4-FFF2-40B4-BE49-F238E27FC236}">
-                <a16:creationId xmlns:a16="http://schemas.microsoft.com/office/drawing/2014/main" xmlns="" id="{BD895AE8-C1D1-4F73-8515-60AB8D70B8A5}"/>
+                <a16:creationId xmlns="" xmlns:a16="http://schemas.microsoft.com/office/drawing/2014/main" id="{BD895AE8-C1D1-4F73-8515-60AB8D70B8A5}"/>
               </a:ext>
             </a:extLst>
           </p:cNvPr>
@@ -2420,7 +2420,7 @@
           <p:cNvPr id="7" name="Slide Number Placeholder 6">
             <a:extLst>
               <a:ext uri="{FF2B5EF4-FFF2-40B4-BE49-F238E27FC236}">
-                <a16:creationId xmlns:a16="http://schemas.microsoft.com/office/drawing/2014/main" xmlns="" id="{2742109D-6C94-4F3D-9716-F403010F114C}"/>
+                <a16:creationId xmlns="" xmlns:a16="http://schemas.microsoft.com/office/drawing/2014/main" id="{2742109D-6C94-4F3D-9716-F403010F114C}"/>
               </a:ext>
             </a:extLst>
           </p:cNvPr>
@@ -2479,7 +2479,7 @@
           <p:cNvPr id="2" name="Title 1">
             <a:extLst>
               <a:ext uri="{FF2B5EF4-FFF2-40B4-BE49-F238E27FC236}">
-                <a16:creationId xmlns:a16="http://schemas.microsoft.com/office/drawing/2014/main" xmlns="" id="{23BC5458-39D5-4D3C-B96C-7A8C19B1D7DA}"/>
+                <a16:creationId xmlns="" xmlns:a16="http://schemas.microsoft.com/office/drawing/2014/main" id="{23BC5458-39D5-4D3C-B96C-7A8C19B1D7DA}"/>
               </a:ext>
             </a:extLst>
           </p:cNvPr>
@@ -2516,7 +2516,7 @@
           <p:cNvPr id="3" name="Picture Placeholder 2">
             <a:extLst>
               <a:ext uri="{FF2B5EF4-FFF2-40B4-BE49-F238E27FC236}">
-                <a16:creationId xmlns:a16="http://schemas.microsoft.com/office/drawing/2014/main" xmlns="" id="{F860CD2F-477F-4DA2-B167-3259B479F407}"/>
+                <a16:creationId xmlns="" xmlns:a16="http://schemas.microsoft.com/office/drawing/2014/main" id="{F860CD2F-477F-4DA2-B167-3259B479F407}"/>
               </a:ext>
             </a:extLst>
           </p:cNvPr>
@@ -2583,7 +2583,7 @@
           <p:cNvPr id="4" name="Text Placeholder 3">
             <a:extLst>
               <a:ext uri="{FF2B5EF4-FFF2-40B4-BE49-F238E27FC236}">
-                <a16:creationId xmlns:a16="http://schemas.microsoft.com/office/drawing/2014/main" xmlns="" id="{B597A9C1-9B20-45BB-8BEE-6B139FCA1EC7}"/>
+                <a16:creationId xmlns="" xmlns:a16="http://schemas.microsoft.com/office/drawing/2014/main" id="{B597A9C1-9B20-45BB-8BEE-6B139FCA1EC7}"/>
               </a:ext>
             </a:extLst>
           </p:cNvPr>
@@ -2654,7 +2654,7 @@
           <p:cNvPr id="5" name="Date Placeholder 4">
             <a:extLst>
               <a:ext uri="{FF2B5EF4-FFF2-40B4-BE49-F238E27FC236}">
-                <a16:creationId xmlns:a16="http://schemas.microsoft.com/office/drawing/2014/main" xmlns="" id="{38F225AB-5CB6-435D-BB3C-92DC057B7F34}"/>
+                <a16:creationId xmlns="" xmlns:a16="http://schemas.microsoft.com/office/drawing/2014/main" id="{38F225AB-5CB6-435D-BB3C-92DC057B7F34}"/>
               </a:ext>
             </a:extLst>
           </p:cNvPr>
@@ -2672,7 +2672,7 @@
           <a:p>
             <a:fld id="{0C3A4601-547C-4AC4-AFF2-72BD4B93D0DE}" type="datetimeFigureOut">
               <a:rPr lang="en-US" smtClean="0"/>
-              <a:t>3/10/2018</a:t>
+              <a:t>3/11/2018</a:t>
             </a:fld>
             <a:endParaRPr lang="en-US"/>
           </a:p>
@@ -2683,7 +2683,7 @@
           <p:cNvPr id="6" name="Footer Placeholder 5">
             <a:extLst>
               <a:ext uri="{FF2B5EF4-FFF2-40B4-BE49-F238E27FC236}">
-                <a16:creationId xmlns:a16="http://schemas.microsoft.com/office/drawing/2014/main" xmlns="" id="{111A3D1A-1A14-47DF-A1CA-73B419A4A82B}"/>
+                <a16:creationId xmlns="" xmlns:a16="http://schemas.microsoft.com/office/drawing/2014/main" id="{111A3D1A-1A14-47DF-A1CA-73B419A4A82B}"/>
               </a:ext>
             </a:extLst>
           </p:cNvPr>
@@ -2708,7 +2708,7 @@
           <p:cNvPr id="7" name="Slide Number Placeholder 6">
             <a:extLst>
               <a:ext uri="{FF2B5EF4-FFF2-40B4-BE49-F238E27FC236}">
-                <a16:creationId xmlns:a16="http://schemas.microsoft.com/office/drawing/2014/main" xmlns="" id="{6CDC4581-00F3-4136-B393-B0E5A27EB3CF}"/>
+                <a16:creationId xmlns="" xmlns:a16="http://schemas.microsoft.com/office/drawing/2014/main" id="{6CDC4581-00F3-4136-B393-B0E5A27EB3CF}"/>
               </a:ext>
             </a:extLst>
           </p:cNvPr>
@@ -2772,7 +2772,7 @@
           <p:cNvPr id="2" name="Title Placeholder 1">
             <a:extLst>
               <a:ext uri="{FF2B5EF4-FFF2-40B4-BE49-F238E27FC236}">
-                <a16:creationId xmlns:a16="http://schemas.microsoft.com/office/drawing/2014/main" xmlns="" id="{F10FF845-D5A0-4888-89F1-5DADED7861EE}"/>
+                <a16:creationId xmlns="" xmlns:a16="http://schemas.microsoft.com/office/drawing/2014/main" id="{F10FF845-D5A0-4888-89F1-5DADED7861EE}"/>
               </a:ext>
             </a:extLst>
           </p:cNvPr>
@@ -2810,7 +2810,7 @@
           <p:cNvPr id="3" name="Text Placeholder 2">
             <a:extLst>
               <a:ext uri="{FF2B5EF4-FFF2-40B4-BE49-F238E27FC236}">
-                <a16:creationId xmlns:a16="http://schemas.microsoft.com/office/drawing/2014/main" xmlns="" id="{47620348-8076-4488-9383-169BF0597795}"/>
+                <a16:creationId xmlns="" xmlns:a16="http://schemas.microsoft.com/office/drawing/2014/main" id="{47620348-8076-4488-9383-169BF0597795}"/>
               </a:ext>
             </a:extLst>
           </p:cNvPr>
@@ -2877,7 +2877,7 @@
           <p:cNvPr id="4" name="Date Placeholder 3">
             <a:extLst>
               <a:ext uri="{FF2B5EF4-FFF2-40B4-BE49-F238E27FC236}">
-                <a16:creationId xmlns:a16="http://schemas.microsoft.com/office/drawing/2014/main" xmlns="" id="{C59FA5E2-2F7E-4924-A94D-30B9154828D0}"/>
+                <a16:creationId xmlns="" xmlns:a16="http://schemas.microsoft.com/office/drawing/2014/main" id="{C59FA5E2-2F7E-4924-A94D-30B9154828D0}"/>
               </a:ext>
             </a:extLst>
           </p:cNvPr>
@@ -2913,7 +2913,7 @@
           <a:p>
             <a:fld id="{0C3A4601-547C-4AC4-AFF2-72BD4B93D0DE}" type="datetimeFigureOut">
               <a:rPr lang="en-US" smtClean="0"/>
-              <a:t>3/10/2018</a:t>
+              <a:t>3/11/2018</a:t>
             </a:fld>
             <a:endParaRPr lang="en-US"/>
           </a:p>
@@ -2924,7 +2924,7 @@
           <p:cNvPr id="5" name="Footer Placeholder 4">
             <a:extLst>
               <a:ext uri="{FF2B5EF4-FFF2-40B4-BE49-F238E27FC236}">
-                <a16:creationId xmlns:a16="http://schemas.microsoft.com/office/drawing/2014/main" xmlns="" id="{16462D0F-0B77-4835-83B3-E95E02E30118}"/>
+                <a16:creationId xmlns="" xmlns:a16="http://schemas.microsoft.com/office/drawing/2014/main" id="{16462D0F-0B77-4835-83B3-E95E02E30118}"/>
               </a:ext>
             </a:extLst>
           </p:cNvPr>
@@ -2967,7 +2967,7 @@
           <p:cNvPr id="6" name="Slide Number Placeholder 5">
             <a:extLst>
               <a:ext uri="{FF2B5EF4-FFF2-40B4-BE49-F238E27FC236}">
-                <a16:creationId xmlns:a16="http://schemas.microsoft.com/office/drawing/2014/main" xmlns="" id="{F98223AF-3DB5-4F77-8223-E04E52B35EF8}"/>
+                <a16:creationId xmlns="" xmlns:a16="http://schemas.microsoft.com/office/drawing/2014/main" id="{F98223AF-3DB5-4F77-8223-E04E52B35EF8}"/>
               </a:ext>
             </a:extLst>
           </p:cNvPr>
@@ -3335,7 +3335,7 @@
           <p:cNvPr id="2" name="Title 1">
             <a:extLst>
               <a:ext uri="{FF2B5EF4-FFF2-40B4-BE49-F238E27FC236}">
-                <a16:creationId xmlns:a16="http://schemas.microsoft.com/office/drawing/2014/main" xmlns="" id="{0C0C91F7-C9D7-4E28-9A91-4923DC77BDC4}"/>
+                <a16:creationId xmlns="" xmlns:a16="http://schemas.microsoft.com/office/drawing/2014/main" id="{0C0C91F7-C9D7-4E28-9A91-4923DC77BDC4}"/>
               </a:ext>
             </a:extLst>
           </p:cNvPr>
@@ -3363,7 +3363,7 @@
           <p:cNvPr id="3" name="Subtitle 2">
             <a:extLst>
               <a:ext uri="{FF2B5EF4-FFF2-40B4-BE49-F238E27FC236}">
-                <a16:creationId xmlns:a16="http://schemas.microsoft.com/office/drawing/2014/main" xmlns="" id="{D762260D-D469-469F-B53B-A7BC30BCE9F3}"/>
+                <a16:creationId xmlns="" xmlns:a16="http://schemas.microsoft.com/office/drawing/2014/main" id="{D762260D-D469-469F-B53B-A7BC30BCE9F3}"/>
               </a:ext>
             </a:extLst>
           </p:cNvPr>
@@ -3418,7 +3418,7 @@
           <p:cNvPr id="6" name="Picture 5">
             <a:extLst>
               <a:ext uri="{FF2B5EF4-FFF2-40B4-BE49-F238E27FC236}">
-                <a16:creationId xmlns:a16="http://schemas.microsoft.com/office/drawing/2014/main" xmlns="" id="{566A6B6E-4244-456E-8CE2-D5728C475B8C}"/>
+                <a16:creationId xmlns="" xmlns:a16="http://schemas.microsoft.com/office/drawing/2014/main" id="{566A6B6E-4244-456E-8CE2-D5728C475B8C}"/>
               </a:ext>
             </a:extLst>
           </p:cNvPr>
@@ -3447,7 +3447,7 @@
           <p:cNvPr id="2" name="Title 1">
             <a:extLst>
               <a:ext uri="{FF2B5EF4-FFF2-40B4-BE49-F238E27FC236}">
-                <a16:creationId xmlns:a16="http://schemas.microsoft.com/office/drawing/2014/main" xmlns="" id="{311A6BE9-6C17-4897-9D97-E942C4BACE8E}"/>
+                <a16:creationId xmlns="" xmlns:a16="http://schemas.microsoft.com/office/drawing/2014/main" id="{311A6BE9-6C17-4897-9D97-E942C4BACE8E}"/>
               </a:ext>
             </a:extLst>
           </p:cNvPr>
@@ -3485,7 +3485,7 @@
           <p:cNvPr id="3" name="Content Placeholder 2">
             <a:extLst>
               <a:ext uri="{FF2B5EF4-FFF2-40B4-BE49-F238E27FC236}">
-                <a16:creationId xmlns:a16="http://schemas.microsoft.com/office/drawing/2014/main" xmlns="" id="{2A04DB55-EDC7-4FA2-90CF-E5F236F69ACE}"/>
+                <a16:creationId xmlns="" xmlns:a16="http://schemas.microsoft.com/office/drawing/2014/main" id="{2A04DB55-EDC7-4FA2-90CF-E5F236F69ACE}"/>
               </a:ext>
             </a:extLst>
           </p:cNvPr>
@@ -3515,15 +3515,25 @@
             <a:pPr lvl="1"/>
             <a:r>
               <a:rPr lang="en-US" sz="1600" dirty="0"/>
-              <a:t>Trees: 800</a:t>
-            </a:r>
+              <a:t>Trees: </a:t>
+            </a:r>
+            <a:r>
+              <a:rPr lang="en-US" sz="1600" dirty="0" smtClean="0"/>
+              <a:t>650</a:t>
+            </a:r>
+            <a:endParaRPr lang="en-US" sz="1600" dirty="0"/>
           </a:p>
           <a:p>
             <a:pPr lvl="1"/>
             <a:r>
               <a:rPr lang="en-US" sz="1600" dirty="0"/>
-              <a:t>Learning Rate: 0.04</a:t>
-            </a:r>
+              <a:t>Learning Rate: </a:t>
+            </a:r>
+            <a:r>
+              <a:rPr lang="en-US" sz="1600" dirty="0" smtClean="0"/>
+              <a:t>0.05</a:t>
+            </a:r>
+            <a:endParaRPr lang="en-US" sz="1600" dirty="0"/>
           </a:p>
           <a:p>
             <a:pPr lvl="1"/>
@@ -3586,7 +3596,7 @@
           <p:cNvPr id="4" name="Picture 3">
             <a:extLst>
               <a:ext uri="{FF2B5EF4-FFF2-40B4-BE49-F238E27FC236}">
-                <a16:creationId xmlns:a16="http://schemas.microsoft.com/office/drawing/2014/main" xmlns="" id="{4CCE2B17-C66B-4A03-A63C-F0B2DDACC664}"/>
+                <a16:creationId xmlns="" xmlns:a16="http://schemas.microsoft.com/office/drawing/2014/main" id="{4CCE2B17-C66B-4A03-A63C-F0B2DDACC664}"/>
               </a:ext>
             </a:extLst>
           </p:cNvPr>
@@ -3615,7 +3625,7 @@
           <p:cNvPr id="5" name="Content Placeholder 2">
             <a:extLst>
               <a:ext uri="{FF2B5EF4-FFF2-40B4-BE49-F238E27FC236}">
-                <a16:creationId xmlns:a16="http://schemas.microsoft.com/office/drawing/2014/main" xmlns="" id="{D9A464F3-D21B-4B8F-8651-40EF6D9DAAE5}"/>
+                <a16:creationId xmlns="" xmlns:a16="http://schemas.microsoft.com/office/drawing/2014/main" id="{D9A464F3-D21B-4B8F-8651-40EF6D9DAAE5}"/>
               </a:ext>
             </a:extLst>
           </p:cNvPr>
@@ -3805,11 +3815,7 @@
             <a:pPr marL="0" indent="0">
               <a:buNone/>
             </a:pPr>
-            <a:r>
-              <a:rPr lang="en-US" sz="2000" dirty="0"/>
-              <a:t>THOUGHTS: Is this right…</a:t>
-            </a:r>
-            <a:endParaRPr lang="en-US" sz="2000" baseline="30000" dirty="0"/>
+            <a:endParaRPr lang="en-US" sz="2000" dirty="0" smtClean="0"/>
           </a:p>
         </p:txBody>
       </p:sp>
@@ -3836,8 +3842,8 @@
         </p:blipFill>
         <p:spPr bwMode="auto">
           <a:xfrm>
-            <a:off x="4014105" y="2680369"/>
-            <a:ext cx="4699908" cy="2822141"/>
+            <a:off x="3592285" y="2427080"/>
+            <a:ext cx="5121727" cy="3075430"/>
           </a:xfrm>
           <a:prstGeom prst="rect">
             <a:avLst/>
@@ -3885,8 +3891,8 @@
         </p:nvSpPr>
         <p:spPr>
           <a:xfrm>
-            <a:off x="4831768" y="2311037"/>
-            <a:ext cx="3271858" cy="369332"/>
+            <a:off x="4855029" y="2116881"/>
+            <a:ext cx="3406216" cy="369332"/>
           </a:xfrm>
           <a:prstGeom prst="rect">
             <a:avLst/>
@@ -3894,7 +3900,7 @@
           <a:noFill/>
         </p:spPr>
         <p:txBody>
-          <a:bodyPr wrap="none" rtlCol="0">
+          <a:bodyPr wrap="square" rtlCol="0">
             <a:spAutoFit/>
           </a:bodyPr>
           <a:lstStyle/>
@@ -3942,7 +3948,7 @@
           <p:cNvPr id="2" name="Title 1">
             <a:extLst>
               <a:ext uri="{FF2B5EF4-FFF2-40B4-BE49-F238E27FC236}">
-                <a16:creationId xmlns:a16="http://schemas.microsoft.com/office/drawing/2014/main" xmlns="" id="{E1EF5380-4D6A-4775-B30E-AD4CA88996DA}"/>
+                <a16:creationId xmlns="" xmlns:a16="http://schemas.microsoft.com/office/drawing/2014/main" id="{E1EF5380-4D6A-4775-B30E-AD4CA88996DA}"/>
               </a:ext>
             </a:extLst>
           </p:cNvPr>
@@ -3970,7 +3976,7 @@
           <p:cNvPr id="3" name="Content Placeholder 2">
             <a:extLst>
               <a:ext uri="{FF2B5EF4-FFF2-40B4-BE49-F238E27FC236}">
-                <a16:creationId xmlns:a16="http://schemas.microsoft.com/office/drawing/2014/main" xmlns="" id="{6FC291FB-4CE6-4C39-B577-A60F850CDF7F}"/>
+                <a16:creationId xmlns="" xmlns:a16="http://schemas.microsoft.com/office/drawing/2014/main" id="{6FC291FB-4CE6-4C39-B577-A60F850CDF7F}"/>
               </a:ext>
             </a:extLst>
           </p:cNvPr>
@@ -4055,7 +4061,7 @@
           <p:cNvPr id="4" name="Picture 3">
             <a:extLst>
               <a:ext uri="{FF2B5EF4-FFF2-40B4-BE49-F238E27FC236}">
-                <a16:creationId xmlns:a16="http://schemas.microsoft.com/office/drawing/2014/main" xmlns="" id="{6BEA8B71-373B-4B6B-9CA2-9535357F5B90}"/>
+                <a16:creationId xmlns="" xmlns:a16="http://schemas.microsoft.com/office/drawing/2014/main" id="{6BEA8B71-373B-4B6B-9CA2-9535357F5B90}"/>
               </a:ext>
             </a:extLst>
           </p:cNvPr>
@@ -4115,7 +4121,7 @@
           <p:cNvPr id="2" name="Title 1">
             <a:extLst>
               <a:ext uri="{FF2B5EF4-FFF2-40B4-BE49-F238E27FC236}">
-                <a16:creationId xmlns:a16="http://schemas.microsoft.com/office/drawing/2014/main" xmlns="" id="{48115FCA-76B0-494C-B02A-7497852A41EB}"/>
+                <a16:creationId xmlns="" xmlns:a16="http://schemas.microsoft.com/office/drawing/2014/main" id="{48115FCA-76B0-494C-B02A-7497852A41EB}"/>
               </a:ext>
             </a:extLst>
           </p:cNvPr>
@@ -4143,7 +4149,7 @@
           <p:cNvPr id="3" name="Content Placeholder 2">
             <a:extLst>
               <a:ext uri="{FF2B5EF4-FFF2-40B4-BE49-F238E27FC236}">
-                <a16:creationId xmlns:a16="http://schemas.microsoft.com/office/drawing/2014/main" xmlns="" id="{9EC73638-2385-4A08-BAD1-84D676692E3B}"/>
+                <a16:creationId xmlns="" xmlns:a16="http://schemas.microsoft.com/office/drawing/2014/main" id="{9EC73638-2385-4A08-BAD1-84D676692E3B}"/>
               </a:ext>
             </a:extLst>
           </p:cNvPr>
@@ -4197,11 +4203,7 @@
             </a:r>
             <a:r>
               <a:rPr lang="en-US" sz="1600" dirty="0" smtClean="0"/>
-              <a:t>99</a:t>
-            </a:r>
-            <a:r>
-              <a:rPr lang="en-US" sz="1600" dirty="0" smtClean="0"/>
-              <a:t>%</a:t>
+              <a:t>99%</a:t>
             </a:r>
             <a:endParaRPr lang="en-US" sz="1600" dirty="0"/>
           </a:p>
@@ -4213,11 +4215,7 @@
             </a:r>
             <a:r>
               <a:rPr lang="en-US" sz="1600" dirty="0" smtClean="0"/>
-              <a:t>68</a:t>
-            </a:r>
-            <a:r>
-              <a:rPr lang="en-US" sz="1600" dirty="0" smtClean="0"/>
-              <a:t>%</a:t>
+              <a:t>68%</a:t>
             </a:r>
             <a:endParaRPr lang="en-US" sz="1600" dirty="0"/>
           </a:p>
@@ -4235,11 +4233,7 @@
             </a:r>
             <a:r>
               <a:rPr lang="en-US" sz="1600" dirty="0" smtClean="0"/>
-              <a:t>~ </a:t>
-            </a:r>
-            <a:r>
-              <a:rPr lang="en-US" sz="1600" dirty="0" smtClean="0"/>
-              <a:t>0</a:t>
+              <a:t>~ 0</a:t>
             </a:r>
           </a:p>
           <a:p>
@@ -4265,7 +4259,7 @@
           <p:cNvPr id="6" name="Picture 5">
             <a:extLst>
               <a:ext uri="{FF2B5EF4-FFF2-40B4-BE49-F238E27FC236}">
-                <a16:creationId xmlns:a16="http://schemas.microsoft.com/office/drawing/2014/main" xmlns="" id="{63043197-CE9E-445C-85AA-600771E93BBD}"/>
+                <a16:creationId xmlns="" xmlns:a16="http://schemas.microsoft.com/office/drawing/2014/main" id="{63043197-CE9E-445C-85AA-600771E93BBD}"/>
               </a:ext>
             </a:extLst>
           </p:cNvPr>
@@ -4325,7 +4319,7 @@
           <p:cNvPr id="2" name="Title 1">
             <a:extLst>
               <a:ext uri="{FF2B5EF4-FFF2-40B4-BE49-F238E27FC236}">
-                <a16:creationId xmlns:a16="http://schemas.microsoft.com/office/drawing/2014/main" xmlns="" id="{989AF9EF-9093-4DC8-9EA8-8A9381C014A9}"/>
+                <a16:creationId xmlns="" xmlns:a16="http://schemas.microsoft.com/office/drawing/2014/main" id="{989AF9EF-9093-4DC8-9EA8-8A9381C014A9}"/>
               </a:ext>
             </a:extLst>
           </p:cNvPr>
@@ -4358,7 +4352,7 @@
           <p:cNvPr id="3" name="Content Placeholder 2">
             <a:extLst>
               <a:ext uri="{FF2B5EF4-FFF2-40B4-BE49-F238E27FC236}">
-                <a16:creationId xmlns:a16="http://schemas.microsoft.com/office/drawing/2014/main" xmlns="" id="{AC828E46-5962-4FB3-AE41-E65476C2DF5E}"/>
+                <a16:creationId xmlns="" xmlns:a16="http://schemas.microsoft.com/office/drawing/2014/main" id="{AC828E46-5962-4FB3-AE41-E65476C2DF5E}"/>
               </a:ext>
             </a:extLst>
           </p:cNvPr>
@@ -4457,7 +4451,7 @@
           <p:cNvPr id="4" name="Picture 3">
             <a:extLst>
               <a:ext uri="{FF2B5EF4-FFF2-40B4-BE49-F238E27FC236}">
-                <a16:creationId xmlns:a16="http://schemas.microsoft.com/office/drawing/2014/main" xmlns="" id="{D4AC7208-E2E6-449B-AA44-A8654FB6E046}"/>
+                <a16:creationId xmlns="" xmlns:a16="http://schemas.microsoft.com/office/drawing/2014/main" id="{D4AC7208-E2E6-449B-AA44-A8654FB6E046}"/>
               </a:ext>
             </a:extLst>
           </p:cNvPr>
@@ -4487,7 +4481,7 @@
           <p:cNvPr id="5" name="Content Placeholder 2">
             <a:extLst>
               <a:ext uri="{FF2B5EF4-FFF2-40B4-BE49-F238E27FC236}">
-                <a16:creationId xmlns:a16="http://schemas.microsoft.com/office/drawing/2014/main" xmlns="" id="{E53A9AFD-FF1F-4B43-94F1-7AF9B734F5B0}"/>
+                <a16:creationId xmlns="" xmlns:a16="http://schemas.microsoft.com/office/drawing/2014/main" id="{E53A9AFD-FF1F-4B43-94F1-7AF9B734F5B0}"/>
               </a:ext>
             </a:extLst>
           </p:cNvPr>
@@ -4854,7 +4848,7 @@
           <p:cNvPr id="2" name="Title 1">
             <a:extLst>
               <a:ext uri="{FF2B5EF4-FFF2-40B4-BE49-F238E27FC236}">
-                <a16:creationId xmlns:a16="http://schemas.microsoft.com/office/drawing/2014/main" xmlns="" id="{D63F14FD-A9F2-424D-991B-D9BA18E538EE}"/>
+                <a16:creationId xmlns="" xmlns:a16="http://schemas.microsoft.com/office/drawing/2014/main" id="{D63F14FD-A9F2-424D-991B-D9BA18E538EE}"/>
               </a:ext>
             </a:extLst>
           </p:cNvPr>
@@ -4882,7 +4876,7 @@
           <p:cNvPr id="3" name="Content Placeholder 2">
             <a:extLst>
               <a:ext uri="{FF2B5EF4-FFF2-40B4-BE49-F238E27FC236}">
-                <a16:creationId xmlns:a16="http://schemas.microsoft.com/office/drawing/2014/main" xmlns="" id="{3BE76EA3-E471-457F-9F69-641B20CE66F9}"/>
+                <a16:creationId xmlns="" xmlns:a16="http://schemas.microsoft.com/office/drawing/2014/main" id="{3BE76EA3-E471-457F-9F69-641B20CE66F9}"/>
               </a:ext>
             </a:extLst>
           </p:cNvPr>
@@ -5002,7 +4996,7 @@
           <p:cNvPr id="4" name="Picture 3">
             <a:extLst>
               <a:ext uri="{FF2B5EF4-FFF2-40B4-BE49-F238E27FC236}">
-                <a16:creationId xmlns:a16="http://schemas.microsoft.com/office/drawing/2014/main" xmlns="" id="{4DD6E933-B64E-4FF8-949E-E708E219215D}"/>
+                <a16:creationId xmlns="" xmlns:a16="http://schemas.microsoft.com/office/drawing/2014/main" id="{4DD6E933-B64E-4FF8-949E-E708E219215D}"/>
               </a:ext>
             </a:extLst>
           </p:cNvPr>
@@ -5031,7 +5025,7 @@
           <p:cNvPr id="5" name="Content Placeholder 2">
             <a:extLst>
               <a:ext uri="{FF2B5EF4-FFF2-40B4-BE49-F238E27FC236}">
-                <a16:creationId xmlns:a16="http://schemas.microsoft.com/office/drawing/2014/main" xmlns="" id="{82C040E9-0E28-48FD-92E4-D24BF4223083}"/>
+                <a16:creationId xmlns="" xmlns:a16="http://schemas.microsoft.com/office/drawing/2014/main" id="{82C040E9-0E28-48FD-92E4-D24BF4223083}"/>
               </a:ext>
             </a:extLst>
           </p:cNvPr>
@@ -5435,7 +5429,7 @@
           <p:cNvPr id="2" name="Title 1">
             <a:extLst>
               <a:ext uri="{FF2B5EF4-FFF2-40B4-BE49-F238E27FC236}">
-                <a16:creationId xmlns:a16="http://schemas.microsoft.com/office/drawing/2014/main" xmlns="" id="{EF5CCF55-42B2-43D5-BDF7-588BCF176369}"/>
+                <a16:creationId xmlns="" xmlns:a16="http://schemas.microsoft.com/office/drawing/2014/main" id="{EF5CCF55-42B2-43D5-BDF7-588BCF176369}"/>
               </a:ext>
             </a:extLst>
           </p:cNvPr>
@@ -5463,7 +5457,7 @@
           <p:cNvPr id="3" name="Content Placeholder 2">
             <a:extLst>
               <a:ext uri="{FF2B5EF4-FFF2-40B4-BE49-F238E27FC236}">
-                <a16:creationId xmlns:a16="http://schemas.microsoft.com/office/drawing/2014/main" xmlns="" id="{776F7041-413C-4BCA-81F9-365D83E05FE6}"/>
+                <a16:creationId xmlns="" xmlns:a16="http://schemas.microsoft.com/office/drawing/2014/main" id="{776F7041-413C-4BCA-81F9-365D83E05FE6}"/>
               </a:ext>
             </a:extLst>
           </p:cNvPr>
@@ -5569,7 +5563,7 @@
           <p:cNvPr id="4" name="Picture 3">
             <a:extLst>
               <a:ext uri="{FF2B5EF4-FFF2-40B4-BE49-F238E27FC236}">
-                <a16:creationId xmlns:a16="http://schemas.microsoft.com/office/drawing/2014/main" xmlns="" id="{D2DE96E7-4A28-46C9-A6A4-535096F7E645}"/>
+                <a16:creationId xmlns="" xmlns:a16="http://schemas.microsoft.com/office/drawing/2014/main" id="{D2DE96E7-4A28-46C9-A6A4-535096F7E645}"/>
               </a:ext>
             </a:extLst>
           </p:cNvPr>
@@ -5599,7 +5593,7 @@
           <p:cNvPr id="5" name="Content Placeholder 2">
             <a:extLst>
               <a:ext uri="{FF2B5EF4-FFF2-40B4-BE49-F238E27FC236}">
-                <a16:creationId xmlns:a16="http://schemas.microsoft.com/office/drawing/2014/main" xmlns="" id="{8FBA144D-5088-494F-9C0D-8510E5C3FF66}"/>
+                <a16:creationId xmlns="" xmlns:a16="http://schemas.microsoft.com/office/drawing/2014/main" id="{8FBA144D-5088-494F-9C0D-8510E5C3FF66}"/>
               </a:ext>
             </a:extLst>
           </p:cNvPr>
@@ -5795,15 +5789,7 @@
             </a:r>
             <a:r>
               <a:rPr lang="en-US" sz="2000" dirty="0" smtClean="0"/>
-              <a:t>(</a:t>
-            </a:r>
-            <a:r>
-              <a:rPr lang="en-US" sz="2000" dirty="0" smtClean="0"/>
-              <a:t>.0004</a:t>
-            </a:r>
-            <a:r>
-              <a:rPr lang="en-US" sz="2000" dirty="0" smtClean="0"/>
-              <a:t> improvement in Test RMSE) </a:t>
+              <a:t>(.0004 improvement in Test RMSE) </a:t>
             </a:r>
             <a:r>
               <a:rPr lang="en-US" sz="2000" dirty="0"/>
@@ -5847,7 +5833,7 @@
           <p:cNvPr id="2" name="Title 1">
             <a:extLst>
               <a:ext uri="{FF2B5EF4-FFF2-40B4-BE49-F238E27FC236}">
-                <a16:creationId xmlns:a16="http://schemas.microsoft.com/office/drawing/2014/main" xmlns="" id="{315FBDDD-97CB-489F-880C-A0DE0CD19F45}"/>
+                <a16:creationId xmlns="" xmlns:a16="http://schemas.microsoft.com/office/drawing/2014/main" id="{315FBDDD-97CB-489F-880C-A0DE0CD19F45}"/>
               </a:ext>
             </a:extLst>
           </p:cNvPr>
@@ -5875,7 +5861,7 @@
           <p:cNvPr id="3" name="Text Placeholder 2">
             <a:extLst>
               <a:ext uri="{FF2B5EF4-FFF2-40B4-BE49-F238E27FC236}">
-                <a16:creationId xmlns:a16="http://schemas.microsoft.com/office/drawing/2014/main" xmlns="" id="{92D062F4-181C-4755-BEF6-57DFA4532A43}"/>
+                <a16:creationId xmlns="" xmlns:a16="http://schemas.microsoft.com/office/drawing/2014/main" id="{92D062F4-181C-4755-BEF6-57DFA4532A43}"/>
               </a:ext>
             </a:extLst>
           </p:cNvPr>
@@ -5903,7 +5889,7 @@
           <p:cNvPr id="7" name="Content Placeholder 6">
             <a:extLst>
               <a:ext uri="{FF2B5EF4-FFF2-40B4-BE49-F238E27FC236}">
-                <a16:creationId xmlns:a16="http://schemas.microsoft.com/office/drawing/2014/main" xmlns="" id="{1055C9A4-A56B-4EE4-8355-0872057299EC}"/>
+                <a16:creationId xmlns="" xmlns:a16="http://schemas.microsoft.com/office/drawing/2014/main" id="{1055C9A4-A56B-4EE4-8355-0872057299EC}"/>
               </a:ext>
             </a:extLst>
           </p:cNvPr>
@@ -5935,7 +5921,7 @@
           <p:cNvPr id="5" name="Text Placeholder 4">
             <a:extLst>
               <a:ext uri="{FF2B5EF4-FFF2-40B4-BE49-F238E27FC236}">
-                <a16:creationId xmlns:a16="http://schemas.microsoft.com/office/drawing/2014/main" xmlns="" id="{A0F8E968-2600-4CC6-99AB-6E213573BD1B}"/>
+                <a16:creationId xmlns="" xmlns:a16="http://schemas.microsoft.com/office/drawing/2014/main" id="{A0F8E968-2600-4CC6-99AB-6E213573BD1B}"/>
               </a:ext>
             </a:extLst>
           </p:cNvPr>
@@ -5963,7 +5949,7 @@
           <p:cNvPr id="8" name="Picture 7">
             <a:extLst>
               <a:ext uri="{FF2B5EF4-FFF2-40B4-BE49-F238E27FC236}">
-                <a16:creationId xmlns:a16="http://schemas.microsoft.com/office/drawing/2014/main" xmlns="" id="{5E74B1EE-F066-48EA-9627-3DDDAABD54ED}"/>
+                <a16:creationId xmlns="" xmlns:a16="http://schemas.microsoft.com/office/drawing/2014/main" id="{5E74B1EE-F066-48EA-9627-3DDDAABD54ED}"/>
               </a:ext>
             </a:extLst>
           </p:cNvPr>
@@ -6023,7 +6009,7 @@
           <p:cNvPr id="2" name="Title 1">
             <a:extLst>
               <a:ext uri="{FF2B5EF4-FFF2-40B4-BE49-F238E27FC236}">
-                <a16:creationId xmlns:a16="http://schemas.microsoft.com/office/drawing/2014/main" xmlns="" id="{7D0810BF-2F18-45FE-B8A0-37BD6C9D83D6}"/>
+                <a16:creationId xmlns="" xmlns:a16="http://schemas.microsoft.com/office/drawing/2014/main" id="{7D0810BF-2F18-45FE-B8A0-37BD6C9D83D6}"/>
               </a:ext>
             </a:extLst>
           </p:cNvPr>
@@ -6059,7 +6045,7 @@
           <p:cNvPr id="3" name="Content Placeholder 2">
             <a:extLst>
               <a:ext uri="{FF2B5EF4-FFF2-40B4-BE49-F238E27FC236}">
-                <a16:creationId xmlns:a16="http://schemas.microsoft.com/office/drawing/2014/main" xmlns="" id="{DD905849-336E-4F8F-9FE1-D3E34C32A415}"/>
+                <a16:creationId xmlns="" xmlns:a16="http://schemas.microsoft.com/office/drawing/2014/main" id="{DD905849-336E-4F8F-9FE1-D3E34C32A415}"/>
               </a:ext>
             </a:extLst>
           </p:cNvPr>
@@ -6089,11 +6075,7 @@
             <a:pPr lvl="1"/>
             <a:r>
               <a:rPr lang="en-US" sz="1600" dirty="0" smtClean="0"/>
-              <a:t>Trees</a:t>
-            </a:r>
-            <a:r>
-              <a:rPr lang="en-US" sz="1600" dirty="0" smtClean="0"/>
-              <a:t>: </a:t>
+              <a:t>Trees: </a:t>
             </a:r>
             <a:r>
               <a:rPr lang="en-US" sz="1600" dirty="0"/>
@@ -6170,7 +6152,7 @@
           <p:cNvPr id="4" name="Picture 3">
             <a:extLst>
               <a:ext uri="{FF2B5EF4-FFF2-40B4-BE49-F238E27FC236}">
-                <a16:creationId xmlns:a16="http://schemas.microsoft.com/office/drawing/2014/main" xmlns="" id="{4F233AF7-A554-4C99-ACCD-24567332999B}"/>
+                <a16:creationId xmlns="" xmlns:a16="http://schemas.microsoft.com/office/drawing/2014/main" id="{4F233AF7-A554-4C99-ACCD-24567332999B}"/>
               </a:ext>
             </a:extLst>
           </p:cNvPr>
@@ -6200,7 +6182,7 @@
           <p:cNvPr id="5" name="Picture 4">
             <a:extLst>
               <a:ext uri="{FF2B5EF4-FFF2-40B4-BE49-F238E27FC236}">
-                <a16:creationId xmlns:a16="http://schemas.microsoft.com/office/drawing/2014/main" xmlns="" id="{3510B83D-9879-46EB-B852-AF96B44AEBA8}"/>
+                <a16:creationId xmlns="" xmlns:a16="http://schemas.microsoft.com/office/drawing/2014/main" id="{3510B83D-9879-46EB-B852-AF96B44AEBA8}"/>
               </a:ext>
             </a:extLst>
           </p:cNvPr>
@@ -6230,7 +6212,7 @@
           <p:cNvPr id="6" name="Picture 5">
             <a:extLst>
               <a:ext uri="{FF2B5EF4-FFF2-40B4-BE49-F238E27FC236}">
-                <a16:creationId xmlns:a16="http://schemas.microsoft.com/office/drawing/2014/main" xmlns="" id="{85645CFE-3AAE-4C71-8BE2-69C67EAE22BF}"/>
+                <a16:creationId xmlns="" xmlns:a16="http://schemas.microsoft.com/office/drawing/2014/main" id="{85645CFE-3AAE-4C71-8BE2-69C67EAE22BF}"/>
               </a:ext>
             </a:extLst>
           </p:cNvPr>
@@ -6260,7 +6242,7 @@
           <p:cNvPr id="7" name="Picture 6">
             <a:extLst>
               <a:ext uri="{FF2B5EF4-FFF2-40B4-BE49-F238E27FC236}">
-                <a16:creationId xmlns:a16="http://schemas.microsoft.com/office/drawing/2014/main" xmlns="" id="{F0F8CFD0-E1F6-4C80-BFEA-4A6ED76E3922}"/>
+                <a16:creationId xmlns="" xmlns:a16="http://schemas.microsoft.com/office/drawing/2014/main" id="{F0F8CFD0-E1F6-4C80-BFEA-4A6ED76E3922}"/>
               </a:ext>
             </a:extLst>
           </p:cNvPr>
@@ -6290,7 +6272,7 @@
           <p:cNvPr id="8" name="Picture 7">
             <a:extLst>
               <a:ext uri="{FF2B5EF4-FFF2-40B4-BE49-F238E27FC236}">
-                <a16:creationId xmlns:a16="http://schemas.microsoft.com/office/drawing/2014/main" xmlns="" id="{3C5DD31E-B52B-4A1D-9373-1C6A9B057960}"/>
+                <a16:creationId xmlns="" xmlns:a16="http://schemas.microsoft.com/office/drawing/2014/main" id="{3C5DD31E-B52B-4A1D-9373-1C6A9B057960}"/>
               </a:ext>
             </a:extLst>
           </p:cNvPr>
@@ -6320,7 +6302,7 @@
           <p:cNvPr id="9" name="Picture 8">
             <a:extLst>
               <a:ext uri="{FF2B5EF4-FFF2-40B4-BE49-F238E27FC236}">
-                <a16:creationId xmlns:a16="http://schemas.microsoft.com/office/drawing/2014/main" xmlns="" id="{6A2DF326-A88D-4DA8-95C5-90FCFE11D1B8}"/>
+                <a16:creationId xmlns="" xmlns:a16="http://schemas.microsoft.com/office/drawing/2014/main" id="{6A2DF326-A88D-4DA8-95C5-90FCFE11D1B8}"/>
               </a:ext>
             </a:extLst>
           </p:cNvPr>
@@ -6350,7 +6332,7 @@
           <p:cNvPr id="10" name="Content Placeholder 2">
             <a:extLst>
               <a:ext uri="{FF2B5EF4-FFF2-40B4-BE49-F238E27FC236}">
-                <a16:creationId xmlns:a16="http://schemas.microsoft.com/office/drawing/2014/main" xmlns="" id="{FA9E3FB7-F65C-4387-A7F5-B6C058857968}"/>
+                <a16:creationId xmlns="" xmlns:a16="http://schemas.microsoft.com/office/drawing/2014/main" id="{FA9E3FB7-F65C-4387-A7F5-B6C058857968}"/>
               </a:ext>
             </a:extLst>
           </p:cNvPr>
@@ -6554,7 +6536,15 @@
             </a:r>
             <a:r>
               <a:rPr lang="en-US" sz="2000" dirty="0"/>
-              <a:t>. What’s going on?</a:t>
+              <a:t>. </a:t>
+            </a:r>
+            <a:r>
+              <a:rPr lang="en-US" sz="2000" dirty="0" smtClean="0"/>
+              <a:t>A .003 improvement in Test RMSE. What’s </a:t>
+            </a:r>
+            <a:r>
+              <a:rPr lang="en-US" sz="2000" dirty="0"/>
+              <a:t>going on?</a:t>
             </a:r>
             <a:endParaRPr lang="en-US" sz="2000" baseline="30000" dirty="0"/>
           </a:p>
@@ -6728,7 +6718,7 @@
           <p:cNvPr id="2" name="Title 1">
             <a:extLst>
               <a:ext uri="{FF2B5EF4-FFF2-40B4-BE49-F238E27FC236}">
-                <a16:creationId xmlns:a16="http://schemas.microsoft.com/office/drawing/2014/main" xmlns="" id="{311A6BE9-6C17-4897-9D97-E942C4BACE8E}"/>
+                <a16:creationId xmlns="" xmlns:a16="http://schemas.microsoft.com/office/drawing/2014/main" id="{311A6BE9-6C17-4897-9D97-E942C4BACE8E}"/>
               </a:ext>
             </a:extLst>
           </p:cNvPr>
@@ -6756,7 +6746,7 @@
           <p:cNvPr id="3" name="Content Placeholder 2">
             <a:extLst>
               <a:ext uri="{FF2B5EF4-FFF2-40B4-BE49-F238E27FC236}">
-                <a16:creationId xmlns:a16="http://schemas.microsoft.com/office/drawing/2014/main" xmlns="" id="{2A04DB55-EDC7-4FA2-90CF-E5F236F69ACE}"/>
+                <a16:creationId xmlns="" xmlns:a16="http://schemas.microsoft.com/office/drawing/2014/main" id="{2A04DB55-EDC7-4FA2-90CF-E5F236F69ACE}"/>
               </a:ext>
             </a:extLst>
           </p:cNvPr>
@@ -6858,7 +6848,7 @@
           <p:cNvPr id="4" name="Picture 3">
             <a:extLst>
               <a:ext uri="{FF2B5EF4-FFF2-40B4-BE49-F238E27FC236}">
-                <a16:creationId xmlns:a16="http://schemas.microsoft.com/office/drawing/2014/main" xmlns="" id="{4CCE2B17-C66B-4A03-A63C-F0B2DDACC664}"/>
+                <a16:creationId xmlns="" xmlns:a16="http://schemas.microsoft.com/office/drawing/2014/main" id="{4CCE2B17-C66B-4A03-A63C-F0B2DDACC664}"/>
               </a:ext>
             </a:extLst>
           </p:cNvPr>
@@ -6888,7 +6878,7 @@
           <p:cNvPr id="5" name="Content Placeholder 2">
             <a:extLst>
               <a:ext uri="{FF2B5EF4-FFF2-40B4-BE49-F238E27FC236}">
-                <a16:creationId xmlns:a16="http://schemas.microsoft.com/office/drawing/2014/main" xmlns="" id="{D9A464F3-D21B-4B8F-8651-40EF6D9DAAE5}"/>
+                <a16:creationId xmlns="" xmlns:a16="http://schemas.microsoft.com/office/drawing/2014/main" id="{D9A464F3-D21B-4B8F-8651-40EF6D9DAAE5}"/>
               </a:ext>
             </a:extLst>
           </p:cNvPr>
@@ -6899,8 +6889,8 @@
         </p:nvSpPr>
         <p:spPr>
           <a:xfrm>
-            <a:off x="838200" y="5340612"/>
-            <a:ext cx="9222996" cy="858852"/>
+            <a:off x="838200" y="5546881"/>
+            <a:ext cx="9222996" cy="1077076"/>
           </a:xfrm>
           <a:prstGeom prst="rect">
             <a:avLst/>
@@ -6908,7 +6898,7 @@
         </p:spPr>
         <p:txBody>
           <a:bodyPr vert="horz" lIns="91440" tIns="45720" rIns="91440" bIns="45720" rtlCol="0">
-            <a:normAutofit/>
+            <a:normAutofit lnSpcReduction="10000"/>
           </a:bodyPr>
           <a:lstStyle>
             <a:lvl1pPr marL="228600" indent="-228600" algn="l" defTabSz="914400" rtl="0" eaLnBrk="1" latinLnBrk="0" hangingPunct="1">
@@ -7079,10 +7069,60 @@
               <a:buNone/>
             </a:pPr>
             <a:r>
+              <a:rPr lang="en-US" sz="2000" b="1" dirty="0"/>
+              <a:t>THOUGHTS</a:t>
+            </a:r>
+            <a:r>
               <a:rPr lang="en-US" sz="2000" dirty="0"/>
-              <a:t>THOUGHTS: Woah! Major improvements to the test scores and RMSE.</a:t>
-            </a:r>
-            <a:endParaRPr lang="en-US" sz="2000" baseline="30000" dirty="0"/>
+              <a:t>: </a:t>
+            </a:r>
+            <a:r>
+              <a:rPr lang="en-US" sz="2000" dirty="0" smtClean="0"/>
+              <a:t>Major </a:t>
+            </a:r>
+            <a:r>
+              <a:rPr lang="en-US" sz="2000" dirty="0"/>
+              <a:t>improvements to the test scores and </a:t>
+            </a:r>
+            <a:r>
+              <a:rPr lang="en-US" sz="2000" dirty="0"/>
+              <a:t>RMSE. </a:t>
+            </a:r>
+          </a:p>
+          <a:p>
+            <a:pPr marL="0" indent="0">
+              <a:buNone/>
+            </a:pPr>
+            <a:r>
+              <a:rPr lang="en-US" sz="2000" dirty="0"/>
+              <a:t>Test </a:t>
+            </a:r>
+            <a:r>
+              <a:rPr lang="en-US" sz="2000" dirty="0" smtClean="0"/>
+              <a:t>R</a:t>
+            </a:r>
+            <a:r>
+              <a:rPr lang="en-US" sz="2000" baseline="30000" dirty="0" smtClean="0"/>
+              <a:t>2</a:t>
+            </a:r>
+            <a:r>
+              <a:rPr lang="en-US" sz="2000" dirty="0" smtClean="0"/>
+              <a:t> </a:t>
+            </a:r>
+            <a:r>
+              <a:rPr lang="en-US" sz="2000" dirty="0"/>
+              <a:t>: 88% -&gt; 92%</a:t>
+            </a:r>
+          </a:p>
+          <a:p>
+            <a:pPr marL="0" indent="0">
+              <a:buNone/>
+            </a:pPr>
+            <a:r>
+              <a:rPr lang="en-US" sz="2000" dirty="0"/>
+              <a:t>Test RMSE : .1361 -&gt; .1125</a:t>
+            </a:r>
+            <a:endParaRPr lang="en-US" sz="2000" dirty="0"/>
           </a:p>
         </p:txBody>
       </p:sp>
@@ -7490,7 +7530,7 @@
   <a:extraClrSchemeLst/>
   <a:extLst>
     <a:ext uri="{05A4C25C-085E-4340-85A3-A5531E510DB2}">
-      <thm15:themeFamily xmlns:thm15="http://schemas.microsoft.com/office/thememl/2012/main" xmlns="" name="Office Theme" id="{62F939B6-93AF-4DB8-9C6B-D6C7DFDC589F}" vid="{4A3C46E8-61CC-4603-A589-7422A47A8E4A}"/>
+      <thm15:themeFamily xmlns="" xmlns:thm15="http://schemas.microsoft.com/office/thememl/2012/main" name="Office Theme" id="{62F939B6-93AF-4DB8-9C6B-D6C7DFDC589F}" vid="{4A3C46E8-61CC-4603-A589-7422A47A8E4A}"/>
     </a:ext>
   </a:extLst>
 </a:theme>

--- a/Tree Based Models.pptx
+++ b/Tree Based Models.pptx
@@ -7,14 +7,14 @@
   <p:sldIdLst>
     <p:sldId id="256" r:id="rId2"/>
     <p:sldId id="258" r:id="rId3"/>
-    <p:sldId id="257" r:id="rId4"/>
-    <p:sldId id="260" r:id="rId5"/>
-    <p:sldId id="259" r:id="rId6"/>
-    <p:sldId id="261" r:id="rId7"/>
-    <p:sldId id="265" r:id="rId8"/>
-    <p:sldId id="262" r:id="rId9"/>
-    <p:sldId id="263" r:id="rId10"/>
-    <p:sldId id="266" r:id="rId11"/>
+    <p:sldId id="260" r:id="rId4"/>
+    <p:sldId id="259" r:id="rId5"/>
+    <p:sldId id="261" r:id="rId6"/>
+    <p:sldId id="265" r:id="rId7"/>
+    <p:sldId id="262" r:id="rId8"/>
+    <p:sldId id="263" r:id="rId9"/>
+    <p:sldId id="266" r:id="rId10"/>
+    <p:sldId id="267" r:id="rId11"/>
   </p:sldIdLst>
   <p:sldSz cx="12192000" cy="6858000"/>
   <p:notesSz cx="6858000" cy="9144000"/>
@@ -116,6 +116,358 @@
 </p:presentation>
 </file>
 
+<file path=ppt/charts/chart1.xml><?xml version="1.0" encoding="utf-8"?>
+<c:chartSpace xmlns:c="http://schemas.openxmlformats.org/drawingml/2006/chart" xmlns:a="http://schemas.openxmlformats.org/drawingml/2006/main" xmlns:r="http://schemas.openxmlformats.org/officeDocument/2006/relationships">
+  <c:date1904 val="0"/>
+  <c:lang val="en-US"/>
+  <c:roundedCorners val="0"/>
+  <mc:AlternateContent xmlns:mc="http://schemas.openxmlformats.org/markup-compatibility/2006">
+    <mc:Choice xmlns:c14="http://schemas.microsoft.com/office/drawing/2007/8/2/chart" Requires="c14">
+      <c14:style val="102"/>
+    </mc:Choice>
+    <mc:Fallback>
+      <c:style val="2"/>
+    </mc:Fallback>
+  </mc:AlternateContent>
+  <c:chart>
+    <c:title>
+      <c:layout/>
+      <c:overlay val="0"/>
+    </c:title>
+    <c:autoTitleDeleted val="0"/>
+    <c:plotArea>
+      <c:layout/>
+      <c:barChart>
+        <c:barDir val="col"/>
+        <c:grouping val="clustered"/>
+        <c:varyColors val="0"/>
+        <c:ser>
+          <c:idx val="0"/>
+          <c:order val="0"/>
+          <c:tx>
+            <c:strRef>
+              <c:f>Sheet1!$B$1</c:f>
+              <c:strCache>
+                <c:ptCount val="1"/>
+                <c:pt idx="0">
+                  <c:v>Test R Square</c:v>
+                </c:pt>
+              </c:strCache>
+            </c:strRef>
+          </c:tx>
+          <c:invertIfNegative val="0"/>
+          <c:dLbls>
+            <c:showLegendKey val="0"/>
+            <c:showVal val="1"/>
+            <c:showCatName val="0"/>
+            <c:showSerName val="0"/>
+            <c:showPercent val="0"/>
+            <c:showBubbleSize val="0"/>
+            <c:showLeaderLines val="0"/>
+          </c:dLbls>
+          <c:cat>
+            <c:strRef>
+              <c:f>Sheet1!$A$2:$A$5</c:f>
+              <c:strCache>
+                <c:ptCount val="4"/>
+                <c:pt idx="0">
+                  <c:v>Tuned Decision Tree</c:v>
+                </c:pt>
+                <c:pt idx="1">
+                  <c:v>Bagged Decision Tree</c:v>
+                </c:pt>
+                <c:pt idx="2">
+                  <c:v>Tuned Random Forest</c:v>
+                </c:pt>
+                <c:pt idx="3">
+                  <c:v>Tuned Stoch. Gradient Boosting</c:v>
+                </c:pt>
+              </c:strCache>
+            </c:strRef>
+          </c:cat>
+          <c:val>
+            <c:numRef>
+              <c:f>Sheet1!$B$2:$B$5</c:f>
+              <c:numCache>
+                <c:formatCode>0%</c:formatCode>
+                <c:ptCount val="4"/>
+                <c:pt idx="0">
+                  <c:v>0.77</c:v>
+                </c:pt>
+                <c:pt idx="1">
+                  <c:v>0.88</c:v>
+                </c:pt>
+                <c:pt idx="2">
+                  <c:v>0.89</c:v>
+                </c:pt>
+                <c:pt idx="3">
+                  <c:v>0.93</c:v>
+                </c:pt>
+              </c:numCache>
+            </c:numRef>
+          </c:val>
+        </c:ser>
+        <c:dLbls>
+          <c:showLegendKey val="0"/>
+          <c:showVal val="0"/>
+          <c:showCatName val="0"/>
+          <c:showSerName val="0"/>
+          <c:showPercent val="0"/>
+          <c:showBubbleSize val="0"/>
+        </c:dLbls>
+        <c:gapWidth val="150"/>
+        <c:axId val="50847104"/>
+        <c:axId val="51238016"/>
+      </c:barChart>
+      <c:catAx>
+        <c:axId val="50847104"/>
+        <c:scaling>
+          <c:orientation val="minMax"/>
+        </c:scaling>
+        <c:delete val="0"/>
+        <c:axPos val="b"/>
+        <c:majorTickMark val="out"/>
+        <c:minorTickMark val="none"/>
+        <c:tickLblPos val="nextTo"/>
+        <c:crossAx val="51238016"/>
+        <c:crosses val="autoZero"/>
+        <c:auto val="1"/>
+        <c:lblAlgn val="ctr"/>
+        <c:lblOffset val="100"/>
+        <c:noMultiLvlLbl val="0"/>
+      </c:catAx>
+      <c:valAx>
+        <c:axId val="51238016"/>
+        <c:scaling>
+          <c:orientation val="minMax"/>
+        </c:scaling>
+        <c:delete val="1"/>
+        <c:axPos val="l"/>
+        <c:numFmt formatCode="0%" sourceLinked="1"/>
+        <c:majorTickMark val="out"/>
+        <c:minorTickMark val="none"/>
+        <c:tickLblPos val="nextTo"/>
+        <c:crossAx val="50847104"/>
+        <c:crosses val="autoZero"/>
+        <c:crossBetween val="between"/>
+      </c:valAx>
+    </c:plotArea>
+    <c:plotVisOnly val="1"/>
+    <c:dispBlanksAs val="gap"/>
+    <c:showDLblsOverMax val="0"/>
+  </c:chart>
+  <c:txPr>
+    <a:bodyPr/>
+    <a:lstStyle/>
+    <a:p>
+      <a:pPr>
+        <a:defRPr sz="1800"/>
+      </a:pPr>
+      <a:endParaRPr lang="en-US"/>
+    </a:p>
+  </c:txPr>
+  <c:externalData r:id="rId1">
+    <c:autoUpdate val="0"/>
+  </c:externalData>
+</c:chartSpace>
+</file>
+
+<file path=ppt/charts/chart2.xml><?xml version="1.0" encoding="utf-8"?>
+<c:chartSpace xmlns:c="http://schemas.openxmlformats.org/drawingml/2006/chart" xmlns:a="http://schemas.openxmlformats.org/drawingml/2006/main" xmlns:r="http://schemas.openxmlformats.org/officeDocument/2006/relationships">
+  <c:date1904 val="0"/>
+  <c:lang val="en-US"/>
+  <c:roundedCorners val="0"/>
+  <mc:AlternateContent xmlns:mc="http://schemas.openxmlformats.org/markup-compatibility/2006">
+    <mc:Choice xmlns:c14="http://schemas.microsoft.com/office/drawing/2007/8/2/chart" Requires="c14">
+      <c14:style val="102"/>
+    </mc:Choice>
+    <mc:Fallback>
+      <c:style val="2"/>
+    </mc:Fallback>
+  </mc:AlternateContent>
+  <c:chart>
+    <c:title>
+      <c:layout/>
+      <c:overlay val="0"/>
+    </c:title>
+    <c:autoTitleDeleted val="0"/>
+    <c:plotArea>
+      <c:layout/>
+      <c:barChart>
+        <c:barDir val="col"/>
+        <c:grouping val="clustered"/>
+        <c:varyColors val="0"/>
+        <c:ser>
+          <c:idx val="0"/>
+          <c:order val="0"/>
+          <c:tx>
+            <c:strRef>
+              <c:f>Sheet1!$B$1</c:f>
+              <c:strCache>
+                <c:ptCount val="1"/>
+                <c:pt idx="0">
+                  <c:v>Test RMSE</c:v>
+                </c:pt>
+              </c:strCache>
+            </c:strRef>
+          </c:tx>
+          <c:invertIfNegative val="0"/>
+          <c:dPt>
+            <c:idx val="0"/>
+            <c:invertIfNegative val="0"/>
+            <c:bubble3D val="0"/>
+            <c:spPr>
+              <a:solidFill>
+                <a:srgbClr val="00B050"/>
+              </a:solidFill>
+            </c:spPr>
+          </c:dPt>
+          <c:dPt>
+            <c:idx val="1"/>
+            <c:invertIfNegative val="0"/>
+            <c:bubble3D val="0"/>
+            <c:spPr>
+              <a:solidFill>
+                <a:srgbClr val="00B050"/>
+              </a:solidFill>
+            </c:spPr>
+          </c:dPt>
+          <c:dPt>
+            <c:idx val="2"/>
+            <c:invertIfNegative val="0"/>
+            <c:bubble3D val="0"/>
+            <c:spPr>
+              <a:solidFill>
+                <a:srgbClr val="00B050"/>
+              </a:solidFill>
+            </c:spPr>
+          </c:dPt>
+          <c:dPt>
+            <c:idx val="3"/>
+            <c:invertIfNegative val="0"/>
+            <c:bubble3D val="0"/>
+            <c:spPr>
+              <a:solidFill>
+                <a:srgbClr val="00B050"/>
+              </a:solidFill>
+            </c:spPr>
+          </c:dPt>
+          <c:dLbls>
+            <c:showLegendKey val="0"/>
+            <c:showVal val="1"/>
+            <c:showCatName val="0"/>
+            <c:showSerName val="0"/>
+            <c:showPercent val="0"/>
+            <c:showBubbleSize val="0"/>
+            <c:showLeaderLines val="0"/>
+          </c:dLbls>
+          <c:cat>
+            <c:strRef>
+              <c:f>Sheet1!$A$2:$A$5</c:f>
+              <c:strCache>
+                <c:ptCount val="4"/>
+                <c:pt idx="0">
+                  <c:v>Tuned Decision Tree</c:v>
+                </c:pt>
+                <c:pt idx="1">
+                  <c:v>Bagged Decision Tree</c:v>
+                </c:pt>
+                <c:pt idx="2">
+                  <c:v>Tuned Random Forest</c:v>
+                </c:pt>
+                <c:pt idx="3">
+                  <c:v>Tuned Stoch. Gradient Boosting</c:v>
+                </c:pt>
+              </c:strCache>
+            </c:strRef>
+          </c:cat>
+          <c:val>
+            <c:numRef>
+              <c:f>Sheet1!$B$2:$B$5</c:f>
+              <c:numCache>
+                <c:formatCode>General</c:formatCode>
+                <c:ptCount val="4"/>
+                <c:pt idx="0">
+                  <c:v>0.18609999999999999</c:v>
+                </c:pt>
+                <c:pt idx="1">
+                  <c:v>0.13700000000000001</c:v>
+                </c:pt>
+                <c:pt idx="2">
+                  <c:v>0.12740000000000001</c:v>
+                </c:pt>
+                <c:pt idx="3">
+                  <c:v>0.1036</c:v>
+                </c:pt>
+              </c:numCache>
+            </c:numRef>
+          </c:val>
+        </c:ser>
+        <c:dLbls>
+          <c:showLegendKey val="0"/>
+          <c:showVal val="0"/>
+          <c:showCatName val="0"/>
+          <c:showSerName val="0"/>
+          <c:showPercent val="0"/>
+          <c:showBubbleSize val="0"/>
+        </c:dLbls>
+        <c:gapWidth val="150"/>
+        <c:axId val="170212352"/>
+        <c:axId val="170223104"/>
+      </c:barChart>
+      <c:catAx>
+        <c:axId val="170212352"/>
+        <c:scaling>
+          <c:orientation val="minMax"/>
+        </c:scaling>
+        <c:delete val="0"/>
+        <c:axPos val="b"/>
+        <c:majorTickMark val="out"/>
+        <c:minorTickMark val="none"/>
+        <c:tickLblPos val="nextTo"/>
+        <c:crossAx val="170223104"/>
+        <c:crosses val="autoZero"/>
+        <c:auto val="1"/>
+        <c:lblAlgn val="ctr"/>
+        <c:lblOffset val="100"/>
+        <c:noMultiLvlLbl val="0"/>
+      </c:catAx>
+      <c:valAx>
+        <c:axId val="170223104"/>
+        <c:scaling>
+          <c:orientation val="minMax"/>
+        </c:scaling>
+        <c:delete val="1"/>
+        <c:axPos val="l"/>
+        <c:numFmt formatCode="General" sourceLinked="1"/>
+        <c:majorTickMark val="out"/>
+        <c:minorTickMark val="none"/>
+        <c:tickLblPos val="nextTo"/>
+        <c:crossAx val="170212352"/>
+        <c:crosses val="autoZero"/>
+        <c:crossBetween val="between"/>
+      </c:valAx>
+    </c:plotArea>
+    <c:plotVisOnly val="1"/>
+    <c:dispBlanksAs val="gap"/>
+    <c:showDLblsOverMax val="0"/>
+  </c:chart>
+  <c:txPr>
+    <a:bodyPr/>
+    <a:lstStyle/>
+    <a:p>
+      <a:pPr>
+        <a:defRPr sz="1800"/>
+      </a:pPr>
+      <a:endParaRPr lang="en-US"/>
+    </a:p>
+  </c:txPr>
+  <c:externalData r:id="rId1">
+    <c:autoUpdate val="0"/>
+  </c:externalData>
+</c:chartSpace>
+</file>
+
 <file path=ppt/slideLayouts/slideLayout1.xml><?xml version="1.0" encoding="utf-8"?>
 <p:sldLayout xmlns:a="http://schemas.openxmlformats.org/drawingml/2006/main" xmlns:r="http://schemas.openxmlformats.org/officeDocument/2006/relationships" xmlns:p="http://schemas.openxmlformats.org/presentationml/2006/main" type="title" preserve="1">
   <p:cSld name="Title Slide">
@@ -138,7 +490,7 @@
           <p:cNvPr id="2" name="Title 1">
             <a:extLst>
               <a:ext uri="{FF2B5EF4-FFF2-40B4-BE49-F238E27FC236}">
-                <a16:creationId xmlns="" xmlns:a16="http://schemas.microsoft.com/office/drawing/2014/main" id="{6353C291-55BA-4CB0-BEC5-E7628B938DB5}"/>
+                <a16:creationId xmlns:a16="http://schemas.microsoft.com/office/drawing/2014/main" xmlns="" id="{6353C291-55BA-4CB0-BEC5-E7628B938DB5}"/>
               </a:ext>
             </a:extLst>
           </p:cNvPr>
@@ -175,7 +527,7 @@
           <p:cNvPr id="3" name="Subtitle 2">
             <a:extLst>
               <a:ext uri="{FF2B5EF4-FFF2-40B4-BE49-F238E27FC236}">
-                <a16:creationId xmlns="" xmlns:a16="http://schemas.microsoft.com/office/drawing/2014/main" id="{93E0AE75-F21D-40D7-91FD-6EF0476E7995}"/>
+                <a16:creationId xmlns:a16="http://schemas.microsoft.com/office/drawing/2014/main" xmlns="" id="{93E0AE75-F21D-40D7-91FD-6EF0476E7995}"/>
               </a:ext>
             </a:extLst>
           </p:cNvPr>
@@ -245,7 +597,7 @@
           <p:cNvPr id="4" name="Date Placeholder 3">
             <a:extLst>
               <a:ext uri="{FF2B5EF4-FFF2-40B4-BE49-F238E27FC236}">
-                <a16:creationId xmlns="" xmlns:a16="http://schemas.microsoft.com/office/drawing/2014/main" id="{87B6F42A-018B-43F4-80AD-1F875507F2E4}"/>
+                <a16:creationId xmlns:a16="http://schemas.microsoft.com/office/drawing/2014/main" xmlns="" id="{87B6F42A-018B-43F4-80AD-1F875507F2E4}"/>
               </a:ext>
             </a:extLst>
           </p:cNvPr>
@@ -274,7 +626,7 @@
           <p:cNvPr id="5" name="Footer Placeholder 4">
             <a:extLst>
               <a:ext uri="{FF2B5EF4-FFF2-40B4-BE49-F238E27FC236}">
-                <a16:creationId xmlns="" xmlns:a16="http://schemas.microsoft.com/office/drawing/2014/main" id="{9093A0D3-1765-4108-A94E-07B0FF3A370A}"/>
+                <a16:creationId xmlns:a16="http://schemas.microsoft.com/office/drawing/2014/main" xmlns="" id="{9093A0D3-1765-4108-A94E-07B0FF3A370A}"/>
               </a:ext>
             </a:extLst>
           </p:cNvPr>
@@ -299,7 +651,7 @@
           <p:cNvPr id="6" name="Slide Number Placeholder 5">
             <a:extLst>
               <a:ext uri="{FF2B5EF4-FFF2-40B4-BE49-F238E27FC236}">
-                <a16:creationId xmlns="" xmlns:a16="http://schemas.microsoft.com/office/drawing/2014/main" id="{BBEE6466-E14E-40C1-8D6D-FB55A4D1E6CC}"/>
+                <a16:creationId xmlns:a16="http://schemas.microsoft.com/office/drawing/2014/main" xmlns="" id="{BBEE6466-E14E-40C1-8D6D-FB55A4D1E6CC}"/>
               </a:ext>
             </a:extLst>
           </p:cNvPr>
@@ -358,7 +710,7 @@
           <p:cNvPr id="2" name="Title 1">
             <a:extLst>
               <a:ext uri="{FF2B5EF4-FFF2-40B4-BE49-F238E27FC236}">
-                <a16:creationId xmlns="" xmlns:a16="http://schemas.microsoft.com/office/drawing/2014/main" id="{3441B9A0-CD69-455F-8486-E3C12794F21B}"/>
+                <a16:creationId xmlns:a16="http://schemas.microsoft.com/office/drawing/2014/main" xmlns="" id="{3441B9A0-CD69-455F-8486-E3C12794F21B}"/>
               </a:ext>
             </a:extLst>
           </p:cNvPr>
@@ -386,7 +738,7 @@
           <p:cNvPr id="3" name="Vertical Text Placeholder 2">
             <a:extLst>
               <a:ext uri="{FF2B5EF4-FFF2-40B4-BE49-F238E27FC236}">
-                <a16:creationId xmlns="" xmlns:a16="http://schemas.microsoft.com/office/drawing/2014/main" id="{0F1CBFAC-1874-4173-A8EA-3D7C51176813}"/>
+                <a16:creationId xmlns:a16="http://schemas.microsoft.com/office/drawing/2014/main" xmlns="" id="{0F1CBFAC-1874-4173-A8EA-3D7C51176813}"/>
               </a:ext>
             </a:extLst>
           </p:cNvPr>
@@ -443,7 +795,7 @@
           <p:cNvPr id="4" name="Date Placeholder 3">
             <a:extLst>
               <a:ext uri="{FF2B5EF4-FFF2-40B4-BE49-F238E27FC236}">
-                <a16:creationId xmlns="" xmlns:a16="http://schemas.microsoft.com/office/drawing/2014/main" id="{41B43BDF-7D54-464C-A607-5D559490D219}"/>
+                <a16:creationId xmlns:a16="http://schemas.microsoft.com/office/drawing/2014/main" xmlns="" id="{41B43BDF-7D54-464C-A607-5D559490D219}"/>
               </a:ext>
             </a:extLst>
           </p:cNvPr>
@@ -472,7 +824,7 @@
           <p:cNvPr id="5" name="Footer Placeholder 4">
             <a:extLst>
               <a:ext uri="{FF2B5EF4-FFF2-40B4-BE49-F238E27FC236}">
-                <a16:creationId xmlns="" xmlns:a16="http://schemas.microsoft.com/office/drawing/2014/main" id="{815C0A64-BD3C-41F7-A078-7BF787C9519B}"/>
+                <a16:creationId xmlns:a16="http://schemas.microsoft.com/office/drawing/2014/main" xmlns="" id="{815C0A64-BD3C-41F7-A078-7BF787C9519B}"/>
               </a:ext>
             </a:extLst>
           </p:cNvPr>
@@ -497,7 +849,7 @@
           <p:cNvPr id="6" name="Slide Number Placeholder 5">
             <a:extLst>
               <a:ext uri="{FF2B5EF4-FFF2-40B4-BE49-F238E27FC236}">
-                <a16:creationId xmlns="" xmlns:a16="http://schemas.microsoft.com/office/drawing/2014/main" id="{31BAC790-D052-4932-93D2-F70625E45F16}"/>
+                <a16:creationId xmlns:a16="http://schemas.microsoft.com/office/drawing/2014/main" xmlns="" id="{31BAC790-D052-4932-93D2-F70625E45F16}"/>
               </a:ext>
             </a:extLst>
           </p:cNvPr>
@@ -556,7 +908,7 @@
           <p:cNvPr id="2" name="Vertical Title 1">
             <a:extLst>
               <a:ext uri="{FF2B5EF4-FFF2-40B4-BE49-F238E27FC236}">
-                <a16:creationId xmlns="" xmlns:a16="http://schemas.microsoft.com/office/drawing/2014/main" id="{7D6D5398-9D42-45EE-B30C-48662918C5EB}"/>
+                <a16:creationId xmlns:a16="http://schemas.microsoft.com/office/drawing/2014/main" xmlns="" id="{7D6D5398-9D42-45EE-B30C-48662918C5EB}"/>
               </a:ext>
             </a:extLst>
           </p:cNvPr>
@@ -589,7 +941,7 @@
           <p:cNvPr id="3" name="Vertical Text Placeholder 2">
             <a:extLst>
               <a:ext uri="{FF2B5EF4-FFF2-40B4-BE49-F238E27FC236}">
-                <a16:creationId xmlns="" xmlns:a16="http://schemas.microsoft.com/office/drawing/2014/main" id="{53F5FE00-83BF-468E-8A5D-85CB08447ADD}"/>
+                <a16:creationId xmlns:a16="http://schemas.microsoft.com/office/drawing/2014/main" xmlns="" id="{53F5FE00-83BF-468E-8A5D-85CB08447ADD}"/>
               </a:ext>
             </a:extLst>
           </p:cNvPr>
@@ -651,7 +1003,7 @@
           <p:cNvPr id="4" name="Date Placeholder 3">
             <a:extLst>
               <a:ext uri="{FF2B5EF4-FFF2-40B4-BE49-F238E27FC236}">
-                <a16:creationId xmlns="" xmlns:a16="http://schemas.microsoft.com/office/drawing/2014/main" id="{78B46900-C337-492F-B9A1-A2466EC01C66}"/>
+                <a16:creationId xmlns:a16="http://schemas.microsoft.com/office/drawing/2014/main" xmlns="" id="{78B46900-C337-492F-B9A1-A2466EC01C66}"/>
               </a:ext>
             </a:extLst>
           </p:cNvPr>
@@ -680,7 +1032,7 @@
           <p:cNvPr id="5" name="Footer Placeholder 4">
             <a:extLst>
               <a:ext uri="{FF2B5EF4-FFF2-40B4-BE49-F238E27FC236}">
-                <a16:creationId xmlns="" xmlns:a16="http://schemas.microsoft.com/office/drawing/2014/main" id="{01829488-2759-4D72-AF11-30700F0B6423}"/>
+                <a16:creationId xmlns:a16="http://schemas.microsoft.com/office/drawing/2014/main" xmlns="" id="{01829488-2759-4D72-AF11-30700F0B6423}"/>
               </a:ext>
             </a:extLst>
           </p:cNvPr>
@@ -705,7 +1057,7 @@
           <p:cNvPr id="6" name="Slide Number Placeholder 5">
             <a:extLst>
               <a:ext uri="{FF2B5EF4-FFF2-40B4-BE49-F238E27FC236}">
-                <a16:creationId xmlns="" xmlns:a16="http://schemas.microsoft.com/office/drawing/2014/main" id="{49473AE6-A249-420A-B9A3-73B5794891AA}"/>
+                <a16:creationId xmlns:a16="http://schemas.microsoft.com/office/drawing/2014/main" xmlns="" id="{49473AE6-A249-420A-B9A3-73B5794891AA}"/>
               </a:ext>
             </a:extLst>
           </p:cNvPr>
@@ -764,7 +1116,7 @@
           <p:cNvPr id="2" name="Title 1">
             <a:extLst>
               <a:ext uri="{FF2B5EF4-FFF2-40B4-BE49-F238E27FC236}">
-                <a16:creationId xmlns="" xmlns:a16="http://schemas.microsoft.com/office/drawing/2014/main" id="{636EBBA3-0858-4170-B5F1-96F7A871B6AC}"/>
+                <a16:creationId xmlns:a16="http://schemas.microsoft.com/office/drawing/2014/main" xmlns="" id="{636EBBA3-0858-4170-B5F1-96F7A871B6AC}"/>
               </a:ext>
             </a:extLst>
           </p:cNvPr>
@@ -792,7 +1144,7 @@
           <p:cNvPr id="3" name="Content Placeholder 2">
             <a:extLst>
               <a:ext uri="{FF2B5EF4-FFF2-40B4-BE49-F238E27FC236}">
-                <a16:creationId xmlns="" xmlns:a16="http://schemas.microsoft.com/office/drawing/2014/main" id="{E8AF0339-19D7-4CB1-987C-723AA5F58D1C}"/>
+                <a16:creationId xmlns:a16="http://schemas.microsoft.com/office/drawing/2014/main" xmlns="" id="{E8AF0339-19D7-4CB1-987C-723AA5F58D1C}"/>
               </a:ext>
             </a:extLst>
           </p:cNvPr>
@@ -849,7 +1201,7 @@
           <p:cNvPr id="4" name="Date Placeholder 3">
             <a:extLst>
               <a:ext uri="{FF2B5EF4-FFF2-40B4-BE49-F238E27FC236}">
-                <a16:creationId xmlns="" xmlns:a16="http://schemas.microsoft.com/office/drawing/2014/main" id="{105C7BDF-0320-4E46-92CE-20A0B751C8E5}"/>
+                <a16:creationId xmlns:a16="http://schemas.microsoft.com/office/drawing/2014/main" xmlns="" id="{105C7BDF-0320-4E46-92CE-20A0B751C8E5}"/>
               </a:ext>
             </a:extLst>
           </p:cNvPr>
@@ -878,7 +1230,7 @@
           <p:cNvPr id="5" name="Footer Placeholder 4">
             <a:extLst>
               <a:ext uri="{FF2B5EF4-FFF2-40B4-BE49-F238E27FC236}">
-                <a16:creationId xmlns="" xmlns:a16="http://schemas.microsoft.com/office/drawing/2014/main" id="{49E6C298-9099-4C1C-9AE2-0C6970A3B116}"/>
+                <a16:creationId xmlns:a16="http://schemas.microsoft.com/office/drawing/2014/main" xmlns="" id="{49E6C298-9099-4C1C-9AE2-0C6970A3B116}"/>
               </a:ext>
             </a:extLst>
           </p:cNvPr>
@@ -903,7 +1255,7 @@
           <p:cNvPr id="6" name="Slide Number Placeholder 5">
             <a:extLst>
               <a:ext uri="{FF2B5EF4-FFF2-40B4-BE49-F238E27FC236}">
-                <a16:creationId xmlns="" xmlns:a16="http://schemas.microsoft.com/office/drawing/2014/main" id="{DEED56BA-1147-433A-A78F-E2EF277FD1BF}"/>
+                <a16:creationId xmlns:a16="http://schemas.microsoft.com/office/drawing/2014/main" xmlns="" id="{DEED56BA-1147-433A-A78F-E2EF277FD1BF}"/>
               </a:ext>
             </a:extLst>
           </p:cNvPr>
@@ -962,7 +1314,7 @@
           <p:cNvPr id="2" name="Title 1">
             <a:extLst>
               <a:ext uri="{FF2B5EF4-FFF2-40B4-BE49-F238E27FC236}">
-                <a16:creationId xmlns="" xmlns:a16="http://schemas.microsoft.com/office/drawing/2014/main" id="{5870C7C9-FE25-432A-8B65-892C086A3D52}"/>
+                <a16:creationId xmlns:a16="http://schemas.microsoft.com/office/drawing/2014/main" xmlns="" id="{5870C7C9-FE25-432A-8B65-892C086A3D52}"/>
               </a:ext>
             </a:extLst>
           </p:cNvPr>
@@ -999,7 +1351,7 @@
           <p:cNvPr id="3" name="Text Placeholder 2">
             <a:extLst>
               <a:ext uri="{FF2B5EF4-FFF2-40B4-BE49-F238E27FC236}">
-                <a16:creationId xmlns="" xmlns:a16="http://schemas.microsoft.com/office/drawing/2014/main" id="{39E16436-83E5-4041-85E3-91B8EB42B7F9}"/>
+                <a16:creationId xmlns:a16="http://schemas.microsoft.com/office/drawing/2014/main" xmlns="" id="{39E16436-83E5-4041-85E3-91B8EB42B7F9}"/>
               </a:ext>
             </a:extLst>
           </p:cNvPr>
@@ -1124,7 +1476,7 @@
           <p:cNvPr id="4" name="Date Placeholder 3">
             <a:extLst>
               <a:ext uri="{FF2B5EF4-FFF2-40B4-BE49-F238E27FC236}">
-                <a16:creationId xmlns="" xmlns:a16="http://schemas.microsoft.com/office/drawing/2014/main" id="{58F12D70-0E0E-469A-A274-38C4E51F6898}"/>
+                <a16:creationId xmlns:a16="http://schemas.microsoft.com/office/drawing/2014/main" xmlns="" id="{58F12D70-0E0E-469A-A274-38C4E51F6898}"/>
               </a:ext>
             </a:extLst>
           </p:cNvPr>
@@ -1153,7 +1505,7 @@
           <p:cNvPr id="5" name="Footer Placeholder 4">
             <a:extLst>
               <a:ext uri="{FF2B5EF4-FFF2-40B4-BE49-F238E27FC236}">
-                <a16:creationId xmlns="" xmlns:a16="http://schemas.microsoft.com/office/drawing/2014/main" id="{965F2E3F-33DC-40BC-ADD9-4A09A2E53B1F}"/>
+                <a16:creationId xmlns:a16="http://schemas.microsoft.com/office/drawing/2014/main" xmlns="" id="{965F2E3F-33DC-40BC-ADD9-4A09A2E53B1F}"/>
               </a:ext>
             </a:extLst>
           </p:cNvPr>
@@ -1178,7 +1530,7 @@
           <p:cNvPr id="6" name="Slide Number Placeholder 5">
             <a:extLst>
               <a:ext uri="{FF2B5EF4-FFF2-40B4-BE49-F238E27FC236}">
-                <a16:creationId xmlns="" xmlns:a16="http://schemas.microsoft.com/office/drawing/2014/main" id="{4CC0ED01-5633-4451-A785-6F9C3EDBBE5A}"/>
+                <a16:creationId xmlns:a16="http://schemas.microsoft.com/office/drawing/2014/main" xmlns="" id="{4CC0ED01-5633-4451-A785-6F9C3EDBBE5A}"/>
               </a:ext>
             </a:extLst>
           </p:cNvPr>
@@ -1237,7 +1589,7 @@
           <p:cNvPr id="2" name="Title 1">
             <a:extLst>
               <a:ext uri="{FF2B5EF4-FFF2-40B4-BE49-F238E27FC236}">
-                <a16:creationId xmlns="" xmlns:a16="http://schemas.microsoft.com/office/drawing/2014/main" id="{1D7590EE-8993-4CF2-9EE1-766CB726A437}"/>
+                <a16:creationId xmlns:a16="http://schemas.microsoft.com/office/drawing/2014/main" xmlns="" id="{1D7590EE-8993-4CF2-9EE1-766CB726A437}"/>
               </a:ext>
             </a:extLst>
           </p:cNvPr>
@@ -1265,7 +1617,7 @@
           <p:cNvPr id="3" name="Content Placeholder 2">
             <a:extLst>
               <a:ext uri="{FF2B5EF4-FFF2-40B4-BE49-F238E27FC236}">
-                <a16:creationId xmlns="" xmlns:a16="http://schemas.microsoft.com/office/drawing/2014/main" id="{A9D1B92D-B9B0-495E-8421-8699364BEA5E}"/>
+                <a16:creationId xmlns:a16="http://schemas.microsoft.com/office/drawing/2014/main" xmlns="" id="{A9D1B92D-B9B0-495E-8421-8699364BEA5E}"/>
               </a:ext>
             </a:extLst>
           </p:cNvPr>
@@ -1327,7 +1679,7 @@
           <p:cNvPr id="4" name="Content Placeholder 3">
             <a:extLst>
               <a:ext uri="{FF2B5EF4-FFF2-40B4-BE49-F238E27FC236}">
-                <a16:creationId xmlns="" xmlns:a16="http://schemas.microsoft.com/office/drawing/2014/main" id="{2CB49FF5-1C04-4913-9299-5009BE1375B9}"/>
+                <a16:creationId xmlns:a16="http://schemas.microsoft.com/office/drawing/2014/main" xmlns="" id="{2CB49FF5-1C04-4913-9299-5009BE1375B9}"/>
               </a:ext>
             </a:extLst>
           </p:cNvPr>
@@ -1389,7 +1741,7 @@
           <p:cNvPr id="5" name="Date Placeholder 4">
             <a:extLst>
               <a:ext uri="{FF2B5EF4-FFF2-40B4-BE49-F238E27FC236}">
-                <a16:creationId xmlns="" xmlns:a16="http://schemas.microsoft.com/office/drawing/2014/main" id="{4A879E94-9B41-49FF-8370-B6F75DA0E7B7}"/>
+                <a16:creationId xmlns:a16="http://schemas.microsoft.com/office/drawing/2014/main" xmlns="" id="{4A879E94-9B41-49FF-8370-B6F75DA0E7B7}"/>
               </a:ext>
             </a:extLst>
           </p:cNvPr>
@@ -1418,7 +1770,7 @@
           <p:cNvPr id="6" name="Footer Placeholder 5">
             <a:extLst>
               <a:ext uri="{FF2B5EF4-FFF2-40B4-BE49-F238E27FC236}">
-                <a16:creationId xmlns="" xmlns:a16="http://schemas.microsoft.com/office/drawing/2014/main" id="{6C7042AD-81CF-4B38-983A-38AD85A09111}"/>
+                <a16:creationId xmlns:a16="http://schemas.microsoft.com/office/drawing/2014/main" xmlns="" id="{6C7042AD-81CF-4B38-983A-38AD85A09111}"/>
               </a:ext>
             </a:extLst>
           </p:cNvPr>
@@ -1443,7 +1795,7 @@
           <p:cNvPr id="7" name="Slide Number Placeholder 6">
             <a:extLst>
               <a:ext uri="{FF2B5EF4-FFF2-40B4-BE49-F238E27FC236}">
-                <a16:creationId xmlns="" xmlns:a16="http://schemas.microsoft.com/office/drawing/2014/main" id="{BFF959D2-9EAE-48F1-9AA5-609D2975D6E5}"/>
+                <a16:creationId xmlns:a16="http://schemas.microsoft.com/office/drawing/2014/main" xmlns="" id="{BFF959D2-9EAE-48F1-9AA5-609D2975D6E5}"/>
               </a:ext>
             </a:extLst>
           </p:cNvPr>
@@ -1502,7 +1854,7 @@
           <p:cNvPr id="2" name="Title 1">
             <a:extLst>
               <a:ext uri="{FF2B5EF4-FFF2-40B4-BE49-F238E27FC236}">
-                <a16:creationId xmlns="" xmlns:a16="http://schemas.microsoft.com/office/drawing/2014/main" id="{AA7AEB2D-7CA8-4B2B-90B0-B81D5A10EF99}"/>
+                <a16:creationId xmlns:a16="http://schemas.microsoft.com/office/drawing/2014/main" xmlns="" id="{AA7AEB2D-7CA8-4B2B-90B0-B81D5A10EF99}"/>
               </a:ext>
             </a:extLst>
           </p:cNvPr>
@@ -1535,7 +1887,7 @@
           <p:cNvPr id="3" name="Text Placeholder 2">
             <a:extLst>
               <a:ext uri="{FF2B5EF4-FFF2-40B4-BE49-F238E27FC236}">
-                <a16:creationId xmlns="" xmlns:a16="http://schemas.microsoft.com/office/drawing/2014/main" id="{9B9729B8-35A8-42AA-B025-BCE988F94FD4}"/>
+                <a16:creationId xmlns:a16="http://schemas.microsoft.com/office/drawing/2014/main" xmlns="" id="{9B9729B8-35A8-42AA-B025-BCE988F94FD4}"/>
               </a:ext>
             </a:extLst>
           </p:cNvPr>
@@ -1606,7 +1958,7 @@
           <p:cNvPr id="4" name="Content Placeholder 3">
             <a:extLst>
               <a:ext uri="{FF2B5EF4-FFF2-40B4-BE49-F238E27FC236}">
-                <a16:creationId xmlns="" xmlns:a16="http://schemas.microsoft.com/office/drawing/2014/main" id="{71F550A3-98DB-40E5-A5C2-7EF79187C6CA}"/>
+                <a16:creationId xmlns:a16="http://schemas.microsoft.com/office/drawing/2014/main" xmlns="" id="{71F550A3-98DB-40E5-A5C2-7EF79187C6CA}"/>
               </a:ext>
             </a:extLst>
           </p:cNvPr>
@@ -1668,7 +2020,7 @@
           <p:cNvPr id="5" name="Text Placeholder 4">
             <a:extLst>
               <a:ext uri="{FF2B5EF4-FFF2-40B4-BE49-F238E27FC236}">
-                <a16:creationId xmlns="" xmlns:a16="http://schemas.microsoft.com/office/drawing/2014/main" id="{81CBD858-6E5F-415C-B90E-4FA66E7A55CD}"/>
+                <a16:creationId xmlns:a16="http://schemas.microsoft.com/office/drawing/2014/main" xmlns="" id="{81CBD858-6E5F-415C-B90E-4FA66E7A55CD}"/>
               </a:ext>
             </a:extLst>
           </p:cNvPr>
@@ -1739,7 +2091,7 @@
           <p:cNvPr id="6" name="Content Placeholder 5">
             <a:extLst>
               <a:ext uri="{FF2B5EF4-FFF2-40B4-BE49-F238E27FC236}">
-                <a16:creationId xmlns="" xmlns:a16="http://schemas.microsoft.com/office/drawing/2014/main" id="{E9269F83-DA45-46E9-A437-E813C2C8C387}"/>
+                <a16:creationId xmlns:a16="http://schemas.microsoft.com/office/drawing/2014/main" xmlns="" id="{E9269F83-DA45-46E9-A437-E813C2C8C387}"/>
               </a:ext>
             </a:extLst>
           </p:cNvPr>
@@ -1801,7 +2153,7 @@
           <p:cNvPr id="7" name="Date Placeholder 6">
             <a:extLst>
               <a:ext uri="{FF2B5EF4-FFF2-40B4-BE49-F238E27FC236}">
-                <a16:creationId xmlns="" xmlns:a16="http://schemas.microsoft.com/office/drawing/2014/main" id="{C7F23E19-2379-42B1-9432-0356FAA7A5B5}"/>
+                <a16:creationId xmlns:a16="http://schemas.microsoft.com/office/drawing/2014/main" xmlns="" id="{C7F23E19-2379-42B1-9432-0356FAA7A5B5}"/>
               </a:ext>
             </a:extLst>
           </p:cNvPr>
@@ -1830,7 +2182,7 @@
           <p:cNvPr id="8" name="Footer Placeholder 7">
             <a:extLst>
               <a:ext uri="{FF2B5EF4-FFF2-40B4-BE49-F238E27FC236}">
-                <a16:creationId xmlns="" xmlns:a16="http://schemas.microsoft.com/office/drawing/2014/main" id="{E8A47602-5B06-4D94-9FFA-E96CB70561AE}"/>
+                <a16:creationId xmlns:a16="http://schemas.microsoft.com/office/drawing/2014/main" xmlns="" id="{E8A47602-5B06-4D94-9FFA-E96CB70561AE}"/>
               </a:ext>
             </a:extLst>
           </p:cNvPr>
@@ -1855,7 +2207,7 @@
           <p:cNvPr id="9" name="Slide Number Placeholder 8">
             <a:extLst>
               <a:ext uri="{FF2B5EF4-FFF2-40B4-BE49-F238E27FC236}">
-                <a16:creationId xmlns="" xmlns:a16="http://schemas.microsoft.com/office/drawing/2014/main" id="{B2C6EFE3-7759-4652-A3EE-6F3E784EE17B}"/>
+                <a16:creationId xmlns:a16="http://schemas.microsoft.com/office/drawing/2014/main" xmlns="" id="{B2C6EFE3-7759-4652-A3EE-6F3E784EE17B}"/>
               </a:ext>
             </a:extLst>
           </p:cNvPr>
@@ -1914,7 +2266,7 @@
           <p:cNvPr id="2" name="Title 1">
             <a:extLst>
               <a:ext uri="{FF2B5EF4-FFF2-40B4-BE49-F238E27FC236}">
-                <a16:creationId xmlns="" xmlns:a16="http://schemas.microsoft.com/office/drawing/2014/main" id="{4BB8BCD7-7607-4567-B2A3-5F1A1A229357}"/>
+                <a16:creationId xmlns:a16="http://schemas.microsoft.com/office/drawing/2014/main" xmlns="" id="{4BB8BCD7-7607-4567-B2A3-5F1A1A229357}"/>
               </a:ext>
             </a:extLst>
           </p:cNvPr>
@@ -1942,7 +2294,7 @@
           <p:cNvPr id="3" name="Date Placeholder 2">
             <a:extLst>
               <a:ext uri="{FF2B5EF4-FFF2-40B4-BE49-F238E27FC236}">
-                <a16:creationId xmlns="" xmlns:a16="http://schemas.microsoft.com/office/drawing/2014/main" id="{E1DE417B-4B18-4838-AC31-998ACFCBCAA7}"/>
+                <a16:creationId xmlns:a16="http://schemas.microsoft.com/office/drawing/2014/main" xmlns="" id="{E1DE417B-4B18-4838-AC31-998ACFCBCAA7}"/>
               </a:ext>
             </a:extLst>
           </p:cNvPr>
@@ -1971,7 +2323,7 @@
           <p:cNvPr id="4" name="Footer Placeholder 3">
             <a:extLst>
               <a:ext uri="{FF2B5EF4-FFF2-40B4-BE49-F238E27FC236}">
-                <a16:creationId xmlns="" xmlns:a16="http://schemas.microsoft.com/office/drawing/2014/main" id="{BE50AB40-62F0-4B90-8E3D-4B822DCC784B}"/>
+                <a16:creationId xmlns:a16="http://schemas.microsoft.com/office/drawing/2014/main" xmlns="" id="{BE50AB40-62F0-4B90-8E3D-4B822DCC784B}"/>
               </a:ext>
             </a:extLst>
           </p:cNvPr>
@@ -1996,7 +2348,7 @@
           <p:cNvPr id="5" name="Slide Number Placeholder 4">
             <a:extLst>
               <a:ext uri="{FF2B5EF4-FFF2-40B4-BE49-F238E27FC236}">
-                <a16:creationId xmlns="" xmlns:a16="http://schemas.microsoft.com/office/drawing/2014/main" id="{62927E35-F295-43DB-98C9-05D560F2AD15}"/>
+                <a16:creationId xmlns:a16="http://schemas.microsoft.com/office/drawing/2014/main" xmlns="" id="{62927E35-F295-43DB-98C9-05D560F2AD15}"/>
               </a:ext>
             </a:extLst>
           </p:cNvPr>
@@ -2055,7 +2407,7 @@
           <p:cNvPr id="2" name="Date Placeholder 1">
             <a:extLst>
               <a:ext uri="{FF2B5EF4-FFF2-40B4-BE49-F238E27FC236}">
-                <a16:creationId xmlns="" xmlns:a16="http://schemas.microsoft.com/office/drawing/2014/main" id="{449C00D3-3D8E-4948-A7AA-1B8664730671}"/>
+                <a16:creationId xmlns:a16="http://schemas.microsoft.com/office/drawing/2014/main" xmlns="" id="{449C00D3-3D8E-4948-A7AA-1B8664730671}"/>
               </a:ext>
             </a:extLst>
           </p:cNvPr>
@@ -2084,7 +2436,7 @@
           <p:cNvPr id="3" name="Footer Placeholder 2">
             <a:extLst>
               <a:ext uri="{FF2B5EF4-FFF2-40B4-BE49-F238E27FC236}">
-                <a16:creationId xmlns="" xmlns:a16="http://schemas.microsoft.com/office/drawing/2014/main" id="{2CF29D71-F1D2-4D10-A5E6-49BAFAE1F1BE}"/>
+                <a16:creationId xmlns:a16="http://schemas.microsoft.com/office/drawing/2014/main" xmlns="" id="{2CF29D71-F1D2-4D10-A5E6-49BAFAE1F1BE}"/>
               </a:ext>
             </a:extLst>
           </p:cNvPr>
@@ -2109,7 +2461,7 @@
           <p:cNvPr id="4" name="Slide Number Placeholder 3">
             <a:extLst>
               <a:ext uri="{FF2B5EF4-FFF2-40B4-BE49-F238E27FC236}">
-                <a16:creationId xmlns="" xmlns:a16="http://schemas.microsoft.com/office/drawing/2014/main" id="{FF2AF9ED-276F-49A9-A29D-7C8808CDE4B8}"/>
+                <a16:creationId xmlns:a16="http://schemas.microsoft.com/office/drawing/2014/main" xmlns="" id="{FF2AF9ED-276F-49A9-A29D-7C8808CDE4B8}"/>
               </a:ext>
             </a:extLst>
           </p:cNvPr>
@@ -2168,7 +2520,7 @@
           <p:cNvPr id="2" name="Title 1">
             <a:extLst>
               <a:ext uri="{FF2B5EF4-FFF2-40B4-BE49-F238E27FC236}">
-                <a16:creationId xmlns="" xmlns:a16="http://schemas.microsoft.com/office/drawing/2014/main" id="{89DDD25C-E8F2-44FD-A989-6187190993D4}"/>
+                <a16:creationId xmlns:a16="http://schemas.microsoft.com/office/drawing/2014/main" xmlns="" id="{89DDD25C-E8F2-44FD-A989-6187190993D4}"/>
               </a:ext>
             </a:extLst>
           </p:cNvPr>
@@ -2205,7 +2557,7 @@
           <p:cNvPr id="3" name="Content Placeholder 2">
             <a:extLst>
               <a:ext uri="{FF2B5EF4-FFF2-40B4-BE49-F238E27FC236}">
-                <a16:creationId xmlns="" xmlns:a16="http://schemas.microsoft.com/office/drawing/2014/main" id="{12AC9D67-11FE-4C31-9D75-EC3FBFB4E022}"/>
+                <a16:creationId xmlns:a16="http://schemas.microsoft.com/office/drawing/2014/main" xmlns="" id="{12AC9D67-11FE-4C31-9D75-EC3FBFB4E022}"/>
               </a:ext>
             </a:extLst>
           </p:cNvPr>
@@ -2295,7 +2647,7 @@
           <p:cNvPr id="4" name="Text Placeholder 3">
             <a:extLst>
               <a:ext uri="{FF2B5EF4-FFF2-40B4-BE49-F238E27FC236}">
-                <a16:creationId xmlns="" xmlns:a16="http://schemas.microsoft.com/office/drawing/2014/main" id="{8F66CCBE-981E-4829-AEAA-E4D7B51D74EB}"/>
+                <a16:creationId xmlns:a16="http://schemas.microsoft.com/office/drawing/2014/main" xmlns="" id="{8F66CCBE-981E-4829-AEAA-E4D7B51D74EB}"/>
               </a:ext>
             </a:extLst>
           </p:cNvPr>
@@ -2366,7 +2718,7 @@
           <p:cNvPr id="5" name="Date Placeholder 4">
             <a:extLst>
               <a:ext uri="{FF2B5EF4-FFF2-40B4-BE49-F238E27FC236}">
-                <a16:creationId xmlns="" xmlns:a16="http://schemas.microsoft.com/office/drawing/2014/main" id="{59871372-F285-474A-9B7F-10D59B9B8681}"/>
+                <a16:creationId xmlns:a16="http://schemas.microsoft.com/office/drawing/2014/main" xmlns="" id="{59871372-F285-474A-9B7F-10D59B9B8681}"/>
               </a:ext>
             </a:extLst>
           </p:cNvPr>
@@ -2395,7 +2747,7 @@
           <p:cNvPr id="6" name="Footer Placeholder 5">
             <a:extLst>
               <a:ext uri="{FF2B5EF4-FFF2-40B4-BE49-F238E27FC236}">
-                <a16:creationId xmlns="" xmlns:a16="http://schemas.microsoft.com/office/drawing/2014/main" id="{BD895AE8-C1D1-4F73-8515-60AB8D70B8A5}"/>
+                <a16:creationId xmlns:a16="http://schemas.microsoft.com/office/drawing/2014/main" xmlns="" id="{BD895AE8-C1D1-4F73-8515-60AB8D70B8A5}"/>
               </a:ext>
             </a:extLst>
           </p:cNvPr>
@@ -2420,7 +2772,7 @@
           <p:cNvPr id="7" name="Slide Number Placeholder 6">
             <a:extLst>
               <a:ext uri="{FF2B5EF4-FFF2-40B4-BE49-F238E27FC236}">
-                <a16:creationId xmlns="" xmlns:a16="http://schemas.microsoft.com/office/drawing/2014/main" id="{2742109D-6C94-4F3D-9716-F403010F114C}"/>
+                <a16:creationId xmlns:a16="http://schemas.microsoft.com/office/drawing/2014/main" xmlns="" id="{2742109D-6C94-4F3D-9716-F403010F114C}"/>
               </a:ext>
             </a:extLst>
           </p:cNvPr>
@@ -2479,7 +2831,7 @@
           <p:cNvPr id="2" name="Title 1">
             <a:extLst>
               <a:ext uri="{FF2B5EF4-FFF2-40B4-BE49-F238E27FC236}">
-                <a16:creationId xmlns="" xmlns:a16="http://schemas.microsoft.com/office/drawing/2014/main" id="{23BC5458-39D5-4D3C-B96C-7A8C19B1D7DA}"/>
+                <a16:creationId xmlns:a16="http://schemas.microsoft.com/office/drawing/2014/main" xmlns="" id="{23BC5458-39D5-4D3C-B96C-7A8C19B1D7DA}"/>
               </a:ext>
             </a:extLst>
           </p:cNvPr>
@@ -2516,7 +2868,7 @@
           <p:cNvPr id="3" name="Picture Placeholder 2">
             <a:extLst>
               <a:ext uri="{FF2B5EF4-FFF2-40B4-BE49-F238E27FC236}">
-                <a16:creationId xmlns="" xmlns:a16="http://schemas.microsoft.com/office/drawing/2014/main" id="{F860CD2F-477F-4DA2-B167-3259B479F407}"/>
+                <a16:creationId xmlns:a16="http://schemas.microsoft.com/office/drawing/2014/main" xmlns="" id="{F860CD2F-477F-4DA2-B167-3259B479F407}"/>
               </a:ext>
             </a:extLst>
           </p:cNvPr>
@@ -2583,7 +2935,7 @@
           <p:cNvPr id="4" name="Text Placeholder 3">
             <a:extLst>
               <a:ext uri="{FF2B5EF4-FFF2-40B4-BE49-F238E27FC236}">
-                <a16:creationId xmlns="" xmlns:a16="http://schemas.microsoft.com/office/drawing/2014/main" id="{B597A9C1-9B20-45BB-8BEE-6B139FCA1EC7}"/>
+                <a16:creationId xmlns:a16="http://schemas.microsoft.com/office/drawing/2014/main" xmlns="" id="{B597A9C1-9B20-45BB-8BEE-6B139FCA1EC7}"/>
               </a:ext>
             </a:extLst>
           </p:cNvPr>
@@ -2654,7 +3006,7 @@
           <p:cNvPr id="5" name="Date Placeholder 4">
             <a:extLst>
               <a:ext uri="{FF2B5EF4-FFF2-40B4-BE49-F238E27FC236}">
-                <a16:creationId xmlns="" xmlns:a16="http://schemas.microsoft.com/office/drawing/2014/main" id="{38F225AB-5CB6-435D-BB3C-92DC057B7F34}"/>
+                <a16:creationId xmlns:a16="http://schemas.microsoft.com/office/drawing/2014/main" xmlns="" id="{38F225AB-5CB6-435D-BB3C-92DC057B7F34}"/>
               </a:ext>
             </a:extLst>
           </p:cNvPr>
@@ -2683,7 +3035,7 @@
           <p:cNvPr id="6" name="Footer Placeholder 5">
             <a:extLst>
               <a:ext uri="{FF2B5EF4-FFF2-40B4-BE49-F238E27FC236}">
-                <a16:creationId xmlns="" xmlns:a16="http://schemas.microsoft.com/office/drawing/2014/main" id="{111A3D1A-1A14-47DF-A1CA-73B419A4A82B}"/>
+                <a16:creationId xmlns:a16="http://schemas.microsoft.com/office/drawing/2014/main" xmlns="" id="{111A3D1A-1A14-47DF-A1CA-73B419A4A82B}"/>
               </a:ext>
             </a:extLst>
           </p:cNvPr>
@@ -2708,7 +3060,7 @@
           <p:cNvPr id="7" name="Slide Number Placeholder 6">
             <a:extLst>
               <a:ext uri="{FF2B5EF4-FFF2-40B4-BE49-F238E27FC236}">
-                <a16:creationId xmlns="" xmlns:a16="http://schemas.microsoft.com/office/drawing/2014/main" id="{6CDC4581-00F3-4136-B393-B0E5A27EB3CF}"/>
+                <a16:creationId xmlns:a16="http://schemas.microsoft.com/office/drawing/2014/main" xmlns="" id="{6CDC4581-00F3-4136-B393-B0E5A27EB3CF}"/>
               </a:ext>
             </a:extLst>
           </p:cNvPr>
@@ -2772,7 +3124,7 @@
           <p:cNvPr id="2" name="Title Placeholder 1">
             <a:extLst>
               <a:ext uri="{FF2B5EF4-FFF2-40B4-BE49-F238E27FC236}">
-                <a16:creationId xmlns="" xmlns:a16="http://schemas.microsoft.com/office/drawing/2014/main" id="{F10FF845-D5A0-4888-89F1-5DADED7861EE}"/>
+                <a16:creationId xmlns:a16="http://schemas.microsoft.com/office/drawing/2014/main" xmlns="" id="{F10FF845-D5A0-4888-89F1-5DADED7861EE}"/>
               </a:ext>
             </a:extLst>
           </p:cNvPr>
@@ -2810,7 +3162,7 @@
           <p:cNvPr id="3" name="Text Placeholder 2">
             <a:extLst>
               <a:ext uri="{FF2B5EF4-FFF2-40B4-BE49-F238E27FC236}">
-                <a16:creationId xmlns="" xmlns:a16="http://schemas.microsoft.com/office/drawing/2014/main" id="{47620348-8076-4488-9383-169BF0597795}"/>
+                <a16:creationId xmlns:a16="http://schemas.microsoft.com/office/drawing/2014/main" xmlns="" id="{47620348-8076-4488-9383-169BF0597795}"/>
               </a:ext>
             </a:extLst>
           </p:cNvPr>
@@ -2877,7 +3229,7 @@
           <p:cNvPr id="4" name="Date Placeholder 3">
             <a:extLst>
               <a:ext uri="{FF2B5EF4-FFF2-40B4-BE49-F238E27FC236}">
-                <a16:creationId xmlns="" xmlns:a16="http://schemas.microsoft.com/office/drawing/2014/main" id="{C59FA5E2-2F7E-4924-A94D-30B9154828D0}"/>
+                <a16:creationId xmlns:a16="http://schemas.microsoft.com/office/drawing/2014/main" xmlns="" id="{C59FA5E2-2F7E-4924-A94D-30B9154828D0}"/>
               </a:ext>
             </a:extLst>
           </p:cNvPr>
@@ -2924,7 +3276,7 @@
           <p:cNvPr id="5" name="Footer Placeholder 4">
             <a:extLst>
               <a:ext uri="{FF2B5EF4-FFF2-40B4-BE49-F238E27FC236}">
-                <a16:creationId xmlns="" xmlns:a16="http://schemas.microsoft.com/office/drawing/2014/main" id="{16462D0F-0B77-4835-83B3-E95E02E30118}"/>
+                <a16:creationId xmlns:a16="http://schemas.microsoft.com/office/drawing/2014/main" xmlns="" id="{16462D0F-0B77-4835-83B3-E95E02E30118}"/>
               </a:ext>
             </a:extLst>
           </p:cNvPr>
@@ -2967,7 +3319,7 @@
           <p:cNvPr id="6" name="Slide Number Placeholder 5">
             <a:extLst>
               <a:ext uri="{FF2B5EF4-FFF2-40B4-BE49-F238E27FC236}">
-                <a16:creationId xmlns="" xmlns:a16="http://schemas.microsoft.com/office/drawing/2014/main" id="{F98223AF-3DB5-4F77-8223-E04E52B35EF8}"/>
+                <a16:creationId xmlns:a16="http://schemas.microsoft.com/office/drawing/2014/main" xmlns="" id="{F98223AF-3DB5-4F77-8223-E04E52B35EF8}"/>
               </a:ext>
             </a:extLst>
           </p:cNvPr>
@@ -3335,7 +3687,7 @@
           <p:cNvPr id="2" name="Title 1">
             <a:extLst>
               <a:ext uri="{FF2B5EF4-FFF2-40B4-BE49-F238E27FC236}">
-                <a16:creationId xmlns="" xmlns:a16="http://schemas.microsoft.com/office/drawing/2014/main" id="{0C0C91F7-C9D7-4E28-9A91-4923DC77BDC4}"/>
+                <a16:creationId xmlns:a16="http://schemas.microsoft.com/office/drawing/2014/main" xmlns="" id="{0C0C91F7-C9D7-4E28-9A91-4923DC77BDC4}"/>
               </a:ext>
             </a:extLst>
           </p:cNvPr>
@@ -3363,7 +3715,7 @@
           <p:cNvPr id="3" name="Subtitle 2">
             <a:extLst>
               <a:ext uri="{FF2B5EF4-FFF2-40B4-BE49-F238E27FC236}">
-                <a16:creationId xmlns="" xmlns:a16="http://schemas.microsoft.com/office/drawing/2014/main" id="{D762260D-D469-469F-B53B-A7BC30BCE9F3}"/>
+                <a16:creationId xmlns:a16="http://schemas.microsoft.com/office/drawing/2014/main" xmlns="" id="{D762260D-D469-469F-B53B-A7BC30BCE9F3}"/>
               </a:ext>
             </a:extLst>
           </p:cNvPr>
@@ -3413,44 +3765,9 @@
           <a:chExt cx="0" cy="0"/>
         </a:xfrm>
       </p:grpSpPr>
-      <p:pic>
-        <p:nvPicPr>
-          <p:cNvPr id="6" name="Picture 5">
-            <a:extLst>
-              <a:ext uri="{FF2B5EF4-FFF2-40B4-BE49-F238E27FC236}">
-                <a16:creationId xmlns="" xmlns:a16="http://schemas.microsoft.com/office/drawing/2014/main" id="{566A6B6E-4244-456E-8CE2-D5728C475B8C}"/>
-              </a:ext>
-            </a:extLst>
-          </p:cNvPr>
-          <p:cNvPicPr>
-            <a:picLocks noChangeAspect="1"/>
-          </p:cNvPicPr>
-          <p:nvPr/>
-        </p:nvPicPr>
-        <p:blipFill rotWithShape="1">
-          <a:blip r:embed="rId2"/>
-          <a:srcRect l="21640" r="20739" b="10463"/>
-          <a:stretch/>
-        </p:blipFill>
-        <p:spPr>
-          <a:xfrm>
-            <a:off x="9440062" y="1587175"/>
-            <a:ext cx="2130804" cy="2759182"/>
-          </a:xfrm>
-          <a:prstGeom prst="rect">
-            <a:avLst/>
-          </a:prstGeom>
-        </p:spPr>
-      </p:pic>
-      <p:sp>
-        <p:nvSpPr>
-          <p:cNvPr id="2" name="Title 1">
-            <a:extLst>
-              <a:ext uri="{FF2B5EF4-FFF2-40B4-BE49-F238E27FC236}">
-                <a16:creationId xmlns="" xmlns:a16="http://schemas.microsoft.com/office/drawing/2014/main" id="{311A6BE9-6C17-4897-9D97-E942C4BACE8E}"/>
-              </a:ext>
-            </a:extLst>
-          </p:cNvPr>
+      <p:sp>
+        <p:nvSpPr>
+          <p:cNvPr id="2" name="Title 1"/>
           <p:cNvSpPr>
             <a:spLocks noGrp="1"/>
           </p:cNvSpPr>
@@ -3460,463 +3777,105 @@
         </p:nvSpPr>
         <p:spPr/>
         <p:txBody>
-          <a:bodyPr>
-            <a:normAutofit/>
-          </a:bodyPr>
+          <a:bodyPr/>
           <a:lstStyle/>
           <a:p>
             <a:r>
-              <a:rPr lang="en-US" sz="4000" dirty="0"/>
-              <a:t>Tuned Stochastic Gradient Boosting (using </a:t>
-            </a:r>
-            <a:r>
-              <a:rPr lang="en-US" sz="4000" dirty="0" err="1"/>
-              <a:t>GridSearchCV</a:t>
-            </a:r>
-            <a:r>
-              <a:rPr lang="en-US" sz="4000" dirty="0"/>
-              <a:t>)</a:t>
-            </a:r>
-          </a:p>
-        </p:txBody>
-      </p:sp>
-      <p:sp>
-        <p:nvSpPr>
-          <p:cNvPr id="3" name="Content Placeholder 2">
-            <a:extLst>
-              <a:ext uri="{FF2B5EF4-FFF2-40B4-BE49-F238E27FC236}">
-                <a16:creationId xmlns="" xmlns:a16="http://schemas.microsoft.com/office/drawing/2014/main" id="{2A04DB55-EDC7-4FA2-90CF-E5F236F69ACE}"/>
-              </a:ext>
-            </a:extLst>
-          </p:cNvPr>
-          <p:cNvSpPr>
-            <a:spLocks noGrp="1"/>
-          </p:cNvSpPr>
+              <a:rPr lang="en-US" dirty="0" smtClean="0"/>
+              <a:t>Tree Based Model Comparison</a:t>
+            </a:r>
+            <a:endParaRPr lang="en-US" dirty="0"/>
+          </a:p>
+        </p:txBody>
+      </p:sp>
+      <p:graphicFrame>
+        <p:nvGraphicFramePr>
+          <p:cNvPr id="4" name="Content Placeholder 3"/>
+          <p:cNvGraphicFramePr>
+            <a:graphicFrameLocks noGrp="1"/>
+          </p:cNvGraphicFramePr>
           <p:nvPr>
             <p:ph idx="1"/>
+            <p:extLst>
+              <p:ext uri="{D42A27DB-BD31-4B8C-83A1-F6EECF244321}">
+                <p14:modId xmlns:p14="http://schemas.microsoft.com/office/powerpoint/2010/main" val="1186248643"/>
+              </p:ext>
+            </p:extLst>
           </p:nvPr>
-        </p:nvSpPr>
+        </p:nvGraphicFramePr>
+        <p:xfrm>
+          <a:off x="81643" y="1975757"/>
+          <a:ext cx="5513615" cy="4354286"/>
+        </p:xfrm>
+        <a:graphic>
+          <a:graphicData uri="http://schemas.openxmlformats.org/drawingml/2006/chart">
+            <c:chart xmlns:c="http://schemas.openxmlformats.org/drawingml/2006/chart" xmlns:r="http://schemas.openxmlformats.org/officeDocument/2006/relationships" r:id="rId2"/>
+          </a:graphicData>
+        </a:graphic>
+      </p:graphicFrame>
+      <p:graphicFrame>
+        <p:nvGraphicFramePr>
+          <p:cNvPr id="5" name="Chart 4"/>
+          <p:cNvGraphicFramePr/>
+          <p:nvPr>
+            <p:extLst>
+              <p:ext uri="{D42A27DB-BD31-4B8C-83A1-F6EECF244321}">
+                <p14:modId xmlns:p14="http://schemas.microsoft.com/office/powerpoint/2010/main" val="1504264208"/>
+              </p:ext>
+            </p:extLst>
+          </p:nvPr>
+        </p:nvGraphicFramePr>
+        <p:xfrm>
+          <a:off x="6123007" y="2058387"/>
+          <a:ext cx="5914868" cy="4280598"/>
+        </p:xfrm>
+        <a:graphic>
+          <a:graphicData uri="http://schemas.openxmlformats.org/drawingml/2006/chart">
+            <c:chart xmlns:c="http://schemas.openxmlformats.org/drawingml/2006/chart" xmlns:r="http://schemas.openxmlformats.org/officeDocument/2006/relationships" r:id="rId3"/>
+          </a:graphicData>
+        </a:graphic>
+      </p:graphicFrame>
+      <p:cxnSp>
+        <p:nvCxnSpPr>
+          <p:cNvPr id="7" name="Straight Connector 6"/>
+          <p:cNvCxnSpPr/>
+          <p:nvPr/>
+        </p:nvCxnSpPr>
         <p:spPr>
           <a:xfrm>
-            <a:off x="478972" y="1803423"/>
-            <a:ext cx="3004457" cy="3367159"/>
+            <a:off x="5764192" y="2280213"/>
+            <a:ext cx="0" cy="3437681"/>
           </a:xfrm>
-        </p:spPr>
-        <p:txBody>
-          <a:bodyPr/>
-          <a:lstStyle/>
-          <a:p>
-            <a:r>
-              <a:rPr lang="en-US" sz="2000" dirty="0"/>
-              <a:t>Best Parameters</a:t>
-            </a:r>
-          </a:p>
-          <a:p>
-            <a:pPr lvl="1"/>
-            <a:r>
-              <a:rPr lang="en-US" sz="1600" dirty="0"/>
-              <a:t>Trees: </a:t>
-            </a:r>
-            <a:r>
-              <a:rPr lang="en-US" sz="1600" dirty="0" smtClean="0"/>
-              <a:t>650</a:t>
-            </a:r>
-            <a:endParaRPr lang="en-US" sz="1600" dirty="0"/>
-          </a:p>
-          <a:p>
-            <a:pPr lvl="1"/>
-            <a:r>
-              <a:rPr lang="en-US" sz="1600" dirty="0"/>
-              <a:t>Learning Rate: </a:t>
-            </a:r>
-            <a:r>
-              <a:rPr lang="en-US" sz="1600" dirty="0" smtClean="0"/>
-              <a:t>0.05</a:t>
-            </a:r>
-            <a:endParaRPr lang="en-US" sz="1600" dirty="0"/>
-          </a:p>
-          <a:p>
-            <a:pPr lvl="1"/>
-            <a:r>
-              <a:rPr lang="en-US" sz="1600" dirty="0"/>
-              <a:t>Subsample = 2/3</a:t>
-            </a:r>
-          </a:p>
-          <a:p>
-            <a:r>
-              <a:rPr lang="en-US" sz="2000" dirty="0"/>
-              <a:t>R</a:t>
-            </a:r>
-            <a:r>
-              <a:rPr lang="en-US" sz="2000" baseline="30000" dirty="0"/>
-              <a:t>2</a:t>
-            </a:r>
-          </a:p>
-          <a:p>
-            <a:pPr lvl="1"/>
-            <a:r>
-              <a:rPr lang="en-US" sz="1600" dirty="0"/>
-              <a:t>Training: 99%</a:t>
-            </a:r>
-          </a:p>
-          <a:p>
-            <a:pPr lvl="1"/>
-            <a:r>
-              <a:rPr lang="en-US" sz="1600" dirty="0"/>
-              <a:t>Test: 93%</a:t>
-            </a:r>
-          </a:p>
-          <a:p>
-            <a:r>
-              <a:rPr lang="en-US" sz="2000" dirty="0"/>
-              <a:t>RMSE</a:t>
-            </a:r>
-          </a:p>
-          <a:p>
-            <a:pPr lvl="1"/>
-            <a:r>
-              <a:rPr lang="en-US" sz="1600" dirty="0"/>
-              <a:t>Training: .0454</a:t>
-            </a:r>
-          </a:p>
-          <a:p>
-            <a:pPr lvl="1"/>
-            <a:r>
-              <a:rPr lang="en-US" sz="1600" dirty="0"/>
-              <a:t>Test: .1036</a:t>
-            </a:r>
-          </a:p>
-          <a:p>
-            <a:endParaRPr lang="en-US" dirty="0"/>
-          </a:p>
-        </p:txBody>
-      </p:sp>
-      <p:pic>
-        <p:nvPicPr>
-          <p:cNvPr id="4" name="Picture 3">
-            <a:extLst>
-              <a:ext uri="{FF2B5EF4-FFF2-40B4-BE49-F238E27FC236}">
-                <a16:creationId xmlns="" xmlns:a16="http://schemas.microsoft.com/office/drawing/2014/main" id="{4CCE2B17-C66B-4A03-A63C-F0B2DDACC664}"/>
-              </a:ext>
-            </a:extLst>
-          </p:cNvPr>
-          <p:cNvPicPr>
-            <a:picLocks noChangeAspect="1"/>
-          </p:cNvPicPr>
-          <p:nvPr/>
-        </p:nvPicPr>
-        <p:blipFill rotWithShape="1">
-          <a:blip r:embed="rId3"/>
-          <a:srcRect l="37836" t="82116" r="46195"/>
-          <a:stretch/>
-        </p:blipFill>
-        <p:spPr>
-          <a:xfrm>
-            <a:off x="9440062" y="4346357"/>
-            <a:ext cx="2130804" cy="1988510"/>
-          </a:xfrm>
-          <a:prstGeom prst="rect">
+          <a:prstGeom prst="line">
             <a:avLst/>
           </a:prstGeom>
+          <a:ln>
+            <a:solidFill>
+              <a:schemeClr val="bg1">
+                <a:lumMod val="50000"/>
+              </a:schemeClr>
+            </a:solidFill>
+          </a:ln>
         </p:spPr>
-      </p:pic>
-      <p:sp>
-        <p:nvSpPr>
-          <p:cNvPr id="5" name="Content Placeholder 2">
-            <a:extLst>
-              <a:ext uri="{FF2B5EF4-FFF2-40B4-BE49-F238E27FC236}">
-                <a16:creationId xmlns="" xmlns:a16="http://schemas.microsoft.com/office/drawing/2014/main" id="{D9A464F3-D21B-4B8F-8651-40EF6D9DAAE5}"/>
-              </a:ext>
-            </a:extLst>
-          </p:cNvPr>
-          <p:cNvSpPr txBox="1">
-            <a:spLocks/>
-          </p:cNvSpPr>
-          <p:nvPr/>
-        </p:nvSpPr>
-        <p:spPr>
-          <a:xfrm>
-            <a:off x="838200" y="5340612"/>
-            <a:ext cx="9222996" cy="858852"/>
-          </a:xfrm>
-          <a:prstGeom prst="rect">
-            <a:avLst/>
-          </a:prstGeom>
-        </p:spPr>
-        <p:txBody>
-          <a:bodyPr vert="horz" lIns="91440" tIns="45720" rIns="91440" bIns="45720" rtlCol="0">
-            <a:normAutofit/>
-          </a:bodyPr>
-          <a:lstStyle>
-            <a:lvl1pPr marL="228600" indent="-228600" algn="l" defTabSz="914400" rtl="0" eaLnBrk="1" latinLnBrk="0" hangingPunct="1">
-              <a:lnSpc>
-                <a:spcPct val="90000"/>
-              </a:lnSpc>
-              <a:spcBef>
-                <a:spcPts val="1000"/>
-              </a:spcBef>
-              <a:buFont typeface="Arial" panose="020B0604020202020204" pitchFamily="34" charset="0"/>
-              <a:buChar char="•"/>
-              <a:defRPr sz="2800" kern="1200">
-                <a:solidFill>
-                  <a:schemeClr val="tx1"/>
-                </a:solidFill>
-                <a:latin typeface="+mn-lt"/>
-                <a:ea typeface="+mn-ea"/>
-                <a:cs typeface="+mn-cs"/>
-              </a:defRPr>
-            </a:lvl1pPr>
-            <a:lvl2pPr marL="685800" indent="-228600" algn="l" defTabSz="914400" rtl="0" eaLnBrk="1" latinLnBrk="0" hangingPunct="1">
-              <a:lnSpc>
-                <a:spcPct val="90000"/>
-              </a:lnSpc>
-              <a:spcBef>
-                <a:spcPts val="500"/>
-              </a:spcBef>
-              <a:buFont typeface="Arial" panose="020B0604020202020204" pitchFamily="34" charset="0"/>
-              <a:buChar char="•"/>
-              <a:defRPr sz="2400" kern="1200">
-                <a:solidFill>
-                  <a:schemeClr val="tx1"/>
-                </a:solidFill>
-                <a:latin typeface="+mn-lt"/>
-                <a:ea typeface="+mn-ea"/>
-                <a:cs typeface="+mn-cs"/>
-              </a:defRPr>
-            </a:lvl2pPr>
-            <a:lvl3pPr marL="1143000" indent="-228600" algn="l" defTabSz="914400" rtl="0" eaLnBrk="1" latinLnBrk="0" hangingPunct="1">
-              <a:lnSpc>
-                <a:spcPct val="90000"/>
-              </a:lnSpc>
-              <a:spcBef>
-                <a:spcPts val="500"/>
-              </a:spcBef>
-              <a:buFont typeface="Arial" panose="020B0604020202020204" pitchFamily="34" charset="0"/>
-              <a:buChar char="•"/>
-              <a:defRPr sz="2000" kern="1200">
-                <a:solidFill>
-                  <a:schemeClr val="tx1"/>
-                </a:solidFill>
-                <a:latin typeface="+mn-lt"/>
-                <a:ea typeface="+mn-ea"/>
-                <a:cs typeface="+mn-cs"/>
-              </a:defRPr>
-            </a:lvl3pPr>
-            <a:lvl4pPr marL="1600200" indent="-228600" algn="l" defTabSz="914400" rtl="0" eaLnBrk="1" latinLnBrk="0" hangingPunct="1">
-              <a:lnSpc>
-                <a:spcPct val="90000"/>
-              </a:lnSpc>
-              <a:spcBef>
-                <a:spcPts val="500"/>
-              </a:spcBef>
-              <a:buFont typeface="Arial" panose="020B0604020202020204" pitchFamily="34" charset="0"/>
-              <a:buChar char="•"/>
-              <a:defRPr sz="1800" kern="1200">
-                <a:solidFill>
-                  <a:schemeClr val="tx1"/>
-                </a:solidFill>
-                <a:latin typeface="+mn-lt"/>
-                <a:ea typeface="+mn-ea"/>
-                <a:cs typeface="+mn-cs"/>
-              </a:defRPr>
-            </a:lvl4pPr>
-            <a:lvl5pPr marL="2057400" indent="-228600" algn="l" defTabSz="914400" rtl="0" eaLnBrk="1" latinLnBrk="0" hangingPunct="1">
-              <a:lnSpc>
-                <a:spcPct val="90000"/>
-              </a:lnSpc>
-              <a:spcBef>
-                <a:spcPts val="500"/>
-              </a:spcBef>
-              <a:buFont typeface="Arial" panose="020B0604020202020204" pitchFamily="34" charset="0"/>
-              <a:buChar char="•"/>
-              <a:defRPr sz="1800" kern="1200">
-                <a:solidFill>
-                  <a:schemeClr val="tx1"/>
-                </a:solidFill>
-                <a:latin typeface="+mn-lt"/>
-                <a:ea typeface="+mn-ea"/>
-                <a:cs typeface="+mn-cs"/>
-              </a:defRPr>
-            </a:lvl5pPr>
-            <a:lvl6pPr marL="2514600" indent="-228600" algn="l" defTabSz="914400" rtl="0" eaLnBrk="1" latinLnBrk="0" hangingPunct="1">
-              <a:lnSpc>
-                <a:spcPct val="90000"/>
-              </a:lnSpc>
-              <a:spcBef>
-                <a:spcPts val="500"/>
-              </a:spcBef>
-              <a:buFont typeface="Arial" panose="020B0604020202020204" pitchFamily="34" charset="0"/>
-              <a:buChar char="•"/>
-              <a:defRPr sz="1800" kern="1200">
-                <a:solidFill>
-                  <a:schemeClr val="tx1"/>
-                </a:solidFill>
-                <a:latin typeface="+mn-lt"/>
-                <a:ea typeface="+mn-ea"/>
-                <a:cs typeface="+mn-cs"/>
-              </a:defRPr>
-            </a:lvl6pPr>
-            <a:lvl7pPr marL="2971800" indent="-228600" algn="l" defTabSz="914400" rtl="0" eaLnBrk="1" latinLnBrk="0" hangingPunct="1">
-              <a:lnSpc>
-                <a:spcPct val="90000"/>
-              </a:lnSpc>
-              <a:spcBef>
-                <a:spcPts val="500"/>
-              </a:spcBef>
-              <a:buFont typeface="Arial" panose="020B0604020202020204" pitchFamily="34" charset="0"/>
-              <a:buChar char="•"/>
-              <a:defRPr sz="1800" kern="1200">
-                <a:solidFill>
-                  <a:schemeClr val="tx1"/>
-                </a:solidFill>
-                <a:latin typeface="+mn-lt"/>
-                <a:ea typeface="+mn-ea"/>
-                <a:cs typeface="+mn-cs"/>
-              </a:defRPr>
-            </a:lvl7pPr>
-            <a:lvl8pPr marL="3429000" indent="-228600" algn="l" defTabSz="914400" rtl="0" eaLnBrk="1" latinLnBrk="0" hangingPunct="1">
-              <a:lnSpc>
-                <a:spcPct val="90000"/>
-              </a:lnSpc>
-              <a:spcBef>
-                <a:spcPts val="500"/>
-              </a:spcBef>
-              <a:buFont typeface="Arial" panose="020B0604020202020204" pitchFamily="34" charset="0"/>
-              <a:buChar char="•"/>
-              <a:defRPr sz="1800" kern="1200">
-                <a:solidFill>
-                  <a:schemeClr val="tx1"/>
-                </a:solidFill>
-                <a:latin typeface="+mn-lt"/>
-                <a:ea typeface="+mn-ea"/>
-                <a:cs typeface="+mn-cs"/>
-              </a:defRPr>
-            </a:lvl8pPr>
-            <a:lvl9pPr marL="3886200" indent="-228600" algn="l" defTabSz="914400" rtl="0" eaLnBrk="1" latinLnBrk="0" hangingPunct="1">
-              <a:lnSpc>
-                <a:spcPct val="90000"/>
-              </a:lnSpc>
-              <a:spcBef>
-                <a:spcPts val="500"/>
-              </a:spcBef>
-              <a:buFont typeface="Arial" panose="020B0604020202020204" pitchFamily="34" charset="0"/>
-              <a:buChar char="•"/>
-              <a:defRPr sz="1800" kern="1200">
-                <a:solidFill>
-                  <a:schemeClr val="tx1"/>
-                </a:solidFill>
-                <a:latin typeface="+mn-lt"/>
-                <a:ea typeface="+mn-ea"/>
-                <a:cs typeface="+mn-cs"/>
-              </a:defRPr>
-            </a:lvl9pPr>
-          </a:lstStyle>
-          <a:p>
-            <a:pPr marL="0" indent="0">
-              <a:buNone/>
-            </a:pPr>
-            <a:endParaRPr lang="en-US" sz="2000" dirty="0" smtClean="0"/>
-          </a:p>
-        </p:txBody>
-      </p:sp>
-      <p:pic>
-        <p:nvPicPr>
-          <p:cNvPr id="7170" name="Picture 2"/>
-          <p:cNvPicPr>
-            <a:picLocks noChangeAspect="1" noChangeArrowheads="1"/>
-          </p:cNvPicPr>
-          <p:nvPr/>
-        </p:nvPicPr>
-        <p:blipFill>
-          <a:blip r:embed="rId4">
-            <a:extLst>
-              <a:ext uri="{28A0092B-C50C-407E-A947-70E740481C1C}">
-                <a14:useLocalDpi xmlns:a14="http://schemas.microsoft.com/office/drawing/2010/main" val="0"/>
-              </a:ext>
-            </a:extLst>
-          </a:blip>
-          <a:srcRect/>
-          <a:stretch>
-            <a:fillRect/>
-          </a:stretch>
-        </p:blipFill>
-        <p:spPr bwMode="auto">
-          <a:xfrm>
-            <a:off x="3592285" y="2427080"/>
-            <a:ext cx="5121727" cy="3075430"/>
-          </a:xfrm>
-          <a:prstGeom prst="rect">
-            <a:avLst/>
-          </a:prstGeom>
-          <a:noFill/>
-          <a:ln>
-            <a:noFill/>
-          </a:ln>
-          <a:effectLst/>
-          <a:extLst>
-            <a:ext uri="{909E8E84-426E-40DD-AFC4-6F175D3DCCD1}">
-              <a14:hiddenFill xmlns:a14="http://schemas.microsoft.com/office/drawing/2010/main">
-                <a:solidFill>
-                  <a:schemeClr val="accent1"/>
-                </a:solidFill>
-              </a14:hiddenFill>
-            </a:ext>
-            <a:ext uri="{91240B29-F687-4F45-9708-019B960494DF}">
-              <a14:hiddenLine xmlns:a14="http://schemas.microsoft.com/office/drawing/2010/main" w="9525">
-                <a:solidFill>
-                  <a:schemeClr val="tx1"/>
-                </a:solidFill>
-                <a:miter lim="800000"/>
-                <a:headEnd/>
-                <a:tailEnd/>
-              </a14:hiddenLine>
-            </a:ext>
-            <a:ext uri="{AF507438-7753-43E0-B8FC-AC1667EBCBE1}">
-              <a14:hiddenEffects xmlns:a14="http://schemas.microsoft.com/office/drawing/2010/main">
-                <a:effectLst>
-                  <a:outerShdw dist="35921" dir="2700000" algn="ctr" rotWithShape="0">
-                    <a:schemeClr val="bg2"/>
-                  </a:outerShdw>
-                </a:effectLst>
-              </a14:hiddenEffects>
-            </a:ext>
-          </a:extLst>
-        </p:spPr>
-      </p:pic>
-      <p:sp>
-        <p:nvSpPr>
-          <p:cNvPr id="8" name="TextBox 7"/>
-          <p:cNvSpPr txBox="1"/>
-          <p:nvPr/>
-        </p:nvSpPr>
-        <p:spPr>
-          <a:xfrm>
-            <a:off x="4855029" y="2116881"/>
-            <a:ext cx="3406216" cy="369332"/>
-          </a:xfrm>
-          <a:prstGeom prst="rect">
-            <a:avLst/>
-          </a:prstGeom>
-          <a:noFill/>
-        </p:spPr>
-        <p:txBody>
-          <a:bodyPr wrap="square" rtlCol="0">
-            <a:spAutoFit/>
-          </a:bodyPr>
-          <a:lstStyle/>
-          <a:p>
-            <a:r>
-              <a:rPr lang="en-US" b="1" dirty="0" smtClean="0"/>
-              <a:t>Final Top 10 Important Variables</a:t>
-            </a:r>
-            <a:endParaRPr lang="en-US" b="1" dirty="0"/>
-          </a:p>
-        </p:txBody>
-      </p:sp>
+        <p:style>
+          <a:lnRef idx="1">
+            <a:schemeClr val="accent1"/>
+          </a:lnRef>
+          <a:fillRef idx="0">
+            <a:schemeClr val="accent1"/>
+          </a:fillRef>
+          <a:effectRef idx="0">
+            <a:schemeClr val="accent1"/>
+          </a:effectRef>
+          <a:fontRef idx="minor">
+            <a:schemeClr val="tx1"/>
+          </a:fontRef>
+        </p:style>
+      </p:cxnSp>
     </p:spTree>
     <p:extLst>
       <p:ext uri="{BB962C8B-B14F-4D97-AF65-F5344CB8AC3E}">
-        <p14:creationId xmlns:p14="http://schemas.microsoft.com/office/powerpoint/2010/main" val="1626396301"/>
+        <p14:creationId xmlns:p14="http://schemas.microsoft.com/office/powerpoint/2010/main" val="373197457"/>
       </p:ext>
     </p:extLst>
   </p:cSld>
@@ -3948,7 +3907,7 @@
           <p:cNvPr id="2" name="Title 1">
             <a:extLst>
               <a:ext uri="{FF2B5EF4-FFF2-40B4-BE49-F238E27FC236}">
-                <a16:creationId xmlns="" xmlns:a16="http://schemas.microsoft.com/office/drawing/2014/main" id="{E1EF5380-4D6A-4775-B30E-AD4CA88996DA}"/>
+                <a16:creationId xmlns:a16="http://schemas.microsoft.com/office/drawing/2014/main" xmlns="" id="{E1EF5380-4D6A-4775-B30E-AD4CA88996DA}"/>
               </a:ext>
             </a:extLst>
           </p:cNvPr>
@@ -3965,9 +3924,10 @@
           <a:lstStyle/>
           <a:p>
             <a:r>
-              <a:rPr lang="en-US" dirty="0"/>
-              <a:t>Journey Through The Woods</a:t>
-            </a:r>
+              <a:rPr lang="en-US" dirty="0" smtClean="0"/>
+              <a:t>Tree Based Models Tested</a:t>
+            </a:r>
+            <a:endParaRPr lang="en-US" dirty="0"/>
           </a:p>
         </p:txBody>
       </p:sp>
@@ -3976,7 +3936,7 @@
           <p:cNvPr id="3" name="Content Placeholder 2">
             <a:extLst>
               <a:ext uri="{FF2B5EF4-FFF2-40B4-BE49-F238E27FC236}">
-                <a16:creationId xmlns="" xmlns:a16="http://schemas.microsoft.com/office/drawing/2014/main" id="{6FC291FB-4CE6-4C39-B577-A60F850CDF7F}"/>
+                <a16:creationId xmlns:a16="http://schemas.microsoft.com/office/drawing/2014/main" xmlns="" id="{6FC291FB-4CE6-4C39-B577-A60F850CDF7F}"/>
               </a:ext>
             </a:extLst>
           </p:cNvPr>
@@ -4061,7 +4021,7 @@
           <p:cNvPr id="4" name="Picture 3">
             <a:extLst>
               <a:ext uri="{FF2B5EF4-FFF2-40B4-BE49-F238E27FC236}">
-                <a16:creationId xmlns="" xmlns:a16="http://schemas.microsoft.com/office/drawing/2014/main" id="{6BEA8B71-373B-4B6B-9CA2-9535357F5B90}"/>
+                <a16:creationId xmlns:a16="http://schemas.microsoft.com/office/drawing/2014/main" xmlns="" id="{6BEA8B71-373B-4B6B-9CA2-9535357F5B90}"/>
               </a:ext>
             </a:extLst>
           </p:cNvPr>
@@ -4121,7 +4081,7 @@
           <p:cNvPr id="2" name="Title 1">
             <a:extLst>
               <a:ext uri="{FF2B5EF4-FFF2-40B4-BE49-F238E27FC236}">
-                <a16:creationId xmlns="" xmlns:a16="http://schemas.microsoft.com/office/drawing/2014/main" id="{48115FCA-76B0-494C-B02A-7497852A41EB}"/>
+                <a16:creationId xmlns:a16="http://schemas.microsoft.com/office/drawing/2014/main" xmlns="" id="{989AF9EF-9093-4DC8-9EA8-8A9381C014A9}"/>
               </a:ext>
             </a:extLst>
           </p:cNvPr>
@@ -4138,9 +4098,18 @@
           <a:lstStyle/>
           <a:p>
             <a:r>
+              <a:rPr lang="en-US" dirty="0" smtClean="0"/>
+              <a:t>Decision Tree vs. Tuned </a:t>
+            </a:r>
+            <a:r>
               <a:rPr lang="en-US" dirty="0"/>
-              <a:t>My Very First Decision Tree</a:t>
-            </a:r>
+              <a:t>Decision </a:t>
+            </a:r>
+            <a:r>
+              <a:rPr lang="en-US" dirty="0" smtClean="0"/>
+              <a:t>Tree</a:t>
+            </a:r>
+            <a:endParaRPr lang="en-US" dirty="0"/>
           </a:p>
         </p:txBody>
       </p:sp>
@@ -4149,7 +4118,7 @@
           <p:cNvPr id="3" name="Content Placeholder 2">
             <a:extLst>
               <a:ext uri="{FF2B5EF4-FFF2-40B4-BE49-F238E27FC236}">
-                <a16:creationId xmlns="" xmlns:a16="http://schemas.microsoft.com/office/drawing/2014/main" id="{9EC73638-2385-4A08-BAD1-84D676692E3B}"/>
+                <a16:creationId xmlns:a16="http://schemas.microsoft.com/office/drawing/2014/main" xmlns="" id="{AC828E46-5962-4FB3-AE41-E65476C2DF5E}"/>
               </a:ext>
             </a:extLst>
           </p:cNvPr>
@@ -4162,8 +4131,8 @@
         </p:nvSpPr>
         <p:spPr>
           <a:xfrm>
-            <a:off x="838200" y="1825625"/>
-            <a:ext cx="5453543" cy="4351338"/>
+            <a:off x="4404526" y="2130216"/>
+            <a:ext cx="2715985" cy="2964489"/>
           </a:xfrm>
         </p:spPr>
         <p:txBody>
@@ -4173,121 +4142,801 @@
           <a:lstStyle/>
           <a:p>
             <a:r>
-              <a:rPr lang="en-US" sz="2000" dirty="0"/>
-              <a:t>Parameters:</a:t>
+              <a:rPr lang="en-US" sz="2000" b="1" dirty="0"/>
+              <a:t>Best Parameters</a:t>
             </a:r>
           </a:p>
           <a:p>
             <a:pPr lvl="1"/>
             <a:r>
+              <a:rPr lang="en-US" sz="1600" dirty="0"/>
+              <a:t>Max Depth: 11</a:t>
+            </a:r>
+          </a:p>
+          <a:p>
+            <a:pPr lvl="1"/>
+            <a:r>
+              <a:rPr lang="en-US" sz="1600" dirty="0"/>
+              <a:t>Min Samples Leaf: 8</a:t>
+            </a:r>
+          </a:p>
+          <a:p>
+            <a:r>
+              <a:rPr lang="en-US" sz="2000" b="1" dirty="0"/>
+              <a:t>R</a:t>
+            </a:r>
+            <a:r>
+              <a:rPr lang="en-US" sz="2000" b="1" baseline="30000" dirty="0"/>
+              <a:t>2</a:t>
+            </a:r>
+          </a:p>
+          <a:p>
+            <a:pPr lvl="1"/>
+            <a:r>
+              <a:rPr lang="en-US" sz="1600" dirty="0"/>
+              <a:t>Training: 91%</a:t>
+            </a:r>
+          </a:p>
+          <a:p>
+            <a:pPr lvl="1"/>
+            <a:r>
+              <a:rPr lang="en-US" sz="1600" dirty="0"/>
+              <a:t>Test: 77%</a:t>
+            </a:r>
+          </a:p>
+          <a:p>
+            <a:r>
+              <a:rPr lang="en-US" sz="2000" b="1" dirty="0"/>
+              <a:t>RMSE</a:t>
+            </a:r>
+          </a:p>
+          <a:p>
+            <a:pPr lvl="1"/>
+            <a:r>
+              <a:rPr lang="en-US" sz="1600" dirty="0"/>
+              <a:t>Training: .</a:t>
+            </a:r>
+            <a:r>
               <a:rPr lang="en-US" sz="1600" dirty="0" smtClean="0"/>
-              <a:t>EVERYTHING defaulted</a:t>
+              <a:t>1146</a:t>
             </a:r>
             <a:endParaRPr lang="en-US" sz="1600" dirty="0"/>
           </a:p>
           <a:p>
-            <a:r>
-              <a:rPr lang="en-US" sz="2000" dirty="0"/>
-              <a:t>R</a:t>
-            </a:r>
-            <a:r>
-              <a:rPr lang="en-US" sz="2000" baseline="30000" dirty="0"/>
-              <a:t>2</a:t>
-            </a:r>
-          </a:p>
-          <a:p>
             <a:pPr lvl="1"/>
             <a:r>
               <a:rPr lang="en-US" sz="1600" dirty="0"/>
-              <a:t>Training: </a:t>
+              <a:t>Test: .</a:t>
             </a:r>
             <a:r>
               <a:rPr lang="en-US" sz="1600" dirty="0" smtClean="0"/>
-              <a:t>99%</a:t>
+              <a:t>1861</a:t>
             </a:r>
             <a:endParaRPr lang="en-US" sz="1600" dirty="0"/>
           </a:p>
           <a:p>
-            <a:pPr lvl="1"/>
-            <a:r>
-              <a:rPr lang="en-US" sz="1600" dirty="0"/>
-              <a:t>Test: </a:t>
-            </a:r>
-            <a:r>
-              <a:rPr lang="en-US" sz="1600" dirty="0" smtClean="0"/>
-              <a:t>68%</a:t>
-            </a:r>
-            <a:endParaRPr lang="en-US" sz="1600" dirty="0"/>
-          </a:p>
-          <a:p>
-            <a:r>
-              <a:rPr lang="en-US" sz="2000" dirty="0"/>
-              <a:t>RMSE</a:t>
-            </a:r>
-          </a:p>
-          <a:p>
-            <a:pPr lvl="1"/>
-            <a:r>
-              <a:rPr lang="en-US" sz="1600" dirty="0"/>
-              <a:t>Training: </a:t>
-            </a:r>
-            <a:r>
-              <a:rPr lang="en-US" sz="1600" dirty="0" smtClean="0"/>
-              <a:t>~ 0</a:t>
-            </a:r>
-          </a:p>
-          <a:p>
-            <a:pPr lvl="1"/>
-            <a:r>
-              <a:rPr lang="en-US" sz="1600" dirty="0" smtClean="0"/>
-              <a:t> Test</a:t>
-            </a:r>
-            <a:r>
-              <a:rPr lang="en-US" sz="1600" dirty="0"/>
-              <a:t>: </a:t>
-            </a:r>
-            <a:r>
-              <a:rPr lang="en-US" sz="1600" dirty="0" smtClean="0"/>
-              <a:t>.2195</a:t>
-            </a:r>
-            <a:endParaRPr lang="en-US" sz="1600" dirty="0"/>
-          </a:p>
-        </p:txBody>
-      </p:sp>
-      <p:pic>
-        <p:nvPicPr>
-          <p:cNvPr id="6" name="Picture 5">
-            <a:extLst>
-              <a:ext uri="{FF2B5EF4-FFF2-40B4-BE49-F238E27FC236}">
-                <a16:creationId xmlns="" xmlns:a16="http://schemas.microsoft.com/office/drawing/2014/main" id="{63043197-CE9E-445C-85AA-600771E93BBD}"/>
-              </a:ext>
-            </a:extLst>
-          </p:cNvPr>
-          <p:cNvPicPr>
-            <a:picLocks noChangeAspect="1"/>
-          </p:cNvPicPr>
+            <a:endParaRPr lang="en-US" sz="2000" dirty="0"/>
+          </a:p>
+          <a:p>
+            <a:endParaRPr lang="en-US" sz="2000" dirty="0"/>
+          </a:p>
+        </p:txBody>
+      </p:sp>
+      <p:sp>
+        <p:nvSpPr>
+          <p:cNvPr id="5" name="Content Placeholder 2">
+            <a:extLst>
+              <a:ext uri="{FF2B5EF4-FFF2-40B4-BE49-F238E27FC236}">
+                <a16:creationId xmlns:a16="http://schemas.microsoft.com/office/drawing/2014/main" xmlns="" id="{E53A9AFD-FF1F-4B43-94F1-7AF9B734F5B0}"/>
+              </a:ext>
+            </a:extLst>
+          </p:cNvPr>
+          <p:cNvSpPr txBox="1">
+            <a:spLocks/>
+          </p:cNvSpPr>
           <p:nvPr/>
-        </p:nvPicPr>
-        <p:blipFill>
-          <a:blip r:embed="rId2"/>
-          <a:stretch>
-            <a:fillRect/>
-          </a:stretch>
-        </p:blipFill>
+        </p:nvSpPr>
         <p:spPr>
           <a:xfrm>
-            <a:off x="5776170" y="1609045"/>
-            <a:ext cx="3942315" cy="4486275"/>
+            <a:off x="1083128" y="5612755"/>
+            <a:ext cx="9222996" cy="858852"/>
           </a:xfrm>
           <a:prstGeom prst="rect">
             <a:avLst/>
           </a:prstGeom>
         </p:spPr>
+        <p:txBody>
+          <a:bodyPr vert="horz" lIns="91440" tIns="45720" rIns="91440" bIns="45720" rtlCol="0">
+            <a:normAutofit/>
+          </a:bodyPr>
+          <a:lstStyle>
+            <a:lvl1pPr marL="228600" indent="-228600" algn="l" defTabSz="914400" rtl="0" eaLnBrk="1" latinLnBrk="0" hangingPunct="1">
+              <a:lnSpc>
+                <a:spcPct val="90000"/>
+              </a:lnSpc>
+              <a:spcBef>
+                <a:spcPts val="1000"/>
+              </a:spcBef>
+              <a:buFont typeface="Arial" panose="020B0604020202020204" pitchFamily="34" charset="0"/>
+              <a:buChar char="•"/>
+              <a:defRPr sz="2800" kern="1200">
+                <a:solidFill>
+                  <a:schemeClr val="tx1"/>
+                </a:solidFill>
+                <a:latin typeface="+mn-lt"/>
+                <a:ea typeface="+mn-ea"/>
+                <a:cs typeface="+mn-cs"/>
+              </a:defRPr>
+            </a:lvl1pPr>
+            <a:lvl2pPr marL="685800" indent="-228600" algn="l" defTabSz="914400" rtl="0" eaLnBrk="1" latinLnBrk="0" hangingPunct="1">
+              <a:lnSpc>
+                <a:spcPct val="90000"/>
+              </a:lnSpc>
+              <a:spcBef>
+                <a:spcPts val="500"/>
+              </a:spcBef>
+              <a:buFont typeface="Arial" panose="020B0604020202020204" pitchFamily="34" charset="0"/>
+              <a:buChar char="•"/>
+              <a:defRPr sz="2400" kern="1200">
+                <a:solidFill>
+                  <a:schemeClr val="tx1"/>
+                </a:solidFill>
+                <a:latin typeface="+mn-lt"/>
+                <a:ea typeface="+mn-ea"/>
+                <a:cs typeface="+mn-cs"/>
+              </a:defRPr>
+            </a:lvl2pPr>
+            <a:lvl3pPr marL="1143000" indent="-228600" algn="l" defTabSz="914400" rtl="0" eaLnBrk="1" latinLnBrk="0" hangingPunct="1">
+              <a:lnSpc>
+                <a:spcPct val="90000"/>
+              </a:lnSpc>
+              <a:spcBef>
+                <a:spcPts val="500"/>
+              </a:spcBef>
+              <a:buFont typeface="Arial" panose="020B0604020202020204" pitchFamily="34" charset="0"/>
+              <a:buChar char="•"/>
+              <a:defRPr sz="2000" kern="1200">
+                <a:solidFill>
+                  <a:schemeClr val="tx1"/>
+                </a:solidFill>
+                <a:latin typeface="+mn-lt"/>
+                <a:ea typeface="+mn-ea"/>
+                <a:cs typeface="+mn-cs"/>
+              </a:defRPr>
+            </a:lvl3pPr>
+            <a:lvl4pPr marL="1600200" indent="-228600" algn="l" defTabSz="914400" rtl="0" eaLnBrk="1" latinLnBrk="0" hangingPunct="1">
+              <a:lnSpc>
+                <a:spcPct val="90000"/>
+              </a:lnSpc>
+              <a:spcBef>
+                <a:spcPts val="500"/>
+              </a:spcBef>
+              <a:buFont typeface="Arial" panose="020B0604020202020204" pitchFamily="34" charset="0"/>
+              <a:buChar char="•"/>
+              <a:defRPr sz="1800" kern="1200">
+                <a:solidFill>
+                  <a:schemeClr val="tx1"/>
+                </a:solidFill>
+                <a:latin typeface="+mn-lt"/>
+                <a:ea typeface="+mn-ea"/>
+                <a:cs typeface="+mn-cs"/>
+              </a:defRPr>
+            </a:lvl4pPr>
+            <a:lvl5pPr marL="2057400" indent="-228600" algn="l" defTabSz="914400" rtl="0" eaLnBrk="1" latinLnBrk="0" hangingPunct="1">
+              <a:lnSpc>
+                <a:spcPct val="90000"/>
+              </a:lnSpc>
+              <a:spcBef>
+                <a:spcPts val="500"/>
+              </a:spcBef>
+              <a:buFont typeface="Arial" panose="020B0604020202020204" pitchFamily="34" charset="0"/>
+              <a:buChar char="•"/>
+              <a:defRPr sz="1800" kern="1200">
+                <a:solidFill>
+                  <a:schemeClr val="tx1"/>
+                </a:solidFill>
+                <a:latin typeface="+mn-lt"/>
+                <a:ea typeface="+mn-ea"/>
+                <a:cs typeface="+mn-cs"/>
+              </a:defRPr>
+            </a:lvl5pPr>
+            <a:lvl6pPr marL="2514600" indent="-228600" algn="l" defTabSz="914400" rtl="0" eaLnBrk="1" latinLnBrk="0" hangingPunct="1">
+              <a:lnSpc>
+                <a:spcPct val="90000"/>
+              </a:lnSpc>
+              <a:spcBef>
+                <a:spcPts val="500"/>
+              </a:spcBef>
+              <a:buFont typeface="Arial" panose="020B0604020202020204" pitchFamily="34" charset="0"/>
+              <a:buChar char="•"/>
+              <a:defRPr sz="1800" kern="1200">
+                <a:solidFill>
+                  <a:schemeClr val="tx1"/>
+                </a:solidFill>
+                <a:latin typeface="+mn-lt"/>
+                <a:ea typeface="+mn-ea"/>
+                <a:cs typeface="+mn-cs"/>
+              </a:defRPr>
+            </a:lvl6pPr>
+            <a:lvl7pPr marL="2971800" indent="-228600" algn="l" defTabSz="914400" rtl="0" eaLnBrk="1" latinLnBrk="0" hangingPunct="1">
+              <a:lnSpc>
+                <a:spcPct val="90000"/>
+              </a:lnSpc>
+              <a:spcBef>
+                <a:spcPts val="500"/>
+              </a:spcBef>
+              <a:buFont typeface="Arial" panose="020B0604020202020204" pitchFamily="34" charset="0"/>
+              <a:buChar char="•"/>
+              <a:defRPr sz="1800" kern="1200">
+                <a:solidFill>
+                  <a:schemeClr val="tx1"/>
+                </a:solidFill>
+                <a:latin typeface="+mn-lt"/>
+                <a:ea typeface="+mn-ea"/>
+                <a:cs typeface="+mn-cs"/>
+              </a:defRPr>
+            </a:lvl7pPr>
+            <a:lvl8pPr marL="3429000" indent="-228600" algn="l" defTabSz="914400" rtl="0" eaLnBrk="1" latinLnBrk="0" hangingPunct="1">
+              <a:lnSpc>
+                <a:spcPct val="90000"/>
+              </a:lnSpc>
+              <a:spcBef>
+                <a:spcPts val="500"/>
+              </a:spcBef>
+              <a:buFont typeface="Arial" panose="020B0604020202020204" pitchFamily="34" charset="0"/>
+              <a:buChar char="•"/>
+              <a:defRPr sz="1800" kern="1200">
+                <a:solidFill>
+                  <a:schemeClr val="tx1"/>
+                </a:solidFill>
+                <a:latin typeface="+mn-lt"/>
+                <a:ea typeface="+mn-ea"/>
+                <a:cs typeface="+mn-cs"/>
+              </a:defRPr>
+            </a:lvl8pPr>
+            <a:lvl9pPr marL="3886200" indent="-228600" algn="l" defTabSz="914400" rtl="0" eaLnBrk="1" latinLnBrk="0" hangingPunct="1">
+              <a:lnSpc>
+                <a:spcPct val="90000"/>
+              </a:lnSpc>
+              <a:spcBef>
+                <a:spcPts val="500"/>
+              </a:spcBef>
+              <a:buFont typeface="Arial" panose="020B0604020202020204" pitchFamily="34" charset="0"/>
+              <a:buChar char="•"/>
+              <a:defRPr sz="1800" kern="1200">
+                <a:solidFill>
+                  <a:schemeClr val="tx1"/>
+                </a:solidFill>
+                <a:latin typeface="+mn-lt"/>
+                <a:ea typeface="+mn-ea"/>
+                <a:cs typeface="+mn-cs"/>
+              </a:defRPr>
+            </a:lvl9pPr>
+          </a:lstStyle>
+          <a:p>
+            <a:pPr marL="0" indent="0">
+              <a:buNone/>
+            </a:pPr>
+            <a:r>
+              <a:rPr lang="en-US" sz="1600" b="1" dirty="0"/>
+              <a:t>THOUGHTS</a:t>
+            </a:r>
+            <a:r>
+              <a:rPr lang="en-US" sz="1600" dirty="0"/>
+              <a:t>: We have only fit the tree on one set of observations. Lower the variance by fitting the tree on MULTIPLE sets of observations using a Bagged Decision Tree. </a:t>
+            </a:r>
+          </a:p>
+        </p:txBody>
+      </p:sp>
+      <p:pic>
+        <p:nvPicPr>
+          <p:cNvPr id="3075" name="Picture 3"/>
+          <p:cNvPicPr>
+            <a:picLocks noChangeAspect="1" noChangeArrowheads="1"/>
+          </p:cNvPicPr>
+          <p:nvPr/>
+        </p:nvPicPr>
+        <p:blipFill>
+          <a:blip r:embed="rId2">
+            <a:extLst>
+              <a:ext uri="{28A0092B-C50C-407E-A947-70E740481C1C}">
+                <a14:useLocalDpi xmlns:a14="http://schemas.microsoft.com/office/drawing/2010/main" val="0"/>
+              </a:ext>
+            </a:extLst>
+          </a:blip>
+          <a:srcRect/>
+          <a:stretch>
+            <a:fillRect/>
+          </a:stretch>
+        </p:blipFill>
+        <p:spPr bwMode="auto">
+          <a:xfrm>
+            <a:off x="7338283" y="2293502"/>
+            <a:ext cx="4369934" cy="2917073"/>
+          </a:xfrm>
+          <a:prstGeom prst="rect">
+            <a:avLst/>
+          </a:prstGeom>
+          <a:noFill/>
+          <a:ln>
+            <a:noFill/>
+          </a:ln>
+          <a:effectLst/>
+          <a:extLst>
+            <a:ext uri="{909E8E84-426E-40DD-AFC4-6F175D3DCCD1}">
+              <a14:hiddenFill xmlns:a14="http://schemas.microsoft.com/office/drawing/2010/main">
+                <a:solidFill>
+                  <a:schemeClr val="accent1"/>
+                </a:solidFill>
+              </a14:hiddenFill>
+            </a:ext>
+            <a:ext uri="{91240B29-F687-4F45-9708-019B960494DF}">
+              <a14:hiddenLine xmlns:a14="http://schemas.microsoft.com/office/drawing/2010/main" w="9525">
+                <a:solidFill>
+                  <a:schemeClr val="tx1"/>
+                </a:solidFill>
+                <a:miter lim="800000"/>
+                <a:headEnd/>
+                <a:tailEnd/>
+              </a14:hiddenLine>
+            </a:ext>
+            <a:ext uri="{AF507438-7753-43E0-B8FC-AC1667EBCBE1}">
+              <a14:hiddenEffects xmlns:a14="http://schemas.microsoft.com/office/drawing/2010/main">
+                <a:effectLst>
+                  <a:outerShdw dist="35921" dir="2700000" algn="ctr" rotWithShape="0">
+                    <a:schemeClr val="bg2"/>
+                  </a:outerShdw>
+                </a:effectLst>
+              </a14:hiddenEffects>
+            </a:ext>
+          </a:extLst>
+        </p:spPr>
       </p:pic>
+      <p:sp>
+        <p:nvSpPr>
+          <p:cNvPr id="8" name="TextBox 7"/>
+          <p:cNvSpPr txBox="1"/>
+          <p:nvPr/>
+        </p:nvSpPr>
+        <p:spPr>
+          <a:xfrm>
+            <a:off x="7507778" y="1940766"/>
+            <a:ext cx="4597412" cy="369332"/>
+          </a:xfrm>
+          <a:prstGeom prst="rect">
+            <a:avLst/>
+          </a:prstGeom>
+          <a:noFill/>
+        </p:spPr>
+        <p:txBody>
+          <a:bodyPr wrap="none" rtlCol="0">
+            <a:spAutoFit/>
+          </a:bodyPr>
+          <a:lstStyle/>
+          <a:p>
+            <a:r>
+              <a:rPr lang="en-US" b="1" dirty="0" smtClean="0"/>
+              <a:t>Tuning Samples </a:t>
+            </a:r>
+            <a:r>
+              <a:rPr lang="en-US" b="1" dirty="0" smtClean="0"/>
+              <a:t>in Leaf </a:t>
+            </a:r>
+            <a:r>
+              <a:rPr lang="en-US" b="1" dirty="0" smtClean="0"/>
+              <a:t>Nodes with </a:t>
+            </a:r>
+            <a:r>
+              <a:rPr lang="en-US" b="1" dirty="0" err="1" smtClean="0"/>
+              <a:t>GridSearch</a:t>
+            </a:r>
+            <a:endParaRPr lang="en-US" b="1" dirty="0"/>
+          </a:p>
+        </p:txBody>
+      </p:sp>
+      <p:sp>
+        <p:nvSpPr>
+          <p:cNvPr id="6" name="Oval 5"/>
+          <p:cNvSpPr/>
+          <p:nvPr/>
+        </p:nvSpPr>
+        <p:spPr>
+          <a:xfrm>
+            <a:off x="9127047" y="2874220"/>
+            <a:ext cx="221759" cy="152400"/>
+          </a:xfrm>
+          <a:prstGeom prst="ellipse">
+            <a:avLst/>
+          </a:prstGeom>
+          <a:noFill/>
+        </p:spPr>
+        <p:style>
+          <a:lnRef idx="2">
+            <a:schemeClr val="accent1">
+              <a:shade val="50000"/>
+            </a:schemeClr>
+          </a:lnRef>
+          <a:fillRef idx="1">
+            <a:schemeClr val="accent1"/>
+          </a:fillRef>
+          <a:effectRef idx="0">
+            <a:schemeClr val="accent1"/>
+          </a:effectRef>
+          <a:fontRef idx="minor">
+            <a:schemeClr val="lt1"/>
+          </a:fontRef>
+        </p:style>
+        <p:txBody>
+          <a:bodyPr rtlCol="0" anchor="ctr"/>
+          <a:lstStyle/>
+          <a:p>
+            <a:pPr algn="ctr"/>
+            <a:endParaRPr lang="en-US"/>
+          </a:p>
+        </p:txBody>
+      </p:sp>
+      <p:sp>
+        <p:nvSpPr>
+          <p:cNvPr id="9" name="Content Placeholder 2">
+            <a:extLst>
+              <a:ext uri="{FF2B5EF4-FFF2-40B4-BE49-F238E27FC236}">
+                <a16:creationId xmlns:a16="http://schemas.microsoft.com/office/drawing/2014/main" xmlns="" id="{9EC73638-2385-4A08-BAD1-84D676692E3B}"/>
+              </a:ext>
+            </a:extLst>
+          </p:cNvPr>
+          <p:cNvSpPr txBox="1">
+            <a:spLocks/>
+          </p:cNvSpPr>
+          <p:nvPr/>
+        </p:nvSpPr>
+        <p:spPr>
+          <a:xfrm>
+            <a:off x="337457" y="2130216"/>
+            <a:ext cx="2955471" cy="3216906"/>
+          </a:xfrm>
+          <a:prstGeom prst="rect">
+            <a:avLst/>
+          </a:prstGeom>
+        </p:spPr>
+        <p:txBody>
+          <a:bodyPr vert="horz" lIns="91440" tIns="45720" rIns="91440" bIns="45720" rtlCol="0">
+            <a:normAutofit/>
+          </a:bodyPr>
+          <a:lstStyle>
+            <a:lvl1pPr marL="228600" indent="-228600" algn="l" defTabSz="914400" rtl="0" eaLnBrk="1" latinLnBrk="0" hangingPunct="1">
+              <a:lnSpc>
+                <a:spcPct val="90000"/>
+              </a:lnSpc>
+              <a:spcBef>
+                <a:spcPts val="1000"/>
+              </a:spcBef>
+              <a:buFont typeface="Arial" panose="020B0604020202020204" pitchFamily="34" charset="0"/>
+              <a:buChar char="•"/>
+              <a:defRPr sz="2800" kern="1200">
+                <a:solidFill>
+                  <a:schemeClr val="tx1"/>
+                </a:solidFill>
+                <a:latin typeface="+mn-lt"/>
+                <a:ea typeface="+mn-ea"/>
+                <a:cs typeface="+mn-cs"/>
+              </a:defRPr>
+            </a:lvl1pPr>
+            <a:lvl2pPr marL="685800" indent="-228600" algn="l" defTabSz="914400" rtl="0" eaLnBrk="1" latinLnBrk="0" hangingPunct="1">
+              <a:lnSpc>
+                <a:spcPct val="90000"/>
+              </a:lnSpc>
+              <a:spcBef>
+                <a:spcPts val="500"/>
+              </a:spcBef>
+              <a:buFont typeface="Arial" panose="020B0604020202020204" pitchFamily="34" charset="0"/>
+              <a:buChar char="•"/>
+              <a:defRPr sz="2400" kern="1200">
+                <a:solidFill>
+                  <a:schemeClr val="tx1"/>
+                </a:solidFill>
+                <a:latin typeface="+mn-lt"/>
+                <a:ea typeface="+mn-ea"/>
+                <a:cs typeface="+mn-cs"/>
+              </a:defRPr>
+            </a:lvl2pPr>
+            <a:lvl3pPr marL="1143000" indent="-228600" algn="l" defTabSz="914400" rtl="0" eaLnBrk="1" latinLnBrk="0" hangingPunct="1">
+              <a:lnSpc>
+                <a:spcPct val="90000"/>
+              </a:lnSpc>
+              <a:spcBef>
+                <a:spcPts val="500"/>
+              </a:spcBef>
+              <a:buFont typeface="Arial" panose="020B0604020202020204" pitchFamily="34" charset="0"/>
+              <a:buChar char="•"/>
+              <a:defRPr sz="2000" kern="1200">
+                <a:solidFill>
+                  <a:schemeClr val="tx1"/>
+                </a:solidFill>
+                <a:latin typeface="+mn-lt"/>
+                <a:ea typeface="+mn-ea"/>
+                <a:cs typeface="+mn-cs"/>
+              </a:defRPr>
+            </a:lvl3pPr>
+            <a:lvl4pPr marL="1600200" indent="-228600" algn="l" defTabSz="914400" rtl="0" eaLnBrk="1" latinLnBrk="0" hangingPunct="1">
+              <a:lnSpc>
+                <a:spcPct val="90000"/>
+              </a:lnSpc>
+              <a:spcBef>
+                <a:spcPts val="500"/>
+              </a:spcBef>
+              <a:buFont typeface="Arial" panose="020B0604020202020204" pitchFamily="34" charset="0"/>
+              <a:buChar char="•"/>
+              <a:defRPr sz="1800" kern="1200">
+                <a:solidFill>
+                  <a:schemeClr val="tx1"/>
+                </a:solidFill>
+                <a:latin typeface="+mn-lt"/>
+                <a:ea typeface="+mn-ea"/>
+                <a:cs typeface="+mn-cs"/>
+              </a:defRPr>
+            </a:lvl4pPr>
+            <a:lvl5pPr marL="2057400" indent="-228600" algn="l" defTabSz="914400" rtl="0" eaLnBrk="1" latinLnBrk="0" hangingPunct="1">
+              <a:lnSpc>
+                <a:spcPct val="90000"/>
+              </a:lnSpc>
+              <a:spcBef>
+                <a:spcPts val="500"/>
+              </a:spcBef>
+              <a:buFont typeface="Arial" panose="020B0604020202020204" pitchFamily="34" charset="0"/>
+              <a:buChar char="•"/>
+              <a:defRPr sz="1800" kern="1200">
+                <a:solidFill>
+                  <a:schemeClr val="tx1"/>
+                </a:solidFill>
+                <a:latin typeface="+mn-lt"/>
+                <a:ea typeface="+mn-ea"/>
+                <a:cs typeface="+mn-cs"/>
+              </a:defRPr>
+            </a:lvl5pPr>
+            <a:lvl6pPr marL="2514600" indent="-228600" algn="l" defTabSz="914400" rtl="0" eaLnBrk="1" latinLnBrk="0" hangingPunct="1">
+              <a:lnSpc>
+                <a:spcPct val="90000"/>
+              </a:lnSpc>
+              <a:spcBef>
+                <a:spcPts val="500"/>
+              </a:spcBef>
+              <a:buFont typeface="Arial" panose="020B0604020202020204" pitchFamily="34" charset="0"/>
+              <a:buChar char="•"/>
+              <a:defRPr sz="1800" kern="1200">
+                <a:solidFill>
+                  <a:schemeClr val="tx1"/>
+                </a:solidFill>
+                <a:latin typeface="+mn-lt"/>
+                <a:ea typeface="+mn-ea"/>
+                <a:cs typeface="+mn-cs"/>
+              </a:defRPr>
+            </a:lvl6pPr>
+            <a:lvl7pPr marL="2971800" indent="-228600" algn="l" defTabSz="914400" rtl="0" eaLnBrk="1" latinLnBrk="0" hangingPunct="1">
+              <a:lnSpc>
+                <a:spcPct val="90000"/>
+              </a:lnSpc>
+              <a:spcBef>
+                <a:spcPts val="500"/>
+              </a:spcBef>
+              <a:buFont typeface="Arial" panose="020B0604020202020204" pitchFamily="34" charset="0"/>
+              <a:buChar char="•"/>
+              <a:defRPr sz="1800" kern="1200">
+                <a:solidFill>
+                  <a:schemeClr val="tx1"/>
+                </a:solidFill>
+                <a:latin typeface="+mn-lt"/>
+                <a:ea typeface="+mn-ea"/>
+                <a:cs typeface="+mn-cs"/>
+              </a:defRPr>
+            </a:lvl7pPr>
+            <a:lvl8pPr marL="3429000" indent="-228600" algn="l" defTabSz="914400" rtl="0" eaLnBrk="1" latinLnBrk="0" hangingPunct="1">
+              <a:lnSpc>
+                <a:spcPct val="90000"/>
+              </a:lnSpc>
+              <a:spcBef>
+                <a:spcPts val="500"/>
+              </a:spcBef>
+              <a:buFont typeface="Arial" panose="020B0604020202020204" pitchFamily="34" charset="0"/>
+              <a:buChar char="•"/>
+              <a:defRPr sz="1800" kern="1200">
+                <a:solidFill>
+                  <a:schemeClr val="tx1"/>
+                </a:solidFill>
+                <a:latin typeface="+mn-lt"/>
+                <a:ea typeface="+mn-ea"/>
+                <a:cs typeface="+mn-cs"/>
+              </a:defRPr>
+            </a:lvl8pPr>
+            <a:lvl9pPr marL="3886200" indent="-228600" algn="l" defTabSz="914400" rtl="0" eaLnBrk="1" latinLnBrk="0" hangingPunct="1">
+              <a:lnSpc>
+                <a:spcPct val="90000"/>
+              </a:lnSpc>
+              <a:spcBef>
+                <a:spcPts val="500"/>
+              </a:spcBef>
+              <a:buFont typeface="Arial" panose="020B0604020202020204" pitchFamily="34" charset="0"/>
+              <a:buChar char="•"/>
+              <a:defRPr sz="1800" kern="1200">
+                <a:solidFill>
+                  <a:schemeClr val="tx1"/>
+                </a:solidFill>
+                <a:latin typeface="+mn-lt"/>
+                <a:ea typeface="+mn-ea"/>
+                <a:cs typeface="+mn-cs"/>
+              </a:defRPr>
+            </a:lvl9pPr>
+          </a:lstStyle>
+          <a:p>
+            <a:r>
+              <a:rPr lang="en-US" sz="2000" b="1" dirty="0" smtClean="0"/>
+              <a:t>Parameters:</a:t>
+            </a:r>
+          </a:p>
+          <a:p>
+            <a:pPr lvl="1"/>
+            <a:r>
+              <a:rPr lang="en-US" sz="1600" dirty="0" smtClean="0"/>
+              <a:t>EVERYTHING defaulted</a:t>
+            </a:r>
+          </a:p>
+          <a:p>
+            <a:pPr lvl="1"/>
+            <a:endParaRPr lang="en-US" sz="1600" dirty="0" smtClean="0"/>
+          </a:p>
+          <a:p>
+            <a:r>
+              <a:rPr lang="en-US" sz="2000" b="1" dirty="0" smtClean="0"/>
+              <a:t>R</a:t>
+            </a:r>
+            <a:r>
+              <a:rPr lang="en-US" sz="2000" b="1" baseline="30000" dirty="0" smtClean="0"/>
+              <a:t>2</a:t>
+            </a:r>
+          </a:p>
+          <a:p>
+            <a:pPr lvl="1"/>
+            <a:r>
+              <a:rPr lang="en-US" sz="1600" dirty="0" smtClean="0"/>
+              <a:t>Training: 99%</a:t>
+            </a:r>
+          </a:p>
+          <a:p>
+            <a:pPr lvl="1"/>
+            <a:r>
+              <a:rPr lang="en-US" sz="1600" dirty="0" smtClean="0"/>
+              <a:t>Test: 74%</a:t>
+            </a:r>
+          </a:p>
+          <a:p>
+            <a:r>
+              <a:rPr lang="en-US" sz="2000" b="1" dirty="0" smtClean="0"/>
+              <a:t>RMSE</a:t>
+            </a:r>
+          </a:p>
+          <a:p>
+            <a:pPr lvl="1"/>
+            <a:r>
+              <a:rPr lang="en-US" sz="1600" dirty="0" smtClean="0"/>
+              <a:t>Training: ~ 0</a:t>
+            </a:r>
+          </a:p>
+          <a:p>
+            <a:pPr lvl="1"/>
+            <a:r>
+              <a:rPr lang="en-US" sz="1600" dirty="0" smtClean="0"/>
+              <a:t> Test: .2195</a:t>
+            </a:r>
+            <a:endParaRPr lang="en-US" sz="1600" dirty="0"/>
+          </a:p>
+        </p:txBody>
+      </p:sp>
+      <p:sp>
+        <p:nvSpPr>
+          <p:cNvPr id="7" name="Right Arrow 6"/>
+          <p:cNvSpPr/>
+          <p:nvPr/>
+        </p:nvSpPr>
+        <p:spPr>
+          <a:xfrm>
+            <a:off x="3222172" y="3110410"/>
+            <a:ext cx="789214" cy="560615"/>
+          </a:xfrm>
+          <a:prstGeom prst="rightArrow">
+            <a:avLst/>
+          </a:prstGeom>
+          <a:solidFill>
+            <a:srgbClr val="00B050"/>
+          </a:solidFill>
+        </p:spPr>
+        <p:style>
+          <a:lnRef idx="2">
+            <a:schemeClr val="accent1">
+              <a:shade val="50000"/>
+            </a:schemeClr>
+          </a:lnRef>
+          <a:fillRef idx="1">
+            <a:schemeClr val="accent1"/>
+          </a:fillRef>
+          <a:effectRef idx="0">
+            <a:schemeClr val="accent1"/>
+          </a:effectRef>
+          <a:fontRef idx="minor">
+            <a:schemeClr val="lt1"/>
+          </a:fontRef>
+        </p:style>
+        <p:txBody>
+          <a:bodyPr rtlCol="0" anchor="ctr"/>
+          <a:lstStyle/>
+          <a:p>
+            <a:pPr algn="ctr"/>
+            <a:endParaRPr lang="en-US"/>
+          </a:p>
+        </p:txBody>
+      </p:sp>
+      <p:sp>
+        <p:nvSpPr>
+          <p:cNvPr id="11" name="TextBox 10"/>
+          <p:cNvSpPr txBox="1"/>
+          <p:nvPr/>
+        </p:nvSpPr>
+        <p:spPr>
+          <a:xfrm>
+            <a:off x="4713514" y="1760884"/>
+            <a:ext cx="2098010" cy="369332"/>
+          </a:xfrm>
+          <a:prstGeom prst="rect">
+            <a:avLst/>
+          </a:prstGeom>
+          <a:noFill/>
+        </p:spPr>
+        <p:txBody>
+          <a:bodyPr wrap="none" rtlCol="0">
+            <a:spAutoFit/>
+          </a:bodyPr>
+          <a:lstStyle/>
+          <a:p>
+            <a:r>
+              <a:rPr lang="en-US" b="1" u="sng" dirty="0" smtClean="0"/>
+              <a:t>Tuned Decision Tree</a:t>
+            </a:r>
+            <a:endParaRPr lang="en-US" b="1" u="sng" dirty="0"/>
+          </a:p>
+        </p:txBody>
+      </p:sp>
+      <p:sp>
+        <p:nvSpPr>
+          <p:cNvPr id="12" name="TextBox 11"/>
+          <p:cNvSpPr txBox="1"/>
+          <p:nvPr/>
+        </p:nvSpPr>
+        <p:spPr>
+          <a:xfrm>
+            <a:off x="631371" y="1760884"/>
+            <a:ext cx="1457450" cy="369332"/>
+          </a:xfrm>
+          <a:prstGeom prst="rect">
+            <a:avLst/>
+          </a:prstGeom>
+          <a:noFill/>
+        </p:spPr>
+        <p:txBody>
+          <a:bodyPr wrap="none" rtlCol="0">
+            <a:spAutoFit/>
+          </a:bodyPr>
+          <a:lstStyle/>
+          <a:p>
+            <a:r>
+              <a:rPr lang="en-US" b="1" u="sng" dirty="0" smtClean="0"/>
+              <a:t>Decision Tree</a:t>
+            </a:r>
+            <a:endParaRPr lang="en-US" b="1" u="sng" dirty="0"/>
+          </a:p>
+        </p:txBody>
+      </p:sp>
     </p:spTree>
     <p:extLst>
       <p:ext uri="{BB962C8B-B14F-4D97-AF65-F5344CB8AC3E}">
-        <p14:creationId xmlns:p14="http://schemas.microsoft.com/office/powerpoint/2010/main" val="1746274028"/>
+        <p14:creationId xmlns:p14="http://schemas.microsoft.com/office/powerpoint/2010/main" val="2139993555"/>
       </p:ext>
     </p:extLst>
   </p:cSld>
@@ -4319,7 +4968,7 @@
           <p:cNvPr id="2" name="Title 1">
             <a:extLst>
               <a:ext uri="{FF2B5EF4-FFF2-40B4-BE49-F238E27FC236}">
-                <a16:creationId xmlns="" xmlns:a16="http://schemas.microsoft.com/office/drawing/2014/main" id="{989AF9EF-9093-4DC8-9EA8-8A9381C014A9}"/>
+                <a16:creationId xmlns:a16="http://schemas.microsoft.com/office/drawing/2014/main" xmlns="" id="{D63F14FD-A9F2-424D-991B-D9BA18E538EE}"/>
               </a:ext>
             </a:extLst>
           </p:cNvPr>
@@ -4336,12 +4985,8 @@
           <a:lstStyle/>
           <a:p>
             <a:r>
-              <a:rPr lang="en-US" dirty="0"/>
-              <a:t>Tuned Decision </a:t>
-            </a:r>
-            <a:r>
               <a:rPr lang="en-US" dirty="0" smtClean="0"/>
-              <a:t>Tree</a:t>
+              <a:t>Bagged Tree Continues To Improve Score</a:t>
             </a:r>
             <a:endParaRPr lang="en-US" dirty="0"/>
           </a:p>
@@ -4352,7 +4997,7 @@
           <p:cNvPr id="3" name="Content Placeholder 2">
             <a:extLst>
               <a:ext uri="{FF2B5EF4-FFF2-40B4-BE49-F238E27FC236}">
-                <a16:creationId xmlns="" xmlns:a16="http://schemas.microsoft.com/office/drawing/2014/main" id="{AC828E46-5962-4FB3-AE41-E65476C2DF5E}"/>
+                <a16:creationId xmlns:a16="http://schemas.microsoft.com/office/drawing/2014/main" xmlns="" id="{3BE76EA3-E471-457F-9F69-641B20CE66F9}"/>
               </a:ext>
             </a:extLst>
           </p:cNvPr>
@@ -4366,41 +5011,53 @@
         <p:spPr>
           <a:xfrm>
             <a:off x="838200" y="1825625"/>
-            <a:ext cx="4874703" cy="2964489"/>
+            <a:ext cx="4533900" cy="3249714"/>
           </a:xfrm>
         </p:spPr>
         <p:txBody>
           <a:bodyPr>
-            <a:normAutofit/>
+            <a:normAutofit lnSpcReduction="10000"/>
           </a:bodyPr>
           <a:lstStyle/>
           <a:p>
             <a:r>
-              <a:rPr lang="en-US" sz="2000" dirty="0"/>
-              <a:t>Best Parameters</a:t>
+              <a:rPr lang="en-US" sz="2000" b="1" dirty="0"/>
+              <a:t>Parameters</a:t>
             </a:r>
           </a:p>
           <a:p>
             <a:pPr lvl="1"/>
             <a:r>
               <a:rPr lang="en-US" sz="1600" dirty="0"/>
-              <a:t>Max Depth: 11</a:t>
+              <a:t>Trees: 500 </a:t>
             </a:r>
           </a:p>
           <a:p>
             <a:pPr lvl="1"/>
             <a:r>
               <a:rPr lang="en-US" sz="1600" dirty="0"/>
-              <a:t>Min Samples Leaf: 8</a:t>
-            </a:r>
-          </a:p>
-          <a:p>
-            <a:r>
-              <a:rPr lang="en-US" sz="2000" dirty="0"/>
+              <a:t>Max Samples: 783 </a:t>
+            </a:r>
+            <a:endParaRPr lang="en-US" sz="1600" dirty="0" smtClean="0"/>
+          </a:p>
+          <a:p>
+            <a:pPr lvl="2"/>
+            <a:r>
+              <a:rPr lang="en-US" sz="1200" dirty="0" smtClean="0"/>
+              <a:t>(</a:t>
+            </a:r>
+            <a:r>
+              <a:rPr lang="en-US" sz="1200" dirty="0"/>
+              <a:t>2/3rds of training set)</a:t>
+            </a:r>
+          </a:p>
+          <a:p>
+            <a:r>
+              <a:rPr lang="en-US" sz="2000" b="1" dirty="0"/>
               <a:t>R</a:t>
             </a:r>
             <a:r>
-              <a:rPr lang="en-US" sz="2000" baseline="30000" dirty="0"/>
+              <a:rPr lang="en-US" sz="2000" b="1" baseline="30000" dirty="0"/>
               <a:t>2</a:t>
             </a:r>
           </a:p>
@@ -4408,19 +5065,40 @@
             <a:pPr lvl="1"/>
             <a:r>
               <a:rPr lang="en-US" sz="1600" dirty="0"/>
-              <a:t>Training: 91%</a:t>
+              <a:t>Training: 97</a:t>
+            </a:r>
+            <a:r>
+              <a:rPr lang="en-US" sz="1600" dirty="0" smtClean="0"/>
+              <a:t>%</a:t>
             </a:r>
           </a:p>
           <a:p>
             <a:pPr lvl="1"/>
             <a:r>
+              <a:rPr lang="en-US" sz="1600" dirty="0" smtClean="0"/>
+              <a:t>OOB: </a:t>
+            </a:r>
+            <a:r>
+              <a:rPr lang="en-US" sz="1600" dirty="0" smtClean="0"/>
+              <a:t>87%</a:t>
+            </a:r>
+            <a:endParaRPr lang="en-US" sz="1600" dirty="0"/>
+          </a:p>
+          <a:p>
+            <a:pPr lvl="1"/>
+            <a:r>
               <a:rPr lang="en-US" sz="1600" dirty="0"/>
-              <a:t>Test: 77%</a:t>
-            </a:r>
-          </a:p>
-          <a:p>
-            <a:r>
-              <a:rPr lang="en-US" sz="2000" dirty="0"/>
+              <a:t>Test: </a:t>
+            </a:r>
+            <a:r>
+              <a:rPr lang="en-US" sz="1600" dirty="0" smtClean="0"/>
+              <a:t>88%</a:t>
+            </a:r>
+            <a:endParaRPr lang="en-US" sz="1600" dirty="0"/>
+          </a:p>
+          <a:p>
+            <a:r>
+              <a:rPr lang="en-US" sz="2000" b="1" dirty="0"/>
               <a:t>RMSE</a:t>
             </a:r>
           </a:p>
@@ -4428,21 +5106,23 @@
             <a:pPr lvl="1"/>
             <a:r>
               <a:rPr lang="en-US" sz="1600" dirty="0"/>
-              <a:t>Training: .1192</a:t>
+              <a:t>Training: .0745</a:t>
             </a:r>
           </a:p>
           <a:p>
             <a:pPr lvl="1"/>
             <a:r>
               <a:rPr lang="en-US" sz="1600" dirty="0"/>
-              <a:t>Test: .1854</a:t>
-            </a:r>
-          </a:p>
-          <a:p>
-            <a:endParaRPr lang="en-US" sz="2000" dirty="0"/>
-          </a:p>
-          <a:p>
-            <a:endParaRPr lang="en-US" sz="2000" dirty="0"/>
+              <a:t>Test: .</a:t>
+            </a:r>
+            <a:r>
+              <a:rPr lang="en-US" sz="1600" dirty="0" smtClean="0"/>
+              <a:t>1370</a:t>
+            </a:r>
+            <a:endParaRPr lang="en-US" sz="1600" dirty="0"/>
+          </a:p>
+          <a:p>
+            <a:endParaRPr lang="en-US" dirty="0"/>
           </a:p>
         </p:txBody>
       </p:sp>
@@ -4451,7 +5131,7 @@
           <p:cNvPr id="4" name="Picture 3">
             <a:extLst>
               <a:ext uri="{FF2B5EF4-FFF2-40B4-BE49-F238E27FC236}">
-                <a16:creationId xmlns="" xmlns:a16="http://schemas.microsoft.com/office/drawing/2014/main" id="{D4AC7208-E2E6-449B-AA44-A8654FB6E046}"/>
+                <a16:creationId xmlns:a16="http://schemas.microsoft.com/office/drawing/2014/main" xmlns="" id="{4DD6E933-B64E-4FF8-949E-E708E219215D}"/>
               </a:ext>
             </a:extLst>
           </p:cNvPr>
@@ -4460,16 +5140,15 @@
           </p:cNvPicPr>
           <p:nvPr/>
         </p:nvPicPr>
-        <p:blipFill>
+        <p:blipFill rotWithShape="1">
           <a:blip r:embed="rId2"/>
-          <a:stretch>
-            <a:fillRect/>
-          </a:stretch>
+          <a:srcRect l="31342" r="-1"/>
+          <a:stretch/>
         </p:blipFill>
         <p:spPr>
           <a:xfrm>
-            <a:off x="8351786" y="2147425"/>
-            <a:ext cx="3315495" cy="2762912"/>
+            <a:off x="9453149" y="2130433"/>
+            <a:ext cx="2189071" cy="2678221"/>
           </a:xfrm>
           <a:prstGeom prst="rect">
             <a:avLst/>
@@ -4481,7 +5160,7 @@
           <p:cNvPr id="5" name="Content Placeholder 2">
             <a:extLst>
               <a:ext uri="{FF2B5EF4-FFF2-40B4-BE49-F238E27FC236}">
-                <a16:creationId xmlns="" xmlns:a16="http://schemas.microsoft.com/office/drawing/2014/main" id="{E53A9AFD-FF1F-4B43-94F1-7AF9B734F5B0}"/>
+                <a16:creationId xmlns:a16="http://schemas.microsoft.com/office/drawing/2014/main" xmlns="" id="{82C040E9-0E28-48FD-92E4-D24BF4223083}"/>
               </a:ext>
             </a:extLst>
           </p:cNvPr>
@@ -4492,7 +5171,7 @@
         </p:nvSpPr>
         <p:spPr>
           <a:xfrm>
-            <a:off x="838200" y="5340612"/>
+            <a:off x="1185441" y="5692536"/>
             <a:ext cx="9222996" cy="858852"/>
           </a:xfrm>
           <a:prstGeom prst="rect">
@@ -4672,552 +5351,12 @@
               <a:buNone/>
             </a:pPr>
             <a:r>
-              <a:rPr lang="en-US" sz="2000" dirty="0"/>
-              <a:t>THOUGHTS: We have only fit the tree on one set of observations. Lower the variance by fitting the tree on MULTIPLE sets of observations using a Bagged Decision Tree. </a:t>
-            </a:r>
-          </a:p>
-        </p:txBody>
-      </p:sp>
-      <p:pic>
-        <p:nvPicPr>
-          <p:cNvPr id="3075" name="Picture 3"/>
-          <p:cNvPicPr>
-            <a:picLocks noChangeAspect="1" noChangeArrowheads="1"/>
-          </p:cNvPicPr>
-          <p:nvPr/>
-        </p:nvPicPr>
-        <p:blipFill>
-          <a:blip r:embed="rId3">
-            <a:extLst>
-              <a:ext uri="{28A0092B-C50C-407E-A947-70E740481C1C}">
-                <a14:useLocalDpi xmlns:a14="http://schemas.microsoft.com/office/drawing/2010/main" val="0"/>
-              </a:ext>
-            </a:extLst>
-          </a:blip>
-          <a:srcRect/>
-          <a:stretch>
-            <a:fillRect/>
-          </a:stretch>
-        </p:blipFill>
-        <p:spPr bwMode="auto">
-          <a:xfrm>
-            <a:off x="3657602" y="2288059"/>
-            <a:ext cx="4369934" cy="2917073"/>
-          </a:xfrm>
-          <a:prstGeom prst="rect">
-            <a:avLst/>
-          </a:prstGeom>
-          <a:noFill/>
-          <a:ln>
-            <a:noFill/>
-          </a:ln>
-          <a:effectLst/>
-          <a:extLst>
-            <a:ext uri="{909E8E84-426E-40DD-AFC4-6F175D3DCCD1}">
-              <a14:hiddenFill xmlns:a14="http://schemas.microsoft.com/office/drawing/2010/main">
-                <a:solidFill>
-                  <a:schemeClr val="accent1"/>
-                </a:solidFill>
-              </a14:hiddenFill>
-            </a:ext>
-            <a:ext uri="{91240B29-F687-4F45-9708-019B960494DF}">
-              <a14:hiddenLine xmlns:a14="http://schemas.microsoft.com/office/drawing/2010/main" w="9525">
-                <a:solidFill>
-                  <a:schemeClr val="tx1"/>
-                </a:solidFill>
-                <a:miter lim="800000"/>
-                <a:headEnd/>
-                <a:tailEnd/>
-              </a14:hiddenLine>
-            </a:ext>
-            <a:ext uri="{AF507438-7753-43E0-B8FC-AC1667EBCBE1}">
-              <a14:hiddenEffects xmlns:a14="http://schemas.microsoft.com/office/drawing/2010/main">
-                <a:effectLst>
-                  <a:outerShdw dist="35921" dir="2700000" algn="ctr" rotWithShape="0">
-                    <a:schemeClr val="bg2"/>
-                  </a:outerShdw>
-                </a:effectLst>
-              </a14:hiddenEffects>
-            </a:ext>
-          </a:extLst>
-        </p:spPr>
-      </p:pic>
-      <p:sp>
-        <p:nvSpPr>
-          <p:cNvPr id="8" name="TextBox 7"/>
-          <p:cNvSpPr txBox="1"/>
-          <p:nvPr/>
-        </p:nvSpPr>
-        <p:spPr>
-          <a:xfrm>
-            <a:off x="4359728" y="1918727"/>
-            <a:ext cx="3475952" cy="369332"/>
-          </a:xfrm>
-          <a:prstGeom prst="rect">
-            <a:avLst/>
-          </a:prstGeom>
-          <a:noFill/>
-        </p:spPr>
-        <p:txBody>
-          <a:bodyPr wrap="none" rtlCol="0">
-            <a:spAutoFit/>
-          </a:bodyPr>
-          <a:lstStyle/>
-          <a:p>
-            <a:r>
-              <a:rPr lang="en-US" b="1" dirty="0" smtClean="0"/>
-              <a:t>Grid Search Samples in Leaf Nodes</a:t>
-            </a:r>
-            <a:endParaRPr lang="en-US" b="1" dirty="0"/>
-          </a:p>
-        </p:txBody>
-      </p:sp>
-      <p:sp>
-        <p:nvSpPr>
-          <p:cNvPr id="6" name="Oval 5"/>
-          <p:cNvSpPr/>
-          <p:nvPr/>
-        </p:nvSpPr>
-        <p:spPr>
-          <a:xfrm>
-            <a:off x="5449698" y="2895600"/>
-            <a:ext cx="221759" cy="152400"/>
-          </a:xfrm>
-          <a:prstGeom prst="ellipse">
-            <a:avLst/>
-          </a:prstGeom>
-          <a:noFill/>
-        </p:spPr>
-        <p:style>
-          <a:lnRef idx="2">
-            <a:schemeClr val="accent1">
-              <a:shade val="50000"/>
-            </a:schemeClr>
-          </a:lnRef>
-          <a:fillRef idx="1">
-            <a:schemeClr val="accent1"/>
-          </a:fillRef>
-          <a:effectRef idx="0">
-            <a:schemeClr val="accent1"/>
-          </a:effectRef>
-          <a:fontRef idx="minor">
-            <a:schemeClr val="lt1"/>
-          </a:fontRef>
-        </p:style>
-        <p:txBody>
-          <a:bodyPr rtlCol="0" anchor="ctr"/>
-          <a:lstStyle/>
-          <a:p>
-            <a:pPr algn="ctr"/>
-            <a:endParaRPr lang="en-US"/>
-          </a:p>
-        </p:txBody>
-      </p:sp>
-    </p:spTree>
-    <p:extLst>
-      <p:ext uri="{BB962C8B-B14F-4D97-AF65-F5344CB8AC3E}">
-        <p14:creationId xmlns:p14="http://schemas.microsoft.com/office/powerpoint/2010/main" val="2139993555"/>
-      </p:ext>
-    </p:extLst>
-  </p:cSld>
-  <p:clrMapOvr>
-    <a:masterClrMapping/>
-  </p:clrMapOvr>
-</p:sld>
-</file>
-
-<file path=ppt/slides/slide5.xml><?xml version="1.0" encoding="utf-8"?>
-<p:sld xmlns:a="http://schemas.openxmlformats.org/drawingml/2006/main" xmlns:r="http://schemas.openxmlformats.org/officeDocument/2006/relationships" xmlns:p="http://schemas.openxmlformats.org/presentationml/2006/main">
-  <p:cSld>
-    <p:spTree>
-      <p:nvGrpSpPr>
-        <p:cNvPr id="1" name=""/>
-        <p:cNvGrpSpPr/>
-        <p:nvPr/>
-      </p:nvGrpSpPr>
-      <p:grpSpPr>
-        <a:xfrm>
-          <a:off x="0" y="0"/>
-          <a:ext cx="0" cy="0"/>
-          <a:chOff x="0" y="0"/>
-          <a:chExt cx="0" cy="0"/>
-        </a:xfrm>
-      </p:grpSpPr>
-      <p:sp>
-        <p:nvSpPr>
-          <p:cNvPr id="2" name="Title 1">
-            <a:extLst>
-              <a:ext uri="{FF2B5EF4-FFF2-40B4-BE49-F238E27FC236}">
-                <a16:creationId xmlns="" xmlns:a16="http://schemas.microsoft.com/office/drawing/2014/main" id="{D63F14FD-A9F2-424D-991B-D9BA18E538EE}"/>
-              </a:ext>
-            </a:extLst>
-          </p:cNvPr>
-          <p:cNvSpPr>
-            <a:spLocks noGrp="1"/>
-          </p:cNvSpPr>
-          <p:nvPr>
-            <p:ph type="title"/>
-          </p:nvPr>
-        </p:nvSpPr>
-        <p:spPr/>
-        <p:txBody>
-          <a:bodyPr/>
-          <a:lstStyle/>
-          <a:p>
-            <a:r>
-              <a:rPr lang="en-US" dirty="0"/>
-              <a:t>Bagged Tree</a:t>
-            </a:r>
-          </a:p>
-        </p:txBody>
-      </p:sp>
-      <p:sp>
-        <p:nvSpPr>
-          <p:cNvPr id="3" name="Content Placeholder 2">
-            <a:extLst>
-              <a:ext uri="{FF2B5EF4-FFF2-40B4-BE49-F238E27FC236}">
-                <a16:creationId xmlns="" xmlns:a16="http://schemas.microsoft.com/office/drawing/2014/main" id="{3BE76EA3-E471-457F-9F69-641B20CE66F9}"/>
-              </a:ext>
-            </a:extLst>
-          </p:cNvPr>
-          <p:cNvSpPr>
-            <a:spLocks noGrp="1"/>
-          </p:cNvSpPr>
-          <p:nvPr>
-            <p:ph idx="1"/>
-          </p:nvPr>
-        </p:nvSpPr>
-        <p:spPr>
-          <a:xfrm>
-            <a:off x="838200" y="1825625"/>
-            <a:ext cx="4533900" cy="3249714"/>
-          </a:xfrm>
-        </p:spPr>
-        <p:txBody>
-          <a:bodyPr>
-            <a:normAutofit lnSpcReduction="10000"/>
-          </a:bodyPr>
-          <a:lstStyle/>
-          <a:p>
-            <a:r>
-              <a:rPr lang="en-US" sz="2000" dirty="0"/>
-              <a:t>Parameters</a:t>
-            </a:r>
-          </a:p>
-          <a:p>
-            <a:pPr lvl="1"/>
+              <a:rPr lang="en-US" sz="1600" b="1" dirty="0"/>
+              <a:t>THOUGHTS</a:t>
+            </a:r>
             <a:r>
               <a:rPr lang="en-US" sz="1600" dirty="0"/>
-              <a:t>Trees: 500 </a:t>
-            </a:r>
-          </a:p>
-          <a:p>
-            <a:pPr lvl="1"/>
-            <a:r>
-              <a:rPr lang="en-US" sz="1600" dirty="0"/>
-              <a:t>Max Samples: 783 </a:t>
-            </a:r>
-            <a:endParaRPr lang="en-US" sz="1600" dirty="0" smtClean="0"/>
-          </a:p>
-          <a:p>
-            <a:pPr lvl="2"/>
-            <a:r>
-              <a:rPr lang="en-US" sz="1200" dirty="0" smtClean="0"/>
-              <a:t>(</a:t>
-            </a:r>
-            <a:r>
-              <a:rPr lang="en-US" sz="1200" dirty="0"/>
-              <a:t>2/3rds of training set)</a:t>
-            </a:r>
-          </a:p>
-          <a:p>
-            <a:r>
-              <a:rPr lang="en-US" sz="2000" dirty="0"/>
-              <a:t>R</a:t>
-            </a:r>
-            <a:r>
-              <a:rPr lang="en-US" sz="2000" baseline="30000" dirty="0"/>
-              <a:t>2</a:t>
-            </a:r>
-          </a:p>
-          <a:p>
-            <a:pPr lvl="1"/>
-            <a:r>
-              <a:rPr lang="en-US" sz="1600" dirty="0"/>
-              <a:t>Training: 97</a:t>
-            </a:r>
-            <a:r>
-              <a:rPr lang="en-US" sz="1600" dirty="0" smtClean="0"/>
-              <a:t>%</a:t>
-            </a:r>
-          </a:p>
-          <a:p>
-            <a:pPr lvl="1"/>
-            <a:r>
-              <a:rPr lang="en-US" sz="1600" dirty="0" smtClean="0"/>
-              <a:t>OOB: 86%</a:t>
-            </a:r>
-            <a:endParaRPr lang="en-US" sz="1600" dirty="0"/>
-          </a:p>
-          <a:p>
-            <a:pPr lvl="1"/>
-            <a:r>
-              <a:rPr lang="en-US" sz="1600" dirty="0"/>
-              <a:t>Test: 87%</a:t>
-            </a:r>
-          </a:p>
-          <a:p>
-            <a:r>
-              <a:rPr lang="en-US" sz="2000" dirty="0"/>
-              <a:t>RMSE</a:t>
-            </a:r>
-          </a:p>
-          <a:p>
-            <a:pPr lvl="1"/>
-            <a:r>
-              <a:rPr lang="en-US" sz="1600" dirty="0"/>
-              <a:t>Training: .0745</a:t>
-            </a:r>
-          </a:p>
-          <a:p>
-            <a:pPr lvl="1"/>
-            <a:r>
-              <a:rPr lang="en-US" sz="1600" dirty="0"/>
-              <a:t>Test: .1394</a:t>
-            </a:r>
-          </a:p>
-          <a:p>
-            <a:endParaRPr lang="en-US" dirty="0"/>
-          </a:p>
-        </p:txBody>
-      </p:sp>
-      <p:pic>
-        <p:nvPicPr>
-          <p:cNvPr id="4" name="Picture 3">
-            <a:extLst>
-              <a:ext uri="{FF2B5EF4-FFF2-40B4-BE49-F238E27FC236}">
-                <a16:creationId xmlns="" xmlns:a16="http://schemas.microsoft.com/office/drawing/2014/main" id="{4DD6E933-B64E-4FF8-949E-E708E219215D}"/>
-              </a:ext>
-            </a:extLst>
-          </p:cNvPr>
-          <p:cNvPicPr>
-            <a:picLocks noChangeAspect="1"/>
-          </p:cNvPicPr>
-          <p:nvPr/>
-        </p:nvPicPr>
-        <p:blipFill rotWithShape="1">
-          <a:blip r:embed="rId2"/>
-          <a:srcRect l="31342" r="-1"/>
-          <a:stretch/>
-        </p:blipFill>
-        <p:spPr>
-          <a:xfrm>
-            <a:off x="9005062" y="1474679"/>
-            <a:ext cx="2887529" cy="3532750"/>
-          </a:xfrm>
-          <a:prstGeom prst="rect">
-            <a:avLst/>
-          </a:prstGeom>
-        </p:spPr>
-      </p:pic>
-      <p:sp>
-        <p:nvSpPr>
-          <p:cNvPr id="5" name="Content Placeholder 2">
-            <a:extLst>
-              <a:ext uri="{FF2B5EF4-FFF2-40B4-BE49-F238E27FC236}">
-                <a16:creationId xmlns="" xmlns:a16="http://schemas.microsoft.com/office/drawing/2014/main" id="{82C040E9-0E28-48FD-92E4-D24BF4223083}"/>
-              </a:ext>
-            </a:extLst>
-          </p:cNvPr>
-          <p:cNvSpPr txBox="1">
-            <a:spLocks/>
-          </p:cNvSpPr>
-          <p:nvPr/>
-        </p:nvSpPr>
-        <p:spPr>
-          <a:xfrm>
-            <a:off x="838200" y="5340612"/>
-            <a:ext cx="9222996" cy="858852"/>
-          </a:xfrm>
-          <a:prstGeom prst="rect">
-            <a:avLst/>
-          </a:prstGeom>
-        </p:spPr>
-        <p:txBody>
-          <a:bodyPr vert="horz" lIns="91440" tIns="45720" rIns="91440" bIns="45720" rtlCol="0">
-            <a:normAutofit lnSpcReduction="10000"/>
-          </a:bodyPr>
-          <a:lstStyle>
-            <a:lvl1pPr marL="228600" indent="-228600" algn="l" defTabSz="914400" rtl="0" eaLnBrk="1" latinLnBrk="0" hangingPunct="1">
-              <a:lnSpc>
-                <a:spcPct val="90000"/>
-              </a:lnSpc>
-              <a:spcBef>
-                <a:spcPts val="1000"/>
-              </a:spcBef>
-              <a:buFont typeface="Arial" panose="020B0604020202020204" pitchFamily="34" charset="0"/>
-              <a:buChar char="•"/>
-              <a:defRPr sz="2800" kern="1200">
-                <a:solidFill>
-                  <a:schemeClr val="tx1"/>
-                </a:solidFill>
-                <a:latin typeface="+mn-lt"/>
-                <a:ea typeface="+mn-ea"/>
-                <a:cs typeface="+mn-cs"/>
-              </a:defRPr>
-            </a:lvl1pPr>
-            <a:lvl2pPr marL="685800" indent="-228600" algn="l" defTabSz="914400" rtl="0" eaLnBrk="1" latinLnBrk="0" hangingPunct="1">
-              <a:lnSpc>
-                <a:spcPct val="90000"/>
-              </a:lnSpc>
-              <a:spcBef>
-                <a:spcPts val="500"/>
-              </a:spcBef>
-              <a:buFont typeface="Arial" panose="020B0604020202020204" pitchFamily="34" charset="0"/>
-              <a:buChar char="•"/>
-              <a:defRPr sz="2400" kern="1200">
-                <a:solidFill>
-                  <a:schemeClr val="tx1"/>
-                </a:solidFill>
-                <a:latin typeface="+mn-lt"/>
-                <a:ea typeface="+mn-ea"/>
-                <a:cs typeface="+mn-cs"/>
-              </a:defRPr>
-            </a:lvl2pPr>
-            <a:lvl3pPr marL="1143000" indent="-228600" algn="l" defTabSz="914400" rtl="0" eaLnBrk="1" latinLnBrk="0" hangingPunct="1">
-              <a:lnSpc>
-                <a:spcPct val="90000"/>
-              </a:lnSpc>
-              <a:spcBef>
-                <a:spcPts val="500"/>
-              </a:spcBef>
-              <a:buFont typeface="Arial" panose="020B0604020202020204" pitchFamily="34" charset="0"/>
-              <a:buChar char="•"/>
-              <a:defRPr sz="2000" kern="1200">
-                <a:solidFill>
-                  <a:schemeClr val="tx1"/>
-                </a:solidFill>
-                <a:latin typeface="+mn-lt"/>
-                <a:ea typeface="+mn-ea"/>
-                <a:cs typeface="+mn-cs"/>
-              </a:defRPr>
-            </a:lvl3pPr>
-            <a:lvl4pPr marL="1600200" indent="-228600" algn="l" defTabSz="914400" rtl="0" eaLnBrk="1" latinLnBrk="0" hangingPunct="1">
-              <a:lnSpc>
-                <a:spcPct val="90000"/>
-              </a:lnSpc>
-              <a:spcBef>
-                <a:spcPts val="500"/>
-              </a:spcBef>
-              <a:buFont typeface="Arial" panose="020B0604020202020204" pitchFamily="34" charset="0"/>
-              <a:buChar char="•"/>
-              <a:defRPr sz="1800" kern="1200">
-                <a:solidFill>
-                  <a:schemeClr val="tx1"/>
-                </a:solidFill>
-                <a:latin typeface="+mn-lt"/>
-                <a:ea typeface="+mn-ea"/>
-                <a:cs typeface="+mn-cs"/>
-              </a:defRPr>
-            </a:lvl4pPr>
-            <a:lvl5pPr marL="2057400" indent="-228600" algn="l" defTabSz="914400" rtl="0" eaLnBrk="1" latinLnBrk="0" hangingPunct="1">
-              <a:lnSpc>
-                <a:spcPct val="90000"/>
-              </a:lnSpc>
-              <a:spcBef>
-                <a:spcPts val="500"/>
-              </a:spcBef>
-              <a:buFont typeface="Arial" panose="020B0604020202020204" pitchFamily="34" charset="0"/>
-              <a:buChar char="•"/>
-              <a:defRPr sz="1800" kern="1200">
-                <a:solidFill>
-                  <a:schemeClr val="tx1"/>
-                </a:solidFill>
-                <a:latin typeface="+mn-lt"/>
-                <a:ea typeface="+mn-ea"/>
-                <a:cs typeface="+mn-cs"/>
-              </a:defRPr>
-            </a:lvl5pPr>
-            <a:lvl6pPr marL="2514600" indent="-228600" algn="l" defTabSz="914400" rtl="0" eaLnBrk="1" latinLnBrk="0" hangingPunct="1">
-              <a:lnSpc>
-                <a:spcPct val="90000"/>
-              </a:lnSpc>
-              <a:spcBef>
-                <a:spcPts val="500"/>
-              </a:spcBef>
-              <a:buFont typeface="Arial" panose="020B0604020202020204" pitchFamily="34" charset="0"/>
-              <a:buChar char="•"/>
-              <a:defRPr sz="1800" kern="1200">
-                <a:solidFill>
-                  <a:schemeClr val="tx1"/>
-                </a:solidFill>
-                <a:latin typeface="+mn-lt"/>
-                <a:ea typeface="+mn-ea"/>
-                <a:cs typeface="+mn-cs"/>
-              </a:defRPr>
-            </a:lvl6pPr>
-            <a:lvl7pPr marL="2971800" indent="-228600" algn="l" defTabSz="914400" rtl="0" eaLnBrk="1" latinLnBrk="0" hangingPunct="1">
-              <a:lnSpc>
-                <a:spcPct val="90000"/>
-              </a:lnSpc>
-              <a:spcBef>
-                <a:spcPts val="500"/>
-              </a:spcBef>
-              <a:buFont typeface="Arial" panose="020B0604020202020204" pitchFamily="34" charset="0"/>
-              <a:buChar char="•"/>
-              <a:defRPr sz="1800" kern="1200">
-                <a:solidFill>
-                  <a:schemeClr val="tx1"/>
-                </a:solidFill>
-                <a:latin typeface="+mn-lt"/>
-                <a:ea typeface="+mn-ea"/>
-                <a:cs typeface="+mn-cs"/>
-              </a:defRPr>
-            </a:lvl7pPr>
-            <a:lvl8pPr marL="3429000" indent="-228600" algn="l" defTabSz="914400" rtl="0" eaLnBrk="1" latinLnBrk="0" hangingPunct="1">
-              <a:lnSpc>
-                <a:spcPct val="90000"/>
-              </a:lnSpc>
-              <a:spcBef>
-                <a:spcPts val="500"/>
-              </a:spcBef>
-              <a:buFont typeface="Arial" panose="020B0604020202020204" pitchFamily="34" charset="0"/>
-              <a:buChar char="•"/>
-              <a:defRPr sz="1800" kern="1200">
-                <a:solidFill>
-                  <a:schemeClr val="tx1"/>
-                </a:solidFill>
-                <a:latin typeface="+mn-lt"/>
-                <a:ea typeface="+mn-ea"/>
-                <a:cs typeface="+mn-cs"/>
-              </a:defRPr>
-            </a:lvl8pPr>
-            <a:lvl9pPr marL="3886200" indent="-228600" algn="l" defTabSz="914400" rtl="0" eaLnBrk="1" latinLnBrk="0" hangingPunct="1">
-              <a:lnSpc>
-                <a:spcPct val="90000"/>
-              </a:lnSpc>
-              <a:spcBef>
-                <a:spcPts val="500"/>
-              </a:spcBef>
-              <a:buFont typeface="Arial" panose="020B0604020202020204" pitchFamily="34" charset="0"/>
-              <a:buChar char="•"/>
-              <a:defRPr sz="1800" kern="1200">
-                <a:solidFill>
-                  <a:schemeClr val="tx1"/>
-                </a:solidFill>
-                <a:latin typeface="+mn-lt"/>
-                <a:ea typeface="+mn-ea"/>
-                <a:cs typeface="+mn-cs"/>
-              </a:defRPr>
-            </a:lvl9pPr>
-          </a:lstStyle>
-          <a:p>
-            <a:pPr marL="0" indent="0">
-              <a:buNone/>
-            </a:pPr>
-            <a:r>
-              <a:rPr lang="en-US" sz="2000" dirty="0"/>
-              <a:t>THOUGHTS: Training and Test scores were improved but trees are too correlated as we are using the same set of parameters. Take subset of predictors at each split to decorrelate the trees using Random Forest.</a:t>
+              <a:t>: Training and Test scores were improved but trees are too correlated as we are using the same set of parameters. Take subset of predictors at each split to decorrelate the trees using Random Forest.</a:t>
             </a:r>
           </a:p>
         </p:txBody>
@@ -5407,6 +5546,887 @@
 </p:sld>
 </file>
 
+<file path=ppt/slides/slide5.xml><?xml version="1.0" encoding="utf-8"?>
+<p:sld xmlns:a="http://schemas.openxmlformats.org/drawingml/2006/main" xmlns:r="http://schemas.openxmlformats.org/officeDocument/2006/relationships" xmlns:p="http://schemas.openxmlformats.org/presentationml/2006/main">
+  <p:cSld>
+    <p:spTree>
+      <p:nvGrpSpPr>
+        <p:cNvPr id="1" name=""/>
+        <p:cNvGrpSpPr/>
+        <p:nvPr/>
+      </p:nvGrpSpPr>
+      <p:grpSpPr>
+        <a:xfrm>
+          <a:off x="0" y="0"/>
+          <a:ext cx="0" cy="0"/>
+          <a:chOff x="0" y="0"/>
+          <a:chExt cx="0" cy="0"/>
+        </a:xfrm>
+      </p:grpSpPr>
+      <p:sp>
+        <p:nvSpPr>
+          <p:cNvPr id="2" name="Title 1">
+            <a:extLst>
+              <a:ext uri="{FF2B5EF4-FFF2-40B4-BE49-F238E27FC236}">
+                <a16:creationId xmlns:a16="http://schemas.microsoft.com/office/drawing/2014/main" xmlns="" id="{EF5CCF55-42B2-43D5-BDF7-588BCF176369}"/>
+              </a:ext>
+            </a:extLst>
+          </p:cNvPr>
+          <p:cNvSpPr>
+            <a:spLocks noGrp="1"/>
+          </p:cNvSpPr>
+          <p:nvPr>
+            <p:ph type="title"/>
+          </p:nvPr>
+        </p:nvSpPr>
+        <p:spPr/>
+        <p:txBody>
+          <a:bodyPr/>
+          <a:lstStyle/>
+          <a:p>
+            <a:r>
+              <a:rPr lang="en-US" dirty="0" smtClean="0"/>
+              <a:t>Bagged Tree vs. Random Forest. No Change?!</a:t>
+            </a:r>
+            <a:endParaRPr lang="en-US" dirty="0"/>
+          </a:p>
+        </p:txBody>
+      </p:sp>
+      <p:sp>
+        <p:nvSpPr>
+          <p:cNvPr id="3" name="Content Placeholder 2">
+            <a:extLst>
+              <a:ext uri="{FF2B5EF4-FFF2-40B4-BE49-F238E27FC236}">
+                <a16:creationId xmlns:a16="http://schemas.microsoft.com/office/drawing/2014/main" xmlns="" id="{776F7041-413C-4BCA-81F9-365D83E05FE6}"/>
+              </a:ext>
+            </a:extLst>
+          </p:cNvPr>
+          <p:cNvSpPr>
+            <a:spLocks noGrp="1"/>
+          </p:cNvSpPr>
+          <p:nvPr>
+            <p:ph idx="1"/>
+          </p:nvPr>
+        </p:nvSpPr>
+        <p:spPr>
+          <a:xfrm>
+            <a:off x="7002078" y="2016253"/>
+            <a:ext cx="3966733" cy="3514987"/>
+          </a:xfrm>
+        </p:spPr>
+        <p:txBody>
+          <a:bodyPr/>
+          <a:lstStyle/>
+          <a:p>
+            <a:r>
+              <a:rPr lang="en-US" sz="2000" b="1" dirty="0"/>
+              <a:t>Parameters</a:t>
+            </a:r>
+          </a:p>
+          <a:p>
+            <a:pPr lvl="1"/>
+            <a:r>
+              <a:rPr lang="en-US" sz="1600" dirty="0"/>
+              <a:t>Trees: 500</a:t>
+            </a:r>
+          </a:p>
+          <a:p>
+            <a:pPr lvl="1"/>
+            <a:r>
+              <a:rPr lang="en-US" sz="1600" dirty="0"/>
+              <a:t>Max features: 17 </a:t>
+            </a:r>
+            <a:r>
+              <a:rPr lang="en-US" sz="1600" dirty="0" smtClean="0"/>
+              <a:t>( </a:t>
+            </a:r>
+            <a:r>
+              <a:rPr lang="en-US" sz="1600" i="1" dirty="0" err="1" smtClean="0"/>
+              <a:t>sqrt</a:t>
+            </a:r>
+            <a:r>
+              <a:rPr lang="en-US" sz="1600" i="1" dirty="0" smtClean="0"/>
+              <a:t>(p)</a:t>
+            </a:r>
+            <a:r>
+              <a:rPr lang="en-US" sz="1600" dirty="0" smtClean="0"/>
+              <a:t> )</a:t>
+            </a:r>
+          </a:p>
+          <a:p>
+            <a:r>
+              <a:rPr lang="en-US" sz="2000" b="1" dirty="0" smtClean="0"/>
+              <a:t>R</a:t>
+            </a:r>
+            <a:r>
+              <a:rPr lang="en-US" sz="2000" b="1" baseline="30000" dirty="0" smtClean="0"/>
+              <a:t>2</a:t>
+            </a:r>
+          </a:p>
+          <a:p>
+            <a:pPr lvl="1"/>
+            <a:r>
+              <a:rPr lang="en-US" sz="1600" dirty="0" smtClean="0"/>
+              <a:t>Training</a:t>
+            </a:r>
+            <a:r>
+              <a:rPr lang="en-US" sz="1600" dirty="0"/>
+              <a:t>: 98</a:t>
+            </a:r>
+            <a:r>
+              <a:rPr lang="en-US" sz="1600" dirty="0" smtClean="0"/>
+              <a:t>%</a:t>
+            </a:r>
+          </a:p>
+          <a:p>
+            <a:pPr lvl="1"/>
+            <a:r>
+              <a:rPr lang="en-US" sz="1600" dirty="0" smtClean="0"/>
+              <a:t>OOB: 86%</a:t>
+            </a:r>
+            <a:endParaRPr lang="en-US" sz="1600" dirty="0"/>
+          </a:p>
+          <a:p>
+            <a:pPr lvl="1"/>
+            <a:r>
+              <a:rPr lang="en-US" sz="1600" dirty="0"/>
+              <a:t>Test: </a:t>
+            </a:r>
+            <a:r>
+              <a:rPr lang="en-US" sz="1600" dirty="0" smtClean="0"/>
+              <a:t>88%</a:t>
+            </a:r>
+            <a:endParaRPr lang="en-US" sz="1600" dirty="0"/>
+          </a:p>
+          <a:p>
+            <a:r>
+              <a:rPr lang="en-US" sz="2000" b="1" dirty="0"/>
+              <a:t>RMSE</a:t>
+            </a:r>
+          </a:p>
+          <a:p>
+            <a:pPr lvl="1"/>
+            <a:r>
+              <a:rPr lang="en-US" sz="1600" dirty="0"/>
+              <a:t>Training: .0538</a:t>
+            </a:r>
+          </a:p>
+          <a:p>
+            <a:pPr lvl="1"/>
+            <a:r>
+              <a:rPr lang="en-US" sz="1600" dirty="0"/>
+              <a:t>Test: .</a:t>
+            </a:r>
+            <a:r>
+              <a:rPr lang="en-US" sz="1600" dirty="0" smtClean="0"/>
+              <a:t>1339</a:t>
+            </a:r>
+            <a:endParaRPr lang="en-US" sz="1600" dirty="0"/>
+          </a:p>
+          <a:p>
+            <a:endParaRPr lang="en-US" dirty="0"/>
+          </a:p>
+        </p:txBody>
+      </p:sp>
+      <p:sp>
+        <p:nvSpPr>
+          <p:cNvPr id="5" name="Content Placeholder 2">
+            <a:extLst>
+              <a:ext uri="{FF2B5EF4-FFF2-40B4-BE49-F238E27FC236}">
+                <a16:creationId xmlns:a16="http://schemas.microsoft.com/office/drawing/2014/main" xmlns="" id="{8FBA144D-5088-494F-9C0D-8510E5C3FF66}"/>
+              </a:ext>
+            </a:extLst>
+          </p:cNvPr>
+          <p:cNvSpPr txBox="1">
+            <a:spLocks/>
+          </p:cNvSpPr>
+          <p:nvPr/>
+        </p:nvSpPr>
+        <p:spPr>
+          <a:xfrm>
+            <a:off x="838200" y="5520226"/>
+            <a:ext cx="9222996" cy="858852"/>
+          </a:xfrm>
+          <a:prstGeom prst="rect">
+            <a:avLst/>
+          </a:prstGeom>
+        </p:spPr>
+        <p:txBody>
+          <a:bodyPr vert="horz" lIns="91440" tIns="45720" rIns="91440" bIns="45720" rtlCol="0">
+            <a:normAutofit lnSpcReduction="10000"/>
+          </a:bodyPr>
+          <a:lstStyle>
+            <a:lvl1pPr marL="228600" indent="-228600" algn="l" defTabSz="914400" rtl="0" eaLnBrk="1" latinLnBrk="0" hangingPunct="1">
+              <a:lnSpc>
+                <a:spcPct val="90000"/>
+              </a:lnSpc>
+              <a:spcBef>
+                <a:spcPts val="1000"/>
+              </a:spcBef>
+              <a:buFont typeface="Arial" panose="020B0604020202020204" pitchFamily="34" charset="0"/>
+              <a:buChar char="•"/>
+              <a:defRPr sz="2800" kern="1200">
+                <a:solidFill>
+                  <a:schemeClr val="tx1"/>
+                </a:solidFill>
+                <a:latin typeface="+mn-lt"/>
+                <a:ea typeface="+mn-ea"/>
+                <a:cs typeface="+mn-cs"/>
+              </a:defRPr>
+            </a:lvl1pPr>
+            <a:lvl2pPr marL="685800" indent="-228600" algn="l" defTabSz="914400" rtl="0" eaLnBrk="1" latinLnBrk="0" hangingPunct="1">
+              <a:lnSpc>
+                <a:spcPct val="90000"/>
+              </a:lnSpc>
+              <a:spcBef>
+                <a:spcPts val="500"/>
+              </a:spcBef>
+              <a:buFont typeface="Arial" panose="020B0604020202020204" pitchFamily="34" charset="0"/>
+              <a:buChar char="•"/>
+              <a:defRPr sz="2400" kern="1200">
+                <a:solidFill>
+                  <a:schemeClr val="tx1"/>
+                </a:solidFill>
+                <a:latin typeface="+mn-lt"/>
+                <a:ea typeface="+mn-ea"/>
+                <a:cs typeface="+mn-cs"/>
+              </a:defRPr>
+            </a:lvl2pPr>
+            <a:lvl3pPr marL="1143000" indent="-228600" algn="l" defTabSz="914400" rtl="0" eaLnBrk="1" latinLnBrk="0" hangingPunct="1">
+              <a:lnSpc>
+                <a:spcPct val="90000"/>
+              </a:lnSpc>
+              <a:spcBef>
+                <a:spcPts val="500"/>
+              </a:spcBef>
+              <a:buFont typeface="Arial" panose="020B0604020202020204" pitchFamily="34" charset="0"/>
+              <a:buChar char="•"/>
+              <a:defRPr sz="2000" kern="1200">
+                <a:solidFill>
+                  <a:schemeClr val="tx1"/>
+                </a:solidFill>
+                <a:latin typeface="+mn-lt"/>
+                <a:ea typeface="+mn-ea"/>
+                <a:cs typeface="+mn-cs"/>
+              </a:defRPr>
+            </a:lvl3pPr>
+            <a:lvl4pPr marL="1600200" indent="-228600" algn="l" defTabSz="914400" rtl="0" eaLnBrk="1" latinLnBrk="0" hangingPunct="1">
+              <a:lnSpc>
+                <a:spcPct val="90000"/>
+              </a:lnSpc>
+              <a:spcBef>
+                <a:spcPts val="500"/>
+              </a:spcBef>
+              <a:buFont typeface="Arial" panose="020B0604020202020204" pitchFamily="34" charset="0"/>
+              <a:buChar char="•"/>
+              <a:defRPr sz="1800" kern="1200">
+                <a:solidFill>
+                  <a:schemeClr val="tx1"/>
+                </a:solidFill>
+                <a:latin typeface="+mn-lt"/>
+                <a:ea typeface="+mn-ea"/>
+                <a:cs typeface="+mn-cs"/>
+              </a:defRPr>
+            </a:lvl4pPr>
+            <a:lvl5pPr marL="2057400" indent="-228600" algn="l" defTabSz="914400" rtl="0" eaLnBrk="1" latinLnBrk="0" hangingPunct="1">
+              <a:lnSpc>
+                <a:spcPct val="90000"/>
+              </a:lnSpc>
+              <a:spcBef>
+                <a:spcPts val="500"/>
+              </a:spcBef>
+              <a:buFont typeface="Arial" panose="020B0604020202020204" pitchFamily="34" charset="0"/>
+              <a:buChar char="•"/>
+              <a:defRPr sz="1800" kern="1200">
+                <a:solidFill>
+                  <a:schemeClr val="tx1"/>
+                </a:solidFill>
+                <a:latin typeface="+mn-lt"/>
+                <a:ea typeface="+mn-ea"/>
+                <a:cs typeface="+mn-cs"/>
+              </a:defRPr>
+            </a:lvl5pPr>
+            <a:lvl6pPr marL="2514600" indent="-228600" algn="l" defTabSz="914400" rtl="0" eaLnBrk="1" latinLnBrk="0" hangingPunct="1">
+              <a:lnSpc>
+                <a:spcPct val="90000"/>
+              </a:lnSpc>
+              <a:spcBef>
+                <a:spcPts val="500"/>
+              </a:spcBef>
+              <a:buFont typeface="Arial" panose="020B0604020202020204" pitchFamily="34" charset="0"/>
+              <a:buChar char="•"/>
+              <a:defRPr sz="1800" kern="1200">
+                <a:solidFill>
+                  <a:schemeClr val="tx1"/>
+                </a:solidFill>
+                <a:latin typeface="+mn-lt"/>
+                <a:ea typeface="+mn-ea"/>
+                <a:cs typeface="+mn-cs"/>
+              </a:defRPr>
+            </a:lvl6pPr>
+            <a:lvl7pPr marL="2971800" indent="-228600" algn="l" defTabSz="914400" rtl="0" eaLnBrk="1" latinLnBrk="0" hangingPunct="1">
+              <a:lnSpc>
+                <a:spcPct val="90000"/>
+              </a:lnSpc>
+              <a:spcBef>
+                <a:spcPts val="500"/>
+              </a:spcBef>
+              <a:buFont typeface="Arial" panose="020B0604020202020204" pitchFamily="34" charset="0"/>
+              <a:buChar char="•"/>
+              <a:defRPr sz="1800" kern="1200">
+                <a:solidFill>
+                  <a:schemeClr val="tx1"/>
+                </a:solidFill>
+                <a:latin typeface="+mn-lt"/>
+                <a:ea typeface="+mn-ea"/>
+                <a:cs typeface="+mn-cs"/>
+              </a:defRPr>
+            </a:lvl7pPr>
+            <a:lvl8pPr marL="3429000" indent="-228600" algn="l" defTabSz="914400" rtl="0" eaLnBrk="1" latinLnBrk="0" hangingPunct="1">
+              <a:lnSpc>
+                <a:spcPct val="90000"/>
+              </a:lnSpc>
+              <a:spcBef>
+                <a:spcPts val="500"/>
+              </a:spcBef>
+              <a:buFont typeface="Arial" panose="020B0604020202020204" pitchFamily="34" charset="0"/>
+              <a:buChar char="•"/>
+              <a:defRPr sz="1800" kern="1200">
+                <a:solidFill>
+                  <a:schemeClr val="tx1"/>
+                </a:solidFill>
+                <a:latin typeface="+mn-lt"/>
+                <a:ea typeface="+mn-ea"/>
+                <a:cs typeface="+mn-cs"/>
+              </a:defRPr>
+            </a:lvl8pPr>
+            <a:lvl9pPr marL="3886200" indent="-228600" algn="l" defTabSz="914400" rtl="0" eaLnBrk="1" latinLnBrk="0" hangingPunct="1">
+              <a:lnSpc>
+                <a:spcPct val="90000"/>
+              </a:lnSpc>
+              <a:spcBef>
+                <a:spcPts val="500"/>
+              </a:spcBef>
+              <a:buFont typeface="Arial" panose="020B0604020202020204" pitchFamily="34" charset="0"/>
+              <a:buChar char="•"/>
+              <a:defRPr sz="1800" kern="1200">
+                <a:solidFill>
+                  <a:schemeClr val="tx1"/>
+                </a:solidFill>
+                <a:latin typeface="+mn-lt"/>
+                <a:ea typeface="+mn-ea"/>
+                <a:cs typeface="+mn-cs"/>
+              </a:defRPr>
+            </a:lvl9pPr>
+          </a:lstStyle>
+          <a:p>
+            <a:pPr marL="0" indent="0">
+              <a:buNone/>
+            </a:pPr>
+            <a:r>
+              <a:rPr lang="en-US" sz="2000" b="1" dirty="0"/>
+              <a:t>THOUGHTS</a:t>
+            </a:r>
+            <a:r>
+              <a:rPr lang="en-US" sz="2000" dirty="0"/>
+              <a:t>: Things barely changed </a:t>
+            </a:r>
+            <a:r>
+              <a:rPr lang="en-US" sz="2000" dirty="0" smtClean="0"/>
+              <a:t>(.</a:t>
+            </a:r>
+            <a:r>
+              <a:rPr lang="en-US" sz="2000" dirty="0" smtClean="0"/>
+              <a:t>003 </a:t>
+            </a:r>
+            <a:r>
+              <a:rPr lang="en-US" sz="2000" dirty="0" smtClean="0"/>
+              <a:t>improvement in Test RMSE) </a:t>
+            </a:r>
+            <a:r>
+              <a:rPr lang="en-US" sz="2000" dirty="0"/>
+              <a:t>in the results between the Bagged Tree and the Random Forest model. But what DID change were the importance to each predictor.</a:t>
+            </a:r>
+          </a:p>
+        </p:txBody>
+      </p:sp>
+      <p:sp>
+        <p:nvSpPr>
+          <p:cNvPr id="6" name="Content Placeholder 2">
+            <a:extLst>
+              <a:ext uri="{FF2B5EF4-FFF2-40B4-BE49-F238E27FC236}">
+                <a16:creationId xmlns:a16="http://schemas.microsoft.com/office/drawing/2014/main" xmlns="" id="{3BE76EA3-E471-457F-9F69-641B20CE66F9}"/>
+              </a:ext>
+            </a:extLst>
+          </p:cNvPr>
+          <p:cNvSpPr txBox="1">
+            <a:spLocks/>
+          </p:cNvSpPr>
+          <p:nvPr/>
+        </p:nvSpPr>
+        <p:spPr>
+          <a:xfrm>
+            <a:off x="1371283" y="2024871"/>
+            <a:ext cx="4006265" cy="3249714"/>
+          </a:xfrm>
+          <a:prstGeom prst="rect">
+            <a:avLst/>
+          </a:prstGeom>
+        </p:spPr>
+        <p:txBody>
+          <a:bodyPr vert="horz" lIns="91440" tIns="45720" rIns="91440" bIns="45720" rtlCol="0">
+            <a:normAutofit/>
+          </a:bodyPr>
+          <a:lstStyle>
+            <a:lvl1pPr marL="228600" indent="-228600" algn="l" defTabSz="914400" rtl="0" eaLnBrk="1" latinLnBrk="0" hangingPunct="1">
+              <a:lnSpc>
+                <a:spcPct val="90000"/>
+              </a:lnSpc>
+              <a:spcBef>
+                <a:spcPts val="1000"/>
+              </a:spcBef>
+              <a:buFont typeface="Arial" panose="020B0604020202020204" pitchFamily="34" charset="0"/>
+              <a:buChar char="•"/>
+              <a:defRPr sz="2800" kern="1200">
+                <a:solidFill>
+                  <a:schemeClr val="tx1"/>
+                </a:solidFill>
+                <a:latin typeface="+mn-lt"/>
+                <a:ea typeface="+mn-ea"/>
+                <a:cs typeface="+mn-cs"/>
+              </a:defRPr>
+            </a:lvl1pPr>
+            <a:lvl2pPr marL="685800" indent="-228600" algn="l" defTabSz="914400" rtl="0" eaLnBrk="1" latinLnBrk="0" hangingPunct="1">
+              <a:lnSpc>
+                <a:spcPct val="90000"/>
+              </a:lnSpc>
+              <a:spcBef>
+                <a:spcPts val="500"/>
+              </a:spcBef>
+              <a:buFont typeface="Arial" panose="020B0604020202020204" pitchFamily="34" charset="0"/>
+              <a:buChar char="•"/>
+              <a:defRPr sz="2400" kern="1200">
+                <a:solidFill>
+                  <a:schemeClr val="tx1"/>
+                </a:solidFill>
+                <a:latin typeface="+mn-lt"/>
+                <a:ea typeface="+mn-ea"/>
+                <a:cs typeface="+mn-cs"/>
+              </a:defRPr>
+            </a:lvl2pPr>
+            <a:lvl3pPr marL="1143000" indent="-228600" algn="l" defTabSz="914400" rtl="0" eaLnBrk="1" latinLnBrk="0" hangingPunct="1">
+              <a:lnSpc>
+                <a:spcPct val="90000"/>
+              </a:lnSpc>
+              <a:spcBef>
+                <a:spcPts val="500"/>
+              </a:spcBef>
+              <a:buFont typeface="Arial" panose="020B0604020202020204" pitchFamily="34" charset="0"/>
+              <a:buChar char="•"/>
+              <a:defRPr sz="2000" kern="1200">
+                <a:solidFill>
+                  <a:schemeClr val="tx1"/>
+                </a:solidFill>
+                <a:latin typeface="+mn-lt"/>
+                <a:ea typeface="+mn-ea"/>
+                <a:cs typeface="+mn-cs"/>
+              </a:defRPr>
+            </a:lvl3pPr>
+            <a:lvl4pPr marL="1600200" indent="-228600" algn="l" defTabSz="914400" rtl="0" eaLnBrk="1" latinLnBrk="0" hangingPunct="1">
+              <a:lnSpc>
+                <a:spcPct val="90000"/>
+              </a:lnSpc>
+              <a:spcBef>
+                <a:spcPts val="500"/>
+              </a:spcBef>
+              <a:buFont typeface="Arial" panose="020B0604020202020204" pitchFamily="34" charset="0"/>
+              <a:buChar char="•"/>
+              <a:defRPr sz="1800" kern="1200">
+                <a:solidFill>
+                  <a:schemeClr val="tx1"/>
+                </a:solidFill>
+                <a:latin typeface="+mn-lt"/>
+                <a:ea typeface="+mn-ea"/>
+                <a:cs typeface="+mn-cs"/>
+              </a:defRPr>
+            </a:lvl4pPr>
+            <a:lvl5pPr marL="2057400" indent="-228600" algn="l" defTabSz="914400" rtl="0" eaLnBrk="1" latinLnBrk="0" hangingPunct="1">
+              <a:lnSpc>
+                <a:spcPct val="90000"/>
+              </a:lnSpc>
+              <a:spcBef>
+                <a:spcPts val="500"/>
+              </a:spcBef>
+              <a:buFont typeface="Arial" panose="020B0604020202020204" pitchFamily="34" charset="0"/>
+              <a:buChar char="•"/>
+              <a:defRPr sz="1800" kern="1200">
+                <a:solidFill>
+                  <a:schemeClr val="tx1"/>
+                </a:solidFill>
+                <a:latin typeface="+mn-lt"/>
+                <a:ea typeface="+mn-ea"/>
+                <a:cs typeface="+mn-cs"/>
+              </a:defRPr>
+            </a:lvl5pPr>
+            <a:lvl6pPr marL="2514600" indent="-228600" algn="l" defTabSz="914400" rtl="0" eaLnBrk="1" latinLnBrk="0" hangingPunct="1">
+              <a:lnSpc>
+                <a:spcPct val="90000"/>
+              </a:lnSpc>
+              <a:spcBef>
+                <a:spcPts val="500"/>
+              </a:spcBef>
+              <a:buFont typeface="Arial" panose="020B0604020202020204" pitchFamily="34" charset="0"/>
+              <a:buChar char="•"/>
+              <a:defRPr sz="1800" kern="1200">
+                <a:solidFill>
+                  <a:schemeClr val="tx1"/>
+                </a:solidFill>
+                <a:latin typeface="+mn-lt"/>
+                <a:ea typeface="+mn-ea"/>
+                <a:cs typeface="+mn-cs"/>
+              </a:defRPr>
+            </a:lvl6pPr>
+            <a:lvl7pPr marL="2971800" indent="-228600" algn="l" defTabSz="914400" rtl="0" eaLnBrk="1" latinLnBrk="0" hangingPunct="1">
+              <a:lnSpc>
+                <a:spcPct val="90000"/>
+              </a:lnSpc>
+              <a:spcBef>
+                <a:spcPts val="500"/>
+              </a:spcBef>
+              <a:buFont typeface="Arial" panose="020B0604020202020204" pitchFamily="34" charset="0"/>
+              <a:buChar char="•"/>
+              <a:defRPr sz="1800" kern="1200">
+                <a:solidFill>
+                  <a:schemeClr val="tx1"/>
+                </a:solidFill>
+                <a:latin typeface="+mn-lt"/>
+                <a:ea typeface="+mn-ea"/>
+                <a:cs typeface="+mn-cs"/>
+              </a:defRPr>
+            </a:lvl7pPr>
+            <a:lvl8pPr marL="3429000" indent="-228600" algn="l" defTabSz="914400" rtl="0" eaLnBrk="1" latinLnBrk="0" hangingPunct="1">
+              <a:lnSpc>
+                <a:spcPct val="90000"/>
+              </a:lnSpc>
+              <a:spcBef>
+                <a:spcPts val="500"/>
+              </a:spcBef>
+              <a:buFont typeface="Arial" panose="020B0604020202020204" pitchFamily="34" charset="0"/>
+              <a:buChar char="•"/>
+              <a:defRPr sz="1800" kern="1200">
+                <a:solidFill>
+                  <a:schemeClr val="tx1"/>
+                </a:solidFill>
+                <a:latin typeface="+mn-lt"/>
+                <a:ea typeface="+mn-ea"/>
+                <a:cs typeface="+mn-cs"/>
+              </a:defRPr>
+            </a:lvl8pPr>
+            <a:lvl9pPr marL="3886200" indent="-228600" algn="l" defTabSz="914400" rtl="0" eaLnBrk="1" latinLnBrk="0" hangingPunct="1">
+              <a:lnSpc>
+                <a:spcPct val="90000"/>
+              </a:lnSpc>
+              <a:spcBef>
+                <a:spcPts val="500"/>
+              </a:spcBef>
+              <a:buFont typeface="Arial" panose="020B0604020202020204" pitchFamily="34" charset="0"/>
+              <a:buChar char="•"/>
+              <a:defRPr sz="1800" kern="1200">
+                <a:solidFill>
+                  <a:schemeClr val="tx1"/>
+                </a:solidFill>
+                <a:latin typeface="+mn-lt"/>
+                <a:ea typeface="+mn-ea"/>
+                <a:cs typeface="+mn-cs"/>
+              </a:defRPr>
+            </a:lvl9pPr>
+          </a:lstStyle>
+          <a:p>
+            <a:r>
+              <a:rPr lang="en-US" sz="2000" b="1" dirty="0" smtClean="0"/>
+              <a:t>Parameters</a:t>
+            </a:r>
+          </a:p>
+          <a:p>
+            <a:pPr lvl="1"/>
+            <a:r>
+              <a:rPr lang="en-US" sz="1600" dirty="0" smtClean="0"/>
+              <a:t>Trees: 500 </a:t>
+            </a:r>
+          </a:p>
+          <a:p>
+            <a:pPr lvl="1"/>
+            <a:r>
+              <a:rPr lang="en-US" sz="1600" dirty="0" smtClean="0"/>
+              <a:t>Max Samples: 783 (2/3rs of training)</a:t>
+            </a:r>
+          </a:p>
+          <a:p>
+            <a:r>
+              <a:rPr lang="en-US" sz="2000" b="1" dirty="0" smtClean="0"/>
+              <a:t>R</a:t>
+            </a:r>
+            <a:r>
+              <a:rPr lang="en-US" sz="2000" b="1" baseline="30000" dirty="0" smtClean="0"/>
+              <a:t>2</a:t>
+            </a:r>
+          </a:p>
+          <a:p>
+            <a:pPr lvl="1"/>
+            <a:r>
+              <a:rPr lang="en-US" sz="1600" dirty="0" smtClean="0"/>
+              <a:t>Training: 97%</a:t>
+            </a:r>
+          </a:p>
+          <a:p>
+            <a:pPr lvl="1"/>
+            <a:r>
+              <a:rPr lang="en-US" sz="1600" dirty="0" smtClean="0"/>
+              <a:t>OOB: 87%</a:t>
+            </a:r>
+          </a:p>
+          <a:p>
+            <a:pPr lvl="1"/>
+            <a:r>
+              <a:rPr lang="en-US" sz="1600" dirty="0" smtClean="0"/>
+              <a:t>Test: 88%</a:t>
+            </a:r>
+          </a:p>
+          <a:p>
+            <a:r>
+              <a:rPr lang="en-US" sz="2000" b="1" dirty="0" smtClean="0"/>
+              <a:t>RMSE</a:t>
+            </a:r>
+          </a:p>
+          <a:p>
+            <a:pPr lvl="1"/>
+            <a:r>
+              <a:rPr lang="en-US" sz="1600" dirty="0" smtClean="0"/>
+              <a:t>Training: .0745</a:t>
+            </a:r>
+          </a:p>
+          <a:p>
+            <a:pPr lvl="1"/>
+            <a:r>
+              <a:rPr lang="en-US" sz="1600" dirty="0" smtClean="0"/>
+              <a:t>Test: .1370</a:t>
+            </a:r>
+          </a:p>
+          <a:p>
+            <a:endParaRPr lang="en-US" dirty="0"/>
+          </a:p>
+        </p:txBody>
+      </p:sp>
+      <p:sp>
+        <p:nvSpPr>
+          <p:cNvPr id="7" name="Right Arrow 6"/>
+          <p:cNvSpPr/>
+          <p:nvPr/>
+        </p:nvSpPr>
+        <p:spPr>
+          <a:xfrm>
+            <a:off x="5522232" y="3089113"/>
+            <a:ext cx="789214" cy="560615"/>
+          </a:xfrm>
+          <a:prstGeom prst="rightArrow">
+            <a:avLst/>
+          </a:prstGeom>
+          <a:solidFill>
+            <a:srgbClr val="00B050"/>
+          </a:solidFill>
+        </p:spPr>
+        <p:style>
+          <a:lnRef idx="2">
+            <a:schemeClr val="accent1">
+              <a:shade val="50000"/>
+            </a:schemeClr>
+          </a:lnRef>
+          <a:fillRef idx="1">
+            <a:schemeClr val="accent1"/>
+          </a:fillRef>
+          <a:effectRef idx="0">
+            <a:schemeClr val="accent1"/>
+          </a:effectRef>
+          <a:fontRef idx="minor">
+            <a:schemeClr val="lt1"/>
+          </a:fontRef>
+        </p:style>
+        <p:txBody>
+          <a:bodyPr rtlCol="0" anchor="ctr"/>
+          <a:lstStyle/>
+          <a:p>
+            <a:pPr algn="ctr"/>
+            <a:endParaRPr lang="en-US"/>
+          </a:p>
+        </p:txBody>
+      </p:sp>
+      <p:sp>
+        <p:nvSpPr>
+          <p:cNvPr id="8" name="TextBox 7"/>
+          <p:cNvSpPr txBox="1"/>
+          <p:nvPr/>
+        </p:nvSpPr>
+        <p:spPr>
+          <a:xfrm>
+            <a:off x="7589872" y="1598812"/>
+            <a:ext cx="1629036" cy="369332"/>
+          </a:xfrm>
+          <a:prstGeom prst="rect">
+            <a:avLst/>
+          </a:prstGeom>
+          <a:noFill/>
+        </p:spPr>
+        <p:txBody>
+          <a:bodyPr wrap="none" rtlCol="0">
+            <a:spAutoFit/>
+          </a:bodyPr>
+          <a:lstStyle/>
+          <a:p>
+            <a:r>
+              <a:rPr lang="en-US" b="1" u="sng" dirty="0" smtClean="0"/>
+              <a:t>Random Forest</a:t>
+            </a:r>
+            <a:endParaRPr lang="en-US" b="1" u="sng" dirty="0"/>
+          </a:p>
+        </p:txBody>
+      </p:sp>
+      <p:sp>
+        <p:nvSpPr>
+          <p:cNvPr id="9" name="TextBox 8"/>
+          <p:cNvSpPr txBox="1"/>
+          <p:nvPr/>
+        </p:nvSpPr>
+        <p:spPr>
+          <a:xfrm>
+            <a:off x="1796144" y="1655539"/>
+            <a:ext cx="1349472" cy="369332"/>
+          </a:xfrm>
+          <a:prstGeom prst="rect">
+            <a:avLst/>
+          </a:prstGeom>
+          <a:noFill/>
+        </p:spPr>
+        <p:txBody>
+          <a:bodyPr wrap="none" rtlCol="0">
+            <a:spAutoFit/>
+          </a:bodyPr>
+          <a:lstStyle/>
+          <a:p>
+            <a:r>
+              <a:rPr lang="en-US" b="1" u="sng" dirty="0" smtClean="0"/>
+              <a:t>Bagged Tree</a:t>
+            </a:r>
+            <a:endParaRPr lang="en-US" b="1" u="sng" dirty="0"/>
+          </a:p>
+        </p:txBody>
+      </p:sp>
+      <p:sp>
+        <p:nvSpPr>
+          <p:cNvPr id="10" name="Rectangle 9"/>
+          <p:cNvSpPr/>
+          <p:nvPr/>
+        </p:nvSpPr>
+        <p:spPr>
+          <a:xfrm>
+            <a:off x="1785262" y="3913414"/>
+            <a:ext cx="7048500" cy="326571"/>
+          </a:xfrm>
+          <a:prstGeom prst="rect">
+            <a:avLst/>
+          </a:prstGeom>
+          <a:noFill/>
+          <a:ln w="9525">
+            <a:solidFill>
+              <a:schemeClr val="accent1"/>
+            </a:solidFill>
+            <a:prstDash val="dash"/>
+          </a:ln>
+        </p:spPr>
+        <p:style>
+          <a:lnRef idx="2">
+            <a:schemeClr val="accent1">
+              <a:shade val="50000"/>
+            </a:schemeClr>
+          </a:lnRef>
+          <a:fillRef idx="1">
+            <a:schemeClr val="accent1"/>
+          </a:fillRef>
+          <a:effectRef idx="0">
+            <a:schemeClr val="accent1"/>
+          </a:effectRef>
+          <a:fontRef idx="minor">
+            <a:schemeClr val="lt1"/>
+          </a:fontRef>
+        </p:style>
+        <p:txBody>
+          <a:bodyPr rtlCol="0" anchor="ctr"/>
+          <a:lstStyle/>
+          <a:p>
+            <a:pPr algn="ctr"/>
+            <a:endParaRPr lang="en-US"/>
+          </a:p>
+        </p:txBody>
+      </p:sp>
+      <p:sp>
+        <p:nvSpPr>
+          <p:cNvPr id="12" name="Rectangle 11"/>
+          <p:cNvSpPr/>
+          <p:nvPr/>
+        </p:nvSpPr>
+        <p:spPr>
+          <a:xfrm>
+            <a:off x="1796144" y="4822391"/>
+            <a:ext cx="7048500" cy="326571"/>
+          </a:xfrm>
+          <a:prstGeom prst="rect">
+            <a:avLst/>
+          </a:prstGeom>
+          <a:noFill/>
+          <a:ln w="9525">
+            <a:solidFill>
+              <a:schemeClr val="accent1"/>
+            </a:solidFill>
+            <a:prstDash val="dash"/>
+          </a:ln>
+        </p:spPr>
+        <p:style>
+          <a:lnRef idx="2">
+            <a:schemeClr val="accent1">
+              <a:shade val="50000"/>
+            </a:schemeClr>
+          </a:lnRef>
+          <a:fillRef idx="1">
+            <a:schemeClr val="accent1"/>
+          </a:fillRef>
+          <a:effectRef idx="0">
+            <a:schemeClr val="accent1"/>
+          </a:effectRef>
+          <a:fontRef idx="minor">
+            <a:schemeClr val="lt1"/>
+          </a:fontRef>
+        </p:style>
+        <p:txBody>
+          <a:bodyPr rtlCol="0" anchor="ctr"/>
+          <a:lstStyle/>
+          <a:p>
+            <a:pPr algn="ctr"/>
+            <a:endParaRPr lang="en-US"/>
+          </a:p>
+        </p:txBody>
+      </p:sp>
+    </p:spTree>
+    <p:extLst>
+      <p:ext uri="{BB962C8B-B14F-4D97-AF65-F5344CB8AC3E}">
+        <p14:creationId xmlns:p14="http://schemas.microsoft.com/office/powerpoint/2010/main" val="4149512355"/>
+      </p:ext>
+    </p:extLst>
+  </p:cSld>
+  <p:clrMapOvr>
+    <a:masterClrMapping/>
+  </p:clrMapOvr>
+</p:sld>
+</file>
+
 <file path=ppt/slides/slide6.xml><?xml version="1.0" encoding="utf-8"?>
 <p:sld xmlns:a="http://schemas.openxmlformats.org/drawingml/2006/main" xmlns:r="http://schemas.openxmlformats.org/officeDocument/2006/relationships" xmlns:p="http://schemas.openxmlformats.org/presentationml/2006/main">
   <p:cSld>
@@ -5429,7 +6449,7 @@
           <p:cNvPr id="2" name="Title 1">
             <a:extLst>
               <a:ext uri="{FF2B5EF4-FFF2-40B4-BE49-F238E27FC236}">
-                <a16:creationId xmlns="" xmlns:a16="http://schemas.microsoft.com/office/drawing/2014/main" id="{EF5CCF55-42B2-43D5-BDF7-588BCF176369}"/>
+                <a16:creationId xmlns:a16="http://schemas.microsoft.com/office/drawing/2014/main" xmlns="" id="{315FBDDD-97CB-489F-880C-A0DE0CD19F45}"/>
               </a:ext>
             </a:extLst>
           </p:cNvPr>
@@ -5447,410 +6467,6 @@
           <a:p>
             <a:r>
               <a:rPr lang="en-US" dirty="0"/>
-              <a:t>My Very First Random Forest</a:t>
-            </a:r>
-          </a:p>
-        </p:txBody>
-      </p:sp>
-      <p:sp>
-        <p:nvSpPr>
-          <p:cNvPr id="3" name="Content Placeholder 2">
-            <a:extLst>
-              <a:ext uri="{FF2B5EF4-FFF2-40B4-BE49-F238E27FC236}">
-                <a16:creationId xmlns="" xmlns:a16="http://schemas.microsoft.com/office/drawing/2014/main" id="{776F7041-413C-4BCA-81F9-365D83E05FE6}"/>
-              </a:ext>
-            </a:extLst>
-          </p:cNvPr>
-          <p:cNvSpPr>
-            <a:spLocks noGrp="1"/>
-          </p:cNvSpPr>
-          <p:nvPr>
-            <p:ph idx="1"/>
-          </p:nvPr>
-        </p:nvSpPr>
-        <p:spPr>
-          <a:xfrm>
-            <a:off x="838200" y="1825625"/>
-            <a:ext cx="5436765" cy="4351338"/>
-          </a:xfrm>
-        </p:spPr>
-        <p:txBody>
-          <a:bodyPr/>
-          <a:lstStyle/>
-          <a:p>
-            <a:r>
-              <a:rPr lang="en-US" sz="2000" dirty="0"/>
-              <a:t>Parameters</a:t>
-            </a:r>
-          </a:p>
-          <a:p>
-            <a:pPr lvl="1"/>
-            <a:r>
-              <a:rPr lang="en-US" sz="1600" dirty="0"/>
-              <a:t>Trees: 500</a:t>
-            </a:r>
-          </a:p>
-          <a:p>
-            <a:pPr lvl="1"/>
-            <a:r>
-              <a:rPr lang="en-US" sz="1600" dirty="0"/>
-              <a:t>Max features: 17 (~ sqrt # of predictors)</a:t>
-            </a:r>
-          </a:p>
-          <a:p>
-            <a:r>
-              <a:rPr lang="en-US" sz="2000" dirty="0"/>
-              <a:t>R</a:t>
-            </a:r>
-            <a:r>
-              <a:rPr lang="en-US" sz="2000" baseline="30000" dirty="0"/>
-              <a:t>2</a:t>
-            </a:r>
-          </a:p>
-          <a:p>
-            <a:pPr lvl="1"/>
-            <a:r>
-              <a:rPr lang="en-US" sz="1600" dirty="0"/>
-              <a:t>Training: 98</a:t>
-            </a:r>
-            <a:r>
-              <a:rPr lang="en-US" sz="1600" dirty="0" smtClean="0"/>
-              <a:t>%</a:t>
-            </a:r>
-          </a:p>
-          <a:p>
-            <a:pPr lvl="1"/>
-            <a:r>
-              <a:rPr lang="en-US" sz="1600" dirty="0" smtClean="0"/>
-              <a:t>OOB: 86%</a:t>
-            </a:r>
-            <a:endParaRPr lang="en-US" sz="1600" dirty="0"/>
-          </a:p>
-          <a:p>
-            <a:pPr lvl="1"/>
-            <a:r>
-              <a:rPr lang="en-US" sz="1600" dirty="0"/>
-              <a:t>Test: 87%</a:t>
-            </a:r>
-          </a:p>
-          <a:p>
-            <a:r>
-              <a:rPr lang="en-US" sz="2000" dirty="0"/>
-              <a:t>RMSE</a:t>
-            </a:r>
-          </a:p>
-          <a:p>
-            <a:pPr lvl="1"/>
-            <a:r>
-              <a:rPr lang="en-US" sz="1600" dirty="0"/>
-              <a:t>Training: .0538</a:t>
-            </a:r>
-          </a:p>
-          <a:p>
-            <a:pPr lvl="1"/>
-            <a:r>
-              <a:rPr lang="en-US" sz="1600" dirty="0"/>
-              <a:t>Test: .1397</a:t>
-            </a:r>
-          </a:p>
-          <a:p>
-            <a:endParaRPr lang="en-US" dirty="0"/>
-          </a:p>
-        </p:txBody>
-      </p:sp>
-      <p:pic>
-        <p:nvPicPr>
-          <p:cNvPr id="4" name="Picture 3">
-            <a:extLst>
-              <a:ext uri="{FF2B5EF4-FFF2-40B4-BE49-F238E27FC236}">
-                <a16:creationId xmlns="" xmlns:a16="http://schemas.microsoft.com/office/drawing/2014/main" id="{D2DE96E7-4A28-46C9-A6A4-535096F7E645}"/>
-              </a:ext>
-            </a:extLst>
-          </p:cNvPr>
-          <p:cNvPicPr>
-            <a:picLocks noChangeAspect="1"/>
-          </p:cNvPicPr>
-          <p:nvPr/>
-        </p:nvPicPr>
-        <p:blipFill>
-          <a:blip r:embed="rId2"/>
-          <a:stretch>
-            <a:fillRect/>
-          </a:stretch>
-        </p:blipFill>
-        <p:spPr>
-          <a:xfrm>
-            <a:off x="6274965" y="1608055"/>
-            <a:ext cx="4496500" cy="3351667"/>
-          </a:xfrm>
-          <a:prstGeom prst="rect">
-            <a:avLst/>
-          </a:prstGeom>
-        </p:spPr>
-      </p:pic>
-      <p:sp>
-        <p:nvSpPr>
-          <p:cNvPr id="5" name="Content Placeholder 2">
-            <a:extLst>
-              <a:ext uri="{FF2B5EF4-FFF2-40B4-BE49-F238E27FC236}">
-                <a16:creationId xmlns="" xmlns:a16="http://schemas.microsoft.com/office/drawing/2014/main" id="{8FBA144D-5088-494F-9C0D-8510E5C3FF66}"/>
-              </a:ext>
-            </a:extLst>
-          </p:cNvPr>
-          <p:cNvSpPr txBox="1">
-            <a:spLocks/>
-          </p:cNvSpPr>
-          <p:nvPr/>
-        </p:nvSpPr>
-        <p:spPr>
-          <a:xfrm>
-            <a:off x="838200" y="5340612"/>
-            <a:ext cx="9222996" cy="858852"/>
-          </a:xfrm>
-          <a:prstGeom prst="rect">
-            <a:avLst/>
-          </a:prstGeom>
-        </p:spPr>
-        <p:txBody>
-          <a:bodyPr vert="horz" lIns="91440" tIns="45720" rIns="91440" bIns="45720" rtlCol="0">
-            <a:normAutofit lnSpcReduction="10000"/>
-          </a:bodyPr>
-          <a:lstStyle>
-            <a:lvl1pPr marL="228600" indent="-228600" algn="l" defTabSz="914400" rtl="0" eaLnBrk="1" latinLnBrk="0" hangingPunct="1">
-              <a:lnSpc>
-                <a:spcPct val="90000"/>
-              </a:lnSpc>
-              <a:spcBef>
-                <a:spcPts val="1000"/>
-              </a:spcBef>
-              <a:buFont typeface="Arial" panose="020B0604020202020204" pitchFamily="34" charset="0"/>
-              <a:buChar char="•"/>
-              <a:defRPr sz="2800" kern="1200">
-                <a:solidFill>
-                  <a:schemeClr val="tx1"/>
-                </a:solidFill>
-                <a:latin typeface="+mn-lt"/>
-                <a:ea typeface="+mn-ea"/>
-                <a:cs typeface="+mn-cs"/>
-              </a:defRPr>
-            </a:lvl1pPr>
-            <a:lvl2pPr marL="685800" indent="-228600" algn="l" defTabSz="914400" rtl="0" eaLnBrk="1" latinLnBrk="0" hangingPunct="1">
-              <a:lnSpc>
-                <a:spcPct val="90000"/>
-              </a:lnSpc>
-              <a:spcBef>
-                <a:spcPts val="500"/>
-              </a:spcBef>
-              <a:buFont typeface="Arial" panose="020B0604020202020204" pitchFamily="34" charset="0"/>
-              <a:buChar char="•"/>
-              <a:defRPr sz="2400" kern="1200">
-                <a:solidFill>
-                  <a:schemeClr val="tx1"/>
-                </a:solidFill>
-                <a:latin typeface="+mn-lt"/>
-                <a:ea typeface="+mn-ea"/>
-                <a:cs typeface="+mn-cs"/>
-              </a:defRPr>
-            </a:lvl2pPr>
-            <a:lvl3pPr marL="1143000" indent="-228600" algn="l" defTabSz="914400" rtl="0" eaLnBrk="1" latinLnBrk="0" hangingPunct="1">
-              <a:lnSpc>
-                <a:spcPct val="90000"/>
-              </a:lnSpc>
-              <a:spcBef>
-                <a:spcPts val="500"/>
-              </a:spcBef>
-              <a:buFont typeface="Arial" panose="020B0604020202020204" pitchFamily="34" charset="0"/>
-              <a:buChar char="•"/>
-              <a:defRPr sz="2000" kern="1200">
-                <a:solidFill>
-                  <a:schemeClr val="tx1"/>
-                </a:solidFill>
-                <a:latin typeface="+mn-lt"/>
-                <a:ea typeface="+mn-ea"/>
-                <a:cs typeface="+mn-cs"/>
-              </a:defRPr>
-            </a:lvl3pPr>
-            <a:lvl4pPr marL="1600200" indent="-228600" algn="l" defTabSz="914400" rtl="0" eaLnBrk="1" latinLnBrk="0" hangingPunct="1">
-              <a:lnSpc>
-                <a:spcPct val="90000"/>
-              </a:lnSpc>
-              <a:spcBef>
-                <a:spcPts val="500"/>
-              </a:spcBef>
-              <a:buFont typeface="Arial" panose="020B0604020202020204" pitchFamily="34" charset="0"/>
-              <a:buChar char="•"/>
-              <a:defRPr sz="1800" kern="1200">
-                <a:solidFill>
-                  <a:schemeClr val="tx1"/>
-                </a:solidFill>
-                <a:latin typeface="+mn-lt"/>
-                <a:ea typeface="+mn-ea"/>
-                <a:cs typeface="+mn-cs"/>
-              </a:defRPr>
-            </a:lvl4pPr>
-            <a:lvl5pPr marL="2057400" indent="-228600" algn="l" defTabSz="914400" rtl="0" eaLnBrk="1" latinLnBrk="0" hangingPunct="1">
-              <a:lnSpc>
-                <a:spcPct val="90000"/>
-              </a:lnSpc>
-              <a:spcBef>
-                <a:spcPts val="500"/>
-              </a:spcBef>
-              <a:buFont typeface="Arial" panose="020B0604020202020204" pitchFamily="34" charset="0"/>
-              <a:buChar char="•"/>
-              <a:defRPr sz="1800" kern="1200">
-                <a:solidFill>
-                  <a:schemeClr val="tx1"/>
-                </a:solidFill>
-                <a:latin typeface="+mn-lt"/>
-                <a:ea typeface="+mn-ea"/>
-                <a:cs typeface="+mn-cs"/>
-              </a:defRPr>
-            </a:lvl5pPr>
-            <a:lvl6pPr marL="2514600" indent="-228600" algn="l" defTabSz="914400" rtl="0" eaLnBrk="1" latinLnBrk="0" hangingPunct="1">
-              <a:lnSpc>
-                <a:spcPct val="90000"/>
-              </a:lnSpc>
-              <a:spcBef>
-                <a:spcPts val="500"/>
-              </a:spcBef>
-              <a:buFont typeface="Arial" panose="020B0604020202020204" pitchFamily="34" charset="0"/>
-              <a:buChar char="•"/>
-              <a:defRPr sz="1800" kern="1200">
-                <a:solidFill>
-                  <a:schemeClr val="tx1"/>
-                </a:solidFill>
-                <a:latin typeface="+mn-lt"/>
-                <a:ea typeface="+mn-ea"/>
-                <a:cs typeface="+mn-cs"/>
-              </a:defRPr>
-            </a:lvl6pPr>
-            <a:lvl7pPr marL="2971800" indent="-228600" algn="l" defTabSz="914400" rtl="0" eaLnBrk="1" latinLnBrk="0" hangingPunct="1">
-              <a:lnSpc>
-                <a:spcPct val="90000"/>
-              </a:lnSpc>
-              <a:spcBef>
-                <a:spcPts val="500"/>
-              </a:spcBef>
-              <a:buFont typeface="Arial" panose="020B0604020202020204" pitchFamily="34" charset="0"/>
-              <a:buChar char="•"/>
-              <a:defRPr sz="1800" kern="1200">
-                <a:solidFill>
-                  <a:schemeClr val="tx1"/>
-                </a:solidFill>
-                <a:latin typeface="+mn-lt"/>
-                <a:ea typeface="+mn-ea"/>
-                <a:cs typeface="+mn-cs"/>
-              </a:defRPr>
-            </a:lvl7pPr>
-            <a:lvl8pPr marL="3429000" indent="-228600" algn="l" defTabSz="914400" rtl="0" eaLnBrk="1" latinLnBrk="0" hangingPunct="1">
-              <a:lnSpc>
-                <a:spcPct val="90000"/>
-              </a:lnSpc>
-              <a:spcBef>
-                <a:spcPts val="500"/>
-              </a:spcBef>
-              <a:buFont typeface="Arial" panose="020B0604020202020204" pitchFamily="34" charset="0"/>
-              <a:buChar char="•"/>
-              <a:defRPr sz="1800" kern="1200">
-                <a:solidFill>
-                  <a:schemeClr val="tx1"/>
-                </a:solidFill>
-                <a:latin typeface="+mn-lt"/>
-                <a:ea typeface="+mn-ea"/>
-                <a:cs typeface="+mn-cs"/>
-              </a:defRPr>
-            </a:lvl8pPr>
-            <a:lvl9pPr marL="3886200" indent="-228600" algn="l" defTabSz="914400" rtl="0" eaLnBrk="1" latinLnBrk="0" hangingPunct="1">
-              <a:lnSpc>
-                <a:spcPct val="90000"/>
-              </a:lnSpc>
-              <a:spcBef>
-                <a:spcPts val="500"/>
-              </a:spcBef>
-              <a:buFont typeface="Arial" panose="020B0604020202020204" pitchFamily="34" charset="0"/>
-              <a:buChar char="•"/>
-              <a:defRPr sz="1800" kern="1200">
-                <a:solidFill>
-                  <a:schemeClr val="tx1"/>
-                </a:solidFill>
-                <a:latin typeface="+mn-lt"/>
-                <a:ea typeface="+mn-ea"/>
-                <a:cs typeface="+mn-cs"/>
-              </a:defRPr>
-            </a:lvl9pPr>
-          </a:lstStyle>
-          <a:p>
-            <a:pPr marL="0" indent="0">
-              <a:buNone/>
-            </a:pPr>
-            <a:r>
-              <a:rPr lang="en-US" sz="2000" dirty="0"/>
-              <a:t>THOUGHTS: Things barely changed </a:t>
-            </a:r>
-            <a:r>
-              <a:rPr lang="en-US" sz="2000" dirty="0" smtClean="0"/>
-              <a:t>(.0004 improvement in Test RMSE) </a:t>
-            </a:r>
-            <a:r>
-              <a:rPr lang="en-US" sz="2000" dirty="0"/>
-              <a:t>in the results between the Bagged Tree and the Random Forest model. But what DID change were the importance to each predictor.</a:t>
-            </a:r>
-          </a:p>
-        </p:txBody>
-      </p:sp>
-    </p:spTree>
-    <p:extLst>
-      <p:ext uri="{BB962C8B-B14F-4D97-AF65-F5344CB8AC3E}">
-        <p14:creationId xmlns:p14="http://schemas.microsoft.com/office/powerpoint/2010/main" val="4149512355"/>
-      </p:ext>
-    </p:extLst>
-  </p:cSld>
-  <p:clrMapOvr>
-    <a:masterClrMapping/>
-  </p:clrMapOvr>
-</p:sld>
-</file>
-
-<file path=ppt/slides/slide7.xml><?xml version="1.0" encoding="utf-8"?>
-<p:sld xmlns:a="http://schemas.openxmlformats.org/drawingml/2006/main" xmlns:r="http://schemas.openxmlformats.org/officeDocument/2006/relationships" xmlns:p="http://schemas.openxmlformats.org/presentationml/2006/main">
-  <p:cSld>
-    <p:spTree>
-      <p:nvGrpSpPr>
-        <p:cNvPr id="1" name=""/>
-        <p:cNvGrpSpPr/>
-        <p:nvPr/>
-      </p:nvGrpSpPr>
-      <p:grpSpPr>
-        <a:xfrm>
-          <a:off x="0" y="0"/>
-          <a:ext cx="0" cy="0"/>
-          <a:chOff x="0" y="0"/>
-          <a:chExt cx="0" cy="0"/>
-        </a:xfrm>
-      </p:grpSpPr>
-      <p:sp>
-        <p:nvSpPr>
-          <p:cNvPr id="2" name="Title 1">
-            <a:extLst>
-              <a:ext uri="{FF2B5EF4-FFF2-40B4-BE49-F238E27FC236}">
-                <a16:creationId xmlns="" xmlns:a16="http://schemas.microsoft.com/office/drawing/2014/main" id="{315FBDDD-97CB-489F-880C-A0DE0CD19F45}"/>
-              </a:ext>
-            </a:extLst>
-          </p:cNvPr>
-          <p:cNvSpPr>
-            <a:spLocks noGrp="1"/>
-          </p:cNvSpPr>
-          <p:nvPr>
-            <p:ph type="title"/>
-          </p:nvPr>
-        </p:nvSpPr>
-        <p:spPr/>
-        <p:txBody>
-          <a:bodyPr/>
-          <a:lstStyle/>
-          <a:p>
-            <a:r>
-              <a:rPr lang="en-US" dirty="0"/>
               <a:t>Top 10 Variable Importance Comparison</a:t>
             </a:r>
           </a:p>
@@ -5861,7 +6477,7 @@
           <p:cNvPr id="3" name="Text Placeholder 2">
             <a:extLst>
               <a:ext uri="{FF2B5EF4-FFF2-40B4-BE49-F238E27FC236}">
-                <a16:creationId xmlns="" xmlns:a16="http://schemas.microsoft.com/office/drawing/2014/main" id="{92D062F4-181C-4755-BEF6-57DFA4532A43}"/>
+                <a16:creationId xmlns:a16="http://schemas.microsoft.com/office/drawing/2014/main" xmlns="" id="{92D062F4-181C-4755-BEF6-57DFA4532A43}"/>
               </a:ext>
             </a:extLst>
           </p:cNvPr>
@@ -5872,7 +6488,12 @@
             <p:ph type="body" idx="1"/>
           </p:nvPr>
         </p:nvSpPr>
-        <p:spPr/>
+        <p:spPr>
+          <a:xfrm>
+            <a:off x="1169667" y="1710100"/>
+            <a:ext cx="5157787" cy="823912"/>
+          </a:xfrm>
+        </p:spPr>
         <p:txBody>
           <a:bodyPr/>
           <a:lstStyle/>
@@ -5889,7 +6510,7 @@
           <p:cNvPr id="7" name="Content Placeholder 6">
             <a:extLst>
               <a:ext uri="{FF2B5EF4-FFF2-40B4-BE49-F238E27FC236}">
-                <a16:creationId xmlns="" xmlns:a16="http://schemas.microsoft.com/office/drawing/2014/main" id="{1055C9A4-A56B-4EE4-8355-0872057299EC}"/>
+                <a16:creationId xmlns:a16="http://schemas.microsoft.com/office/drawing/2014/main" xmlns="" id="{1055C9A4-A56B-4EE4-8355-0872057299EC}"/>
               </a:ext>
             </a:extLst>
           </p:cNvPr>
@@ -5921,7 +6542,7 @@
           <p:cNvPr id="5" name="Text Placeholder 4">
             <a:extLst>
               <a:ext uri="{FF2B5EF4-FFF2-40B4-BE49-F238E27FC236}">
-                <a16:creationId xmlns="" xmlns:a16="http://schemas.microsoft.com/office/drawing/2014/main" id="{A0F8E968-2600-4CC6-99AB-6E213573BD1B}"/>
+                <a16:creationId xmlns:a16="http://schemas.microsoft.com/office/drawing/2014/main" xmlns="" id="{A0F8E968-2600-4CC6-99AB-6E213573BD1B}"/>
               </a:ext>
             </a:extLst>
           </p:cNvPr>
@@ -5932,7 +6553,12 @@
             <p:ph type="body" sz="quarter" idx="3"/>
           </p:nvPr>
         </p:nvSpPr>
-        <p:spPr/>
+        <p:spPr>
+          <a:xfrm>
+            <a:off x="6368970" y="1681163"/>
+            <a:ext cx="5183188" cy="823912"/>
+          </a:xfrm>
+        </p:spPr>
         <p:txBody>
           <a:bodyPr/>
           <a:lstStyle/>
@@ -5949,7 +6575,7 @@
           <p:cNvPr id="8" name="Picture 7">
             <a:extLst>
               <a:ext uri="{FF2B5EF4-FFF2-40B4-BE49-F238E27FC236}">
-                <a16:creationId xmlns="" xmlns:a16="http://schemas.microsoft.com/office/drawing/2014/main" id="{5E74B1EE-F066-48EA-9627-3DDDAABD54ED}"/>
+                <a16:creationId xmlns:a16="http://schemas.microsoft.com/office/drawing/2014/main" xmlns="" id="{5E74B1EE-F066-48EA-9627-3DDDAABD54ED}"/>
               </a:ext>
             </a:extLst>
           </p:cNvPr>
@@ -5987,6 +6613,736 @@
 </p:sld>
 </file>
 
+<file path=ppt/slides/slide7.xml><?xml version="1.0" encoding="utf-8"?>
+<p:sld xmlns:a="http://schemas.openxmlformats.org/drawingml/2006/main" xmlns:r="http://schemas.openxmlformats.org/officeDocument/2006/relationships" xmlns:p="http://schemas.openxmlformats.org/presentationml/2006/main">
+  <p:cSld>
+    <p:spTree>
+      <p:nvGrpSpPr>
+        <p:cNvPr id="1" name=""/>
+        <p:cNvGrpSpPr/>
+        <p:nvPr/>
+      </p:nvGrpSpPr>
+      <p:grpSpPr>
+        <a:xfrm>
+          <a:off x="0" y="0"/>
+          <a:ext cx="0" cy="0"/>
+          <a:chOff x="0" y="0"/>
+          <a:chExt cx="0" cy="0"/>
+        </a:xfrm>
+      </p:grpSpPr>
+      <p:pic>
+        <p:nvPicPr>
+          <p:cNvPr id="1027" name="Picture 3"/>
+          <p:cNvPicPr>
+            <a:picLocks noChangeAspect="1" noChangeArrowheads="1"/>
+          </p:cNvPicPr>
+          <p:nvPr/>
+        </p:nvPicPr>
+        <p:blipFill>
+          <a:blip r:embed="rId2">
+            <a:extLst>
+              <a:ext uri="{28A0092B-C50C-407E-A947-70E740481C1C}">
+                <a14:useLocalDpi xmlns:a14="http://schemas.microsoft.com/office/drawing/2010/main" val="0"/>
+              </a:ext>
+            </a:extLst>
+          </a:blip>
+          <a:srcRect/>
+          <a:stretch>
+            <a:fillRect/>
+          </a:stretch>
+        </p:blipFill>
+        <p:spPr bwMode="auto">
+          <a:xfrm>
+            <a:off x="3294522" y="2478816"/>
+            <a:ext cx="4168834" cy="2747154"/>
+          </a:xfrm>
+          <a:prstGeom prst="rect">
+            <a:avLst/>
+          </a:prstGeom>
+          <a:noFill/>
+          <a:ln>
+            <a:noFill/>
+          </a:ln>
+          <a:effectLst/>
+          <a:extLst>
+            <a:ext uri="{909E8E84-426E-40DD-AFC4-6F175D3DCCD1}">
+              <a14:hiddenFill xmlns:a14="http://schemas.microsoft.com/office/drawing/2010/main">
+                <a:solidFill>
+                  <a:schemeClr val="accent1"/>
+                </a:solidFill>
+              </a14:hiddenFill>
+            </a:ext>
+            <a:ext uri="{91240B29-F687-4F45-9708-019B960494DF}">
+              <a14:hiddenLine xmlns:a14="http://schemas.microsoft.com/office/drawing/2010/main" w="9525">
+                <a:solidFill>
+                  <a:schemeClr val="tx1"/>
+                </a:solidFill>
+                <a:miter lim="800000"/>
+                <a:headEnd/>
+                <a:tailEnd/>
+              </a14:hiddenLine>
+            </a:ext>
+            <a:ext uri="{AF507438-7753-43E0-B8FC-AC1667EBCBE1}">
+              <a14:hiddenEffects xmlns:a14="http://schemas.microsoft.com/office/drawing/2010/main">
+                <a:effectLst>
+                  <a:outerShdw dist="35921" dir="2700000" algn="ctr" rotWithShape="0">
+                    <a:schemeClr val="bg2"/>
+                  </a:outerShdw>
+                </a:effectLst>
+              </a14:hiddenEffects>
+            </a:ext>
+          </a:extLst>
+        </p:spPr>
+      </p:pic>
+      <p:sp>
+        <p:nvSpPr>
+          <p:cNvPr id="2" name="Title 1">
+            <a:extLst>
+              <a:ext uri="{FF2B5EF4-FFF2-40B4-BE49-F238E27FC236}">
+                <a16:creationId xmlns:a16="http://schemas.microsoft.com/office/drawing/2014/main" xmlns="" id="{7D0810BF-2F18-45FE-B8A0-37BD6C9D83D6}"/>
+              </a:ext>
+            </a:extLst>
+          </p:cNvPr>
+          <p:cNvSpPr>
+            <a:spLocks noGrp="1"/>
+          </p:cNvSpPr>
+          <p:nvPr>
+            <p:ph type="title"/>
+          </p:nvPr>
+        </p:nvSpPr>
+        <p:spPr>
+          <a:xfrm>
+            <a:off x="535021" y="365125"/>
+            <a:ext cx="11208473" cy="1325563"/>
+          </a:xfrm>
+        </p:spPr>
+        <p:txBody>
+          <a:bodyPr/>
+          <a:lstStyle/>
+          <a:p>
+            <a:r>
+              <a:rPr lang="en-US" dirty="0"/>
+              <a:t>Tuned Random </a:t>
+            </a:r>
+            <a:r>
+              <a:rPr lang="en-US" dirty="0" smtClean="0"/>
+              <a:t>Forest – No Huge Improvements</a:t>
+            </a:r>
+            <a:endParaRPr lang="en-US" dirty="0"/>
+          </a:p>
+        </p:txBody>
+      </p:sp>
+      <p:sp>
+        <p:nvSpPr>
+          <p:cNvPr id="3" name="Content Placeholder 2">
+            <a:extLst>
+              <a:ext uri="{FF2B5EF4-FFF2-40B4-BE49-F238E27FC236}">
+                <a16:creationId xmlns:a16="http://schemas.microsoft.com/office/drawing/2014/main" xmlns="" id="{DD905849-336E-4F8F-9FE1-D3E34C32A415}"/>
+              </a:ext>
+            </a:extLst>
+          </p:cNvPr>
+          <p:cNvSpPr>
+            <a:spLocks noGrp="1"/>
+          </p:cNvSpPr>
+          <p:nvPr>
+            <p:ph idx="1"/>
+          </p:nvPr>
+        </p:nvSpPr>
+        <p:spPr>
+          <a:xfrm>
+            <a:off x="506185" y="1897631"/>
+            <a:ext cx="2852057" cy="3207769"/>
+          </a:xfrm>
+        </p:spPr>
+        <p:txBody>
+          <a:bodyPr/>
+          <a:lstStyle/>
+          <a:p>
+            <a:r>
+              <a:rPr lang="en-US" sz="2000" b="1" dirty="0"/>
+              <a:t>Best Parameters</a:t>
+            </a:r>
+          </a:p>
+          <a:p>
+            <a:pPr lvl="1"/>
+            <a:r>
+              <a:rPr lang="en-US" sz="1600" dirty="0" smtClean="0"/>
+              <a:t>Trees: </a:t>
+            </a:r>
+            <a:r>
+              <a:rPr lang="en-US" sz="1600" dirty="0"/>
+              <a:t>500</a:t>
+            </a:r>
+          </a:p>
+          <a:p>
+            <a:pPr lvl="1"/>
+            <a:r>
+              <a:rPr lang="en-US" sz="1600" dirty="0"/>
+              <a:t>Max Features: </a:t>
+            </a:r>
+            <a:r>
+              <a:rPr lang="en-US" sz="1600" dirty="0" smtClean="0"/>
+              <a:t>37</a:t>
+            </a:r>
+            <a:endParaRPr lang="en-US" sz="1600" dirty="0"/>
+          </a:p>
+          <a:p>
+            <a:r>
+              <a:rPr lang="en-US" sz="2000" b="1" dirty="0"/>
+              <a:t>R</a:t>
+            </a:r>
+            <a:r>
+              <a:rPr lang="en-US" sz="2000" b="1" baseline="30000" dirty="0"/>
+              <a:t>2</a:t>
+            </a:r>
+          </a:p>
+          <a:p>
+            <a:pPr lvl="1"/>
+            <a:r>
+              <a:rPr lang="en-US" sz="1600" dirty="0"/>
+              <a:t>Training: 98</a:t>
+            </a:r>
+            <a:r>
+              <a:rPr lang="en-US" sz="1600" dirty="0" smtClean="0"/>
+              <a:t>%</a:t>
+            </a:r>
+          </a:p>
+          <a:p>
+            <a:pPr lvl="1"/>
+            <a:r>
+              <a:rPr lang="en-US" sz="1600" dirty="0" smtClean="0"/>
+              <a:t>OOB: 87%</a:t>
+            </a:r>
+            <a:endParaRPr lang="en-US" sz="1600" dirty="0"/>
+          </a:p>
+          <a:p>
+            <a:pPr lvl="1"/>
+            <a:r>
+              <a:rPr lang="en-US" sz="1600" dirty="0"/>
+              <a:t>Test: </a:t>
+            </a:r>
+            <a:r>
+              <a:rPr lang="en-US" sz="1600" dirty="0" smtClean="0"/>
+              <a:t>89%</a:t>
+            </a:r>
+            <a:endParaRPr lang="en-US" sz="1600" dirty="0"/>
+          </a:p>
+          <a:p>
+            <a:r>
+              <a:rPr lang="en-US" sz="2000" b="1" dirty="0"/>
+              <a:t>RMSE</a:t>
+            </a:r>
+          </a:p>
+          <a:p>
+            <a:pPr lvl="1"/>
+            <a:r>
+              <a:rPr lang="en-US" sz="1600" dirty="0"/>
+              <a:t>Training: .0526</a:t>
+            </a:r>
+          </a:p>
+          <a:p>
+            <a:pPr lvl="1"/>
+            <a:r>
+              <a:rPr lang="en-US" sz="1600" dirty="0"/>
+              <a:t>Test: .</a:t>
+            </a:r>
+            <a:r>
+              <a:rPr lang="en-US" sz="1600" dirty="0" smtClean="0"/>
+              <a:t>1274</a:t>
+            </a:r>
+            <a:endParaRPr lang="en-US" sz="1600" dirty="0"/>
+          </a:p>
+        </p:txBody>
+      </p:sp>
+      <p:sp>
+        <p:nvSpPr>
+          <p:cNvPr id="10" name="Content Placeholder 2">
+            <a:extLst>
+              <a:ext uri="{FF2B5EF4-FFF2-40B4-BE49-F238E27FC236}">
+                <a16:creationId xmlns:a16="http://schemas.microsoft.com/office/drawing/2014/main" xmlns="" id="{FA9E3FB7-F65C-4387-A7F5-B6C058857968}"/>
+              </a:ext>
+            </a:extLst>
+          </p:cNvPr>
+          <p:cNvSpPr txBox="1">
+            <a:spLocks/>
+          </p:cNvSpPr>
+          <p:nvPr/>
+        </p:nvSpPr>
+        <p:spPr>
+          <a:xfrm>
+            <a:off x="838200" y="5554620"/>
+            <a:ext cx="9222996" cy="858852"/>
+          </a:xfrm>
+          <a:prstGeom prst="rect">
+            <a:avLst/>
+          </a:prstGeom>
+        </p:spPr>
+        <p:txBody>
+          <a:bodyPr vert="horz" lIns="91440" tIns="45720" rIns="91440" bIns="45720" rtlCol="0">
+            <a:normAutofit/>
+          </a:bodyPr>
+          <a:lstStyle>
+            <a:lvl1pPr marL="228600" indent="-228600" algn="l" defTabSz="914400" rtl="0" eaLnBrk="1" latinLnBrk="0" hangingPunct="1">
+              <a:lnSpc>
+                <a:spcPct val="90000"/>
+              </a:lnSpc>
+              <a:spcBef>
+                <a:spcPts val="1000"/>
+              </a:spcBef>
+              <a:buFont typeface="Arial" panose="020B0604020202020204" pitchFamily="34" charset="0"/>
+              <a:buChar char="•"/>
+              <a:defRPr sz="2800" kern="1200">
+                <a:solidFill>
+                  <a:schemeClr val="tx1"/>
+                </a:solidFill>
+                <a:latin typeface="+mn-lt"/>
+                <a:ea typeface="+mn-ea"/>
+                <a:cs typeface="+mn-cs"/>
+              </a:defRPr>
+            </a:lvl1pPr>
+            <a:lvl2pPr marL="685800" indent="-228600" algn="l" defTabSz="914400" rtl="0" eaLnBrk="1" latinLnBrk="0" hangingPunct="1">
+              <a:lnSpc>
+                <a:spcPct val="90000"/>
+              </a:lnSpc>
+              <a:spcBef>
+                <a:spcPts val="500"/>
+              </a:spcBef>
+              <a:buFont typeface="Arial" panose="020B0604020202020204" pitchFamily="34" charset="0"/>
+              <a:buChar char="•"/>
+              <a:defRPr sz="2400" kern="1200">
+                <a:solidFill>
+                  <a:schemeClr val="tx1"/>
+                </a:solidFill>
+                <a:latin typeface="+mn-lt"/>
+                <a:ea typeface="+mn-ea"/>
+                <a:cs typeface="+mn-cs"/>
+              </a:defRPr>
+            </a:lvl2pPr>
+            <a:lvl3pPr marL="1143000" indent="-228600" algn="l" defTabSz="914400" rtl="0" eaLnBrk="1" latinLnBrk="0" hangingPunct="1">
+              <a:lnSpc>
+                <a:spcPct val="90000"/>
+              </a:lnSpc>
+              <a:spcBef>
+                <a:spcPts val="500"/>
+              </a:spcBef>
+              <a:buFont typeface="Arial" panose="020B0604020202020204" pitchFamily="34" charset="0"/>
+              <a:buChar char="•"/>
+              <a:defRPr sz="2000" kern="1200">
+                <a:solidFill>
+                  <a:schemeClr val="tx1"/>
+                </a:solidFill>
+                <a:latin typeface="+mn-lt"/>
+                <a:ea typeface="+mn-ea"/>
+                <a:cs typeface="+mn-cs"/>
+              </a:defRPr>
+            </a:lvl3pPr>
+            <a:lvl4pPr marL="1600200" indent="-228600" algn="l" defTabSz="914400" rtl="0" eaLnBrk="1" latinLnBrk="0" hangingPunct="1">
+              <a:lnSpc>
+                <a:spcPct val="90000"/>
+              </a:lnSpc>
+              <a:spcBef>
+                <a:spcPts val="500"/>
+              </a:spcBef>
+              <a:buFont typeface="Arial" panose="020B0604020202020204" pitchFamily="34" charset="0"/>
+              <a:buChar char="•"/>
+              <a:defRPr sz="1800" kern="1200">
+                <a:solidFill>
+                  <a:schemeClr val="tx1"/>
+                </a:solidFill>
+                <a:latin typeface="+mn-lt"/>
+                <a:ea typeface="+mn-ea"/>
+                <a:cs typeface="+mn-cs"/>
+              </a:defRPr>
+            </a:lvl4pPr>
+            <a:lvl5pPr marL="2057400" indent="-228600" algn="l" defTabSz="914400" rtl="0" eaLnBrk="1" latinLnBrk="0" hangingPunct="1">
+              <a:lnSpc>
+                <a:spcPct val="90000"/>
+              </a:lnSpc>
+              <a:spcBef>
+                <a:spcPts val="500"/>
+              </a:spcBef>
+              <a:buFont typeface="Arial" panose="020B0604020202020204" pitchFamily="34" charset="0"/>
+              <a:buChar char="•"/>
+              <a:defRPr sz="1800" kern="1200">
+                <a:solidFill>
+                  <a:schemeClr val="tx1"/>
+                </a:solidFill>
+                <a:latin typeface="+mn-lt"/>
+                <a:ea typeface="+mn-ea"/>
+                <a:cs typeface="+mn-cs"/>
+              </a:defRPr>
+            </a:lvl5pPr>
+            <a:lvl6pPr marL="2514600" indent="-228600" algn="l" defTabSz="914400" rtl="0" eaLnBrk="1" latinLnBrk="0" hangingPunct="1">
+              <a:lnSpc>
+                <a:spcPct val="90000"/>
+              </a:lnSpc>
+              <a:spcBef>
+                <a:spcPts val="500"/>
+              </a:spcBef>
+              <a:buFont typeface="Arial" panose="020B0604020202020204" pitchFamily="34" charset="0"/>
+              <a:buChar char="•"/>
+              <a:defRPr sz="1800" kern="1200">
+                <a:solidFill>
+                  <a:schemeClr val="tx1"/>
+                </a:solidFill>
+                <a:latin typeface="+mn-lt"/>
+                <a:ea typeface="+mn-ea"/>
+                <a:cs typeface="+mn-cs"/>
+              </a:defRPr>
+            </a:lvl6pPr>
+            <a:lvl7pPr marL="2971800" indent="-228600" algn="l" defTabSz="914400" rtl="0" eaLnBrk="1" latinLnBrk="0" hangingPunct="1">
+              <a:lnSpc>
+                <a:spcPct val="90000"/>
+              </a:lnSpc>
+              <a:spcBef>
+                <a:spcPts val="500"/>
+              </a:spcBef>
+              <a:buFont typeface="Arial" panose="020B0604020202020204" pitchFamily="34" charset="0"/>
+              <a:buChar char="•"/>
+              <a:defRPr sz="1800" kern="1200">
+                <a:solidFill>
+                  <a:schemeClr val="tx1"/>
+                </a:solidFill>
+                <a:latin typeface="+mn-lt"/>
+                <a:ea typeface="+mn-ea"/>
+                <a:cs typeface="+mn-cs"/>
+              </a:defRPr>
+            </a:lvl7pPr>
+            <a:lvl8pPr marL="3429000" indent="-228600" algn="l" defTabSz="914400" rtl="0" eaLnBrk="1" latinLnBrk="0" hangingPunct="1">
+              <a:lnSpc>
+                <a:spcPct val="90000"/>
+              </a:lnSpc>
+              <a:spcBef>
+                <a:spcPts val="500"/>
+              </a:spcBef>
+              <a:buFont typeface="Arial" panose="020B0604020202020204" pitchFamily="34" charset="0"/>
+              <a:buChar char="•"/>
+              <a:defRPr sz="1800" kern="1200">
+                <a:solidFill>
+                  <a:schemeClr val="tx1"/>
+                </a:solidFill>
+                <a:latin typeface="+mn-lt"/>
+                <a:ea typeface="+mn-ea"/>
+                <a:cs typeface="+mn-cs"/>
+              </a:defRPr>
+            </a:lvl8pPr>
+            <a:lvl9pPr marL="3886200" indent="-228600" algn="l" defTabSz="914400" rtl="0" eaLnBrk="1" latinLnBrk="0" hangingPunct="1">
+              <a:lnSpc>
+                <a:spcPct val="90000"/>
+              </a:lnSpc>
+              <a:spcBef>
+                <a:spcPts val="500"/>
+              </a:spcBef>
+              <a:buFont typeface="Arial" panose="020B0604020202020204" pitchFamily="34" charset="0"/>
+              <a:buChar char="•"/>
+              <a:defRPr sz="1800" kern="1200">
+                <a:solidFill>
+                  <a:schemeClr val="tx1"/>
+                </a:solidFill>
+                <a:latin typeface="+mn-lt"/>
+                <a:ea typeface="+mn-ea"/>
+                <a:cs typeface="+mn-cs"/>
+              </a:defRPr>
+            </a:lvl9pPr>
+          </a:lstStyle>
+          <a:p>
+            <a:pPr marL="0" indent="0">
+              <a:buNone/>
+            </a:pPr>
+            <a:r>
+              <a:rPr lang="en-US" sz="2000" b="1" dirty="0"/>
+              <a:t>THOUGHTS</a:t>
+            </a:r>
+            <a:r>
+              <a:rPr lang="en-US" sz="2000" dirty="0"/>
+              <a:t>: Again, not much changed for the Training and Test R</a:t>
+            </a:r>
+            <a:r>
+              <a:rPr lang="en-US" sz="2000" baseline="30000" dirty="0"/>
+              <a:t>2 </a:t>
+            </a:r>
+            <a:r>
+              <a:rPr lang="en-US" sz="2000" dirty="0"/>
+              <a:t>. </a:t>
+            </a:r>
+            <a:r>
+              <a:rPr lang="en-US" sz="2000" dirty="0" smtClean="0"/>
+              <a:t>A .003 improvement in Test RMSE. What’s </a:t>
+            </a:r>
+            <a:r>
+              <a:rPr lang="en-US" sz="2000" dirty="0"/>
+              <a:t>going on?</a:t>
+            </a:r>
+            <a:endParaRPr lang="en-US" sz="2000" baseline="30000" dirty="0"/>
+          </a:p>
+        </p:txBody>
+      </p:sp>
+      <p:sp>
+        <p:nvSpPr>
+          <p:cNvPr id="12" name="TextBox 11"/>
+          <p:cNvSpPr txBox="1"/>
+          <p:nvPr/>
+        </p:nvSpPr>
+        <p:spPr>
+          <a:xfrm>
+            <a:off x="7917352" y="2109484"/>
+            <a:ext cx="4106894" cy="369332"/>
+          </a:xfrm>
+          <a:prstGeom prst="rect">
+            <a:avLst/>
+          </a:prstGeom>
+          <a:noFill/>
+        </p:spPr>
+        <p:txBody>
+          <a:bodyPr wrap="none" rtlCol="0">
+            <a:spAutoFit/>
+          </a:bodyPr>
+          <a:lstStyle/>
+          <a:p>
+            <a:r>
+              <a:rPr lang="en-US" b="1" dirty="0" smtClean="0"/>
+              <a:t>Improvement with Tuned </a:t>
+            </a:r>
+            <a:r>
+              <a:rPr lang="en-US" b="1" dirty="0" smtClean="0"/>
+              <a:t>Random </a:t>
+            </a:r>
+            <a:r>
+              <a:rPr lang="en-US" b="1" dirty="0" smtClean="0"/>
+              <a:t>Forest</a:t>
+            </a:r>
+            <a:endParaRPr lang="en-US" b="1" dirty="0"/>
+          </a:p>
+        </p:txBody>
+      </p:sp>
+      <p:sp>
+        <p:nvSpPr>
+          <p:cNvPr id="11" name="AutoShape 4" descr="data:image/png;base64,iVBORw0KGgoAAAANSUhEUgAAAYgAAAEECAYAAAAyMaOFAAAABHNCSVQICAgIfAhkiAAAAAlwSFlz%0AAAALEgAACxIB0t1+/AAAADl0RVh0U29mdHdhcmUAbWF0cGxvdGxpYiB2ZXJzaW9uIDIuMS4wLCBo%0AdHRwOi8vbWF0cGxvdGxpYi5vcmcvpW3flQAAIABJREFUeJzt3XlcVXX+x/HXvSwiiyyWuSSmOBRq%0AZVqoYwrqILnUaJSgpSlqi2k64lZTmmQKmVaOmpkKY6mRZY7mVDOOC4aONuSS/VDSzH1BgRQVEO75%0A/eF0HeKwZF4u2vv5ePjw3rN8z+d+0PvmnHvuORbDMAxERER+xursAkREpHpSQIiIiCkFhIiImFJA%0AiIiIKQWEiIiYUkCIiIgpV0cMarPZePnll9m7dy/u7u5MmTKFRo0a2ecnJyezZs0aAMLCwhg+fDj5%0A+fmMHTuWM2fO4OXlRWJiIgEBAY4oT0REKsEhexBr166lsLCQlJQU4uLiSEhIsM87fPgwq1at4oMP%0APiAlJYUvv/ySPXv2sGzZMoKDg1m6dCm9evVi7ty5jihNREQqySEBkZ6eTocOHQBo2bIlu3fvts+r%0AW7cuCxYswMXFBavVSlFRETVq1CixTseOHdmyZYsjShMRkUpyyCGmvLw8vL297c9dXFwoKirC1dUV%0ANzc3AgICMAyD1157jWbNmtG4cWPy8vLw8fEBwMvLi3PnzpUaNz093RHliojc8Fq3bv2L13FIQHh7%0Ae3P+/Hn7c5vNhqvrlU0VFBTwwgsv4OXlxaRJk0qtc/78eWrVqmU69tW8yBtRRkYGISEhzi6jWlAv%0ArlAvrlAvrrjaX64dcoipVatWpKamArBjxw6Cg4Pt8wzDYNiwYdx+++3Ex8fj4uJiX2fjxo0ApKam%0AKghERJzMIXsQERERpKWlERMTg2EYTJ06laSkJAIDA7HZbGzbto3CwkI2bdoEwOjRo+nbty/jx4+n%0Ab9++uLm5MWPGDEeUJiIileSQgLBarcTHx5eYFhQUZH/8zTffmK43a9YsR5QjIiJXQV+UExERUwoI%0AERExpYAQERFTCggRETGlgBAREVMKCBERMaWAEBERUwoIERExpYAQERFTCggRETGlgBAREVMKCBER%0AMaWAEBERUwoIERExpYAQERFTCggRETGlgBAREVMKCBERMaWAEBERUwoIERExpYAQERFTCggRETGl%0AgBAREVMKCBERMaWAEBERUwoIERExpYAQERFTCggRETGlgBAREVMKCBERMaWAEBERUwoIERExpYAQ%0AERFTCggRETGlgBAREVMKCBERMeWQgLDZbEycOJHo6Gj69+/PwYMHSy2TnZ1N165dKSgoAODcuXMM%0AGTKExx57jIEDB5KVleWI0kREpJIcEhBr166lsLCQlJQU4uLiSEhIKDF/06ZNxMbGcvr0afu0FStW%0AEBwczJIlS+jevTsLFy50RGkiIlJJro4YND09nQ4dOgDQsmVLdu/eXWK+1WolKSmJqKgo+7Tg4GC+%0A//57APLy8nB1NS8tIyPDESVfd/Lz89WL/1IvrlAvrlAvfj2HBEReXh7e3t725y4uLhQVFdnf9Nu3%0Ab19qHX9/f9LS0ujevTs//vgjS5YsMR07JCTEESVfdzIyMtSL/1IvrlAvrlAvrkhPT7+q9RxyiMnb%0A25vz58/bn9tstjL3CH4ye/ZshgwZwt///ncWLlzIiBEjHFGaiIhUkkMColWrVqSmpgKwY8cOgoOD%0AK1ynVq1a+Pj4AFC7du0SASMiIlXPIYeYIiIiSEtLIyYmBsMwmDp1KklJSQQGBtKlSxfTdUaOHMmL%0AL77I0qVLKSoq4pVXXnFEaSIiUkkOCQir1Up8fHyJaUFBQaWWW7dunf3xLbfcwrvvvuuIckRE5Cro%0Ai3IiImJKASEiIqYUECIiYkoBISIiphQQIiJiSgEhIiKmFBAiImJKASEiIqYUECIiYkoBISIiphQQ%0AIiJiSgEhIiKmFBAiImJKASEiIqYUECIiYkoBISIiphQQIiJiSgEhIiKmFBAiImJKASEiIqYUECIi%0AYkoBISIiphQQIiJiSgEhIiKmFBAiImJKASEiIqYUECIiYkoBISIiphQQIiJiSgEhIiKmFBAiImJK%0AASEiIqYUECIiYkoBISIiphQQIiJiyiEBYbPZmDhxItHR0fTv35+DBw+WWiY7O5uuXbtSUFAAQHFx%0AMVOmTCEmJoaHH36Y9evXO6I0ERGppDID4ssvv7Q/Pnv2rP3x8uXLKxx07dq1FBYWkpKSQlxcHAkJ%0ACSXmb9q0idjYWE6fPm2f9re//Y2ioiI++OAD3n77bdNQERGRqlNmQMyfP9/+ePjw4fbHq1evrnDQ%0A9PR0OnToAEDLli3ZvXt3yY1arSQlJeHn52ef9uWXX1K3bl2efPJJXnzxRTp37lz5VyEiIteca1kz%0ADMOo8HFZ8vLy8Pb2tj93cXGhqKgIV9fLm2vfvn2pdXJycjh48CDvvPMOX331Fc8//zxLliwptVxG%0ARkaF2/8tyM/PVy/+S724Qr24Qr349coMCIvFUuHjsnh7e3P+/Hn7c5vNZg+Hsvj5+REeHo7FYiE0%0ANJQffvjBdLmQkJAKt/9bkJGRoV78l3pxhXpxhXpxRXp6+lWtV+YhpoKCAg4fPsyhQ4dKPa5Iq1at%0ASE1NBWDHjh0EBwdXuE7r1q3ZuHEjAHv27KFevXqVfQ0iIuIAZf5a7+Liwvjx400fVyQiIoK0tDRi%0AYmIwDIOpU6eSlJREYGAgXbp0MV2nT58+TJo0iT59+mAYBpMnT76a1yMiItdImQGxdOnSqx7UarUS%0AHx9fYlpQUFCp5datW2d/7O7uzrRp0656myIicm2VeYjp2LFjPPfccxQXF5Oens79999PZGQku3bt%0Aqsr6RETEScoMiClTptCzZ09cXFxISEhg2rRpJCcnM3369KqsT0REnKTMQ0wFBQV07dqV3Nxcjh07%0AZv9eQ3FxcZUVJyIizlPhpTa2bNlCaGgocPk7EHl5eQ4vSkREnK/MPYigoCDGjRvHrl27ePnllzl9%0A+jQzZ860h4WIiNzYygyICRMmsGHDBgYNGkRISAh79uyhSZMmDBw4sArLExERZynzEFNWVhbNmzcn%0AICCAkydP4u/vz4MPPsiZM2eqsj4REXGSMvcgwsLCqF+/PgEBAcCVazBZLBY++uijqqlOREScpsyA%0AmDlzJp9//jk2m41u3brxhz/8gRo1alRlbSIi4kRlBkT37t3p3r07P/74I5999hkjRoygdu3aPPTQ%0AQ7Rr164qaxQRESeo8DRXX19fYmJiGD58OBcuXGD06NFVUZeIiDhZudfg3rdvH6tXr2bjxo00bdqU%0A3r17M2PGjKqqTUREnKjMgHjooYcoLi6mR48eJCYm4unpCcDx48dp2LBhlRUoIiLOUWZAeHl5YbFY%0A+PLLL0lLSwMun8lksVhM7/QmIiI3ljIDYtmyZabT9T0IEZHfhjI/pM7IyGD48OG88MIL5OTkAJCS%0AkkKvXr2qrDgREXGeMvcg/vznPzNy5EiOHj3KG2+8Yb/t6OLFi6uyPhERcZIyA6JmzZqEhYUBEB4e%0AzoMPPkhCQgIWi6XKihMREecp957UP7n55puJi4urkoJERKR6KDMgDMPAMAxsNhseHh7253D5ntMi%0AInJjKzMgDh06RKdOnYDLYdGpUyf7aa4bNmyoqvpERMRJygyIjRs3VmUdIiJSzehYkYiImFJAiIiI%0AqQoD4ueHmr744guHFSMiItVHmZ9BbNiwgR07drBq1Sr++Mc/AmCz2fjHP/5BZGRklRUoIiLOUWZA%0A/O53vyMrKwt3d3fq168PXD69dfr06VVWnIiIOE+ZAdGgQQMeffRRevXqhaurKzabjV27dnH77bdX%0AZX0iIuIk5d4wCOAvf/kL9erV48SJE+zcuZN69eoxbdq0qqhNREScqMIPqbdt20bfvn35+uuvSU5O%0A5tixY1VRl4iIOFmFAWGz2fj2229p0KABly5dIjs7uyrqEhERJ6swIHr27MlLL71EbGwsiYmJPPbY%0AY1VRl4iIOFmFn0EMGDCAqKgojh8/zpgxY/Dw8KiKukRExMkq3INYu3Ytffv2ZdSoUSxYsIB33nmn%0AKuoSkWpiw4YNWCwW+x8vLy+eeOIJLl26VKV17Nmzp9TFQn/44YcStf30Z+DAgVVa242qwoBYsGAB%0Ay5cvx9/fn2HDhumb1CK/Udu2bSMnJ4ePP/6YxYsX89lnnzm7JAIDA8nJybHfFnnmzJnk5OQwd+5c%0AJ1d2Y6gwIFxcXKhRowYWiwWr1UrNmjWroi4RqWZ8fHzw8/MjICAAAG9vbwCGDRtGrVq18PT05OGH%0AH6a4uJisrCy6du2Kr68vQ4cOpVatWsybN4+LFy/Sp08fatWqRe/evQkODmbChAkAPP/88wQEBNCo%0AUSOWLFkCQGZmJvfddx9+fn5Mnjy5VE1WqxU/Pz/8/PyAy3fC9PPzw9PTk9mzZ9OwYUNCQkLo1asX%0Ahw8fpnPnznh7exMWFsaBAwcAWL58OY0aNaJ27drExcXZ73sjlQiIli1bMnbsWE6ePEl8fDzNmjWr%0AcFCbzcbEiROJjo6mf//+HDx4sNQy2dnZdO3alYKCghLT9+/fT+vWrUtNFxHnCg0NxdfXl7Zt29Kh%0AQwfuv/9+cnNz8fLy4h//+AezZs3ik08+4bvvvmPatGns3r2bLVu2EBoayrlz5wB49913+fTTT/nn%0AP//J0KFD2bdvHwCff/45iYmJrF69mrlz5zJ48GCOHz/O2LFjuXTpEtu3b6dp06a/uOYjR44wf/58%0AZs+ezdixY8nPz2fPnj3cdtttjBo1iuzsbJ544glGjBjB5s2bWbJkCStXrrymfbueVfgh9dixY1m/%0Afj1NmzalSZMmREREVDjo2rVrKSwsJCUlhR07dpCQkMDbb79tn79p0yZmzJjB6dOnS6yXl5dHYmIi%0A7u7uV/FSRMSRPvnkE5o0acLRo0fp3bs3Y8aMITExkby8PMaPH2//LT4/P5+MjAxCQ0Np1qwZjRs3%0A5sknnwQgIyOD4OBg2rRpA1y+nTHArl27MAyDHj16AFBQUEB6ejrfffcdkZGRNG7cmKioKKZMmfKL%0Aavb19aVDhw72bezfv58WLVpQWFiIp6cn+/bt4+LFi0yePJkpU6aQl5dHWloavXv3LnPMDXtO8U7q%0A9xzOuUBDf0+e6tiE8Dvq/LJmXifKDIhRo0bx5ptvAtCpUyf73eUqIz093f5DadmyJbt37y4x32q1%0AkpSURFRUlH2aYRi89NJLjB49mmHDhpU5dkZGRqXruJH99J9Q1Iv/5Yhe/HQE4MyZM3h7e3Pu3Dks%0AFgsHDhxg4cKFzJs3j2XLltkv7rl//37q1KnDZ599xpo1a/jqq68AOH78OP7+/uzdu5cPP/yQM2fO%0AkJWVxZkzZ2jYsCGurq689NJLFBYWsmXLFmrWrEnDhg1Zs2YN3bp14+OPP7bXU9ZrPH78uH1eUVER%0Arq6u9ucNGjTAzc2N0aNHs2HDBjw9Pbl06RJubm7069ePNm3a8NFHH9GsWbMyx//qyHnmbj2Dmwt4%0AuFg4cuZHJny0nWFtanPfrV7XtO/VQZkB8Wu+EJeXl2c/PgmXP8f46YcF0L59+1LrzJ49m7CwMO64%0A445yxw4JCbnqum4kGRkZ6sV/qRdXOKIXJ0+eBCA6Ohq4/P/53nvv5c0338THx4ekpCQGDRpEWFiY%0Afe//9ddf59ixY/Tr14+YmBjg8hv0448/zr59+xg6dCjdunXD39+fm2++mWHDhnHo0CFee+018vPz%0AGTRoEJ07d6Zx48b07dvXfrgaoFGjRmW+xnr16tnnubq64urqan++YMECYmNjGTZsGPXq1WP27Nm0%0Ab9+exYsX8+c//5nFixcTHh5Or1697J+z/Fz8pn/jVbMGnu6X38tqAhcKi/jsQBEDIqrvv8H09PSr%0AWq/MgDh8+DAzZ840nTd69OhyB/X29ub8+fP25zabzR4OZVm1ahV169bl448/Jisri9jYWPsHVSLi%0APOHh4eV+cGv25rN06VKCgoJ44403OHbsGPPnz6dBgwakpaXh6+vL3//+dzw9Pfnb3/5GgwYNsFgs%0AJCYmkpiYWGKcJk2asHXrVvvzWbNmlVnHz2scPnw4c+bMsT9v1KgR//rXv0qtFxMTYw+xihzOuYBf%0ATbcS02q6uXAk50Kl1r/elPmu7eHhQePGja9q0FatWrF+/Xq6d+/Ojh07CA4OrnCdf/7zn/bHnTt3%0AZtGiRVe1bRFxvtDQUGbPnk1oaCgeHh7ExsbSrVs3srOzef3114mMjMTFxYXIyMjr6jsLDf09OXUu%0A374HAXDxUjG3+ns6sSrHKTMgbrrppnI/qClPREQEaWlpxMTEYBgGU6dOJSkpicDAQLp06XLVxYrI%0A9aFp06Zs3ry51PSbbrrpuv4u1VMdmzBx1bdcKCyippsLFy8Vc6nY4KmOTZxdmkOUGRAtWrS46kGt%0AVivx8fElpgUFBZVabt26dabrlzVdRMSZwu+oQzzwTur3HMm5wK2/1bOYxo8fX5V1iIhcF8LvqHPD%0ABsLPVfhFORER+W1SQIiIiCkFhIiImFJAiIiIKQWEiIiYUkCIiIgpBYSIiJhSQIiIiCkFhIiImFJA%0AiIiIKQWEiIiYUkCIiIgpBYSIiJhSQIiIiCkFhIiImFJAiDhZeHg4Foul1B9HiYmJITw8vMS0H374%0AocS2PTw8aN26Nd9+++2v3l7btm2v6W1FN2zYUKpXjrxt6YYNG1i/fr3Dxq/OFBAiTvbpp5+Sk5ND%0A3759uffee8nJySEnJ8cptXz00Ufk5OSwa9cuDh8+XOrOkNXJtm3b7L2aO3euw7bTqVMn9u7d67Dx%0AqzMFhIiTeXt74+fnh7u7Oy4uLvj5+eHn5weAxWJh3rx5QMnf/MPDw3nwwQdp06YNfn5+9jfyzMxM%0A7r33Xnx8fHjooYc4c+YMAJMnT8bf35+WLVuyf//+Mmvx8vLCz8+PevXq4eHhgavr5ZtOTpkyhdq1%0Aa1OjRg3Cw8M5e/as/Tf5MWPGULt2be6++25++OEHDMPgqaeewtfXl7CwMHsNAH/9619p0qQJ3t7e%0AdOvWjUOHDtlf5xNPPEG9evVo1qwZs2fPpmHDhjRu3JitW7ea1urj42PvlaenJwCJiYnUr18fX19f%0A4uLiyMnJse8dde7cmVq1anH8+HGef/55AgICaNSoEUuWLAEgOTmZBg0a4OHhQdu2bTl48KB9z+SZ%0AZ54hOTn5l/5or3sKCJHr1I4dO1i0aBG9e/dm2rRpAEycOJHbbruNjIwMLl68SHx8PNu3b+fll18m%0AMTGRZcuWcfTo0TLHfOSRR/D19aV27doEBgYSHx9PcXEx+fn5vPfee6xevZqNGzeyefNm+zpeXl6s%0AXbuW//u//yMlJYWVK1fy7rvvsmzZMqZPn27fXkZGBrGxsTz77LPs3r2bvLw8Bg0aZB8nNzeXjRs3%0AcvjwYZKTk+0B9Pbbb5vWGhoaag+IAwcO8MUXXzBhwgTeeOMNtm3bRkZGBmPGjLEv37x5c77++mt2%0A7txJYmIiq1evZu7cuQwePJjjx4/z1ltvcf/99/PVV1/RvXt3Tpw4Yd8zmTlzJv369avUz2XDnlP0%0Anf9v7k9cR9/5/2bDnlOVWq86KvOe1CJSPRiGAUBxcXGJ6W3btqV58+aEhobaf7vNzMwkMzOTtWvX%0Akp+fT05ODu3btwcgOjoaX19fQkNDyc3NNd3W7NmzsVqtDBkyhE6dOhEUFITNZsMwDKZNm0b9+vUB%0AyM/Px8PDA4A+ffrQvHlzAgICuHjxIt999x2+vr50794dgODgYAB27tyJzWYjNjYWf39/evfuzaRJ%0Ak+zbjoyMJDg4mNq1a9u3HRgYSH5+vmmtn3zyCUFBQQDceuutpKSkUKtWLaKjowFo374927Ztsy/f%0ApUsXmjZtyooVKzAMgx49egBQUFBAeno6b731FpMnT6Zdu3Y0a9aMDh062PdMatasibu7e4U/qw17%0ATjFx1be4uVjwq+nGqXP5TFz1LfFwXd7HWnsQItWYp6cne/fu5fTp02zfvr3EPBcXF4ASH2g3btyY%0AiIgIVq1axcCBAxk0aBAhISEALFmyhIyMjDIP2QDUrVuXAQMGMHnyZKZMmcLy5cv55ptvmDp1KiNH%0AjuTRRx8FroSWWR3NmjUjNzeXVatWsXXrVjIzMwG46667sFgsLFq0iIMHD/LJJ5/Qpk0b+zhWq7XU%0AmOVp0KABt912G7fddhuurq7cfffdnD17lg8//JDMzEzS0tJKjP9ToN1xxx24uroyb9483nrrLR5/%0A/HHuvPNOli5dSmRkJBkZGRiGwVtvvWWv6/Tp05w9e7bCmt5J/R43Fwue7q5YLJf/dnOx8E7q9xWu%0AWx0pIESqsUmTJrF48WK6detm/028PK+++ionTpzggQceYPPmzbRt25Y777yTqVOn8uKLL9KvXz/u%0AueeeCscZP348YWFhPPvsswQEBNC5c2f69+/PG2+8QZ06dfj++7Lf8Hr27Mmzzz5L//79GT9+PHff%0AfTdwOTgWLlzInDlzaN68Od7e3ixatKjyzahAt27dmDZtGqNGjeK+++4jJCSE6dOnl1ruwQcfZPTo%0A0YwcOZLnnnvOfjgtLCyMefPm0bRpUwoKChg/fjwAf/zjH0lISGDFihUV1nA45wI13UqGW003F47k%0AXLg2L7KKWYz//VWgmktPT6d169bOLqNayMjIsP9m+FunXlyhXlzhjF70nf9vTp3Lx9P9ytH7C4VF%0A1PHxYNmTbau0lv91te+d2oMQEblGnurYhEvFBhcKizCMy39fKjZ4qmMTZ5d2VRQQIiLXSPgddYh/%0AqDl1fDz48eIl6vh4EP9Q8+vyA2rQWUwiItdU+B11rttA+DntQYiIiCkFhIiImFJAiIiIKQWEiIiY%0AUkCIiIgpBYSIiJhSQIiIiCkFhIiImHJIQNhsNiZOnEh0dDT9+/fn4MGDpZbJzs6ma9euFBQUAHDu%0A3DmefvppHn/8caKjo0tduVJERKqWQwJi7dq1FBYWkpKSQlxcHAkJCSXmb9q0idjYWE6fPm2flpSU%0ARNu2bXn//feZNm1atb7VoYjIb4FDLrWRnp5Ohw4dAGjZsiW7d+8uMd9qtZKUlERUVJR92sCBA+03%0A5CguLqZGjRqOKE1ERCrJIQGRl5eHt7e3/bmLiwtFRUX2+9v+dIer/1WrVi0AsrKyGDt2LC+88ILp%0A2BkZGQ6o+PqTn5+vXvyXenGFenGFevHrOSQgvL29OX/+vP25zWazh0N59u7dy+jRoxk3bhyhoaGm%0Ay+ha95fpuv9XqBdXqBdXqBdXpKenX9V6DvkMolWrVqSmpgKXb6xemTth7du3j5EjRzJjxgzCwsIc%0AUZaIiPwCDtmDiIiIIC0tjZiYGAzDYOrUqSQlJREYGEiXLl1M15kxYwaFhYW8+uqrwOW9kLffftsR%0A5YmISCU4JCCsVmups5CCgoJKLbdu3Tr7Y4WBiEj1oi/KiYiIKQWEiIiYUkCIiIgpBYSIiJhSQIiI%0AiCkFhIiImFJAiIiIKQWEiIiYUkCIiIgpBYSIiJhSQIiIiCkFhIiImFJAiIiIKQWEiIiYUkCIiIgp%0ABYSIiJhSQIiIiCkFhIiImFJAiIiIKQWEiIiYUkCIiIgpBYSIiJhSQIiIiCkFhIiImFJAiIiIKQWE%0AiIiYUkCIiIgpBYSIiJhSQIiIiCkFhIiImFJAiIiIKQWEiIiYUkCIiIgpBYSIiJhSQIiIiCkFhIiI%0AmHJIQNhsNiZOnEh0dDT9+/fn4MGDpZbJzs6ma9euFBQUAJCfn8+IESPo168fQ4cOJTs72xGliYhI%0AJTkkINauXUthYSEpKSnExcWRkJBQYv6mTZuIjY3l9OnT9mnLli0jODiYpUuX0qtXL+bOneuI0kRE%0ApJJcHTFoeno6HTp0AKBly5bs3r27xHyr1UpSUhJRUVEl1hkyZAgAHTt2LDMg0tPTHVHydUm9uEK9%0AuEK9uEK9+HUcEhB5eXl4e3vbn7u4uFBUVISr6+XNtW/f3nQdHx8fALy8vDh37lypZVq3bu2IckVE%0AxIRDDjF5e3tz/vx5+3ObzWYPh8qsc/78eWrVquWI0kREpJIcEhCtWrUiNTUVgB07dhAcHFypdTZu%0A3AhAamqq9hZERJzMYhiGca0HtdlsvPzyy2RmZmIYBlOnTiU1NZXAwEC6dOliX65z58589tln1KhR%0Ag4sXLzJ+/HiysrJwc3NjxowZ3Hzzzde6NBERqSSHBMSv9VPA7N27F3d3d6ZMmUKjRo3s8z/88EM+%0A+OADXF1deeaZZ+jUqZMTq3WsinqRnJzMmjVrAAgLC2P48OHOKtXhKurFT8s8+eSTdOnShb59+zqp%0AUserqBcbN25kzpw5ADRr1oxJkyZhsVicVa7DVNSHhQsXsmbNGiwWC08//TQRERFOrLZq7Ny5k9df%0Af5333nuvxPR169YxZ84cXF1diYqKok+fPhUPZlRDX3zxhTF+/HjDMAxj+/btxtNPP22fd+rUKaNn%0Az55GQUGBcfbsWfvjG1V5vTh06JDRu3dvo6ioyCguLjaio6ONjIwMZ5XqcOX14iczZswwHnnkEWPp%0A0qVVXV6VKq8X586dM3r06GGcOXPGMAzDmD9/vv3xjaa8Pvz4449GWFiYUVBQYOTm5hrh4eHOKrPK%0AzJ8/3+jZs6fx6KOPlpheWFho/OEPfzByc3ONgoIC4+GHHzZOnTpV4XjV8pvU5Z0mu2vXLu655x7c%0A3d3x8fEhMDCQPXv2OKtUhyuvF3Xr1mXBggW4uLhgtVopKiqiRo0azirV4So6ffrzzz/HYrHQsWNH%0AZ5RXpcrrxfbt2wkODiYxMZF+/fpx0003ERAQ4KxSHaq8PtSsWZP69etz8eJFLl68eEPuQf1cYGAg%0Af/nLX0pN379/P4GBgfj6+uLu7k7r1q35z3/+U+F4DjnN9dcq7zTZ/z0dFi6fEpuXl+eMMqtEeb1w%0Ac3MjICAAwzB47bXXaNasGY0bN3ZitY5VXi8yMzP59NNPmTVrlv3Qyo2svF7k5OSwdetWVq5ciaen%0AJ4899hgtW7a8If9tVHRKfb169ejRowfFxcU89dRTziqzykRGRnLkyJFS06/2fbNaBkR5p8n+fN75%0A8+dLvPAbTUWnDBcUFPDCCy+0y2nfAAAF5ElEQVTg5eXFpEmTnFFilSmvFytXruTkyZM88cQTHD16%0AFDc3Nxo0aHDD7k2U1ws/Pz/uvPNO+0ke9957LxkZGTdkQJTXh9TUVE6dOsW//vUvAAYPHkyrVq24%0A6667nFKrM13t+2a1PMRU3mmyd911F+np6RQUFHDu3Dn2799fqdNor1fl9cIwDIYNG8btt99OfHw8%0ALi4uziqzSpTXi3HjxrF8+XLee+89evfuzcCBA2/YcIDye9GiRQsyMzPJzs6mqKiInTt30rRpU2eV%0A6lDl9cHX1xcPDw/c3d2pUaMGPj4+nD171lmlOlVQUBAHDx4kNzeXwsJC/vOf/3DPPfdUuF613IOI%0AiIggLS2NmJgY+2mySUlJ9tNk+/fvT79+/TAMgz/96U839HH38nphs9nYtm0bhYWFbNq0CYDRo0dX%0A6gd/Paro38VvSUW9iIuLs1+65oEHHrhhf4mqqA+bN2+mT58+WK1WWrVqZXoVhxvZ6tWruXDhAtHR%0A0UyYMIHBgwdjGAZRUVHccsstFa5fLU9zFRER56uWh5hERMT5FBAiImJKASEiIqYUECIiYkoBISIi%0Apqrlaa4ilZGQkMC3335LVlYW+fn5NGzYEH9/f2bNmlXpMY4cOcJ3331X6oKPHTt2JDAwEIvFQnFx%0AMRcvXmTKlCk0b968xHLr168nOTkZq9VKcXEx0dHR9OjR45q8vl/q/fff5+zZswwbNswp25cbjwJC%0ArlsTJkwAYMWKFXz//feMGTPmF4+xZcsWjhw5YnpF4OTkZPu3cjds2MCcOXNK3Qp38uTJrF69Gh8f%0AH/Ly8njooYf4/e9/j7+//1W8IpHqRQEhN6TXXnuN7du3Y7PZGDx4MF27dmXx4sWsXr0aq9XKfffd%0Ax3PPPceCBQsoLCzknnvuITw8vMzxjh49iq+vb6np/v7+LF68mMjISJo2bcrnn3+Ou7s7J0+etAdW%0A06ZNOXDgAMnJyXTs2JF169bh6upKYmIid9xxBz169OCll17i5MmT/Pjjj4SHhzNixAjGjBlDXl4e%0Aubm5LFiwgLlz55Z6Tdu2bSMhIQFfX1+sVqtutCXXlAJCbjjr1q3j5MmTLFu2jPz8fB599FF+//vf%0As2LFCl555RVatGjB0qVLcXFxYciQIRw5csQ0HAYOHEh+fj5ZWVl06NCBsWPHllpm3rx5/PWvf+VP%0Af/oTOTk59O3bl2HDhjF79mx69epFVFQUK1eu5MCBA2XWe/z4cVq3bs0jjzxCfn6+PSDg8v3b+/fv%0AX+ZrmjZtGm+++SaNGjXixRdfvGY9FAEFhNyAMjMz2b17N/379weguLiYY8eOkZiYyKJFizh69Cit%0AWrWioosIJCcn4+Liwuuvv86pU6dKXTI7NzeXkydPMm7cOMaNG8eJEyd49tlnadGiBUeOHGHAgAEA%0AtGnThpUrV5Ya/6ft+/n5sWPHDrZs2YKPjw+XLl2yL/PTBfbKek1ZWVn2G+S0atWKEydOXE3LREzp%0ALCa54TRp0oR27drx3nvvkZyczAMPPMCtt97K8uXLeeWVV3j//ffZuXMnO3fuxGKxlBsUFouFuLg4%0Ajhw5wgcffFBiXkFBAaNGjeLkyZMA1KlTh5tvvhl3d3duv/12vv76a4AS9yioUaMGWVlZGIZBRkYG%0AAB999BG1a9dmxowZDBgwgIsXL9qXt1qt5b6mgIAA+97JN998cw26J3KF9iDkhhMREcG2bdvo168f%0AFy5cIDIyEk9PT4KCgoiKisLf35969epx55134u7uzrvvvktISAjdunUzHc9qtfLqq68yYMAAunTp%0AYr+M9i233MLzzz/PM888g5ubGzabjc6dO9OuXTtCQkKYMGECa9asoVatWvaxhg4dSmxsLLfeeit+%0Afn4AtGvXjjFjxrB161Y8PT1p2LAhp0+frtRrmj59OmPGjMHb2xtPT0/dx12uKV2sT8TBMjMzmTp1%0AKsnJyc4uReQX0SEmERExpT0IERExpT0IERExpYAQERFTCggRETGlgBAREVMKCBERMfX/Zq33PuYx%0Ah50AAAAASUVORK5CYII="/>
+          <p:cNvSpPr>
+            <a:spLocks noChangeAspect="1" noChangeArrowheads="1"/>
+          </p:cNvSpPr>
+          <p:nvPr/>
+        </p:nvSpPr>
+        <p:spPr bwMode="auto">
+          <a:xfrm>
+            <a:off x="155575" y="-144463"/>
+            <a:ext cx="304800" cy="304801"/>
+          </a:xfrm>
+          <a:prstGeom prst="rect">
+            <a:avLst/>
+          </a:prstGeom>
+          <a:noFill/>
+          <a:extLst>
+            <a:ext uri="{909E8E84-426E-40DD-AFC4-6F175D3DCCD1}">
+              <a14:hiddenFill xmlns:a14="http://schemas.microsoft.com/office/drawing/2010/main">
+                <a:solidFill>
+                  <a:srgbClr val="FFFFFF"/>
+                </a:solidFill>
+              </a14:hiddenFill>
+            </a:ext>
+          </a:extLst>
+        </p:spPr>
+        <p:txBody>
+          <a:bodyPr vert="horz" wrap="square" lIns="91440" tIns="45720" rIns="91440" bIns="45720" numCol="1" anchor="t" anchorCtr="0" compatLnSpc="1">
+            <a:prstTxWarp prst="textNoShape">
+              <a:avLst/>
+            </a:prstTxWarp>
+          </a:bodyPr>
+          <a:lstStyle/>
+          <a:p>
+            <a:endParaRPr lang="en-US"/>
+          </a:p>
+        </p:txBody>
+      </p:sp>
+      <p:pic>
+        <p:nvPicPr>
+          <p:cNvPr id="1026" name="Picture 2"/>
+          <p:cNvPicPr>
+            <a:picLocks noChangeAspect="1" noChangeArrowheads="1"/>
+          </p:cNvPicPr>
+          <p:nvPr/>
+        </p:nvPicPr>
+        <p:blipFill>
+          <a:blip r:embed="rId3">
+            <a:extLst>
+              <a:ext uri="{28A0092B-C50C-407E-A947-70E740481C1C}">
+                <a14:useLocalDpi xmlns:a14="http://schemas.microsoft.com/office/drawing/2010/main" val="0"/>
+              </a:ext>
+            </a:extLst>
+          </a:blip>
+          <a:srcRect/>
+          <a:stretch>
+            <a:fillRect/>
+          </a:stretch>
+        </p:blipFill>
+        <p:spPr bwMode="auto">
+          <a:xfrm>
+            <a:off x="7917352" y="2519608"/>
+            <a:ext cx="4018859" cy="2665570"/>
+          </a:xfrm>
+          <a:prstGeom prst="rect">
+            <a:avLst/>
+          </a:prstGeom>
+          <a:noFill/>
+          <a:ln>
+            <a:noFill/>
+          </a:ln>
+          <a:effectLst/>
+          <a:extLst>
+            <a:ext uri="{909E8E84-426E-40DD-AFC4-6F175D3DCCD1}">
+              <a14:hiddenFill xmlns:a14="http://schemas.microsoft.com/office/drawing/2010/main">
+                <a:solidFill>
+                  <a:schemeClr val="accent1"/>
+                </a:solidFill>
+              </a14:hiddenFill>
+            </a:ext>
+            <a:ext uri="{91240B29-F687-4F45-9708-019B960494DF}">
+              <a14:hiddenLine xmlns:a14="http://schemas.microsoft.com/office/drawing/2010/main" w="9525">
+                <a:solidFill>
+                  <a:schemeClr val="tx1"/>
+                </a:solidFill>
+                <a:miter lim="800000"/>
+                <a:headEnd/>
+                <a:tailEnd/>
+              </a14:hiddenLine>
+            </a:ext>
+            <a:ext uri="{AF507438-7753-43E0-B8FC-AC1667EBCBE1}">
+              <a14:hiddenEffects xmlns:a14="http://schemas.microsoft.com/office/drawing/2010/main">
+                <a:effectLst>
+                  <a:outerShdw dist="35921" dir="2700000" algn="ctr" rotWithShape="0">
+                    <a:schemeClr val="bg2"/>
+                  </a:outerShdw>
+                </a:effectLst>
+              </a14:hiddenEffects>
+            </a:ext>
+          </a:extLst>
+        </p:spPr>
+      </p:pic>
+      <p:sp>
+        <p:nvSpPr>
+          <p:cNvPr id="16" name="TextBox 15"/>
+          <p:cNvSpPr txBox="1"/>
+          <p:nvPr/>
+        </p:nvSpPr>
+        <p:spPr>
+          <a:xfrm>
+            <a:off x="3659457" y="2109484"/>
+            <a:ext cx="3728330" cy="369332"/>
+          </a:xfrm>
+          <a:prstGeom prst="rect">
+            <a:avLst/>
+          </a:prstGeom>
+          <a:noFill/>
+        </p:spPr>
+        <p:txBody>
+          <a:bodyPr wrap="square" rtlCol="0">
+            <a:spAutoFit/>
+          </a:bodyPr>
+          <a:lstStyle/>
+          <a:p>
+            <a:r>
+              <a:rPr lang="en-US" b="1" dirty="0" smtClean="0"/>
+              <a:t>Tuning Max Features with </a:t>
+            </a:r>
+            <a:r>
+              <a:rPr lang="en-US" b="1" dirty="0" err="1" smtClean="0"/>
+              <a:t>GridSearch</a:t>
+            </a:r>
+            <a:endParaRPr lang="en-US" b="1" dirty="0"/>
+          </a:p>
+        </p:txBody>
+      </p:sp>
+      <p:sp>
+        <p:nvSpPr>
+          <p:cNvPr id="17" name="Oval 16"/>
+          <p:cNvSpPr/>
+          <p:nvPr/>
+        </p:nvSpPr>
+        <p:spPr>
+          <a:xfrm>
+            <a:off x="6647630" y="2721820"/>
+            <a:ext cx="221759" cy="152400"/>
+          </a:xfrm>
+          <a:prstGeom prst="ellipse">
+            <a:avLst/>
+          </a:prstGeom>
+          <a:noFill/>
+        </p:spPr>
+        <p:style>
+          <a:lnRef idx="2">
+            <a:schemeClr val="accent1">
+              <a:shade val="50000"/>
+            </a:schemeClr>
+          </a:lnRef>
+          <a:fillRef idx="1">
+            <a:schemeClr val="accent1"/>
+          </a:fillRef>
+          <a:effectRef idx="0">
+            <a:schemeClr val="accent1"/>
+          </a:effectRef>
+          <a:fontRef idx="minor">
+            <a:schemeClr val="lt1"/>
+          </a:fontRef>
+        </p:style>
+        <p:txBody>
+          <a:bodyPr rtlCol="0" anchor="ctr"/>
+          <a:lstStyle/>
+          <a:p>
+            <a:pPr algn="ctr"/>
+            <a:endParaRPr lang="en-US"/>
+          </a:p>
+        </p:txBody>
+      </p:sp>
+      <p:cxnSp>
+        <p:nvCxnSpPr>
+          <p:cNvPr id="18" name="Straight Connector 17"/>
+          <p:cNvCxnSpPr/>
+          <p:nvPr/>
+        </p:nvCxnSpPr>
+        <p:spPr>
+          <a:xfrm>
+            <a:off x="7645075" y="2478816"/>
+            <a:ext cx="0" cy="2281900"/>
+          </a:xfrm>
+          <a:prstGeom prst="line">
+            <a:avLst/>
+          </a:prstGeom>
+          <a:ln>
+            <a:solidFill>
+              <a:schemeClr val="bg1">
+                <a:lumMod val="50000"/>
+              </a:schemeClr>
+            </a:solidFill>
+          </a:ln>
+        </p:spPr>
+        <p:style>
+          <a:lnRef idx="1">
+            <a:schemeClr val="accent1"/>
+          </a:lnRef>
+          <a:fillRef idx="0">
+            <a:schemeClr val="accent1"/>
+          </a:fillRef>
+          <a:effectRef idx="0">
+            <a:schemeClr val="accent1"/>
+          </a:effectRef>
+          <a:fontRef idx="minor">
+            <a:schemeClr val="tx1"/>
+          </a:fontRef>
+        </p:style>
+      </p:cxnSp>
+    </p:spTree>
+    <p:extLst>
+      <p:ext uri="{BB962C8B-B14F-4D97-AF65-F5344CB8AC3E}">
+        <p14:creationId xmlns:p14="http://schemas.microsoft.com/office/powerpoint/2010/main" val="3783182460"/>
+      </p:ext>
+    </p:extLst>
+  </p:cSld>
+  <p:clrMapOvr>
+    <a:masterClrMapping/>
+  </p:clrMapOvr>
+</p:sld>
+</file>
+
 <file path=ppt/slides/slide8.xml><?xml version="1.0" encoding="utf-8"?>
 <p:sld xmlns:a="http://schemas.openxmlformats.org/drawingml/2006/main" xmlns:r="http://schemas.openxmlformats.org/officeDocument/2006/relationships" xmlns:p="http://schemas.openxmlformats.org/presentationml/2006/main">
   <p:cSld>
@@ -6009,7 +7365,7 @@
           <p:cNvPr id="2" name="Title 1">
             <a:extLst>
               <a:ext uri="{FF2B5EF4-FFF2-40B4-BE49-F238E27FC236}">
-                <a16:creationId xmlns="" xmlns:a16="http://schemas.microsoft.com/office/drawing/2014/main" id="{7D0810BF-2F18-45FE-B8A0-37BD6C9D83D6}"/>
+                <a16:creationId xmlns:a16="http://schemas.microsoft.com/office/drawing/2014/main" xmlns="" id="{311A6BE9-6C17-4897-9D97-E942C4BACE8E}"/>
               </a:ext>
             </a:extLst>
           </p:cNvPr>
@@ -6022,21 +7378,20 @@
         </p:nvSpPr>
         <p:spPr/>
         <p:txBody>
-          <a:bodyPr/>
+          <a:bodyPr>
+            <a:normAutofit/>
+          </a:bodyPr>
           <a:lstStyle/>
           <a:p>
             <a:r>
-              <a:rPr lang="en-US" dirty="0"/>
-              <a:t>Tuned Random Forest (with </a:t>
-            </a:r>
-            <a:r>
-              <a:rPr lang="en-US" dirty="0" err="1"/>
-              <a:t>GridSearchCV</a:t>
-            </a:r>
-            <a:r>
-              <a:rPr lang="en-US" dirty="0"/>
-              <a:t>)</a:t>
-            </a:r>
+              <a:rPr lang="en-US" sz="3600" dirty="0"/>
+              <a:t>Stochastic Gradient </a:t>
+            </a:r>
+            <a:r>
+              <a:rPr lang="en-US" sz="3600" dirty="0" smtClean="0"/>
+              <a:t>Boosting Shows Considerable Improvement To Score</a:t>
+            </a:r>
+            <a:endParaRPr lang="en-US" sz="3600" dirty="0"/>
           </a:p>
         </p:txBody>
       </p:sp>
@@ -6045,7 +7400,7 @@
           <p:cNvPr id="3" name="Content Placeholder 2">
             <a:extLst>
               <a:ext uri="{FF2B5EF4-FFF2-40B4-BE49-F238E27FC236}">
-                <a16:creationId xmlns="" xmlns:a16="http://schemas.microsoft.com/office/drawing/2014/main" id="{DD905849-336E-4F8F-9FE1-D3E34C32A415}"/>
+                <a16:creationId xmlns:a16="http://schemas.microsoft.com/office/drawing/2014/main" xmlns="" id="{2A04DB55-EDC7-4FA2-90CF-E5F236F69ACE}"/>
               </a:ext>
             </a:extLst>
           </p:cNvPr>
@@ -6058,8 +7413,8 @@
         </p:nvSpPr>
         <p:spPr>
           <a:xfrm>
-            <a:off x="506185" y="1897631"/>
-            <a:ext cx="2852057" cy="3207769"/>
+            <a:off x="544286" y="1799847"/>
+            <a:ext cx="2939143" cy="3367159"/>
           </a:xfrm>
         </p:spPr>
         <p:txBody>
@@ -6068,26 +7423,30 @@
           <a:p>
             <a:r>
               <a:rPr lang="en-US" sz="2000" dirty="0"/>
-              <a:t>Best Parameters</a:t>
+              <a:t>Parameters</a:t>
             </a:r>
           </a:p>
           <a:p>
             <a:pPr lvl="1"/>
             <a:r>
+              <a:rPr lang="en-US" sz="1600" dirty="0"/>
+              <a:t>Learning Rate: 0.1</a:t>
+            </a:r>
+          </a:p>
+          <a:p>
+            <a:pPr lvl="1"/>
+            <a:r>
               <a:rPr lang="en-US" sz="1600" dirty="0" smtClean="0"/>
-              <a:t>Trees: </a:t>
-            </a:r>
-            <a:r>
-              <a:rPr lang="en-US" sz="1600" dirty="0"/>
-              <a:t>500</a:t>
+              <a:t>Subsample: 2/3</a:t>
             </a:r>
           </a:p>
           <a:p>
             <a:pPr lvl="1"/>
             <a:r>
-              <a:rPr lang="en-US" sz="1600" dirty="0"/>
-              <a:t>Max Features: 36</a:t>
-            </a:r>
+              <a:rPr lang="en-US" sz="1600" dirty="0" smtClean="0"/>
+              <a:t>Depth: 3</a:t>
+            </a:r>
+            <a:endParaRPr lang="en-US" sz="1600" dirty="0"/>
           </a:p>
           <a:p>
             <a:r>
@@ -6103,26 +7462,14 @@
             <a:pPr lvl="1"/>
             <a:r>
               <a:rPr lang="en-US" sz="1600" dirty="0"/>
-              <a:t>Training: 98</a:t>
-            </a:r>
-            <a:r>
-              <a:rPr lang="en-US" sz="1600" dirty="0" smtClean="0"/>
-              <a:t>%</a:t>
+              <a:t>Training: 96%</a:t>
             </a:r>
           </a:p>
           <a:p>
             <a:pPr lvl="1"/>
             <a:r>
-              <a:rPr lang="en-US" sz="1600" dirty="0" smtClean="0"/>
-              <a:t>OOB: 87%</a:t>
-            </a:r>
-            <a:endParaRPr lang="en-US" sz="1600" dirty="0"/>
-          </a:p>
-          <a:p>
-            <a:pPr lvl="1"/>
-            <a:r>
               <a:rPr lang="en-US" sz="1600" dirty="0"/>
-              <a:t>Test: 88%</a:t>
+              <a:t>Test: 92%</a:t>
             </a:r>
           </a:p>
           <a:p>
@@ -6135,216 +7482,39 @@
             <a:pPr lvl="1"/>
             <a:r>
               <a:rPr lang="en-US" sz="1600" dirty="0"/>
-              <a:t>Training: .0526</a:t>
+              <a:t>Training: .0835</a:t>
             </a:r>
           </a:p>
           <a:p>
             <a:pPr lvl="1"/>
             <a:r>
               <a:rPr lang="en-US" sz="1600" dirty="0"/>
-              <a:t>Test: .1361</a:t>
-            </a:r>
-          </a:p>
-        </p:txBody>
-      </p:sp>
-      <p:pic>
-        <p:nvPicPr>
-          <p:cNvPr id="4" name="Picture 3">
-            <a:extLst>
-              <a:ext uri="{FF2B5EF4-FFF2-40B4-BE49-F238E27FC236}">
-                <a16:creationId xmlns="" xmlns:a16="http://schemas.microsoft.com/office/drawing/2014/main" id="{4F233AF7-A554-4C99-ACCD-24567332999B}"/>
-              </a:ext>
-            </a:extLst>
-          </p:cNvPr>
-          <p:cNvPicPr>
-            <a:picLocks noChangeAspect="1"/>
-          </p:cNvPicPr>
+              <a:t>Test: .1125</a:t>
+            </a:r>
+          </a:p>
+          <a:p>
+            <a:endParaRPr lang="en-US" dirty="0"/>
+          </a:p>
+        </p:txBody>
+      </p:sp>
+      <p:sp>
+        <p:nvSpPr>
+          <p:cNvPr id="5" name="Content Placeholder 2">
+            <a:extLst>
+              <a:ext uri="{FF2B5EF4-FFF2-40B4-BE49-F238E27FC236}">
+                <a16:creationId xmlns:a16="http://schemas.microsoft.com/office/drawing/2014/main" xmlns="" id="{D9A464F3-D21B-4B8F-8651-40EF6D9DAAE5}"/>
+              </a:ext>
+            </a:extLst>
+          </p:cNvPr>
+          <p:cNvSpPr txBox="1">
+            <a:spLocks/>
+          </p:cNvSpPr>
           <p:nvPr/>
-        </p:nvPicPr>
-        <p:blipFill>
-          <a:blip r:embed="rId2"/>
-          <a:stretch>
-            <a:fillRect/>
-          </a:stretch>
-        </p:blipFill>
+        </p:nvSpPr>
         <p:spPr>
           <a:xfrm>
-            <a:off x="7523162" y="1572268"/>
-            <a:ext cx="4491680" cy="3348075"/>
-          </a:xfrm>
-          <a:prstGeom prst="rect">
-            <a:avLst/>
-          </a:prstGeom>
-        </p:spPr>
-      </p:pic>
-      <p:pic>
-        <p:nvPicPr>
-          <p:cNvPr id="5" name="Picture 4">
-            <a:extLst>
-              <a:ext uri="{FF2B5EF4-FFF2-40B4-BE49-F238E27FC236}">
-                <a16:creationId xmlns="" xmlns:a16="http://schemas.microsoft.com/office/drawing/2014/main" id="{3510B83D-9879-46EB-B852-AF96B44AEBA8}"/>
-              </a:ext>
-            </a:extLst>
-          </p:cNvPr>
-          <p:cNvPicPr>
-            <a:picLocks noChangeAspect="1"/>
-          </p:cNvPicPr>
-          <p:nvPr/>
-        </p:nvPicPr>
-        <p:blipFill>
-          <a:blip r:embed="rId3"/>
-          <a:stretch>
-            <a:fillRect/>
-          </a:stretch>
-        </p:blipFill>
-        <p:spPr>
-          <a:xfrm>
-            <a:off x="7681650" y="3890649"/>
-            <a:ext cx="1124598" cy="937165"/>
-          </a:xfrm>
-          <a:prstGeom prst="rect">
-            <a:avLst/>
-          </a:prstGeom>
-        </p:spPr>
-      </p:pic>
-      <p:pic>
-        <p:nvPicPr>
-          <p:cNvPr id="6" name="Picture 5">
-            <a:extLst>
-              <a:ext uri="{FF2B5EF4-FFF2-40B4-BE49-F238E27FC236}">
-                <a16:creationId xmlns="" xmlns:a16="http://schemas.microsoft.com/office/drawing/2014/main" id="{85645CFE-3AAE-4C71-8BE2-69C67EAE22BF}"/>
-              </a:ext>
-            </a:extLst>
-          </p:cNvPr>
-          <p:cNvPicPr>
-            <a:picLocks noChangeAspect="1"/>
-          </p:cNvPicPr>
-          <p:nvPr/>
-        </p:nvPicPr>
-        <p:blipFill>
-          <a:blip r:embed="rId3"/>
-          <a:stretch>
-            <a:fillRect/>
-          </a:stretch>
-        </p:blipFill>
-        <p:spPr>
-          <a:xfrm>
-            <a:off x="10444843" y="3773207"/>
-            <a:ext cx="1212896" cy="1010747"/>
-          </a:xfrm>
-          <a:prstGeom prst="rect">
-            <a:avLst/>
-          </a:prstGeom>
-        </p:spPr>
-      </p:pic>
-      <p:pic>
-        <p:nvPicPr>
-          <p:cNvPr id="7" name="Picture 6">
-            <a:extLst>
-              <a:ext uri="{FF2B5EF4-FFF2-40B4-BE49-F238E27FC236}">
-                <a16:creationId xmlns="" xmlns:a16="http://schemas.microsoft.com/office/drawing/2014/main" id="{F0F8CFD0-E1F6-4C80-BFEA-4A6ED76E3922}"/>
-              </a:ext>
-            </a:extLst>
-          </p:cNvPr>
-          <p:cNvPicPr>
-            <a:picLocks noChangeAspect="1"/>
-          </p:cNvPicPr>
-          <p:nvPr/>
-        </p:nvPicPr>
-        <p:blipFill>
-          <a:blip r:embed="rId3"/>
-          <a:stretch>
-            <a:fillRect/>
-          </a:stretch>
-        </p:blipFill>
-        <p:spPr>
-          <a:xfrm>
-            <a:off x="7681650" y="1812161"/>
-            <a:ext cx="1092056" cy="910047"/>
-          </a:xfrm>
-          <a:prstGeom prst="rect">
-            <a:avLst/>
-          </a:prstGeom>
-        </p:spPr>
-      </p:pic>
-      <p:pic>
-        <p:nvPicPr>
-          <p:cNvPr id="8" name="Picture 7">
-            <a:extLst>
-              <a:ext uri="{FF2B5EF4-FFF2-40B4-BE49-F238E27FC236}">
-                <a16:creationId xmlns="" xmlns:a16="http://schemas.microsoft.com/office/drawing/2014/main" id="{3C5DD31E-B52B-4A1D-9373-1C6A9B057960}"/>
-              </a:ext>
-            </a:extLst>
-          </p:cNvPr>
-          <p:cNvPicPr>
-            <a:picLocks noChangeAspect="1"/>
-          </p:cNvPicPr>
-          <p:nvPr/>
-        </p:nvPicPr>
-        <p:blipFill>
-          <a:blip r:embed="rId3"/>
-          <a:stretch>
-            <a:fillRect/>
-          </a:stretch>
-        </p:blipFill>
-        <p:spPr>
-          <a:xfrm>
-            <a:off x="10157812" y="1997528"/>
-            <a:ext cx="1177125" cy="980937"/>
-          </a:xfrm>
-          <a:prstGeom prst="rect">
-            <a:avLst/>
-          </a:prstGeom>
-        </p:spPr>
-      </p:pic>
-      <p:pic>
-        <p:nvPicPr>
-          <p:cNvPr id="9" name="Picture 8">
-            <a:extLst>
-              <a:ext uri="{FF2B5EF4-FFF2-40B4-BE49-F238E27FC236}">
-                <a16:creationId xmlns="" xmlns:a16="http://schemas.microsoft.com/office/drawing/2014/main" id="{6A2DF326-A88D-4DA8-95C5-90FCFE11D1B8}"/>
-              </a:ext>
-            </a:extLst>
-          </p:cNvPr>
-          <p:cNvPicPr>
-            <a:picLocks noChangeAspect="1"/>
-          </p:cNvPicPr>
-          <p:nvPr/>
-        </p:nvPicPr>
-        <p:blipFill>
-          <a:blip r:embed="rId3"/>
-          <a:stretch>
-            <a:fillRect/>
-          </a:stretch>
-        </p:blipFill>
-        <p:spPr>
-          <a:xfrm>
-            <a:off x="8300298" y="2929956"/>
-            <a:ext cx="1011901" cy="843251"/>
-          </a:xfrm>
-          <a:prstGeom prst="rect">
-            <a:avLst/>
-          </a:prstGeom>
-        </p:spPr>
-      </p:pic>
-      <p:sp>
-        <p:nvSpPr>
-          <p:cNvPr id="10" name="Content Placeholder 2">
-            <a:extLst>
-              <a:ext uri="{FF2B5EF4-FFF2-40B4-BE49-F238E27FC236}">
-                <a16:creationId xmlns="" xmlns:a16="http://schemas.microsoft.com/office/drawing/2014/main" id="{FA9E3FB7-F65C-4387-A7F5-B6C058857968}"/>
-              </a:ext>
-            </a:extLst>
-          </p:cNvPr>
-          <p:cNvSpPr txBox="1">
-            <a:spLocks/>
-          </p:cNvSpPr>
-          <p:nvPr/>
-        </p:nvSpPr>
-        <p:spPr>
-          <a:xfrm>
-            <a:off x="838200" y="5340612"/>
-            <a:ext cx="9222996" cy="858852"/>
+            <a:off x="8262257" y="3776934"/>
+            <a:ext cx="3135086" cy="935561"/>
           </a:xfrm>
           <a:prstGeom prst="rect">
             <a:avLst/>
@@ -6523,112 +7693,51 @@
               <a:buNone/>
             </a:pPr>
             <a:r>
+              <a:rPr lang="en-US" sz="2000" b="1" dirty="0" smtClean="0"/>
+              <a:t>Test </a:t>
+            </a:r>
+            <a:r>
+              <a:rPr lang="en-US" sz="2000" b="1" dirty="0" smtClean="0"/>
+              <a:t>R</a:t>
+            </a:r>
+            <a:r>
+              <a:rPr lang="en-US" sz="2000" b="1" baseline="30000" dirty="0" smtClean="0"/>
+              <a:t>2</a:t>
+            </a:r>
+            <a:r>
+              <a:rPr lang="en-US" sz="2000" b="1" dirty="0" smtClean="0"/>
+              <a:t> </a:t>
+            </a:r>
+            <a:r>
+              <a:rPr lang="en-US" sz="2000" dirty="0"/>
+              <a:t>: 88% -&gt; 92%</a:t>
+            </a:r>
+          </a:p>
+          <a:p>
+            <a:pPr marL="0" indent="0">
+              <a:buNone/>
+            </a:pPr>
+            <a:r>
               <a:rPr lang="en-US" sz="2000" b="1" dirty="0"/>
-              <a:t>THOUGHTS</a:t>
+              <a:t>Test RMSE</a:t>
             </a:r>
             <a:r>
               <a:rPr lang="en-US" sz="2000" dirty="0"/>
-              <a:t>: Again, not much changed for the Training and Test R</a:t>
-            </a:r>
-            <a:r>
-              <a:rPr lang="en-US" sz="2000" baseline="30000" dirty="0"/>
-              <a:t>2 </a:t>
-            </a:r>
-            <a:r>
-              <a:rPr lang="en-US" sz="2000" dirty="0"/>
-              <a:t>. </a:t>
-            </a:r>
-            <a:r>
-              <a:rPr lang="en-US" sz="2000" dirty="0" smtClean="0"/>
-              <a:t>A .003 improvement in Test RMSE. What’s </a:t>
-            </a:r>
-            <a:r>
-              <a:rPr lang="en-US" sz="2000" dirty="0"/>
-              <a:t>going on?</a:t>
-            </a:r>
-            <a:endParaRPr lang="en-US" sz="2000" baseline="30000" dirty="0"/>
-          </a:p>
-        </p:txBody>
-      </p:sp>
-      <p:sp>
-        <p:nvSpPr>
-          <p:cNvPr id="12" name="TextBox 11"/>
-          <p:cNvSpPr txBox="1"/>
-          <p:nvPr/>
-        </p:nvSpPr>
-        <p:spPr>
-          <a:xfrm>
-            <a:off x="3298064" y="1628674"/>
-            <a:ext cx="4106894" cy="369332"/>
-          </a:xfrm>
-          <a:prstGeom prst="rect">
-            <a:avLst/>
-          </a:prstGeom>
-          <a:noFill/>
-        </p:spPr>
-        <p:txBody>
-          <a:bodyPr wrap="none" rtlCol="0">
-            <a:spAutoFit/>
-          </a:bodyPr>
-          <a:lstStyle/>
-          <a:p>
-            <a:r>
-              <a:rPr lang="en-US" b="1" dirty="0" smtClean="0"/>
-              <a:t>Improvement with Tuned Random Forest</a:t>
-            </a:r>
-            <a:endParaRPr lang="en-US" b="1" dirty="0"/>
-          </a:p>
-        </p:txBody>
-      </p:sp>
-      <p:sp>
-        <p:nvSpPr>
-          <p:cNvPr id="11" name="AutoShape 4" descr="data:image/png;base64,iVBORw0KGgoAAAANSUhEUgAAAYgAAAEECAYAAAAyMaOFAAAABHNCSVQICAgIfAhkiAAAAAlwSFlz%0AAAALEgAACxIB0t1+/AAAADl0RVh0U29mdHdhcmUAbWF0cGxvdGxpYiB2ZXJzaW9uIDIuMS4wLCBo%0AdHRwOi8vbWF0cGxvdGxpYi5vcmcvpW3flQAAIABJREFUeJzt3XlcVXX+x/HXvSwiiyyWuSSmOBRq%0AZVqoYwrqILnUaJSgpSlqi2k64lZTmmQKmVaOmpkKY6mRZY7mVDOOC4aONuSS/VDSzH1BgRQVEO75%0A/eF0HeKwZF4u2vv5ePjw3rN8z+d+0PvmnHvuORbDMAxERER+xursAkREpHpSQIiIiCkFhIiImFJA%0AiIiIKQWEiIiYUkCIiIgpV0cMarPZePnll9m7dy/u7u5MmTKFRo0a2ecnJyezZs0aAMLCwhg+fDj5%0A+fmMHTuWM2fO4OXlRWJiIgEBAY4oT0REKsEhexBr166lsLCQlJQU4uLiSEhIsM87fPgwq1at4oMP%0APiAlJYUvv/ySPXv2sGzZMoKDg1m6dCm9evVi7ty5jihNREQqySEBkZ6eTocOHQBo2bIlu3fvts+r%0AW7cuCxYswMXFBavVSlFRETVq1CixTseOHdmyZYsjShMRkUpyyCGmvLw8vL297c9dXFwoKirC1dUV%0ANzc3AgICMAyD1157jWbNmtG4cWPy8vLw8fEBwMvLi3PnzpUaNz093RHliojc8Fq3bv2L13FIQHh7%0Ae3P+/Hn7c5vNhqvrlU0VFBTwwgsv4OXlxaRJk0qtc/78eWrVqmU69tW8yBtRRkYGISEhzi6jWlAv%0ArlAvrlAvrrjaX64dcoipVatWpKamArBjxw6Cg4Pt8wzDYNiwYdx+++3Ex8fj4uJiX2fjxo0ApKam%0AKghERJzMIXsQERERpKWlERMTg2EYTJ06laSkJAIDA7HZbGzbto3CwkI2bdoEwOjRo+nbty/jx4+n%0Ab9++uLm5MWPGDEeUJiIileSQgLBarcTHx5eYFhQUZH/8zTffmK43a9YsR5QjIiJXQV+UExERUwoI%0AERExpYAQERFTCggRETGlgBAREVMKCBERMaWAEBERUwoIERExpYAQERFTCggRETGlgBAREVMKCBER%0AMaWAEBERUwoIERExpYAQERFTCggRETGlgBAREVMKCBERMaWAEBERUwoIERExpYAQERFTCggRETGl%0AgBAREVMKCBERMaWAEBERUwoIERExpYAQERFTCggRETGlgBAREVMKCBERMaWAEBERUwoIERExpYAQ%0AERFTCggRETGlgBAREVMKCBERMeWQgLDZbEycOJHo6Gj69+/PwYMHSy2TnZ1N165dKSgoAODcuXMM%0AGTKExx57jIEDB5KVleWI0kREpJIcEhBr166lsLCQlJQU4uLiSEhIKDF/06ZNxMbGcvr0afu0FStW%0AEBwczJIlS+jevTsLFy50RGkiIlJJro4YND09nQ4dOgDQsmVLdu/eXWK+1WolKSmJqKgo+7Tg4GC+%0A//57APLy8nB1NS8tIyPDESVfd/Lz89WL/1IvrlAvrlAvfj2HBEReXh7e3t725y4uLhQVFdnf9Nu3%0Ab19qHX9/f9LS0ujevTs//vgjS5YsMR07JCTEESVfdzIyMtSL/1IvrlAvrlAvrkhPT7+q9RxyiMnb%0A25vz58/bn9tstjL3CH4ye/ZshgwZwt///ncWLlzIiBEjHFGaiIhUkkMColWrVqSmpgKwY8cOgoOD%0AK1ynVq1a+Pj4AFC7du0SASMiIlXPIYeYIiIiSEtLIyYmBsMwmDp1KklJSQQGBtKlSxfTdUaOHMmL%0AL77I0qVLKSoq4pVXXnFEaSIiUkkOCQir1Up8fHyJaUFBQaWWW7dunf3xLbfcwrvvvuuIckRE5Cro%0Ai3IiImJKASEiIqYUECIiYkoBISIiphQQIiJiSgEhIiKmFBAiImJKASEiIqYUECIiYkoBISIiphQQ%0AIiJiSgEhIiKmFBAiImJKASEiIqYUECIiYkoBISIiphQQIiJiSgEhIiKmFBAiImJKASEiIqYUECIi%0AYkoBISIiphQQIiJiSgEhIiKmFBAiImJKASEiIqYUECIiYkoBISIiphQQIiJiSgEhIiKmFBAiImJK%0AASEiIqYUECIiYkoBISIiphQQIiJiyiEBYbPZmDhxItHR0fTv35+DBw+WWiY7O5uuXbtSUFAAQHFx%0AMVOmTCEmJoaHH36Y9evXO6I0ERGppDID4ssvv7Q/Pnv2rP3x8uXLKxx07dq1FBYWkpKSQlxcHAkJ%0ACSXmb9q0idjYWE6fPm2f9re//Y2ioiI++OAD3n77bdNQERGRqlNmQMyfP9/+ePjw4fbHq1evrnDQ%0A9PR0OnToAEDLli3ZvXt3yY1arSQlJeHn52ef9uWXX1K3bl2efPJJXnzxRTp37lz5VyEiIteca1kz%0ADMOo8HFZ8vLy8Pb2tj93cXGhqKgIV9fLm2vfvn2pdXJycjh48CDvvPMOX331Fc8//zxLliwptVxG%0ARkaF2/8tyM/PVy/+S724Qr24Qr349coMCIvFUuHjsnh7e3P+/Hn7c5vNZg+Hsvj5+REeHo7FYiE0%0ANJQffvjBdLmQkJAKt/9bkJGRoV78l3pxhXpxhXpxRXp6+lWtV+YhpoKCAg4fPsyhQ4dKPa5Iq1at%0ASE1NBWDHjh0EBwdXuE7r1q3ZuHEjAHv27KFevXqVfQ0iIuIAZf5a7+Liwvjx400fVyQiIoK0tDRi%0AYmIwDIOpU6eSlJREYGAgXbp0MV2nT58+TJo0iT59+mAYBpMnT76a1yMiItdImQGxdOnSqx7UarUS%0AHx9fYlpQUFCp5datW2d/7O7uzrRp0656myIicm2VeYjp2LFjPPfccxQXF5Oens79999PZGQku3bt%0Aqsr6RETEScoMiClTptCzZ09cXFxISEhg2rRpJCcnM3369KqsT0REnKTMQ0wFBQV07dqV3Nxcjh07%0AZv9eQ3FxcZUVJyIizlPhpTa2bNlCaGgocPk7EHl5eQ4vSkREnK/MPYigoCDGjRvHrl27ePnllzl9%0A+jQzZ860h4WIiNzYygyICRMmsGHDBgYNGkRISAh79uyhSZMmDBw4sArLExERZynzEFNWVhbNmzcn%0AICCAkydP4u/vz4MPPsiZM2eqsj4REXGSMvcgwsLCqF+/PgEBAcCVazBZLBY++uijqqlOREScpsyA%0AmDlzJp9//jk2m41u3brxhz/8gRo1alRlbSIi4kRlBkT37t3p3r07P/74I5999hkjRoygdu3aPPTQ%0AQ7Rr164qaxQRESeo8DRXX19fYmJiGD58OBcuXGD06NFVUZeIiDhZudfg3rdvH6tXr2bjxo00bdqU%0A3r17M2PGjKqqTUREnKjMgHjooYcoLi6mR48eJCYm4unpCcDx48dp2LBhlRUoIiLOUWZAeHl5YbFY%0A+PLLL0lLSwMun8lksVhM7/QmIiI3ljIDYtmyZabT9T0IEZHfhjI/pM7IyGD48OG88MIL5OTkAJCS%0AkkKvXr2qrDgREXGeMvcg/vznPzNy5EiOHj3KG2+8Yb/t6OLFi6uyPhERcZIyA6JmzZqEhYUBEB4e%0AzoMPPkhCQgIWi6XKihMREecp957UP7n55puJi4urkoJERKR6KDMgDMPAMAxsNhseHh7253D5ntMi%0AInJjKzMgDh06RKdOnYDLYdGpUyf7aa4bNmyoqvpERMRJygyIjRs3VmUdIiJSzehYkYiImFJAiIiI%0AqQoD4ueHmr744guHFSMiItVHmZ9BbNiwgR07drBq1Sr++Mc/AmCz2fjHP/5BZGRklRUoIiLOUWZA%0A/O53vyMrKwt3d3fq168PXD69dfr06VVWnIiIOE+ZAdGgQQMeffRRevXqhaurKzabjV27dnH77bdX%0AZX0iIuIk5d4wCOAvf/kL9erV48SJE+zcuZN69eoxbdq0qqhNREScqMIPqbdt20bfvn35+uuvSU5O%0A5tixY1VRl4iIOFmFAWGz2fj2229p0KABly5dIjs7uyrqEhERJ6swIHr27MlLL71EbGwsiYmJPPbY%0AY1VRl4iIOFmFn0EMGDCAqKgojh8/zpgxY/Dw8KiKukRExMkq3INYu3Ytffv2ZdSoUSxYsIB33nmn%0AKuoSkWpiw4YNWCwW+x8vLy+eeOIJLl26VKV17Nmzp9TFQn/44YcStf30Z+DAgVVa242qwoBYsGAB%0Ay5cvx9/fn2HDhumb1CK/Udu2bSMnJ4ePP/6YxYsX89lnnzm7JAIDA8nJybHfFnnmzJnk5OQwd+5c%0AJ1d2Y6gwIFxcXKhRowYWiwWr1UrNmjWroi4RqWZ8fHzw8/MjICAAAG9vbwCGDRtGrVq18PT05OGH%0AH6a4uJisrCy6du2Kr68vQ4cOpVatWsybN4+LFy/Sp08fatWqRe/evQkODmbChAkAPP/88wQEBNCo%0AUSOWLFkCQGZmJvfddx9+fn5Mnjy5VE1WqxU/Pz/8/PyAy3fC9PPzw9PTk9mzZ9OwYUNCQkLo1asX%0Ahw8fpnPnznh7exMWFsaBAwcAWL58OY0aNaJ27drExcXZ73sjlQiIli1bMnbsWE6ePEl8fDzNmjWr%0AcFCbzcbEiROJjo6mf//+HDx4sNQy2dnZdO3alYKCghLT9+/fT+vWrUtNFxHnCg0NxdfXl7Zt29Kh%0AQwfuv/9+cnNz8fLy4h//+AezZs3ik08+4bvvvmPatGns3r2bLVu2EBoayrlz5wB49913+fTTT/nn%0AP//J0KFD2bdvHwCff/45iYmJrF69mrlz5zJ48GCOHz/O2LFjuXTpEtu3b6dp06a/uOYjR44wf/58%0AZs+ezdixY8nPz2fPnj3cdtttjBo1iuzsbJ544glGjBjB5s2bWbJkCStXrrymfbueVfgh9dixY1m/%0Afj1NmzalSZMmREREVDjo2rVrKSwsJCUlhR07dpCQkMDbb79tn79p0yZmzJjB6dOnS6yXl5dHYmIi%0A7u7uV/FSRMSRPvnkE5o0acLRo0fp3bs3Y8aMITExkby8PMaPH2//LT4/P5+MjAxCQ0Np1qwZjRs3%0A5sknnwQgIyOD4OBg2rRpA1y+nTHArl27MAyDHj16AFBQUEB6ejrfffcdkZGRNG7cmKioKKZMmfKL%0Aavb19aVDhw72bezfv58WLVpQWFiIp6cn+/bt4+LFi0yePJkpU6aQl5dHWloavXv3LnPMDXtO8U7q%0A9xzOuUBDf0+e6tiE8Dvq/LJmXifKDIhRo0bx5ptvAtCpUyf73eUqIz093f5DadmyJbt37y4x32q1%0AkpSURFRUlH2aYRi89NJLjB49mmHDhpU5dkZGRqXruJH99J9Q1Iv/5Yhe/HQE4MyZM3h7e3Pu3Dks%0AFgsHDhxg4cKFzJs3j2XLltkv7rl//37q1KnDZ599xpo1a/jqq68AOH78OP7+/uzdu5cPP/yQM2fO%0AkJWVxZkzZ2jYsCGurq689NJLFBYWsmXLFmrWrEnDhg1Zs2YN3bp14+OPP7bXU9ZrPH78uH1eUVER%0Arq6u9ucNGjTAzc2N0aNHs2HDBjw9Pbl06RJubm7069ePNm3a8NFHH9GsWbMyx//qyHnmbj2Dmwt4%0AuFg4cuZHJny0nWFtanPfrV7XtO/VQZkB8Wu+EJeXl2c/PgmXP8f46YcF0L59+1LrzJ49m7CwMO64%0A445yxw4JCbnqum4kGRkZ6sV/qRdXOKIXJ0+eBCA6Ohq4/P/53nvv5c0338THx4ekpCQGDRpEWFiY%0Afe//9ddf59ixY/Tr14+YmBjg8hv0448/zr59+xg6dCjdunXD39+fm2++mWHDhnHo0CFee+018vPz%0AGTRoEJ07d6Zx48b07dvXfrgaoFGjRmW+xnr16tnnubq64urqan++YMECYmNjGTZsGPXq1WP27Nm0%0Ab9+exYsX8+c//5nFixcTHh5Or1697J+z/Fz8pn/jVbMGnu6X38tqAhcKi/jsQBEDIqrvv8H09PSr%0AWq/MgDh8+DAzZ840nTd69OhyB/X29ub8+fP25zabzR4OZVm1ahV169bl448/Jisri9jYWPsHVSLi%0APOHh4eV+cGv25rN06VKCgoJ44403OHbsGPPnz6dBgwakpaXh6+vL3//+dzw9Pfnb3/5GgwYNsFgs%0AJCYmkpiYWGKcJk2asHXrVvvzWbNmlVnHz2scPnw4c+bMsT9v1KgR//rXv0qtFxMTYw+xihzOuYBf%0ATbcS02q6uXAk50Kl1r/elPmu7eHhQePGja9q0FatWrF+/Xq6d+/Ojh07CA4OrnCdf/7zn/bHnTt3%0AZtGiRVe1bRFxvtDQUGbPnk1oaCgeHh7ExsbSrVs3srOzef3114mMjMTFxYXIyMjr6jsLDf09OXUu%0A374HAXDxUjG3+ns6sSrHKTMgbrrppnI/qClPREQEaWlpxMTEYBgGU6dOJSkpicDAQLp06XLVxYrI%0A9aFp06Zs3ry51PSbbrrpuv4u1VMdmzBx1bdcKCyippsLFy8Vc6nY4KmOTZxdmkOUGRAtWrS46kGt%0AVivx8fElpgUFBZVabt26dabrlzVdRMSZwu+oQzzwTur3HMm5wK2/1bOYxo8fX5V1iIhcF8LvqHPD%0ABsLPVfhFORER+W1SQIiIiCkFhIiImFJAiIiIKQWEiIiYUkCIiIgpBYSIiJhSQIiIiCkFhIiImFJA%0AiIiIKQWEiIiYUkCIiIgpBYSIiJhSQIiIiCkFhIiImFJAiDhZeHg4Foul1B9HiYmJITw8vMS0H374%0AocS2PTw8aN26Nd9+++2v3l7btm2v6W1FN2zYUKpXjrxt6YYNG1i/fr3Dxq/OFBAiTvbpp5+Sk5ND%0A3759uffee8nJySEnJ8cptXz00Ufk5OSwa9cuDh8+XOrOkNXJtm3b7L2aO3euw7bTqVMn9u7d67Dx%0AqzMFhIiTeXt74+fnh7u7Oy4uLvj5+eHn5weAxWJh3rx5QMnf/MPDw3nwwQdp06YNfn5+9jfyzMxM%0A7r33Xnx8fHjooYc4c+YMAJMnT8bf35+WLVuyf//+Mmvx8vLCz8+PevXq4eHhgavr5ZtOTpkyhdq1%0Aa1OjRg3Cw8M5e/as/Tf5MWPGULt2be6++25++OEHDMPgqaeewtfXl7CwMHsNAH/9619p0qQJ3t7e%0AdOvWjUOHDtlf5xNPPEG9evVo1qwZs2fPpmHDhjRu3JitW7ea1urj42PvlaenJwCJiYnUr18fX19f%0A4uLiyMnJse8dde7cmVq1anH8+HGef/55AgICaNSoEUuWLAEgOTmZBg0a4OHhQdu2bTl48KB9z+SZ%0AZ54hOTn5l/5or3sKCJHr1I4dO1i0aBG9e/dm2rRpAEycOJHbbruNjIwMLl68SHx8PNu3b+fll18m%0AMTGRZcuWcfTo0TLHfOSRR/D19aV27doEBgYSHx9PcXEx+fn5vPfee6xevZqNGzeyefNm+zpeXl6s%0AXbuW//u//yMlJYWVK1fy7rvvsmzZMqZPn27fXkZGBrGxsTz77LPs3r2bvLw8Bg0aZB8nNzeXjRs3%0AcvjwYZKTk+0B9Pbbb5vWGhoaag+IAwcO8MUXXzBhwgTeeOMNtm3bRkZGBmPGjLEv37x5c77++mt2%0A7txJYmIiq1evZu7cuQwePJjjx4/z1ltvcf/99/PVV1/RvXt3Tpw4Yd8zmTlzJv369avUz2XDnlP0%0Anf9v7k9cR9/5/2bDnlOVWq86KvOe1CJSPRiGAUBxcXGJ6W3btqV58+aEhobaf7vNzMwkMzOTtWvX%0Akp+fT05ODu3btwcgOjoaX19fQkNDyc3NNd3W7NmzsVqtDBkyhE6dOhEUFITNZsMwDKZNm0b9+vUB%0AyM/Px8PDA4A+ffrQvHlzAgICuHjxIt999x2+vr50794dgODgYAB27tyJzWYjNjYWf39/evfuzaRJ%0Ak+zbjoyMJDg4mNq1a9u3HRgYSH5+vmmtn3zyCUFBQQDceuutpKSkUKtWLaKjowFo374927Ztsy/f%0ApUsXmjZtyooVKzAMgx49egBQUFBAeno6b731FpMnT6Zdu3Y0a9aMDh062PdMatasibu7e4U/qw17%0ATjFx1be4uVjwq+nGqXP5TFz1LfFwXd7HWnsQItWYp6cne/fu5fTp02zfvr3EPBcXF4ASH2g3btyY%0AiIgIVq1axcCBAxk0aBAhISEALFmyhIyMjDIP2QDUrVuXAQMGMHnyZKZMmcLy5cv55ptvmDp1KiNH%0AjuTRRx8FroSWWR3NmjUjNzeXVatWsXXrVjIzMwG46667sFgsLFq0iIMHD/LJJ5/Qpk0b+zhWq7XU%0AmOVp0KABt912G7fddhuurq7cfffdnD17lg8//JDMzEzS0tJKjP9ToN1xxx24uroyb9483nrrLR5/%0A/HHuvPNOli5dSmRkJBkZGRiGwVtvvWWv6/Tp05w9e7bCmt5J/R43Fwue7q5YLJf/dnOx8E7q9xWu%0AWx0pIESqsUmTJrF48WK6detm/028PK+++ionTpzggQceYPPmzbRt25Y777yTqVOn8uKLL9KvXz/u%0AueeeCscZP348YWFhPPvsswQEBNC5c2f69+/PG2+8QZ06dfj++7Lf8Hr27Mmzzz5L//79GT9+PHff%0AfTdwOTgWLlzInDlzaN68Od7e3ixatKjyzahAt27dmDZtGqNGjeK+++4jJCSE6dOnl1ruwQcfZPTo%0A0YwcOZLnnnvOfjgtLCyMefPm0bRpUwoKChg/fjwAf/zjH0lISGDFihUV1nA45wI13UqGW003F47k%0AXLg2L7KKWYz//VWgmktPT6d169bOLqNayMjIsP9m+FunXlyhXlzhjF70nf9vTp3Lx9P9ytH7C4VF%0A1PHxYNmTbau0lv91te+d2oMQEblGnurYhEvFBhcKizCMy39fKjZ4qmMTZ5d2VRQQIiLXSPgddYh/%0AqDl1fDz48eIl6vh4EP9Q8+vyA2rQWUwiItdU+B11rttA+DntQYiIiCkFhIiImFJAiIiIKQWEiIiY%0AUkCIiIgpBYSIiJhSQIiIiCkFhIiImHJIQNhsNiZOnEh0dDT9+/fn4MGDpZbJzs6ma9euFBQUAHDu%0A3DmefvppHn/8caKjo0tduVJERKqWQwJi7dq1FBYWkpKSQlxcHAkJCSXmb9q0idjYWE6fPm2flpSU%0ARNu2bXn//feZNm1atb7VoYjIb4FDLrWRnp5Ohw4dAGjZsiW7d+8uMd9qtZKUlERUVJR92sCBA+03%0A5CguLqZGjRqOKE1ERCrJIQGRl5eHt7e3/bmLiwtFRUX2+9v+dIer/1WrVi0AsrKyGDt2LC+88ILp%0A2BkZGQ6o+PqTn5+vXvyXenGFenGFevHrOSQgvL29OX/+vP25zWazh0N59u7dy+jRoxk3bhyhoaGm%0Ay+ha95fpuv9XqBdXqBdXqBdXpKenX9V6DvkMolWrVqSmpgKXb6xemTth7du3j5EjRzJjxgzCwsIc%0AUZaIiPwCDtmDiIiIIC0tjZiYGAzDYOrUqSQlJREYGEiXLl1M15kxYwaFhYW8+uqrwOW9kLffftsR%0A5YmISCU4JCCsVmups5CCgoJKLbdu3Tr7Y4WBiEj1oi/KiYiIKQWEiIiYUkCIiIgpBYSIiJhSQIiI%0AiCkFhIiImFJAiIiIKQWEiIiYUkCIiIgpBYSIiJhSQIiIiCkFhIiImFJAiIiIKQWEiIiYUkCIiIgp%0ABYSIiJhSQIiIiCkFhIiImFJAiIiIKQWEiIiYUkCIiIgpBYSIiJhSQIiIiCkFhIiImFJAiIiIKQWE%0AiIiYUkCIiIgpBYSIiJhSQIiIiCkFhIiImFJAiIiIKQWEiIiYUkCIiIgpBYSIiJhSQIiIiCkFhIiI%0AmHJIQNhsNiZOnEh0dDT9+/fn4MGDpZbJzs6ma9euFBQUAJCfn8+IESPo168fQ4cOJTs72xGliYhI%0AJTkkINauXUthYSEpKSnExcWRkJBQYv6mTZuIjY3l9OnT9mnLli0jODiYpUuX0qtXL+bOneuI0kRE%0ApJJcHTFoeno6HTp0AKBly5bs3r27xHyr1UpSUhJRUVEl1hkyZAgAHTt2LDMg0tPTHVHydUm9uEK9%0AuEK9uEK9+HUcEhB5eXl4e3vbn7u4uFBUVISr6+XNtW/f3nQdHx8fALy8vDh37lypZVq3bu2IckVE%0AxIRDDjF5e3tz/vx5+3ObzWYPh8qsc/78eWrVquWI0kREpJIcEhCtWrUiNTUVgB07dhAcHFypdTZu%0A3AhAamqq9hZERJzMYhiGca0HtdlsvPzyy2RmZmIYBlOnTiU1NZXAwEC6dOliX65z58589tln1KhR%0Ag4sXLzJ+/HiysrJwc3NjxowZ3Hzzzde6NBERqSSHBMSv9VPA7N27F3d3d6ZMmUKjRo3s8z/88EM+%0A+OADXF1deeaZZ+jUqZMTq3WsinqRnJzMmjVrAAgLC2P48OHOKtXhKurFT8s8+eSTdOnShb59+zqp%0AUserqBcbN25kzpw5ADRr1oxJkyZhsVicVa7DVNSHhQsXsmbNGiwWC08//TQRERFOrLZq7Ny5k9df%0Af5333nuvxPR169YxZ84cXF1diYqKok+fPhUPZlRDX3zxhTF+/HjDMAxj+/btxtNPP22fd+rUKaNn%0Az55GQUGBcfbsWfvjG1V5vTh06JDRu3dvo6ioyCguLjaio6ONjIwMZ5XqcOX14iczZswwHnnkEWPp%0A0qVVXV6VKq8X586dM3r06GGcOXPGMAzDmD9/vv3xjaa8Pvz4449GWFiYUVBQYOTm5hrh4eHOKrPK%0AzJ8/3+jZs6fx6KOPlpheWFho/OEPfzByc3ONgoIC4+GHHzZOnTpV4XjV8pvU5Z0mu2vXLu655x7c%0A3d3x8fEhMDCQPXv2OKtUhyuvF3Xr1mXBggW4uLhgtVopKiqiRo0azirV4So6ffrzzz/HYrHQsWNH%0AZ5RXpcrrxfbt2wkODiYxMZF+/fpx0003ERAQ4KxSHaq8PtSsWZP69etz8eJFLl68eEPuQf1cYGAg%0Af/nLX0pN379/P4GBgfj6+uLu7k7r1q35z3/+U+F4DjnN9dcq7zTZ/z0dFi6fEpuXl+eMMqtEeb1w%0Ac3MjICAAwzB47bXXaNasGY0bN3ZitY5VXi8yMzP59NNPmTVrlv3Qyo2svF7k5OSwdetWVq5ciaen%0AJ4899hgtW7a8If9tVHRKfb169ejRowfFxcU89dRTziqzykRGRnLkyJFS06/2fbNaBkR5p8n+fN75%0A8+dLvPAbTUWnDBcUFPDCCy+0y2nfAAAF5ElEQVTg5eXFpEmTnFFilSmvFytXruTkyZM88cQTHD16%0AFDc3Nxo0aHDD7k2U1ws/Pz/uvPNO+0ke9957LxkZGTdkQJTXh9TUVE6dOsW//vUvAAYPHkyrVq24%0A6667nFKrM13t+2a1PMRU3mmyd911F+np6RQUFHDu3Dn2799fqdNor1fl9cIwDIYNG8btt99OfHw8%0ALi4uziqzSpTXi3HjxrF8+XLee+89evfuzcCBA2/YcIDye9GiRQsyMzPJzs6mqKiInTt30rRpU2eV%0A6lDl9cHX1xcPDw/c3d2pUaMGPj4+nD171lmlOlVQUBAHDx4kNzeXwsJC/vOf/3DPPfdUuF613IOI%0AiIggLS2NmJgY+2mySUlJ9tNk+/fvT79+/TAMgz/96U839HH38nphs9nYtm0bhYWFbNq0CYDRo0dX%0A6gd/Paro38VvSUW9iIuLs1+65oEHHrhhf4mqqA+bN2+mT58+WK1WWrVqZXoVhxvZ6tWruXDhAtHR%0A0UyYMIHBgwdjGAZRUVHccsstFa5fLU9zFRER56uWh5hERMT5FBAiImJKASEiIqYUECIiYkoBISIi%0Apqrlaa4ilZGQkMC3335LVlYW+fn5NGzYEH9/f2bNmlXpMY4cOcJ3331X6oKPHTt2JDAwEIvFQnFx%0AMRcvXmTKlCk0b968xHLr168nOTkZq9VKcXEx0dHR9OjR45q8vl/q/fff5+zZswwbNswp25cbjwJC%0ArlsTJkwAYMWKFXz//feMGTPmF4+xZcsWjhw5YnpF4OTkZPu3cjds2MCcOXNK3Qp38uTJrF69Gh8f%0AH/Ly8njooYf4/e9/j7+//1W8IpHqRQEhN6TXXnuN7du3Y7PZGDx4MF27dmXx4sWsXr0aq9XKfffd%0Ax3PPPceCBQsoLCzknnvuITw8vMzxjh49iq+vb6np/v7+LF68mMjISJo2bcrnn3+Ou7s7J0+etAdW%0A06ZNOXDgAMnJyXTs2JF169bh6upKYmIid9xxBz169OCll17i5MmT/Pjjj4SHhzNixAjGjBlDXl4e%0Aubm5LFiwgLlz55Z6Tdu2bSMhIQFfX1+sVqtutCXXlAJCbjjr1q3j5MmTLFu2jPz8fB599FF+//vf%0As2LFCl555RVatGjB0qVLcXFxYciQIRw5csQ0HAYOHEh+fj5ZWVl06NCBsWPHllpm3rx5/PWvf+VP%0Af/oTOTk59O3bl2HDhjF79mx69epFVFQUK1eu5MCBA2XWe/z4cVq3bs0jjzxCfn6+PSDg8v3b+/fv%0AX+ZrmjZtGm+++SaNGjXixRdfvGY9FAEFhNyAMjMz2b17N/379weguLiYY8eOkZiYyKJFizh69Cit%0AWrWioosIJCcn4+Liwuuvv86pU6dKXTI7NzeXkydPMm7cOMaNG8eJEyd49tlnadGiBUeOHGHAgAEA%0AtGnThpUrV5Ya/6ft+/n5sWPHDrZs2YKPjw+XLl2yL/PTBfbKek1ZWVn2G+S0atWKEydOXE3LREzp%0ALCa54TRp0oR27drx3nvvkZyczAMPPMCtt97K8uXLeeWVV3j//ffZuXMnO3fuxGKxlBsUFouFuLg4%0Ajhw5wgcffFBiXkFBAaNGjeLkyZMA1KlTh5tvvhl3d3duv/12vv76a4AS9yioUaMGWVlZGIZBRkYG%0AAB999BG1a9dmxowZDBgwgIsXL9qXt1qt5b6mgIAA+97JN998cw26J3KF9iDkhhMREcG2bdvo168f%0AFy5cIDIyEk9PT4KCgoiKisLf35969epx55134u7uzrvvvktISAjdunUzHc9qtfLqq68yYMAAunTp%0AYr+M9i233MLzzz/PM888g5ubGzabjc6dO9OuXTtCQkKYMGECa9asoVatWvaxhg4dSmxsLLfeeit+%0Afn4AtGvXjjFjxrB161Y8PT1p2LAhp0+frtRrmj59OmPGjMHb2xtPT0/dx12uKV2sT8TBMjMzmTp1%0AKsnJyc4uReQX0SEmERExpT0IERExpT0IERExpYAQERFTCggRETGlgBAREVMKCBERMfX/Zq33PuYx%0Ah50AAAAASUVORK5CYII="/>
-          <p:cNvSpPr>
-            <a:spLocks noChangeAspect="1" noChangeArrowheads="1"/>
-          </p:cNvSpPr>
-          <p:nvPr/>
-        </p:nvSpPr>
-        <p:spPr bwMode="auto">
-          <a:xfrm>
-            <a:off x="155575" y="-144463"/>
-            <a:ext cx="304800" cy="304801"/>
-          </a:xfrm>
-          <a:prstGeom prst="rect">
-            <a:avLst/>
-          </a:prstGeom>
-          <a:noFill/>
-          <a:extLst>
-            <a:ext uri="{909E8E84-426E-40DD-AFC4-6F175D3DCCD1}">
-              <a14:hiddenFill xmlns:a14="http://schemas.microsoft.com/office/drawing/2010/main">
-                <a:solidFill>
-                  <a:srgbClr val="FFFFFF"/>
-                </a:solidFill>
-              </a14:hiddenFill>
-            </a:ext>
-          </a:extLst>
-        </p:spPr>
-        <p:txBody>
-          <a:bodyPr vert="horz" wrap="square" lIns="91440" tIns="45720" rIns="91440" bIns="45720" numCol="1" anchor="t" anchorCtr="0" compatLnSpc="1">
-            <a:prstTxWarp prst="textNoShape">
-              <a:avLst/>
-            </a:prstTxWarp>
-          </a:bodyPr>
-          <a:lstStyle/>
-          <a:p>
-            <a:endParaRPr lang="en-US"/>
+              <a:t> : .1361 -&gt; .1125</a:t>
+            </a:r>
           </a:p>
         </p:txBody>
       </p:sp>
       <p:pic>
         <p:nvPicPr>
-          <p:cNvPr id="5125" name="Picture 5"/>
+          <p:cNvPr id="6146" name="Picture 2"/>
           <p:cNvPicPr>
             <a:picLocks noChangeAspect="1" noChangeArrowheads="1"/>
           </p:cNvPicPr>
           <p:nvPr/>
         </p:nvPicPr>
         <p:blipFill>
-          <a:blip r:embed="rId4">
+          <a:blip r:embed="rId2">
             <a:extLst>
               <a:ext uri="{28A0092B-C50C-407E-A947-70E740481C1C}">
                 <a14:useLocalDpi xmlns:a14="http://schemas.microsoft.com/office/drawing/2010/main" val="0"/>
@@ -6642,8 +7751,8 @@
         </p:blipFill>
         <p:spPr bwMode="auto">
           <a:xfrm>
-            <a:off x="3020784" y="1919944"/>
-            <a:ext cx="4384173" cy="2907870"/>
+            <a:off x="3397258" y="2280592"/>
+            <a:ext cx="4528457" cy="3003568"/>
           </a:xfrm>
           <a:prstGeom prst="rect">
             <a:avLst/>
@@ -6683,10 +7792,81 @@
           </a:extLst>
         </p:spPr>
       </p:pic>
+      <p:sp>
+        <p:nvSpPr>
+          <p:cNvPr id="8" name="TextBox 7"/>
+          <p:cNvSpPr txBox="1"/>
+          <p:nvPr/>
+        </p:nvSpPr>
+        <p:spPr>
+          <a:xfrm>
+            <a:off x="3949392" y="1911260"/>
+            <a:ext cx="3717941" cy="369332"/>
+          </a:xfrm>
+          <a:prstGeom prst="rect">
+            <a:avLst/>
+          </a:prstGeom>
+          <a:noFill/>
+        </p:spPr>
+        <p:txBody>
+          <a:bodyPr wrap="none" rtlCol="0">
+            <a:spAutoFit/>
+          </a:bodyPr>
+          <a:lstStyle/>
+          <a:p>
+            <a:r>
+              <a:rPr lang="en-US" b="1" dirty="0" smtClean="0"/>
+              <a:t>Improvement with </a:t>
+            </a:r>
+            <a:r>
+              <a:rPr lang="en-US" b="1" dirty="0" err="1" smtClean="0"/>
+              <a:t>Stoch</a:t>
+            </a:r>
+            <a:r>
+              <a:rPr lang="en-US" b="1" dirty="0" smtClean="0"/>
+              <a:t>. G-Boosting</a:t>
+            </a:r>
+            <a:endParaRPr lang="en-US" b="1" dirty="0"/>
+          </a:p>
+        </p:txBody>
+      </p:sp>
+      <p:cxnSp>
+        <p:nvCxnSpPr>
+          <p:cNvPr id="7" name="Straight Arrow Connector 6"/>
+          <p:cNvCxnSpPr/>
+          <p:nvPr/>
+        </p:nvCxnSpPr>
+        <p:spPr>
+          <a:xfrm flipH="1">
+            <a:off x="7522029" y="4196443"/>
+            <a:ext cx="740228" cy="332014"/>
+          </a:xfrm>
+          <a:prstGeom prst="straightConnector1">
+            <a:avLst/>
+          </a:prstGeom>
+          <a:ln>
+            <a:tailEnd type="arrow"/>
+          </a:ln>
+        </p:spPr>
+        <p:style>
+          <a:lnRef idx="1">
+            <a:schemeClr val="accent1"/>
+          </a:lnRef>
+          <a:fillRef idx="0">
+            <a:schemeClr val="accent1"/>
+          </a:fillRef>
+          <a:effectRef idx="0">
+            <a:schemeClr val="accent1"/>
+          </a:effectRef>
+          <a:fontRef idx="minor">
+            <a:schemeClr val="tx1"/>
+          </a:fontRef>
+        </p:style>
+      </p:cxnSp>
     </p:spTree>
     <p:extLst>
       <p:ext uri="{BB962C8B-B14F-4D97-AF65-F5344CB8AC3E}">
-        <p14:creationId xmlns:p14="http://schemas.microsoft.com/office/powerpoint/2010/main" val="3783182460"/>
+        <p14:creationId xmlns:p14="http://schemas.microsoft.com/office/powerpoint/2010/main" val="3461019359"/>
       </p:ext>
     </p:extLst>
   </p:cSld>
@@ -6718,7 +7898,7 @@
           <p:cNvPr id="2" name="Title 1">
             <a:extLst>
               <a:ext uri="{FF2B5EF4-FFF2-40B4-BE49-F238E27FC236}">
-                <a16:creationId xmlns="" xmlns:a16="http://schemas.microsoft.com/office/drawing/2014/main" id="{311A6BE9-6C17-4897-9D97-E942C4BACE8E}"/>
+                <a16:creationId xmlns:a16="http://schemas.microsoft.com/office/drawing/2014/main" xmlns="" id="{311A6BE9-6C17-4897-9D97-E942C4BACE8E}"/>
               </a:ext>
             </a:extLst>
           </p:cNvPr>
@@ -6731,12 +7911,22 @@
         </p:nvSpPr>
         <p:spPr/>
         <p:txBody>
-          <a:bodyPr/>
+          <a:bodyPr>
+            <a:normAutofit/>
+          </a:bodyPr>
           <a:lstStyle/>
           <a:p>
             <a:r>
-              <a:rPr lang="en-US" dirty="0"/>
-              <a:t>Stochastic Gradient Boosting</a:t>
+              <a:rPr lang="en-US" sz="4000" dirty="0"/>
+              <a:t>Tuned Stochastic Gradient Boosting (using </a:t>
+            </a:r>
+            <a:r>
+              <a:rPr lang="en-US" sz="4000" dirty="0" err="1"/>
+              <a:t>GridSearchCV</a:t>
+            </a:r>
+            <a:r>
+              <a:rPr lang="en-US" sz="4000" dirty="0"/>
+              <a:t>)</a:t>
             </a:r>
           </a:p>
         </p:txBody>
@@ -6746,7 +7936,7 @@
           <p:cNvPr id="3" name="Content Placeholder 2">
             <a:extLst>
               <a:ext uri="{FF2B5EF4-FFF2-40B4-BE49-F238E27FC236}">
-                <a16:creationId xmlns="" xmlns:a16="http://schemas.microsoft.com/office/drawing/2014/main" id="{2A04DB55-EDC7-4FA2-90CF-E5F236F69ACE}"/>
+                <a16:creationId xmlns:a16="http://schemas.microsoft.com/office/drawing/2014/main" xmlns="" id="{2A04DB55-EDC7-4FA2-90CF-E5F236F69ACE}"/>
               </a:ext>
             </a:extLst>
           </p:cNvPr>
@@ -6759,8 +7949,8 @@
         </p:nvSpPr>
         <p:spPr>
           <a:xfrm>
-            <a:off x="544286" y="1799847"/>
-            <a:ext cx="2939143" cy="3367159"/>
+            <a:off x="342901" y="2157208"/>
+            <a:ext cx="3004457" cy="3367159"/>
           </a:xfrm>
         </p:spPr>
         <p:txBody>
@@ -6768,39 +7958,48 @@
           <a:lstStyle/>
           <a:p>
             <a:r>
-              <a:rPr lang="en-US" sz="2000" dirty="0"/>
-              <a:t>Parameters</a:t>
+              <a:rPr lang="en-US" sz="2000" b="1" dirty="0"/>
+              <a:t>Best Parameters</a:t>
             </a:r>
           </a:p>
           <a:p>
             <a:pPr lvl="1"/>
             <a:r>
               <a:rPr lang="en-US" sz="1600" dirty="0"/>
-              <a:t>Learning Rate: 0.1</a:t>
-            </a:r>
+              <a:t>Trees: </a:t>
+            </a:r>
+            <a:r>
+              <a:rPr lang="en-US" sz="1600" dirty="0" smtClean="0"/>
+              <a:t>650</a:t>
+            </a:r>
+            <a:endParaRPr lang="en-US" sz="1600" dirty="0"/>
           </a:p>
           <a:p>
             <a:pPr lvl="1"/>
             <a:r>
+              <a:rPr lang="en-US" sz="1600" dirty="0"/>
+              <a:t>Learning Rate: </a:t>
+            </a:r>
+            <a:r>
               <a:rPr lang="en-US" sz="1600" dirty="0" smtClean="0"/>
-              <a:t>Subsample: 2/3</a:t>
-            </a:r>
+              <a:t>0.05</a:t>
+            </a:r>
+            <a:endParaRPr lang="en-US" sz="1600" dirty="0"/>
           </a:p>
           <a:p>
             <a:pPr lvl="1"/>
             <a:r>
-              <a:rPr lang="en-US" sz="1600" dirty="0" smtClean="0"/>
-              <a:t>Depth: 3</a:t>
-            </a:r>
-            <a:endParaRPr lang="en-US" sz="1600" dirty="0"/>
-          </a:p>
-          <a:p>
-            <a:r>
-              <a:rPr lang="en-US" sz="2000" dirty="0"/>
+              <a:rPr lang="en-US" sz="1600" dirty="0"/>
+              <a:t>Subsample = 2/3</a:t>
+            </a:r>
+          </a:p>
+          <a:p>
+            <a:r>
+              <a:rPr lang="en-US" sz="2000" b="1" dirty="0"/>
               <a:t>R</a:t>
             </a:r>
             <a:r>
-              <a:rPr lang="en-US" sz="2000" baseline="30000" dirty="0"/>
+              <a:rPr lang="en-US" sz="2000" b="1" baseline="30000" dirty="0"/>
               <a:t>2</a:t>
             </a:r>
           </a:p>
@@ -6808,19 +8007,19 @@
             <a:pPr lvl="1"/>
             <a:r>
               <a:rPr lang="en-US" sz="1600" dirty="0"/>
-              <a:t>Training: 96%</a:t>
+              <a:t>Training: 99%</a:t>
             </a:r>
           </a:p>
           <a:p>
             <a:pPr lvl="1"/>
             <a:r>
               <a:rPr lang="en-US" sz="1600" dirty="0"/>
-              <a:t>Test: 92%</a:t>
-            </a:r>
-          </a:p>
-          <a:p>
-            <a:r>
-              <a:rPr lang="en-US" sz="2000" dirty="0"/>
+              <a:t>Test: 93%</a:t>
+            </a:r>
+          </a:p>
+          <a:p>
+            <a:r>
+              <a:rPr lang="en-US" sz="2000" b="1" dirty="0"/>
               <a:t>RMSE</a:t>
             </a:r>
           </a:p>
@@ -6828,14 +8027,14 @@
             <a:pPr lvl="1"/>
             <a:r>
               <a:rPr lang="en-US" sz="1600" dirty="0"/>
-              <a:t>Training: .0835</a:t>
+              <a:t>Training: .0454</a:t>
             </a:r>
           </a:p>
           <a:p>
             <a:pPr lvl="1"/>
             <a:r>
               <a:rPr lang="en-US" sz="1600" dirty="0"/>
-              <a:t>Test: .1125</a:t>
+              <a:t>Test: .1036</a:t>
             </a:r>
           </a:p>
           <a:p>
@@ -6843,62 +8042,32 @@
           </a:p>
         </p:txBody>
       </p:sp>
-      <p:pic>
-        <p:nvPicPr>
-          <p:cNvPr id="4" name="Picture 3">
-            <a:extLst>
-              <a:ext uri="{FF2B5EF4-FFF2-40B4-BE49-F238E27FC236}">
-                <a16:creationId xmlns="" xmlns:a16="http://schemas.microsoft.com/office/drawing/2014/main" id="{4CCE2B17-C66B-4A03-A63C-F0B2DDACC664}"/>
-              </a:ext>
-            </a:extLst>
-          </p:cNvPr>
-          <p:cNvPicPr>
-            <a:picLocks noChangeAspect="1"/>
-          </p:cNvPicPr>
+      <p:sp>
+        <p:nvSpPr>
+          <p:cNvPr id="5" name="Content Placeholder 2">
+            <a:extLst>
+              <a:ext uri="{FF2B5EF4-FFF2-40B4-BE49-F238E27FC236}">
+                <a16:creationId xmlns:a16="http://schemas.microsoft.com/office/drawing/2014/main" xmlns="" id="{D9A464F3-D21B-4B8F-8651-40EF6D9DAAE5}"/>
+              </a:ext>
+            </a:extLst>
+          </p:cNvPr>
+          <p:cNvSpPr txBox="1">
+            <a:spLocks/>
+          </p:cNvSpPr>
           <p:nvPr/>
-        </p:nvPicPr>
-        <p:blipFill>
-          <a:blip r:embed="rId2"/>
-          <a:stretch>
-            <a:fillRect/>
-          </a:stretch>
-        </p:blipFill>
+        </p:nvSpPr>
         <p:spPr>
           <a:xfrm>
-            <a:off x="8093552" y="1976183"/>
-            <a:ext cx="3617387" cy="3014489"/>
+            <a:off x="838200" y="5340612"/>
+            <a:ext cx="9222996" cy="858852"/>
           </a:xfrm>
           <a:prstGeom prst="rect">
             <a:avLst/>
           </a:prstGeom>
         </p:spPr>
-      </p:pic>
-      <p:sp>
-        <p:nvSpPr>
-          <p:cNvPr id="5" name="Content Placeholder 2">
-            <a:extLst>
-              <a:ext uri="{FF2B5EF4-FFF2-40B4-BE49-F238E27FC236}">
-                <a16:creationId xmlns="" xmlns:a16="http://schemas.microsoft.com/office/drawing/2014/main" id="{D9A464F3-D21B-4B8F-8651-40EF6D9DAAE5}"/>
-              </a:ext>
-            </a:extLst>
-          </p:cNvPr>
-          <p:cNvSpPr txBox="1">
-            <a:spLocks/>
-          </p:cNvSpPr>
-          <p:nvPr/>
-        </p:nvSpPr>
-        <p:spPr>
-          <a:xfrm>
-            <a:off x="838200" y="5546881"/>
-            <a:ext cx="9222996" cy="1077076"/>
-          </a:xfrm>
-          <a:prstGeom prst="rect">
-            <a:avLst/>
-          </a:prstGeom>
-        </p:spPr>
         <p:txBody>
           <a:bodyPr vert="horz" lIns="91440" tIns="45720" rIns="91440" bIns="45720" rtlCol="0">
-            <a:normAutofit lnSpcReduction="10000"/>
+            <a:normAutofit/>
           </a:bodyPr>
           <a:lstStyle>
             <a:lvl1pPr marL="228600" indent="-228600" algn="l" defTabSz="914400" rtl="0" eaLnBrk="1" latinLnBrk="0" hangingPunct="1">
@@ -7068,74 +8237,20 @@
             <a:pPr marL="0" indent="0">
               <a:buNone/>
             </a:pPr>
-            <a:r>
-              <a:rPr lang="en-US" sz="2000" b="1" dirty="0"/>
-              <a:t>THOUGHTS</a:t>
-            </a:r>
-            <a:r>
-              <a:rPr lang="en-US" sz="2000" dirty="0"/>
-              <a:t>: </a:t>
-            </a:r>
-            <a:r>
-              <a:rPr lang="en-US" sz="2000" dirty="0" smtClean="0"/>
-              <a:t>Major </a:t>
-            </a:r>
-            <a:r>
-              <a:rPr lang="en-US" sz="2000" dirty="0"/>
-              <a:t>improvements to the test scores and </a:t>
-            </a:r>
-            <a:r>
-              <a:rPr lang="en-US" sz="2000" dirty="0"/>
-              <a:t>RMSE. </a:t>
-            </a:r>
-          </a:p>
-          <a:p>
-            <a:pPr marL="0" indent="0">
-              <a:buNone/>
-            </a:pPr>
-            <a:r>
-              <a:rPr lang="en-US" sz="2000" dirty="0"/>
-              <a:t>Test </a:t>
-            </a:r>
-            <a:r>
-              <a:rPr lang="en-US" sz="2000" dirty="0" smtClean="0"/>
-              <a:t>R</a:t>
-            </a:r>
-            <a:r>
-              <a:rPr lang="en-US" sz="2000" baseline="30000" dirty="0" smtClean="0"/>
-              <a:t>2</a:t>
-            </a:r>
-            <a:r>
-              <a:rPr lang="en-US" sz="2000" dirty="0" smtClean="0"/>
-              <a:t> </a:t>
-            </a:r>
-            <a:r>
-              <a:rPr lang="en-US" sz="2000" dirty="0"/>
-              <a:t>: 88% -&gt; 92%</a:t>
-            </a:r>
-          </a:p>
-          <a:p>
-            <a:pPr marL="0" indent="0">
-              <a:buNone/>
-            </a:pPr>
-            <a:r>
-              <a:rPr lang="en-US" sz="2000" dirty="0"/>
-              <a:t>Test RMSE : .1361 -&gt; .1125</a:t>
-            </a:r>
-            <a:endParaRPr lang="en-US" sz="2000" dirty="0"/>
+            <a:endParaRPr lang="en-US" sz="2000" dirty="0" smtClean="0"/>
           </a:p>
         </p:txBody>
       </p:sp>
       <p:pic>
         <p:nvPicPr>
-          <p:cNvPr id="6146" name="Picture 2"/>
+          <p:cNvPr id="7170" name="Picture 2"/>
           <p:cNvPicPr>
             <a:picLocks noChangeAspect="1" noChangeArrowheads="1"/>
           </p:cNvPicPr>
           <p:nvPr/>
         </p:nvPicPr>
         <p:blipFill>
-          <a:blip r:embed="rId3">
+          <a:blip r:embed="rId2">
             <a:extLst>
               <a:ext uri="{28A0092B-C50C-407E-A947-70E740481C1C}">
                 <a14:useLocalDpi xmlns:a14="http://schemas.microsoft.com/office/drawing/2010/main" val="0"/>
@@ -7149,8 +8264,8 @@
         </p:blipFill>
         <p:spPr bwMode="auto">
           <a:xfrm>
-            <a:off x="3238500" y="2068711"/>
-            <a:ext cx="4528457" cy="3003568"/>
+            <a:off x="4108344" y="2214807"/>
+            <a:ext cx="6031699" cy="3621839"/>
           </a:xfrm>
           <a:prstGeom prst="rect">
             <a:avLst/>
@@ -7198,8 +8313,8 @@
         </p:nvSpPr>
         <p:spPr>
           <a:xfrm>
-            <a:off x="3792182" y="1723209"/>
-            <a:ext cx="3717941" cy="369332"/>
+            <a:off x="5708545" y="1904218"/>
+            <a:ext cx="3406216" cy="369332"/>
           </a:xfrm>
           <a:prstGeom prst="rect">
             <a:avLst/>
@@ -7207,22 +8322,14 @@
           <a:noFill/>
         </p:spPr>
         <p:txBody>
-          <a:bodyPr wrap="none" rtlCol="0">
+          <a:bodyPr wrap="square" rtlCol="0">
             <a:spAutoFit/>
           </a:bodyPr>
           <a:lstStyle/>
           <a:p>
             <a:r>
               <a:rPr lang="en-US" b="1" dirty="0" smtClean="0"/>
-              <a:t>Improvement with </a:t>
-            </a:r>
-            <a:r>
-              <a:rPr lang="en-US" b="1" dirty="0" err="1" smtClean="0"/>
-              <a:t>Stoch</a:t>
-            </a:r>
-            <a:r>
-              <a:rPr lang="en-US" b="1" dirty="0" smtClean="0"/>
-              <a:t>. G-Boosting</a:t>
+              <a:t>Final Top 10 Important Variables</a:t>
             </a:r>
             <a:endParaRPr lang="en-US" b="1" dirty="0"/>
           </a:p>
@@ -7231,7 +8338,7 @@
     </p:spTree>
     <p:extLst>
       <p:ext uri="{BB962C8B-B14F-4D97-AF65-F5344CB8AC3E}">
-        <p14:creationId xmlns:p14="http://schemas.microsoft.com/office/powerpoint/2010/main" val="3461019359"/>
+        <p14:creationId xmlns:p14="http://schemas.microsoft.com/office/powerpoint/2010/main" val="1626396301"/>
       </p:ext>
     </p:extLst>
   </p:cSld>
@@ -7530,7 +8637,7 @@
   <a:extraClrSchemeLst/>
   <a:extLst>
     <a:ext uri="{05A4C25C-085E-4340-85A3-A5531E510DB2}">
-      <thm15:themeFamily xmlns="" xmlns:thm15="http://schemas.microsoft.com/office/thememl/2012/main" name="Office Theme" id="{62F939B6-93AF-4DB8-9C6B-D6C7DFDC589F}" vid="{4A3C46E8-61CC-4603-A589-7422A47A8E4A}"/>
+      <thm15:themeFamily xmlns:thm15="http://schemas.microsoft.com/office/thememl/2012/main" xmlns="" name="Office Theme" id="{62F939B6-93AF-4DB8-9C6B-D6C7DFDC589F}" vid="{4A3C46E8-61CC-4603-A589-7422A47A8E4A}"/>
     </a:ext>
   </a:extLst>
 </a:theme>
